--- a/新人研修.pptx
+++ b/新人研修.pptx
@@ -3546,11 +3546,7 @@
             <a:pPr lvl="2"/>
             <a:r>
               <a:rPr kumimoji="1" lang="en-US" altLang="ja-JP" dirty="0" smtClean="0"/>
-              <a:t>TERASOLUNA IDE3 </a:t>
-            </a:r>
-            <a:r>
-              <a:rPr kumimoji="1" lang="en-US" altLang="ja-JP" dirty="0" smtClean="0"/>
-              <a:t>(?)</a:t>
+              <a:t>TERASOLUNA IDE3 (?)</a:t>
             </a:r>
           </a:p>
           <a:p>
@@ -3651,7 +3647,7 @@
         </p:spPr>
         <p:txBody>
           <a:bodyPr>
-            <a:normAutofit fontScale="92500" lnSpcReduction="10000"/>
+            <a:normAutofit lnSpcReduction="10000"/>
           </a:bodyPr>
           <a:lstStyle/>
           <a:p>
@@ -3750,10 +3746,6 @@
               <a:rPr lang="en-US" altLang="ja-JP" sz="2400" dirty="0" smtClean="0"/>
               <a:t>Editor</a:t>
             </a:r>
-            <a:r>
-              <a:rPr lang="en-US" altLang="ja-JP" sz="2400" dirty="0" smtClean="0"/>
-              <a:t/>
-            </a:r>
             <a:br>
               <a:rPr lang="en-US" altLang="ja-JP" sz="2400" dirty="0" smtClean="0"/>
             </a:br>
@@ -3773,7 +3765,6 @@
               <a:rPr lang="en-US" altLang="ja-JP" sz="2400" dirty="0" smtClean="0"/>
               <a:t>Viewer</a:t>
             </a:r>
-            <a:endParaRPr lang="en-US" altLang="ja-JP" sz="2400" dirty="0" smtClean="0"/>
           </a:p>
           <a:p>
             <a:pPr lvl="1"/>
@@ -3783,39 +3774,19 @@
             <a:pPr lvl="1"/>
             <a:r>
               <a:rPr lang="ja-JP" altLang="en-US" sz="2000" dirty="0" smtClean="0"/>
-              <a:t>開発</a:t>
-            </a:r>
-            <a:r>
-              <a:rPr lang="ja-JP" altLang="en-US" sz="2000" dirty="0" smtClean="0"/>
-              <a:t>工程の基本的な流れを体験（要件定義、設計、実装、テスト）</a:t>
+              <a:t>開発工程の基本的な流れを体験（要件定義、設計、実装、テスト）</a:t>
             </a:r>
             <a:endParaRPr lang="en-US" altLang="ja-JP" sz="2000" dirty="0" smtClean="0"/>
           </a:p>
           <a:p>
             <a:pPr lvl="1"/>
             <a:r>
-              <a:rPr lang="en-US" altLang="ja-JP" sz="2000" dirty="0" smtClean="0"/>
-              <a:t>Sirius</a:t>
-            </a:r>
-            <a:r>
-              <a:rPr lang="ja-JP" altLang="en-US" sz="2000" dirty="0" smtClean="0"/>
-              <a:t>の調査（</a:t>
-            </a:r>
-            <a:r>
-              <a:rPr lang="en-US" altLang="ja-JP" sz="2000" dirty="0" smtClean="0"/>
-              <a:t>GMF,EMF</a:t>
-            </a:r>
-            <a:r>
-              <a:rPr lang="ja-JP" altLang="en-US" sz="2000" dirty="0" smtClean="0"/>
-              <a:t>との違い）</a:t>
-            </a:r>
-            <a:endParaRPr lang="en-US" altLang="ja-JP" sz="2000" dirty="0" smtClean="0"/>
-          </a:p>
-          <a:p>
-            <a:pPr lvl="1"/>
+              <a:rPr lang="ja-JP" altLang="en-US" sz="2000" smtClean="0"/>
+              <a:t>既存</a:t>
+            </a:r>
             <a:r>
               <a:rPr lang="ja-JP" altLang="en-US" sz="2000" dirty="0"/>
-              <a:t>既存ツールに対する新機能の提案</a:t>
+              <a:t>ツールに対する新機能の提案</a:t>
             </a:r>
             <a:endParaRPr lang="en-US" altLang="ja-JP" sz="2000" dirty="0"/>
           </a:p>
@@ -3862,11 +3833,7 @@
             <a:pPr lvl="1"/>
             <a:r>
               <a:rPr lang="ja-JP" altLang="en-US" sz="2000" dirty="0" smtClean="0"/>
-              <a:t>調査</a:t>
-            </a:r>
-            <a:r>
-              <a:rPr lang="ja-JP" altLang="en-US" sz="2000" dirty="0" smtClean="0"/>
-              <a:t>資料</a:t>
+              <a:t>調査資料</a:t>
             </a:r>
             <a:endParaRPr lang="en-US" altLang="ja-JP" sz="2000" dirty="0" smtClean="0"/>
           </a:p>
@@ -4174,11 +4141,11 @@
   <p:clrMapOvr>
     <a:masterClrMapping/>
   </p:clrMapOvr>
-  <mc:AlternateContent xmlns:mc="http://schemas.openxmlformats.org/markup-compatibility/2006">
-    <mc:Choice xmlns:p14="http://schemas.microsoft.com/office/powerpoint/2010/main" Requires="p14">
+  <mc:AlternateContent xmlns:mc="http://schemas.openxmlformats.org/markup-compatibility/2006" xmlns:p14="http://schemas.microsoft.com/office/powerpoint/2010/main">
+    <mc:Choice Requires="p14">
       <p:transition spd="slow" p14:dur="2000"/>
     </mc:Choice>
-    <mc:Fallback>
+    <mc:Fallback xmlns="">
       <p:transition spd="slow"/>
     </mc:Fallback>
   </mc:AlternateContent>
@@ -5380,11 +5347,7 @@
                     <a:p>
                       <a:r>
                         <a:rPr kumimoji="1" lang="ja-JP" altLang="en-US" dirty="0" smtClean="0"/>
-                        <a:t>　</a:t>
-                      </a:r>
-                      <a:r>
-                        <a:rPr kumimoji="1" lang="ja-JP" altLang="en-US" dirty="0" smtClean="0"/>
-                        <a:t>チーム側タスク</a:t>
+                        <a:t>　チーム側タスク</a:t>
                       </a:r>
                       <a:endParaRPr kumimoji="1" lang="en-US" altLang="ja-JP" dirty="0" smtClean="0"/>
                     </a:p>
@@ -6873,11 +6836,7 @@
                     <a:p>
                       <a:r>
                         <a:rPr kumimoji="1" lang="ja-JP" altLang="en-US" dirty="0" smtClean="0"/>
-                        <a:t>　</a:t>
-                      </a:r>
-                      <a:r>
-                        <a:rPr kumimoji="1" lang="ja-JP" altLang="en-US" dirty="0" smtClean="0"/>
-                        <a:t>チーム側タスク</a:t>
+                        <a:t>　チーム側タスク</a:t>
                       </a:r>
                       <a:endParaRPr kumimoji="1" lang="en-US" altLang="ja-JP" dirty="0" smtClean="0"/>
                     </a:p>
@@ -8776,7 +8735,6 @@
               <a:rPr kumimoji="1" lang="en-US" altLang="ja-JP" dirty="0" smtClean="0"/>
               <a:t>Editor</a:t>
             </a:r>
-            <a:endParaRPr kumimoji="1" lang="en-US" altLang="ja-JP" dirty="0" smtClean="0"/>
           </a:p>
           <a:p>
             <a:r>
@@ -8785,11 +8743,7 @@
             </a:r>
             <a:r>
               <a:rPr lang="ja-JP" altLang="en-US" dirty="0" smtClean="0"/>
-              <a:t>で</a:t>
-            </a:r>
-            <a:r>
-              <a:rPr lang="ja-JP" altLang="en-US" dirty="0" smtClean="0"/>
-              <a:t>作るチャートの</a:t>
+              <a:t>で作るチャートの</a:t>
             </a:r>
             <a:r>
               <a:rPr lang="en-US" altLang="ja-JP" dirty="0" smtClean="0"/>

--- a/新人研修.pptx
+++ b/新人研修.pptx
@@ -6,15 +6,12 @@
   </p:sldMasterIdLst>
   <p:sldIdLst>
     <p:sldId id="267" r:id="rId2"/>
-    <p:sldId id="258" r:id="rId3"/>
-    <p:sldId id="259" r:id="rId4"/>
+    <p:sldId id="268" r:id="rId3"/>
+    <p:sldId id="258" r:id="rId4"/>
     <p:sldId id="261" r:id="rId5"/>
-    <p:sldId id="260" r:id="rId6"/>
-    <p:sldId id="262" r:id="rId7"/>
+    <p:sldId id="264" r:id="rId6"/>
+    <p:sldId id="266" r:id="rId7"/>
     <p:sldId id="263" r:id="rId8"/>
-    <p:sldId id="266" r:id="rId9"/>
-    <p:sldId id="264" r:id="rId10"/>
-    <p:sldId id="265" r:id="rId11"/>
   </p:sldIdLst>
   <p:sldSz cx="9144000" cy="6858000" type="screen4x3"/>
   <p:notesSz cx="6858000" cy="9144000"/>
@@ -113,6 +110,22 @@
       </a:defRPr>
     </a:lvl9pPr>
   </p:defaultTextStyle>
+  <p:extLst>
+    <p:ext uri="{EFAFB233-063F-42B5-8137-9DF3F51BA10A}">
+      <p15:sldGuideLst xmlns:p15="http://schemas.microsoft.com/office/powerpoint/2012/main">
+        <p15:guide id="1" orient="horz" pos="2160">
+          <p15:clr>
+            <a:srgbClr val="A4A3A4"/>
+          </p15:clr>
+        </p15:guide>
+        <p15:guide id="2" pos="2880">
+          <p15:clr>
+            <a:srgbClr val="A4A3A4"/>
+          </p15:clr>
+        </p15:guide>
+      </p15:sldGuideLst>
+    </p:ext>
+  </p:extLst>
 </p:presentation>
 </file>
 
@@ -3359,7 +3372,18 @@
           <a:p>
             <a:r>
               <a:rPr kumimoji="1" lang="ja-JP" altLang="en-US" sz="2800" dirty="0" smtClean="0"/>
-              <a:t>研修内容</a:t>
+              <a:t>研修概要</a:t>
+            </a:r>
+            <a:endParaRPr kumimoji="1" lang="en-US" altLang="ja-JP" sz="2800" dirty="0" smtClean="0"/>
+          </a:p>
+          <a:p>
+            <a:r>
+              <a:rPr kumimoji="1" lang="ja-JP" altLang="en-US" sz="2800" dirty="0" smtClean="0"/>
+              <a:t>研修</a:t>
+            </a:r>
+            <a:r>
+              <a:rPr kumimoji="1" lang="ja-JP" altLang="en-US" sz="2800" dirty="0" smtClean="0"/>
+              <a:t>内容</a:t>
             </a:r>
             <a:endParaRPr kumimoji="1" lang="en-US" altLang="ja-JP" sz="2800" dirty="0" smtClean="0"/>
           </a:p>
@@ -3374,23 +3398,11 @@
             <a:pPr lvl="1"/>
             <a:r>
               <a:rPr kumimoji="1" lang="ja-JP" altLang="en-US" sz="2400" dirty="0" smtClean="0"/>
-              <a:t>研修開始前</a:t>
-            </a:r>
-            <a:endParaRPr kumimoji="1" lang="en-US" altLang="ja-JP" sz="2400" dirty="0" smtClean="0"/>
-          </a:p>
-          <a:p>
-            <a:pPr lvl="2"/>
-            <a:r>
-              <a:rPr kumimoji="1" lang="ja-JP" altLang="en-US" sz="2000" dirty="0" smtClean="0"/>
-              <a:t>スケジュール</a:t>
-            </a:r>
-            <a:endParaRPr kumimoji="1" lang="en-US" altLang="ja-JP" sz="2000" dirty="0" smtClean="0"/>
-          </a:p>
-          <a:p>
-            <a:pPr lvl="2"/>
-            <a:r>
-              <a:rPr lang="ja-JP" altLang="en-US" sz="2000" dirty="0" smtClean="0"/>
-              <a:t>タスク</a:t>
+              <a:t>研修</a:t>
+            </a:r>
+            <a:r>
+              <a:rPr kumimoji="1" lang="ja-JP" altLang="en-US" sz="2400" dirty="0" smtClean="0"/>
+              <a:t>開始前</a:t>
             </a:r>
             <a:endParaRPr kumimoji="1" lang="en-US" altLang="ja-JP" sz="2000" dirty="0" smtClean="0"/>
           </a:p>
@@ -3405,38 +3417,6 @@
               <a:t>開始後</a:t>
             </a:r>
             <a:endParaRPr lang="en-US" altLang="ja-JP" sz="2400" dirty="0" smtClean="0"/>
-          </a:p>
-          <a:p>
-            <a:pPr lvl="2"/>
-            <a:r>
-              <a:rPr lang="ja-JP" altLang="en-US" sz="2000" dirty="0" smtClean="0"/>
-              <a:t>全体スケジュール</a:t>
-            </a:r>
-            <a:endParaRPr lang="en-US" altLang="ja-JP" sz="2000" dirty="0" smtClean="0"/>
-          </a:p>
-          <a:p>
-            <a:pPr lvl="2"/>
-            <a:r>
-              <a:rPr lang="en-US" altLang="ja-JP" sz="2000" dirty="0" smtClean="0"/>
-              <a:t>1</a:t>
-            </a:r>
-            <a:r>
-              <a:rPr lang="ja-JP" altLang="en-US" sz="2000" dirty="0"/>
-              <a:t>日</a:t>
-            </a:r>
-            <a:r>
-              <a:rPr lang="ja-JP" altLang="en-US" sz="2000" dirty="0" smtClean="0"/>
-              <a:t>のスケジュール</a:t>
-            </a:r>
-            <a:endParaRPr lang="en-US" altLang="ja-JP" sz="2000" dirty="0" smtClean="0"/>
-          </a:p>
-          <a:p>
-            <a:pPr lvl="2"/>
-            <a:r>
-              <a:rPr kumimoji="1" lang="ja-JP" altLang="en-US" sz="2000" dirty="0" smtClean="0"/>
-              <a:t>研修チーム側タスク</a:t>
-            </a:r>
-            <a:endParaRPr kumimoji="1" lang="ja-JP" altLang="en-US" sz="2000" dirty="0"/>
           </a:p>
         </p:txBody>
       </p:sp>
@@ -3450,143 +3430,13 @@
   <p:clrMapOvr>
     <a:masterClrMapping/>
   </p:clrMapOvr>
-</p:sld>
-</file>
-
-<file path=ppt/slides/slide10.xml><?xml version="1.0" encoding="utf-8"?>
-<p:sld xmlns:a="http://schemas.openxmlformats.org/drawingml/2006/main" xmlns:r="http://schemas.openxmlformats.org/officeDocument/2006/relationships" xmlns:p="http://schemas.openxmlformats.org/presentationml/2006/main">
-  <p:cSld>
-    <p:spTree>
-      <p:nvGrpSpPr>
-        <p:cNvPr id="1" name=""/>
-        <p:cNvGrpSpPr/>
-        <p:nvPr/>
-      </p:nvGrpSpPr>
-      <p:grpSpPr>
-        <a:xfrm>
-          <a:off x="0" y="0"/>
-          <a:ext cx="0" cy="0"/>
-          <a:chOff x="0" y="0"/>
-          <a:chExt cx="0" cy="0"/>
-        </a:xfrm>
-      </p:grpSpPr>
-      <p:sp>
-        <p:nvSpPr>
-          <p:cNvPr id="2" name="タイトル 1"/>
-          <p:cNvSpPr>
-            <a:spLocks noGrp="1"/>
-          </p:cNvSpPr>
-          <p:nvPr>
-            <p:ph type="title"/>
-          </p:nvPr>
-        </p:nvSpPr>
-        <p:spPr/>
-        <p:txBody>
-          <a:bodyPr/>
-          <a:lstStyle/>
-          <a:p>
-            <a:endParaRPr kumimoji="1" lang="ja-JP" altLang="en-US"/>
-          </a:p>
-        </p:txBody>
-      </p:sp>
-      <p:sp>
-        <p:nvSpPr>
-          <p:cNvPr id="3" name="コンテンツ プレースホルダー 2"/>
-          <p:cNvSpPr>
-            <a:spLocks noGrp="1"/>
-          </p:cNvSpPr>
-          <p:nvPr>
-            <p:ph idx="1"/>
-          </p:nvPr>
-        </p:nvSpPr>
-        <p:spPr/>
-        <p:txBody>
-          <a:bodyPr/>
-          <a:lstStyle/>
-          <a:p>
-            <a:pPr marL="0" indent="0">
-              <a:buNone/>
-            </a:pPr>
-            <a:r>
-              <a:rPr kumimoji="1" lang="ja-JP" altLang="en-US" u="sng" dirty="0" smtClean="0"/>
-              <a:t>前提</a:t>
-            </a:r>
-            <a:endParaRPr kumimoji="1" lang="en-US" altLang="ja-JP" u="sng" dirty="0" smtClean="0"/>
-          </a:p>
-          <a:p>
-            <a:r>
-              <a:rPr kumimoji="1" lang="ja-JP" altLang="en-US" dirty="0" smtClean="0"/>
-              <a:t>新人の配属先</a:t>
-            </a:r>
-            <a:endParaRPr kumimoji="1" lang="en-US" altLang="ja-JP" dirty="0" smtClean="0"/>
-          </a:p>
-          <a:p>
-            <a:pPr lvl="1"/>
-            <a:r>
-              <a:rPr kumimoji="1" lang="ja-JP" altLang="en-US" dirty="0" smtClean="0"/>
-              <a:t>久米さん、本間さん、横田さん</a:t>
-            </a:r>
-            <a:endParaRPr kumimoji="1" lang="en-US" altLang="ja-JP" dirty="0" smtClean="0"/>
-          </a:p>
-          <a:p>
-            <a:pPr lvl="2"/>
-            <a:r>
-              <a:rPr lang="en-US" altLang="ja-JP" dirty="0" smtClean="0"/>
-              <a:t>ZIPC Designer</a:t>
-            </a:r>
-          </a:p>
-          <a:p>
-            <a:pPr lvl="2"/>
-            <a:r>
-              <a:rPr lang="en-US" altLang="ja-JP" dirty="0" smtClean="0"/>
-              <a:t>ZIPC TERAS</a:t>
-            </a:r>
-          </a:p>
-          <a:p>
-            <a:pPr lvl="2"/>
-            <a:r>
-              <a:rPr kumimoji="1" lang="en-US" altLang="ja-JP" dirty="0" smtClean="0"/>
-              <a:t>TERASOLUNA IDE3 (?)</a:t>
-            </a:r>
-          </a:p>
-          <a:p>
-            <a:pPr lvl="1"/>
-            <a:r>
-              <a:rPr lang="ja-JP" altLang="en-US" dirty="0" smtClean="0"/>
-              <a:t>呉屋さん</a:t>
-            </a:r>
-            <a:endParaRPr lang="en-US" altLang="ja-JP" dirty="0" smtClean="0"/>
-          </a:p>
-          <a:p>
-            <a:pPr lvl="2"/>
-            <a:r>
-              <a:rPr kumimoji="1" lang="ja-JP" altLang="en-US" dirty="0" smtClean="0"/>
-              <a:t>沖縄</a:t>
-            </a:r>
-            <a:endParaRPr lang="en-US" altLang="ja-JP" dirty="0"/>
-          </a:p>
-          <a:p>
-            <a:pPr marL="914400" lvl="2" indent="0">
-              <a:buNone/>
-            </a:pPr>
-            <a:endParaRPr lang="en-US" altLang="ja-JP" dirty="0"/>
-          </a:p>
-          <a:p>
-            <a:pPr lvl="2"/>
-            <a:endParaRPr kumimoji="1" lang="ja-JP" altLang="en-US" dirty="0"/>
-          </a:p>
-        </p:txBody>
-      </p:sp>
-    </p:spTree>
-    <p:extLst>
-      <p:ext uri="{BB962C8B-B14F-4D97-AF65-F5344CB8AC3E}">
-        <p14:creationId xmlns:p14="http://schemas.microsoft.com/office/powerpoint/2010/main" val="566496744"/>
-      </p:ext>
-    </p:extLst>
-  </p:cSld>
-  <p:clrMapOvr>
-    <a:masterClrMapping/>
-  </p:clrMapOvr>
+  <p:timing>
+    <p:tnLst>
+      <p:par>
+        <p:cTn id="1" dur="indefinite" restart="never" nodeType="tmRoot"/>
+      </p:par>
+    </p:tnLst>
+  </p:timing>
 </p:sld>
 </file>
 
@@ -3609,7 +3459,7 @@
       </p:grpSpPr>
       <p:sp>
         <p:nvSpPr>
-          <p:cNvPr id="3" name="タイトル 2"/>
+          <p:cNvPr id="2" name="タイトル 1"/>
           <p:cNvSpPr>
             <a:spLocks noGrp="1"/>
           </p:cNvSpPr>
@@ -3623,8 +3473,8 @@
           <a:lstStyle/>
           <a:p>
             <a:r>
-              <a:rPr lang="ja-JP" altLang="en-US" dirty="0" smtClean="0"/>
-              <a:t>研修概要</a:t>
+              <a:rPr lang="ja-JP" altLang="en-US" dirty="0"/>
+              <a:t>前提</a:t>
             </a:r>
             <a:endParaRPr kumimoji="1" lang="ja-JP" altLang="en-US" dirty="0"/>
           </a:p>
@@ -3632,7 +3482,7 @@
       </p:sp>
       <p:sp>
         <p:nvSpPr>
-          <p:cNvPr id="2" name="コンテンツ プレースホルダー 1"/>
+          <p:cNvPr id="3" name="コンテンツ プレースホルダー 2"/>
           <p:cNvSpPr>
             <a:spLocks noGrp="1"/>
           </p:cNvSpPr>
@@ -3640,11 +3490,7 @@
             <p:ph idx="1"/>
           </p:nvPr>
         </p:nvSpPr>
-        <p:spPr>
-          <a:prstGeom prst="rect">
-            <a:avLst/>
-          </a:prstGeom>
-        </p:spPr>
+        <p:spPr/>
         <p:txBody>
           <a:bodyPr>
             <a:normAutofit lnSpcReduction="10000"/>
@@ -3652,221 +3498,209 @@
           <a:lstStyle/>
           <a:p>
             <a:r>
-              <a:rPr lang="ja-JP" altLang="en-US" sz="2600" dirty="0" smtClean="0"/>
-              <a:t>期間</a:t>
-            </a:r>
-            <a:endParaRPr lang="en-US" altLang="ja-JP" sz="2600" dirty="0" smtClean="0"/>
+              <a:rPr lang="ja-JP" altLang="en-US" sz="2800" dirty="0" smtClean="0"/>
+              <a:t>体制（敬称略）</a:t>
+            </a:r>
+            <a:endParaRPr lang="en-US" altLang="ja-JP" sz="2800" dirty="0" smtClean="0"/>
           </a:p>
           <a:p>
             <a:pPr lvl="1"/>
             <a:r>
+              <a:rPr lang="ja-JP" altLang="en-US" sz="2400" dirty="0" smtClean="0"/>
+              <a:t>第２</a:t>
+            </a:r>
+            <a:r>
+              <a:rPr lang="en-US" altLang="ja-JP" sz="2400" dirty="0" smtClean="0"/>
+              <a:t>G</a:t>
+            </a:r>
+            <a:r>
+              <a:rPr kumimoji="1" lang="ja-JP" altLang="en-US" sz="2400" dirty="0" smtClean="0"/>
+              <a:t>研修担当チーム</a:t>
+            </a:r>
+            <a:endParaRPr kumimoji="1" lang="en-US" altLang="ja-JP" dirty="0" smtClean="0"/>
+          </a:p>
+          <a:p>
+            <a:pPr lvl="2"/>
+            <a:r>
+              <a:rPr kumimoji="1" lang="ja-JP" altLang="en-US" sz="2000" dirty="0" smtClean="0"/>
+              <a:t>技術サポート：坂本</a:t>
+            </a:r>
+            <a:r>
+              <a:rPr kumimoji="1" lang="en-US" altLang="ja-JP" sz="2000" dirty="0" smtClean="0"/>
+              <a:t>, </a:t>
+            </a:r>
+            <a:r>
+              <a:rPr kumimoji="1" lang="ja-JP" altLang="en-US" sz="2000" dirty="0" smtClean="0"/>
+              <a:t>吉田</a:t>
+            </a:r>
+            <a:r>
+              <a:rPr kumimoji="1" lang="en-US" altLang="ja-JP" sz="2000" dirty="0" smtClean="0"/>
+              <a:t>, </a:t>
+            </a:r>
+            <a:r>
+              <a:rPr kumimoji="1" lang="ja-JP" altLang="en-US" sz="2000" dirty="0" smtClean="0"/>
+              <a:t>柳澤</a:t>
+            </a:r>
+            <a:endParaRPr kumimoji="1" lang="en-US" altLang="ja-JP" sz="2000" dirty="0" smtClean="0"/>
+          </a:p>
+          <a:p>
+            <a:pPr lvl="2"/>
+            <a:r>
+              <a:rPr lang="ja-JP" altLang="en-US" sz="2000" dirty="0" smtClean="0"/>
+              <a:t>全般サポート：齋藤</a:t>
+            </a:r>
+            <a:endParaRPr lang="en-US" altLang="ja-JP" sz="2000" dirty="0" smtClean="0"/>
+          </a:p>
+          <a:p>
+            <a:pPr lvl="2"/>
+            <a:r>
+              <a:rPr lang="ja-JP" altLang="en-US" sz="2000" dirty="0" smtClean="0"/>
+              <a:t>（適宜サポート：森嶋</a:t>
+            </a:r>
+            <a:r>
               <a:rPr lang="en-US" altLang="ja-JP" sz="2000" dirty="0" smtClean="0"/>
-              <a:t>6/6</a:t>
+              <a:t>, </a:t>
             </a:r>
             <a:r>
               <a:rPr lang="ja-JP" altLang="en-US" sz="2000" dirty="0" smtClean="0"/>
-              <a:t>（月）～</a:t>
+              <a:t>永木</a:t>
             </a:r>
             <a:r>
               <a:rPr lang="en-US" altLang="ja-JP" sz="2000" dirty="0" smtClean="0"/>
-              <a:t>6/27</a:t>
+              <a:t>, </a:t>
             </a:r>
             <a:r>
               <a:rPr lang="ja-JP" altLang="en-US" sz="2000" dirty="0" smtClean="0"/>
-              <a:t>（月）　</a:t>
+              <a:t>阿部）</a:t>
+            </a:r>
+            <a:endParaRPr lang="en-US" altLang="ja-JP" sz="2000" dirty="0" smtClean="0"/>
+          </a:p>
+          <a:p>
+            <a:pPr lvl="1"/>
+            <a:r>
+              <a:rPr lang="ja-JP" altLang="en-US" sz="2400" dirty="0" smtClean="0"/>
+              <a:t>新人（４名）</a:t>
+            </a:r>
+            <a:endParaRPr lang="en-US" altLang="ja-JP" dirty="0"/>
+          </a:p>
+          <a:p>
+            <a:pPr lvl="2"/>
+            <a:r>
+              <a:rPr lang="ja-JP" altLang="en-US" sz="2000" dirty="0" smtClean="0"/>
+              <a:t>呉屋</a:t>
             </a:r>
             <a:r>
               <a:rPr lang="en-US" altLang="ja-JP" sz="2000" dirty="0" smtClean="0"/>
-              <a:t>16</a:t>
+              <a:t>, </a:t>
             </a:r>
             <a:r>
               <a:rPr lang="ja-JP" altLang="en-US" sz="2000" dirty="0" smtClean="0"/>
-              <a:t>日間</a:t>
+              <a:t>久米</a:t>
             </a:r>
             <a:r>
               <a:rPr lang="en-US" altLang="ja-JP" sz="2000" dirty="0" smtClean="0"/>
-              <a:t/>
-            </a:r>
-            <a:br>
+              <a:t>, </a:t>
+            </a:r>
+            <a:r>
+              <a:rPr lang="ja-JP" altLang="en-US" sz="2000" dirty="0" smtClean="0"/>
+              <a:t>本間</a:t>
+            </a:r>
+            <a:r>
               <a:rPr lang="en-US" altLang="ja-JP" sz="2000" dirty="0" smtClean="0"/>
-            </a:br>
+              <a:t>, </a:t>
+            </a:r>
+            <a:r>
+              <a:rPr lang="ja-JP" altLang="en-US" sz="2000" dirty="0" smtClean="0"/>
+              <a:t>横田</a:t>
+            </a:r>
+            <a:endParaRPr lang="en-US" altLang="ja-JP" sz="2000" dirty="0" smtClean="0"/>
+          </a:p>
+          <a:p>
+            <a:pPr lvl="2"/>
+            <a:endParaRPr lang="en-US" altLang="ja-JP" sz="2000" dirty="0"/>
+          </a:p>
+          <a:p>
+            <a:r>
+              <a:rPr lang="ja-JP" altLang="en-US" sz="2800" dirty="0" smtClean="0"/>
+              <a:t>配属先</a:t>
+            </a:r>
+            <a:endParaRPr lang="en-US" altLang="ja-JP" sz="2800" dirty="0" smtClean="0"/>
+          </a:p>
+          <a:p>
+            <a:pPr lvl="1"/>
+            <a:r>
+              <a:rPr lang="ja-JP" altLang="en-US" sz="2400" dirty="0" smtClean="0"/>
+              <a:t>久米</a:t>
+            </a:r>
+            <a:r>
+              <a:rPr lang="en-US" altLang="ja-JP" sz="2400" dirty="0" smtClean="0"/>
+              <a:t>,</a:t>
+            </a:r>
+            <a:r>
+              <a:rPr lang="ja-JP" altLang="en-US" sz="2400" dirty="0"/>
+              <a:t> </a:t>
+            </a:r>
+            <a:r>
+              <a:rPr lang="ja-JP" altLang="en-US" sz="2400" dirty="0" smtClean="0"/>
+              <a:t>本間</a:t>
+            </a:r>
+            <a:r>
+              <a:rPr lang="en-US" altLang="ja-JP" sz="2400" dirty="0" smtClean="0"/>
+              <a:t>, </a:t>
+            </a:r>
+            <a:r>
+              <a:rPr lang="ja-JP" altLang="en-US" sz="2400" dirty="0" smtClean="0"/>
+              <a:t>横田</a:t>
+            </a:r>
+            <a:endParaRPr lang="en-US" altLang="ja-JP" sz="2400" dirty="0" smtClean="0"/>
+          </a:p>
+          <a:p>
+            <a:pPr lvl="2"/>
             <a:r>
               <a:rPr lang="en-US" altLang="ja-JP" sz="2000" dirty="0" smtClean="0"/>
-              <a:t>※6/28</a:t>
-            </a:r>
-            <a:r>
-              <a:rPr lang="ja-JP" altLang="en-US" sz="2000" dirty="0" smtClean="0"/>
-              <a:t>（火） </a:t>
-            </a:r>
+              <a:t>ZIPC TERAS</a:t>
+            </a:r>
+          </a:p>
+          <a:p>
+            <a:pPr lvl="2"/>
             <a:r>
               <a:rPr lang="en-US" altLang="ja-JP" sz="2000" dirty="0" smtClean="0"/>
-              <a:t>16:00</a:t>
-            </a:r>
-            <a:r>
-              <a:rPr lang="ja-JP" altLang="en-US" sz="2000" dirty="0" smtClean="0"/>
-              <a:t>～ 最終報告会</a:t>
-            </a:r>
-            <a:r>
-              <a:rPr lang="en-US" altLang="ja-JP" sz="2000" dirty="0"/>
-              <a:t> </a:t>
-            </a:r>
+              <a:t>ZIPC Designer</a:t>
+            </a:r>
+          </a:p>
+          <a:p>
+            <a:pPr lvl="2"/>
             <a:r>
               <a:rPr lang="en-US" altLang="ja-JP" sz="2000" dirty="0" smtClean="0"/>
-              <a:t>@MSE</a:t>
-            </a:r>
-          </a:p>
-          <a:p>
-            <a:endParaRPr lang="en-US" altLang="ja-JP" sz="1500" dirty="0"/>
-          </a:p>
-          <a:p>
-            <a:r>
-              <a:rPr lang="ja-JP" altLang="en-US" sz="2600" dirty="0" smtClean="0"/>
-              <a:t>内容</a:t>
-            </a:r>
-            <a:r>
-              <a:rPr lang="en-US" altLang="ja-JP" sz="2600" dirty="0" smtClean="0"/>
-              <a:t/>
-            </a:r>
-            <a:br>
-              <a:rPr lang="en-US" altLang="ja-JP" sz="2600" dirty="0" smtClean="0"/>
-            </a:br>
-            <a:r>
-              <a:rPr lang="ja-JP" altLang="en-US" sz="2400" dirty="0" smtClean="0"/>
-              <a:t>① </a:t>
-            </a:r>
-            <a:r>
-              <a:rPr lang="en-US" altLang="ja-JP" sz="2400" dirty="0" smtClean="0"/>
-              <a:t>Sirius</a:t>
-            </a:r>
-            <a:r>
-              <a:rPr lang="ja-JP" altLang="en-US" sz="2400" dirty="0" smtClean="0"/>
-              <a:t>で作るアクティビティ図</a:t>
-            </a:r>
-            <a:r>
-              <a:rPr lang="en-US" altLang="ja-JP" sz="2400" dirty="0" smtClean="0"/>
-              <a:t>Editor</a:t>
-            </a:r>
-            <a:br>
-              <a:rPr lang="en-US" altLang="ja-JP" sz="2400" dirty="0" smtClean="0"/>
-            </a:br>
-            <a:r>
-              <a:rPr lang="ja-JP" altLang="en-US" sz="2400" dirty="0" smtClean="0"/>
-              <a:t>② </a:t>
-            </a:r>
-            <a:r>
-              <a:rPr lang="en-US" altLang="ja-JP" sz="2400" dirty="0" smtClean="0"/>
-              <a:t>JavaFX</a:t>
-            </a:r>
-            <a:r>
-              <a:rPr lang="ja-JP" altLang="en-US" sz="2400" dirty="0" smtClean="0"/>
-              <a:t>で作るチャート</a:t>
-            </a:r>
-            <a:r>
-              <a:rPr lang="en-US" altLang="ja-JP" sz="2400" dirty="0" smtClean="0"/>
-              <a:t>Viewer</a:t>
+              <a:t>(TERASOLUNA IDE3 ?)</a:t>
             </a:r>
           </a:p>
           <a:p>
             <a:pPr lvl="1"/>
-            <a:endParaRPr lang="en-US" altLang="ja-JP" sz="1200" dirty="0" smtClean="0"/>
-          </a:p>
-          <a:p>
-            <a:pPr lvl="1"/>
-            <a:r>
-              <a:rPr lang="ja-JP" altLang="en-US" sz="2000" dirty="0" smtClean="0"/>
-              <a:t>開発工程の基本的な流れを体験（要件定義、設計、実装、テスト）</a:t>
-            </a:r>
-            <a:endParaRPr lang="en-US" altLang="ja-JP" sz="2000" dirty="0" smtClean="0"/>
-          </a:p>
-          <a:p>
-            <a:pPr lvl="1"/>
-            <a:r>
-              <a:rPr lang="ja-JP" altLang="en-US" sz="2000" smtClean="0"/>
-              <a:t>既存</a:t>
-            </a:r>
+            <a:r>
+              <a:rPr lang="ja-JP" altLang="en-US" dirty="0" smtClean="0"/>
+              <a:t>呉屋</a:t>
+            </a:r>
+            <a:endParaRPr lang="en-US" altLang="ja-JP" dirty="0" smtClean="0"/>
+          </a:p>
+          <a:p>
+            <a:pPr lvl="2"/>
             <a:r>
               <a:rPr lang="ja-JP" altLang="en-US" sz="2000" dirty="0"/>
-              <a:t>ツールに対する新機能の提案</a:t>
-            </a:r>
-            <a:endParaRPr lang="en-US" altLang="ja-JP" sz="2000" dirty="0"/>
-          </a:p>
-          <a:p>
-            <a:pPr lvl="1"/>
-            <a:endParaRPr lang="en-US" altLang="ja-JP" sz="1300" dirty="0" smtClean="0"/>
-          </a:p>
-          <a:p>
-            <a:r>
-              <a:rPr lang="ja-JP" altLang="en-US" sz="2600" dirty="0" smtClean="0"/>
-              <a:t>成果物</a:t>
-            </a:r>
-            <a:endParaRPr lang="en-US" altLang="ja-JP" sz="2400" dirty="0" smtClean="0"/>
-          </a:p>
-          <a:p>
-            <a:pPr lvl="1"/>
-            <a:r>
-              <a:rPr lang="ja-JP" altLang="en-US" sz="2000" dirty="0"/>
-              <a:t>アプリケーション</a:t>
-            </a:r>
-            <a:endParaRPr lang="en-US" altLang="ja-JP" sz="2000" dirty="0" smtClean="0"/>
-          </a:p>
-          <a:p>
-            <a:pPr lvl="2"/>
-            <a:r>
-              <a:rPr lang="ja-JP" altLang="en-US" sz="1600" dirty="0"/>
-              <a:t>アプリケーション</a:t>
-            </a:r>
-            <a:r>
-              <a:rPr lang="ja-JP" altLang="en-US" sz="1600" dirty="0" smtClean="0"/>
-              <a:t>本体</a:t>
-            </a:r>
-            <a:endParaRPr lang="en-US" altLang="ja-JP" sz="1600" dirty="0" smtClean="0"/>
-          </a:p>
-          <a:p>
-            <a:pPr lvl="2"/>
-            <a:r>
-              <a:rPr lang="ja-JP" altLang="en-US" sz="1600" dirty="0" smtClean="0"/>
-              <a:t>要件定義書、設計書、コード、テストケース表、テスト証跡</a:t>
-            </a:r>
-            <a:endParaRPr lang="en-US" altLang="ja-JP" sz="1600" dirty="0" smtClean="0"/>
-          </a:p>
-          <a:p>
-            <a:pPr lvl="1"/>
-            <a:r>
-              <a:rPr lang="ja-JP" altLang="en-US" sz="2000" dirty="0" smtClean="0"/>
-              <a:t>調査資料</a:t>
-            </a:r>
-            <a:endParaRPr lang="en-US" altLang="ja-JP" sz="2000" dirty="0" smtClean="0"/>
-          </a:p>
-          <a:p>
-            <a:pPr lvl="1"/>
-            <a:r>
-              <a:rPr lang="ja-JP" altLang="en-US" sz="2000" dirty="0"/>
-              <a:t>発表</a:t>
-            </a:r>
-            <a:r>
-              <a:rPr lang="ja-JP" altLang="en-US" sz="2000" dirty="0" smtClean="0"/>
-              <a:t>資料</a:t>
-            </a:r>
-            <a:endParaRPr lang="en-US" altLang="ja-JP" sz="2000" dirty="0" smtClean="0"/>
-          </a:p>
-          <a:p>
-            <a:endParaRPr lang="en-US" altLang="ja-JP" sz="2400" dirty="0"/>
-          </a:p>
-          <a:p>
-            <a:endParaRPr lang="en-US" altLang="ja-JP" sz="2400" dirty="0" smtClean="0"/>
-          </a:p>
-          <a:p>
-            <a:pPr marL="457200" lvl="1" indent="0">
-              <a:buNone/>
-            </a:pPr>
-            <a:endParaRPr lang="en-US" altLang="ja-JP" sz="2000" dirty="0"/>
+              <a:t>沖縄</a:t>
+            </a:r>
+            <a:r>
+              <a:rPr lang="en-US" altLang="ja-JP" dirty="0"/>
+              <a:t>	</a:t>
+            </a:r>
+            <a:endParaRPr kumimoji="1" lang="en-US" altLang="ja-JP" dirty="0" smtClean="0"/>
           </a:p>
         </p:txBody>
       </p:sp>
     </p:spTree>
     <p:extLst>
       <p:ext uri="{BB962C8B-B14F-4D97-AF65-F5344CB8AC3E}">
-        <p14:creationId xmlns:p14="http://schemas.microsoft.com/office/powerpoint/2010/main" val="3266042823"/>
+        <p14:creationId xmlns:p14="http://schemas.microsoft.com/office/powerpoint/2010/main" val="1941152194"/>
       </p:ext>
     </p:extLst>
   </p:cSld>
@@ -3884,7 +3718,7 @@
 </file>
 
 <file path=ppt/slides/slide3.xml><?xml version="1.0" encoding="utf-8"?>
-<p:sld xmlns:a="http://schemas.openxmlformats.org/drawingml/2006/main" xmlns:r="http://schemas.openxmlformats.org/officeDocument/2006/relationships" xmlns:p="http://schemas.openxmlformats.org/presentationml/2006/main" show="0">
+<p:sld xmlns:a="http://schemas.openxmlformats.org/drawingml/2006/main" xmlns:r="http://schemas.openxmlformats.org/officeDocument/2006/relationships" xmlns:p="http://schemas.openxmlformats.org/presentationml/2006/main">
   <p:cSld>
     <p:spTree>
       <p:nvGrpSpPr>
@@ -3916,8 +3750,8 @@
           <a:lstStyle/>
           <a:p>
             <a:r>
-              <a:rPr kumimoji="1" lang="ja-JP" altLang="en-US" dirty="0" smtClean="0"/>
-              <a:t>全体計画</a:t>
+              <a:rPr lang="ja-JP" altLang="en-US" dirty="0" smtClean="0"/>
+              <a:t>研修概要</a:t>
             </a:r>
             <a:endParaRPr kumimoji="1" lang="ja-JP" altLang="en-US" dirty="0"/>
           </a:p>
@@ -3940,37 +3774,177 @@
         </p:spPr>
         <p:txBody>
           <a:bodyPr>
-            <a:normAutofit fontScale="85000" lnSpcReduction="20000"/>
+            <a:normAutofit lnSpcReduction="10000"/>
           </a:bodyPr>
           <a:lstStyle/>
           <a:p>
             <a:r>
-              <a:rPr lang="ja-JP" altLang="en-US" sz="2400" b="1" dirty="0" smtClean="0"/>
-              <a:t>導入（</a:t>
-            </a:r>
-            <a:r>
-              <a:rPr lang="ja-JP" altLang="en-US" sz="2400" b="1" dirty="0"/>
-              <a:t>１</a:t>
-            </a:r>
-            <a:r>
-              <a:rPr lang="ja-JP" altLang="en-US" sz="2400" b="1" dirty="0" smtClean="0"/>
-              <a:t>日目）</a:t>
-            </a:r>
-            <a:endParaRPr lang="en-US" altLang="ja-JP" sz="2400" b="1" dirty="0" smtClean="0"/>
+              <a:rPr lang="ja-JP" altLang="en-US" sz="2600" dirty="0" smtClean="0"/>
+              <a:t>期間</a:t>
+            </a:r>
+            <a:endParaRPr lang="en-US" altLang="ja-JP" sz="2600" dirty="0" smtClean="0"/>
           </a:p>
           <a:p>
             <a:pPr lvl="1"/>
             <a:r>
+              <a:rPr lang="en-US" altLang="ja-JP" sz="2000" dirty="0" smtClean="0"/>
+              <a:t>6/6</a:t>
+            </a:r>
+            <a:r>
               <a:rPr lang="ja-JP" altLang="en-US" sz="2000" dirty="0" smtClean="0"/>
-              <a:t>全体説明（齋藤）</a:t>
+              <a:t>（月）～</a:t>
+            </a:r>
+            <a:r>
+              <a:rPr lang="en-US" altLang="ja-JP" sz="2000" dirty="0" smtClean="0"/>
+              <a:t>6/27</a:t>
+            </a:r>
+            <a:r>
+              <a:rPr lang="ja-JP" altLang="en-US" sz="2000" dirty="0" smtClean="0"/>
+              <a:t>（月）　</a:t>
+            </a:r>
+            <a:r>
+              <a:rPr lang="en-US" altLang="ja-JP" sz="2000" dirty="0" smtClean="0"/>
+              <a:t>16</a:t>
+            </a:r>
+            <a:r>
+              <a:rPr lang="ja-JP" altLang="en-US" sz="2000" dirty="0" smtClean="0"/>
+              <a:t>日間</a:t>
+            </a:r>
+            <a:r>
+              <a:rPr lang="en-US" altLang="ja-JP" sz="2000" dirty="0" smtClean="0"/>
+              <a:t/>
+            </a:r>
+            <a:br>
+              <a:rPr lang="en-US" altLang="ja-JP" sz="2000" dirty="0" smtClean="0"/>
+            </a:br>
+            <a:r>
+              <a:rPr lang="en-US" altLang="ja-JP" sz="2000" dirty="0" smtClean="0"/>
+              <a:t>※6/28</a:t>
+            </a:r>
+            <a:r>
+              <a:rPr lang="ja-JP" altLang="en-US" sz="2000" dirty="0" smtClean="0"/>
+              <a:t>（火） </a:t>
+            </a:r>
+            <a:r>
+              <a:rPr lang="en-US" altLang="ja-JP" sz="2000" dirty="0" smtClean="0"/>
+              <a:t>16:00</a:t>
+            </a:r>
+            <a:r>
+              <a:rPr lang="ja-JP" altLang="en-US" sz="2000" dirty="0" smtClean="0"/>
+              <a:t>～ 最終報告会</a:t>
+            </a:r>
+            <a:r>
+              <a:rPr lang="en-US" altLang="ja-JP" sz="2000" dirty="0"/>
+              <a:t> </a:t>
+            </a:r>
+            <a:r>
+              <a:rPr lang="en-US" altLang="ja-JP" sz="2000" dirty="0" smtClean="0"/>
+              <a:t>@MSE</a:t>
+            </a:r>
+          </a:p>
+          <a:p>
+            <a:endParaRPr lang="en-US" altLang="ja-JP" sz="1500" dirty="0"/>
+          </a:p>
+          <a:p>
+            <a:r>
+              <a:rPr lang="ja-JP" altLang="en-US" sz="2600" dirty="0" smtClean="0"/>
+              <a:t>内容</a:t>
+            </a:r>
+            <a:r>
+              <a:rPr lang="en-US" altLang="ja-JP" sz="2600" dirty="0" smtClean="0"/>
+              <a:t/>
+            </a:r>
+            <a:br>
+              <a:rPr lang="en-US" altLang="ja-JP" sz="2600" dirty="0" smtClean="0"/>
+            </a:br>
+            <a:r>
+              <a:rPr lang="ja-JP" altLang="en-US" sz="2400" dirty="0" smtClean="0"/>
+              <a:t>① </a:t>
+            </a:r>
+            <a:r>
+              <a:rPr lang="en-US" altLang="ja-JP" sz="2400" dirty="0" smtClean="0"/>
+              <a:t>Sirius</a:t>
+            </a:r>
+            <a:r>
+              <a:rPr lang="ja-JP" altLang="en-US" sz="2400" dirty="0" smtClean="0"/>
+              <a:t>で作るアクティビティ図</a:t>
+            </a:r>
+            <a:r>
+              <a:rPr lang="en-US" altLang="ja-JP" sz="2400" dirty="0" smtClean="0"/>
+              <a:t>Editor</a:t>
+            </a:r>
+            <a:br>
+              <a:rPr lang="en-US" altLang="ja-JP" sz="2400" dirty="0" smtClean="0"/>
+            </a:br>
+            <a:r>
+              <a:rPr lang="ja-JP" altLang="en-US" sz="2400" dirty="0" smtClean="0"/>
+              <a:t>② </a:t>
+            </a:r>
+            <a:r>
+              <a:rPr lang="en-US" altLang="ja-JP" sz="2400" dirty="0" smtClean="0"/>
+              <a:t>JavaFX</a:t>
+            </a:r>
+            <a:r>
+              <a:rPr lang="ja-JP" altLang="en-US" sz="2400" dirty="0" smtClean="0"/>
+              <a:t>で作るチャート</a:t>
+            </a:r>
+            <a:r>
+              <a:rPr lang="en-US" altLang="ja-JP" sz="2400" dirty="0" smtClean="0"/>
+              <a:t>Viewer</a:t>
+            </a:r>
+          </a:p>
+          <a:p>
+            <a:pPr lvl="1"/>
+            <a:endParaRPr lang="en-US" altLang="ja-JP" sz="1200" dirty="0" smtClean="0"/>
+          </a:p>
+          <a:p>
+            <a:pPr lvl="1"/>
+            <a:r>
+              <a:rPr lang="ja-JP" altLang="en-US" sz="2000" dirty="0" smtClean="0"/>
+              <a:t>開発工程の基本的な流れを体験（要件定義、設計、実装、テスト）</a:t>
             </a:r>
             <a:endParaRPr lang="en-US" altLang="ja-JP" sz="2000" dirty="0" smtClean="0"/>
           </a:p>
           <a:p>
+            <a:pPr lvl="1"/>
+            <a:r>
+              <a:rPr lang="ja-JP" altLang="en-US" sz="2000" dirty="0" smtClean="0"/>
+              <a:t>新機能</a:t>
+            </a:r>
+            <a:r>
+              <a:rPr lang="ja-JP" altLang="en-US" sz="2000" dirty="0"/>
+              <a:t>の提案</a:t>
+            </a:r>
+            <a:endParaRPr lang="en-US" altLang="ja-JP" sz="2000" dirty="0"/>
+          </a:p>
+          <a:p>
+            <a:pPr lvl="1"/>
+            <a:endParaRPr lang="en-US" altLang="ja-JP" sz="1300" dirty="0" smtClean="0"/>
+          </a:p>
+          <a:p>
+            <a:r>
+              <a:rPr lang="ja-JP" altLang="en-US" sz="2600" dirty="0" smtClean="0"/>
+              <a:t>成果物</a:t>
+            </a:r>
+            <a:endParaRPr lang="en-US" altLang="ja-JP" sz="2400" dirty="0" smtClean="0"/>
+          </a:p>
+          <a:p>
+            <a:pPr lvl="1"/>
+            <a:r>
+              <a:rPr lang="ja-JP" altLang="en-US" sz="2000" dirty="0"/>
+              <a:t>アプリケーション</a:t>
+            </a:r>
+            <a:endParaRPr lang="en-US" altLang="ja-JP" sz="2000" dirty="0" smtClean="0"/>
+          </a:p>
+          <a:p>
             <a:pPr lvl="2"/>
             <a:r>
+              <a:rPr lang="en-US" altLang="ja-JP" sz="1600" dirty="0" smtClean="0"/>
+              <a:t>Editor/Viewer</a:t>
+            </a:r>
+            <a:r>
               <a:rPr lang="ja-JP" altLang="en-US" sz="1600" dirty="0" smtClean="0"/>
-              <a:t>研修の進め方（スケジュール）</a:t>
+              <a:t>本体</a:t>
             </a:r>
             <a:endParaRPr lang="en-US" altLang="ja-JP" sz="1600" dirty="0" smtClean="0"/>
           </a:p>
@@ -3978,7 +3952,15 @@
             <a:pPr lvl="2"/>
             <a:r>
               <a:rPr lang="ja-JP" altLang="en-US" sz="1600" dirty="0" smtClean="0"/>
-              <a:t>環境構築</a:t>
+              <a:t>要件定義書、設計書</a:t>
+            </a:r>
+            <a:r>
+              <a:rPr lang="ja-JP" altLang="en-US" sz="1600" dirty="0" smtClean="0"/>
+              <a:t>、テストケース表</a:t>
+            </a:r>
+            <a:r>
+              <a:rPr lang="ja-JP" altLang="en-US" sz="1600" dirty="0" smtClean="0"/>
+              <a:t>、テスト証跡</a:t>
             </a:r>
             <a:endParaRPr lang="en-US" altLang="ja-JP" sz="1600" dirty="0" smtClean="0"/>
           </a:p>
@@ -3986,169 +3968,46 @@
             <a:pPr lvl="1"/>
             <a:r>
               <a:rPr lang="ja-JP" altLang="en-US" sz="2000" dirty="0" smtClean="0"/>
-              <a:t>研修内容について説明（坂本さん）</a:t>
+              <a:t>調査資料</a:t>
             </a:r>
             <a:endParaRPr lang="en-US" altLang="ja-JP" sz="2000" dirty="0" smtClean="0"/>
           </a:p>
           <a:p>
+            <a:pPr lvl="1"/>
+            <a:r>
+              <a:rPr lang="ja-JP" altLang="en-US" sz="2000" dirty="0"/>
+              <a:t>発表</a:t>
+            </a:r>
+            <a:r>
+              <a:rPr lang="ja-JP" altLang="en-US" sz="2000" dirty="0" smtClean="0"/>
+              <a:t>資料</a:t>
+            </a:r>
+            <a:endParaRPr lang="en-US" altLang="ja-JP" sz="2000" dirty="0" smtClean="0"/>
+          </a:p>
+          <a:p>
+            <a:endParaRPr lang="en-US" altLang="ja-JP" sz="2400" dirty="0"/>
+          </a:p>
+          <a:p>
             <a:endParaRPr lang="en-US" altLang="ja-JP" sz="2400" dirty="0" smtClean="0"/>
           </a:p>
           <a:p>
-            <a:r>
-              <a:rPr lang="ja-JP" altLang="en-US" sz="2400" b="1" dirty="0"/>
-              <a:t>基礎</a:t>
-            </a:r>
-            <a:r>
-              <a:rPr lang="ja-JP" altLang="en-US" sz="2400" b="1" dirty="0" smtClean="0"/>
-              <a:t>研修：基本エディタ作成（１～</a:t>
-            </a:r>
-            <a:r>
-              <a:rPr lang="ja-JP" altLang="en-US" sz="2400" b="1" dirty="0"/>
-              <a:t>３</a:t>
-            </a:r>
-            <a:r>
-              <a:rPr lang="ja-JP" altLang="en-US" sz="2400" b="1" dirty="0" smtClean="0"/>
-              <a:t>日目）</a:t>
-            </a:r>
-            <a:endParaRPr lang="en-US" altLang="ja-JP" sz="2400" b="1" dirty="0"/>
-          </a:p>
-          <a:p>
-            <a:pPr lvl="1"/>
-            <a:r>
-              <a:rPr lang="ja-JP" altLang="en-US" sz="2000" dirty="0" smtClean="0"/>
-              <a:t>説明（齋藤）</a:t>
-            </a:r>
-            <a:endParaRPr lang="en-US" altLang="ja-JP" sz="2000" dirty="0" smtClean="0"/>
-          </a:p>
-          <a:p>
-            <a:pPr lvl="2"/>
-            <a:r>
-              <a:rPr lang="en-US" altLang="ja-JP" sz="1600" dirty="0" smtClean="0"/>
-              <a:t>Sirius</a:t>
-            </a:r>
-          </a:p>
-          <a:p>
-            <a:pPr lvl="2"/>
-            <a:r>
-              <a:rPr lang="ja-JP" altLang="en-US" sz="1600" dirty="0" smtClean="0"/>
-              <a:t>基礎エディタの機能（新規作成、名前を</a:t>
-            </a:r>
-            <a:r>
-              <a:rPr lang="ja-JP" altLang="en-US" sz="1600" dirty="0"/>
-              <a:t>付けて</a:t>
-            </a:r>
-            <a:r>
-              <a:rPr lang="ja-JP" altLang="en-US" sz="1600" dirty="0" smtClean="0"/>
-              <a:t>保存、など）</a:t>
-            </a:r>
-            <a:endParaRPr lang="en-US" altLang="ja-JP" sz="1600" dirty="0" smtClean="0"/>
-          </a:p>
-          <a:p>
-            <a:pPr lvl="1"/>
-            <a:r>
-              <a:rPr lang="ja-JP" altLang="en-US" sz="2000" dirty="0" smtClean="0"/>
-              <a:t>実装</a:t>
-            </a:r>
-            <a:endParaRPr lang="en-US" altLang="ja-JP" sz="2000" dirty="0" smtClean="0"/>
-          </a:p>
-          <a:p>
-            <a:pPr lvl="1"/>
-            <a:endParaRPr lang="en-US" altLang="ja-JP" sz="2000" b="1" dirty="0" smtClean="0"/>
-          </a:p>
-          <a:p>
-            <a:r>
-              <a:rPr lang="ja-JP" altLang="en-US" sz="2400" b="1" dirty="0" smtClean="0"/>
-              <a:t>応用研修：オリジナルエディタ作成（４日目～１５日目）</a:t>
-            </a:r>
-            <a:endParaRPr lang="en-US" altLang="ja-JP" sz="2400" b="1" dirty="0" smtClean="0"/>
-          </a:p>
-          <a:p>
-            <a:pPr lvl="1"/>
-            <a:r>
-              <a:rPr lang="ja-JP" altLang="en-US" sz="2000" dirty="0" smtClean="0"/>
-              <a:t>説明（齋藤）</a:t>
-            </a:r>
-            <a:endParaRPr lang="en-US" altLang="ja-JP" sz="2000" dirty="0" smtClean="0"/>
-          </a:p>
-          <a:p>
-            <a:pPr lvl="1"/>
-            <a:r>
-              <a:rPr lang="ja-JP" altLang="en-US" sz="2000" dirty="0" smtClean="0"/>
-              <a:t>要件定義</a:t>
-            </a:r>
-            <a:endParaRPr lang="en-US" altLang="ja-JP" sz="2000" dirty="0" smtClean="0"/>
-          </a:p>
-          <a:p>
-            <a:pPr lvl="2"/>
-            <a:r>
-              <a:rPr lang="ja-JP" altLang="en-US" sz="1600" dirty="0" smtClean="0"/>
-              <a:t>会議（吉田さん、柳澤さん？）</a:t>
-            </a:r>
-            <a:endParaRPr lang="en-US" altLang="ja-JP" sz="1600" dirty="0" smtClean="0"/>
-          </a:p>
-          <a:p>
-            <a:pPr lvl="1"/>
-            <a:r>
-              <a:rPr lang="ja-JP" altLang="en-US" sz="2000" dirty="0" smtClean="0"/>
-              <a:t>設計</a:t>
-            </a:r>
-            <a:endParaRPr lang="en-US" altLang="ja-JP" sz="2000" dirty="0" smtClean="0"/>
-          </a:p>
-          <a:p>
-            <a:pPr lvl="1"/>
-            <a:r>
-              <a:rPr lang="ja-JP" altLang="en-US" sz="2000" dirty="0" smtClean="0"/>
-              <a:t>実装</a:t>
-            </a:r>
-            <a:endParaRPr lang="en-US" altLang="ja-JP" sz="2000" dirty="0" smtClean="0"/>
-          </a:p>
-          <a:p>
-            <a:pPr lvl="1"/>
-            <a:r>
-              <a:rPr lang="ja-JP" altLang="en-US" sz="2000" dirty="0" smtClean="0"/>
-              <a:t>テスト　</a:t>
-            </a:r>
-            <a:r>
-              <a:rPr lang="en-US" altLang="ja-JP" sz="2000" dirty="0" smtClean="0"/>
-              <a:t>	</a:t>
-            </a:r>
-            <a:r>
-              <a:rPr lang="ja-JP" altLang="en-US" sz="2000" dirty="0" smtClean="0"/>
-              <a:t>　⇒　（余裕があれば）改良？新機能の追加？</a:t>
-            </a:r>
-            <a:endParaRPr lang="en-US" altLang="ja-JP" sz="2000" dirty="0" smtClean="0"/>
-          </a:p>
-          <a:p>
-            <a:pPr lvl="1"/>
+            <a:pPr marL="457200" lvl="1" indent="0">
+              <a:buNone/>
+            </a:pPr>
             <a:endParaRPr lang="en-US" altLang="ja-JP" sz="2000" dirty="0"/>
-          </a:p>
-          <a:p>
-            <a:r>
-              <a:rPr lang="ja-JP" altLang="en-US" sz="2400" b="1" dirty="0" smtClean="0"/>
-              <a:t>発表練習（１５日目～最終日）</a:t>
-            </a:r>
-            <a:endParaRPr lang="en-US" altLang="ja-JP" sz="2400" b="1" dirty="0" smtClean="0"/>
           </a:p>
         </p:txBody>
       </p:sp>
     </p:spTree>
     <p:extLst>
       <p:ext uri="{BB962C8B-B14F-4D97-AF65-F5344CB8AC3E}">
-        <p14:creationId xmlns:p14="http://schemas.microsoft.com/office/powerpoint/2010/main" val="2170654347"/>
+        <p14:creationId xmlns:p14="http://schemas.microsoft.com/office/powerpoint/2010/main" val="3266042823"/>
       </p:ext>
     </p:extLst>
   </p:cSld>
   <p:clrMapOvr>
     <a:masterClrMapping/>
   </p:clrMapOvr>
-  <mc:AlternateContent xmlns:mc="http://schemas.openxmlformats.org/markup-compatibility/2006" xmlns:p14="http://schemas.microsoft.com/office/powerpoint/2010/main">
-    <mc:Choice Requires="p14">
-      <p:transition spd="slow" p14:dur="2000"/>
-    </mc:Choice>
-    <mc:Fallback xmlns="">
-      <p:transition spd="slow"/>
-    </mc:Fallback>
-  </mc:AlternateContent>
   <p:timing>
     <p:tnLst>
       <p:par>
@@ -4216,17 +4075,21 @@
         </p:spPr>
         <p:txBody>
           <a:bodyPr>
-            <a:normAutofit lnSpcReduction="10000"/>
+            <a:normAutofit/>
           </a:bodyPr>
           <a:lstStyle/>
           <a:p>
             <a:r>
+              <a:rPr lang="ja-JP" altLang="en-US" sz="2400" dirty="0" smtClean="0"/>
+              <a:t>２段階研修（基礎</a:t>
+            </a:r>
+            <a:r>
               <a:rPr lang="en-US" altLang="ja-JP" sz="2400" dirty="0" smtClean="0"/>
-              <a:t>1</a:t>
+              <a:t>/</a:t>
             </a:r>
             <a:r>
               <a:rPr lang="ja-JP" altLang="en-US" sz="2400" dirty="0" smtClean="0"/>
-              <a:t>日のスケジュール</a:t>
+              <a:t>応用）</a:t>
             </a:r>
             <a:endParaRPr lang="en-US" altLang="ja-JP" sz="2400" dirty="0" smtClean="0"/>
           </a:p>
@@ -4234,193 +4097,173 @@
             <a:pPr lvl="1"/>
             <a:r>
               <a:rPr lang="ja-JP" altLang="en-US" sz="2000" dirty="0" smtClean="0"/>
-              <a:t>研修時間：</a:t>
+              <a:t>基礎研修：基本となる</a:t>
             </a:r>
             <a:r>
               <a:rPr lang="en-US" altLang="ja-JP" sz="2000" dirty="0" smtClean="0"/>
-              <a:t>10</a:t>
+              <a:t>Editor/Viewer</a:t>
             </a:r>
             <a:r>
               <a:rPr lang="ja-JP" altLang="en-US" sz="2000" dirty="0" smtClean="0"/>
-              <a:t>～</a:t>
-            </a:r>
-            <a:r>
-              <a:rPr lang="en-US" altLang="ja-JP" sz="2000" dirty="0" smtClean="0"/>
-              <a:t>19</a:t>
-            </a:r>
+              <a:t>作成</a:t>
+            </a:r>
+            <a:endParaRPr lang="en-US" altLang="ja-JP" sz="2000" dirty="0" smtClean="0"/>
+          </a:p>
+          <a:p>
+            <a:pPr lvl="1"/>
             <a:r>
               <a:rPr lang="ja-JP" altLang="en-US" sz="2000" dirty="0" smtClean="0"/>
-              <a:t>時</a:t>
+              <a:t>応用研修：各個人にテーマを与え、基本</a:t>
+            </a:r>
+            <a:r>
+              <a:rPr lang="en-US" altLang="ja-JP" sz="2000" dirty="0"/>
+              <a:t>Editor/Viewer</a:t>
+            </a:r>
+            <a:r>
+              <a:rPr lang="ja-JP" altLang="en-US" sz="2000" dirty="0" smtClean="0"/>
+              <a:t>改良</a:t>
             </a:r>
             <a:endParaRPr lang="en-US" altLang="ja-JP" sz="2000" dirty="0" smtClean="0"/>
           </a:p>
           <a:p>
-            <a:pPr lvl="2"/>
-            <a:r>
-              <a:rPr lang="ja-JP" altLang="en-US" sz="1600" dirty="0" smtClean="0"/>
-              <a:t>できるだけ残業しない</a:t>
-            </a:r>
-            <a:endParaRPr lang="en-US" altLang="ja-JP" sz="1600" dirty="0" smtClean="0"/>
+            <a:endParaRPr lang="en-US" altLang="ja-JP" sz="2400" dirty="0" smtClean="0"/>
+          </a:p>
+          <a:p>
+            <a:r>
+              <a:rPr lang="ja-JP" altLang="en-US" sz="2400" dirty="0" smtClean="0"/>
+              <a:t>各成果物</a:t>
+            </a:r>
+            <a:r>
+              <a:rPr lang="ja-JP" altLang="en-US" sz="2400" dirty="0"/>
+              <a:t>に</a:t>
+            </a:r>
+            <a:r>
+              <a:rPr lang="ja-JP" altLang="en-US" sz="2400" dirty="0" smtClean="0"/>
+              <a:t>対し、レビューを行う</a:t>
+            </a:r>
+            <a:endParaRPr lang="en-US" altLang="ja-JP" sz="2400" dirty="0" smtClean="0"/>
           </a:p>
           <a:p>
             <a:pPr lvl="1"/>
             <a:r>
-              <a:rPr lang="en-US" altLang="ja-JP" sz="2000" dirty="0" smtClean="0"/>
-              <a:t>18:00</a:t>
-            </a:r>
-            <a:r>
               <a:rPr lang="ja-JP" altLang="en-US" sz="2000" dirty="0" smtClean="0"/>
-              <a:t>～</a:t>
-            </a:r>
-            <a:r>
-              <a:rPr lang="en-US" altLang="ja-JP" sz="2000" dirty="0" smtClean="0"/>
-              <a:t>18:30 </a:t>
-            </a:r>
+              <a:t>要件定義書</a:t>
+            </a:r>
+            <a:endParaRPr lang="en-US" altLang="ja-JP" sz="2000" dirty="0" smtClean="0"/>
+          </a:p>
+          <a:p>
+            <a:pPr lvl="1"/>
             <a:r>
               <a:rPr lang="ja-JP" altLang="en-US" sz="2000" dirty="0" smtClean="0"/>
-              <a:t>夕会</a:t>
+              <a:t>設計書</a:t>
             </a:r>
             <a:endParaRPr lang="en-US" altLang="ja-JP" sz="2000" dirty="0" smtClean="0"/>
           </a:p>
           <a:p>
-            <a:pPr lvl="2"/>
-            <a:r>
-              <a:rPr lang="ja-JP" altLang="en-US" sz="1600" dirty="0" smtClean="0"/>
-              <a:t>簡単に</a:t>
-            </a:r>
-            <a:r>
-              <a:rPr lang="en-US" altLang="ja-JP" sz="1600" dirty="0" smtClean="0"/>
-              <a:t>1</a:t>
-            </a:r>
-            <a:r>
-              <a:rPr lang="ja-JP" altLang="en-US" sz="1600" dirty="0" smtClean="0"/>
-              <a:t>日の成果報告</a:t>
-            </a:r>
-            <a:endParaRPr lang="en-US" altLang="ja-JP" sz="1600" dirty="0" smtClean="0"/>
-          </a:p>
-          <a:p>
             <a:pPr lvl="1"/>
             <a:r>
-              <a:rPr lang="en-US" altLang="ja-JP" sz="2000" dirty="0" smtClean="0"/>
-              <a:t>18:30</a:t>
-            </a:r>
-            <a:r>
               <a:rPr lang="ja-JP" altLang="en-US" sz="2000" dirty="0" smtClean="0"/>
-              <a:t>～日報作成　</a:t>
-            </a:r>
-            <a:r>
-              <a:rPr lang="en-US" altLang="ja-JP" sz="2000" dirty="0" smtClean="0"/>
-              <a:t>	</a:t>
-            </a:r>
-            <a:endParaRPr lang="en-US" altLang="ja-JP" sz="2000" dirty="0"/>
-          </a:p>
-          <a:p>
-            <a:endParaRPr lang="en-US" altLang="ja-JP" sz="2400" dirty="0" smtClean="0"/>
-          </a:p>
-          <a:p>
-            <a:r>
-              <a:rPr lang="ja-JP" altLang="en-US" sz="2400" dirty="0"/>
-              <a:t>基本研修は各</a:t>
-            </a:r>
-            <a:r>
-              <a:rPr lang="ja-JP" altLang="en-US" sz="2400" dirty="0" smtClean="0"/>
-              <a:t>個人</a:t>
-            </a:r>
-            <a:endParaRPr lang="en-US" altLang="ja-JP" sz="2400" dirty="0" smtClean="0"/>
-          </a:p>
-          <a:p>
-            <a:r>
-              <a:rPr lang="ja-JP" altLang="en-US" sz="2400" dirty="0" smtClean="0"/>
-              <a:t>応用研修は各個人</a:t>
-            </a:r>
-            <a:r>
-              <a:rPr lang="en-US" altLang="ja-JP" sz="2400" dirty="0" smtClean="0"/>
-              <a:t>or</a:t>
-            </a:r>
-            <a:r>
-              <a:rPr lang="en-US" altLang="ja-JP" sz="2400" dirty="0"/>
-              <a:t> 2</a:t>
-            </a:r>
-            <a:r>
-              <a:rPr lang="ja-JP" altLang="en-US" sz="2400" dirty="0"/>
-              <a:t>人</a:t>
-            </a:r>
+              <a:t>コード</a:t>
+            </a:r>
+            <a:endParaRPr lang="en-US" altLang="ja-JP" sz="2000" dirty="0" smtClean="0"/>
+          </a:p>
+          <a:p>
+            <a:pPr lvl="1"/>
+            <a:r>
+              <a:rPr lang="ja-JP" altLang="en-US" sz="2000" dirty="0" smtClean="0"/>
+              <a:t>テスト（テストケース、実施結果）</a:t>
+            </a:r>
+            <a:endParaRPr lang="en-US" altLang="ja-JP" sz="2000" dirty="0" smtClean="0"/>
+          </a:p>
+          <a:p>
+            <a:pPr lvl="1"/>
+            <a:r>
+              <a:rPr lang="ja-JP" altLang="en-US" sz="2000" dirty="0" smtClean="0"/>
+              <a:t>発表資料</a:t>
+            </a:r>
+            <a:endParaRPr lang="en-US" altLang="ja-JP" sz="2000" dirty="0" smtClean="0"/>
+          </a:p>
+          <a:p>
+            <a:pPr lvl="1"/>
+            <a:endParaRPr lang="en-US" altLang="ja-JP" sz="2000" dirty="0" smtClean="0"/>
+          </a:p>
+          <a:p>
             <a:r>
               <a:rPr lang="en-US" altLang="ja-JP" sz="2400" dirty="0"/>
               <a:t>1</a:t>
             </a:r>
             <a:r>
               <a:rPr lang="ja-JP" altLang="en-US" sz="2400" dirty="0"/>
-              <a:t>組</a:t>
-            </a:r>
-            <a:endParaRPr lang="en-US" altLang="ja-JP" sz="2400" dirty="0"/>
-          </a:p>
-          <a:p>
-            <a:endParaRPr lang="en-US" altLang="ja-JP" sz="2400" dirty="0" smtClean="0"/>
-          </a:p>
-          <a:p>
-            <a:r>
-              <a:rPr lang="ja-JP" altLang="en-US" sz="2400" dirty="0" smtClean="0"/>
-              <a:t>各成果物</a:t>
-            </a:r>
-            <a:r>
-              <a:rPr lang="ja-JP" altLang="en-US" sz="2400" dirty="0"/>
-              <a:t>に</a:t>
-            </a:r>
-            <a:r>
-              <a:rPr lang="ja-JP" altLang="en-US" sz="2400" dirty="0" smtClean="0"/>
-              <a:t>対し、レビューを行う</a:t>
-            </a:r>
-            <a:endParaRPr lang="en-US" altLang="ja-JP" sz="2400" dirty="0" smtClean="0"/>
+              <a:t>日のスケジュール（</a:t>
+            </a:r>
+            <a:r>
+              <a:rPr lang="ja-JP" altLang="en-US" sz="2000" dirty="0"/>
+              <a:t>研修時間：</a:t>
+            </a:r>
+            <a:r>
+              <a:rPr lang="en-US" altLang="ja-JP" sz="2000" dirty="0"/>
+              <a:t>10</a:t>
+            </a:r>
+            <a:r>
+              <a:rPr lang="ja-JP" altLang="en-US" sz="2000" dirty="0"/>
+              <a:t>～</a:t>
+            </a:r>
+            <a:r>
+              <a:rPr lang="en-US" altLang="ja-JP" sz="2000" dirty="0"/>
+              <a:t>19</a:t>
+            </a:r>
+            <a:r>
+              <a:rPr lang="ja-JP" altLang="en-US" sz="2000" dirty="0"/>
+              <a:t>時）</a:t>
+            </a:r>
+            <a:endParaRPr lang="en-US" altLang="ja-JP" sz="1600" dirty="0"/>
           </a:p>
           <a:p>
             <a:pPr lvl="1"/>
             <a:r>
-              <a:rPr lang="ja-JP" altLang="en-US" sz="2000" dirty="0" smtClean="0"/>
-              <a:t>要件定義書</a:t>
-            </a:r>
-            <a:endParaRPr lang="en-US" altLang="ja-JP" sz="2000" dirty="0" smtClean="0"/>
+              <a:rPr lang="en-US" altLang="ja-JP" sz="2000" dirty="0"/>
+              <a:t>18:00</a:t>
+            </a:r>
+            <a:r>
+              <a:rPr lang="ja-JP" altLang="en-US" sz="2000" dirty="0"/>
+              <a:t>～</a:t>
+            </a:r>
+            <a:r>
+              <a:rPr lang="en-US" altLang="ja-JP" sz="2000" dirty="0"/>
+              <a:t>18:30 </a:t>
+            </a:r>
+            <a:r>
+              <a:rPr lang="ja-JP" altLang="en-US" sz="2000" dirty="0"/>
+              <a:t>夕会</a:t>
+            </a:r>
+            <a:endParaRPr lang="en-US" altLang="ja-JP" sz="2000" dirty="0"/>
+          </a:p>
+          <a:p>
+            <a:pPr lvl="2"/>
+            <a:r>
+              <a:rPr lang="ja-JP" altLang="en-US" sz="1600" dirty="0"/>
+              <a:t>簡単に</a:t>
+            </a:r>
+            <a:r>
+              <a:rPr lang="en-US" altLang="ja-JP" sz="1600" dirty="0"/>
+              <a:t>1</a:t>
+            </a:r>
+            <a:r>
+              <a:rPr lang="ja-JP" altLang="en-US" sz="1600" dirty="0"/>
+              <a:t>日の成果報告</a:t>
+            </a:r>
+            <a:endParaRPr lang="en-US" altLang="ja-JP" sz="1600" dirty="0"/>
           </a:p>
           <a:p>
             <a:pPr lvl="1"/>
             <a:r>
-              <a:rPr lang="ja-JP" altLang="en-US" sz="2000" dirty="0" smtClean="0"/>
-              <a:t>設計書</a:t>
-            </a:r>
-            <a:endParaRPr lang="en-US" altLang="ja-JP" sz="2000" dirty="0" smtClean="0"/>
-          </a:p>
-          <a:p>
-            <a:pPr lvl="1"/>
-            <a:r>
-              <a:rPr lang="ja-JP" altLang="en-US" sz="2000" dirty="0" smtClean="0"/>
-              <a:t>コード</a:t>
-            </a:r>
-            <a:endParaRPr lang="en-US" altLang="ja-JP" sz="2000" dirty="0" smtClean="0"/>
-          </a:p>
-          <a:p>
-            <a:pPr lvl="1"/>
-            <a:r>
-              <a:rPr lang="ja-JP" altLang="en-US" sz="2000" dirty="0" smtClean="0"/>
-              <a:t>テスト（テストケース、実施結果）</a:t>
-            </a:r>
-            <a:endParaRPr lang="en-US" altLang="ja-JP" sz="2000" dirty="0" smtClean="0"/>
-          </a:p>
-          <a:p>
-            <a:pPr lvl="1"/>
-            <a:r>
-              <a:rPr lang="ja-JP" altLang="en-US" sz="2000" dirty="0" smtClean="0"/>
-              <a:t>（発表資料）</a:t>
-            </a:r>
-            <a:endParaRPr lang="en-US" altLang="ja-JP" sz="2000" dirty="0" smtClean="0"/>
-          </a:p>
-          <a:p>
-            <a:pPr lvl="1"/>
-            <a:endParaRPr lang="en-US" altLang="ja-JP" sz="2000" dirty="0" smtClean="0"/>
-          </a:p>
-          <a:p>
-            <a:pPr marL="457200" lvl="1" indent="0">
-              <a:buNone/>
-            </a:pPr>
+              <a:rPr lang="en-US" altLang="ja-JP" sz="2000" dirty="0"/>
+              <a:t>18:30</a:t>
+            </a:r>
+            <a:r>
+              <a:rPr lang="ja-JP" altLang="en-US" sz="2000" dirty="0"/>
+              <a:t>～日報作成　</a:t>
+            </a:r>
             <a:endParaRPr lang="en-US" altLang="ja-JP" sz="2000" dirty="0"/>
           </a:p>
         </p:txBody>
@@ -4464,7 +4307,7 @@
       </p:grpSpPr>
       <p:sp>
         <p:nvSpPr>
-          <p:cNvPr id="3" name="タイトル 2"/>
+          <p:cNvPr id="2" name="タイトル 1"/>
           <p:cNvSpPr>
             <a:spLocks noGrp="1"/>
           </p:cNvSpPr>
@@ -4478,12 +4321,8 @@
           <a:lstStyle/>
           <a:p>
             <a:r>
-              <a:rPr lang="ja-JP" altLang="en-US" dirty="0"/>
-              <a:t>タスク</a:t>
-            </a:r>
-            <a:r>
               <a:rPr kumimoji="1" lang="ja-JP" altLang="en-US" dirty="0" smtClean="0"/>
-              <a:t>（新人側）</a:t>
+              <a:t>研修案</a:t>
             </a:r>
             <a:endParaRPr kumimoji="1" lang="ja-JP" altLang="en-US" dirty="0"/>
           </a:p>
@@ -4491,7 +4330,7 @@
       </p:sp>
       <p:sp>
         <p:nvSpPr>
-          <p:cNvPr id="2" name="コンテンツ プレースホルダー 1"/>
+          <p:cNvPr id="3" name="コンテンツ プレースホルダー 2"/>
           <p:cNvSpPr>
             <a:spLocks noGrp="1"/>
           </p:cNvSpPr>
@@ -4499,150 +4338,86 @@
             <p:ph idx="1"/>
           </p:nvPr>
         </p:nvSpPr>
-        <p:spPr>
-          <a:prstGeom prst="rect">
-            <a:avLst/>
-          </a:prstGeom>
-        </p:spPr>
+        <p:spPr/>
         <p:txBody>
           <a:bodyPr/>
           <a:lstStyle/>
           <a:p>
-            <a:r>
-              <a:rPr lang="ja-JP" altLang="en-US" sz="2400" dirty="0" smtClean="0"/>
-              <a:t>研修準備</a:t>
-            </a:r>
-            <a:endParaRPr lang="en-US" altLang="ja-JP" sz="2400" dirty="0" smtClean="0"/>
-          </a:p>
-          <a:p>
-            <a:pPr lvl="1"/>
-            <a:r>
-              <a:rPr lang="ja-JP" altLang="en-US" sz="2000" dirty="0" smtClean="0"/>
-              <a:t>環境構築</a:t>
-            </a:r>
-            <a:endParaRPr lang="en-US" altLang="ja-JP" sz="2000" dirty="0" smtClean="0"/>
-          </a:p>
-          <a:p>
-            <a:pPr lvl="2"/>
-            <a:r>
-              <a:rPr lang="en-US" altLang="ja-JP" sz="1600" dirty="0" smtClean="0"/>
-              <a:t>Eclipse</a:t>
-            </a:r>
-          </a:p>
-          <a:p>
-            <a:pPr lvl="2"/>
-            <a:r>
-              <a:rPr lang="en-US" altLang="ja-JP" sz="1600" dirty="0" err="1" smtClean="0"/>
-              <a:t>Git</a:t>
-            </a:r>
-            <a:endParaRPr lang="en-US" altLang="ja-JP" sz="1600" dirty="0" smtClean="0"/>
-          </a:p>
-          <a:p>
-            <a:pPr lvl="2"/>
-            <a:r>
-              <a:rPr lang="en-US" altLang="ja-JP" sz="1600" dirty="0" smtClean="0"/>
-              <a:t>Skype</a:t>
-            </a:r>
-          </a:p>
-          <a:p>
-            <a:pPr lvl="2"/>
-            <a:r>
-              <a:rPr lang="en-US" altLang="ja-JP" sz="1600" dirty="0" smtClean="0"/>
-              <a:t>(Sirius)</a:t>
-            </a:r>
-          </a:p>
-          <a:p>
-            <a:pPr lvl="2"/>
-            <a:r>
-              <a:rPr lang="en-US" altLang="ja-JP" sz="1600" dirty="0" smtClean="0"/>
-              <a:t>(JavaFX)</a:t>
-            </a:r>
-          </a:p>
-          <a:p>
-            <a:pPr lvl="1"/>
-            <a:endParaRPr lang="en-US" altLang="ja-JP" sz="2000" dirty="0"/>
-          </a:p>
-          <a:p>
-            <a:pPr lvl="1"/>
-            <a:r>
-              <a:rPr lang="ja-JP" altLang="en-US" sz="2000" dirty="0" smtClean="0"/>
-              <a:t>事前調査</a:t>
-            </a:r>
-            <a:endParaRPr lang="en-US" altLang="ja-JP" sz="2000" dirty="0" smtClean="0"/>
-          </a:p>
-          <a:p>
-            <a:pPr lvl="2"/>
-            <a:r>
-              <a:rPr lang="en-US" altLang="ja-JP" sz="1600" dirty="0" smtClean="0"/>
-              <a:t>Eclipse Plugin</a:t>
-            </a:r>
-          </a:p>
-          <a:p>
-            <a:pPr lvl="2"/>
-            <a:r>
-              <a:rPr lang="en-US" altLang="ja-JP" sz="1600" dirty="0" smtClean="0"/>
-              <a:t>EMF, GMF, Sirius</a:t>
-            </a:r>
-          </a:p>
-          <a:p>
-            <a:pPr lvl="2"/>
-            <a:r>
-              <a:rPr lang="en-US" altLang="ja-JP" sz="1600" dirty="0" smtClean="0"/>
-              <a:t>JavaFX</a:t>
-            </a:r>
-          </a:p>
-          <a:p>
-            <a:pPr lvl="2"/>
-            <a:r>
-              <a:rPr lang="en-US" altLang="ja-JP" sz="1600" dirty="0" err="1" smtClean="0"/>
-              <a:t>Git</a:t>
-            </a:r>
-            <a:r>
-              <a:rPr lang="ja-JP" altLang="en-US" sz="1600" dirty="0" smtClean="0"/>
-              <a:t>の使用方法</a:t>
-            </a:r>
-            <a:endParaRPr lang="en-US" altLang="ja-JP" sz="1600" dirty="0" smtClean="0"/>
-          </a:p>
-          <a:p>
-            <a:endParaRPr lang="en-US" altLang="ja-JP" sz="2400" dirty="0" smtClean="0"/>
-          </a:p>
-          <a:p>
-            <a:r>
-              <a:rPr lang="en-US" altLang="ja-JP" sz="2400" dirty="0" smtClean="0"/>
-              <a:t>Oracle Java Bronze</a:t>
-            </a:r>
-            <a:r>
-              <a:rPr lang="ja-JP" altLang="en-US" sz="2400" dirty="0" smtClean="0"/>
-              <a:t>試験勉強</a:t>
-            </a:r>
-            <a:endParaRPr lang="en-US" altLang="ja-JP" sz="2400" dirty="0" smtClean="0"/>
-          </a:p>
-          <a:p>
-            <a:endParaRPr lang="en-US" altLang="ja-JP" sz="2400" dirty="0" smtClean="0"/>
-          </a:p>
-          <a:p>
-            <a:pPr lvl="2"/>
-            <a:endParaRPr lang="en-US" altLang="ja-JP" sz="1600" dirty="0" smtClean="0"/>
-          </a:p>
-          <a:p>
-            <a:pPr lvl="1"/>
-            <a:endParaRPr lang="en-US" altLang="ja-JP" sz="2000" dirty="0"/>
-          </a:p>
-          <a:p>
-            <a:endParaRPr lang="en-US" altLang="ja-JP" sz="2400" dirty="0" smtClean="0"/>
-          </a:p>
-          <a:p>
-            <a:pPr marL="457200" lvl="1" indent="0">
+            <a:pPr marL="0" indent="0">
               <a:buNone/>
             </a:pPr>
-            <a:endParaRPr lang="en-US" altLang="ja-JP" sz="2000" dirty="0"/>
+            <a:r>
+              <a:rPr kumimoji="1" lang="ja-JP" altLang="en-US" dirty="0" smtClean="0"/>
+              <a:t>２チーム構成（成果物は１人１個）</a:t>
+            </a:r>
+            <a:endParaRPr kumimoji="1" lang="en-US" altLang="ja-JP" dirty="0" smtClean="0"/>
+          </a:p>
+          <a:p>
+            <a:r>
+              <a:rPr kumimoji="1" lang="en-US" altLang="ja-JP" dirty="0" smtClean="0"/>
+              <a:t>Sirius</a:t>
+            </a:r>
+            <a:r>
+              <a:rPr kumimoji="1" lang="ja-JP" altLang="en-US" dirty="0" smtClean="0"/>
+              <a:t>チーム</a:t>
+            </a:r>
+            <a:endParaRPr kumimoji="1" lang="en-US" altLang="ja-JP" dirty="0" smtClean="0"/>
+          </a:p>
+          <a:p>
+            <a:pPr lvl="1"/>
+            <a:r>
+              <a:rPr kumimoji="1" lang="ja-JP" altLang="en-US" dirty="0" smtClean="0"/>
+              <a:t>アクティビティ図</a:t>
+            </a:r>
+            <a:r>
+              <a:rPr kumimoji="1" lang="en-US" altLang="ja-JP" dirty="0" smtClean="0"/>
+              <a:t>Editor</a:t>
+            </a:r>
+          </a:p>
+          <a:p>
+            <a:r>
+              <a:rPr lang="en-US" altLang="ja-JP" dirty="0" smtClean="0"/>
+              <a:t>JavaFX</a:t>
+            </a:r>
+            <a:r>
+              <a:rPr lang="ja-JP" altLang="en-US" dirty="0" smtClean="0"/>
+              <a:t>チーム</a:t>
+            </a:r>
+            <a:endParaRPr lang="en-US" altLang="ja-JP" dirty="0" smtClean="0"/>
+          </a:p>
+          <a:p>
+            <a:pPr lvl="1"/>
+            <a:r>
+              <a:rPr lang="ja-JP" altLang="en-US" dirty="0" smtClean="0"/>
+              <a:t>チャート</a:t>
+            </a:r>
+            <a:r>
+              <a:rPr lang="ja-JP" altLang="en-US" dirty="0" smtClean="0"/>
+              <a:t>の</a:t>
+            </a:r>
+            <a:r>
+              <a:rPr lang="en-US" altLang="ja-JP" dirty="0" smtClean="0"/>
+              <a:t>Viewer</a:t>
+            </a:r>
+          </a:p>
+          <a:p>
+            <a:pPr lvl="1"/>
+            <a:r>
+              <a:rPr kumimoji="1" lang="ja-JP" altLang="en-US" dirty="0" smtClean="0"/>
+              <a:t>アクティビティ図</a:t>
+            </a:r>
+            <a:r>
+              <a:rPr kumimoji="1" lang="en-US" altLang="ja-JP" dirty="0" smtClean="0"/>
+              <a:t>Viewer</a:t>
+            </a:r>
+            <a:endParaRPr kumimoji="1" lang="ja-JP" altLang="en-US" dirty="0"/>
           </a:p>
         </p:txBody>
       </p:sp>
     </p:spTree>
     <p:extLst>
       <p:ext uri="{BB962C8B-B14F-4D97-AF65-F5344CB8AC3E}">
-        <p14:creationId xmlns:p14="http://schemas.microsoft.com/office/powerpoint/2010/main" val="3197206624"/>
+        <p14:creationId xmlns:p14="http://schemas.microsoft.com/office/powerpoint/2010/main" val="390100218"/>
       </p:ext>
     </p:extLst>
   </p:cSld>
@@ -4660,1805 +4435,6 @@
 </file>
 
 <file path=ppt/slides/slide6.xml><?xml version="1.0" encoding="utf-8"?>
-<p:sld xmlns:a="http://schemas.openxmlformats.org/drawingml/2006/main" xmlns:r="http://schemas.openxmlformats.org/officeDocument/2006/relationships" xmlns:p="http://schemas.openxmlformats.org/presentationml/2006/main">
-  <p:cSld>
-    <p:spTree>
-      <p:nvGrpSpPr>
-        <p:cNvPr id="1" name=""/>
-        <p:cNvGrpSpPr/>
-        <p:nvPr/>
-      </p:nvGrpSpPr>
-      <p:grpSpPr>
-        <a:xfrm>
-          <a:off x="0" y="0"/>
-          <a:ext cx="0" cy="0"/>
-          <a:chOff x="0" y="0"/>
-          <a:chExt cx="0" cy="0"/>
-        </a:xfrm>
-      </p:grpSpPr>
-      <p:sp>
-        <p:nvSpPr>
-          <p:cNvPr id="4" name="タイトル 3"/>
-          <p:cNvSpPr>
-            <a:spLocks noGrp="1"/>
-          </p:cNvSpPr>
-          <p:nvPr>
-            <p:ph type="title"/>
-          </p:nvPr>
-        </p:nvSpPr>
-        <p:spPr/>
-        <p:txBody>
-          <a:bodyPr/>
-          <a:lstStyle/>
-          <a:p>
-            <a:r>
-              <a:rPr lang="ja-JP" altLang="en-US" dirty="0"/>
-              <a:t>タスク</a:t>
-            </a:r>
-            <a:r>
-              <a:rPr kumimoji="1" lang="ja-JP" altLang="en-US" dirty="0" smtClean="0"/>
-              <a:t>（第２</a:t>
-            </a:r>
-            <a:r>
-              <a:rPr kumimoji="1" lang="en-US" altLang="ja-JP" dirty="0" smtClean="0"/>
-              <a:t>G</a:t>
-            </a:r>
-            <a:r>
-              <a:rPr kumimoji="1" lang="ja-JP" altLang="en-US" dirty="0" smtClean="0"/>
-              <a:t>研修チーム側）</a:t>
-            </a:r>
-            <a:endParaRPr kumimoji="1" lang="ja-JP" altLang="en-US" dirty="0"/>
-          </a:p>
-        </p:txBody>
-      </p:sp>
-      <p:sp>
-        <p:nvSpPr>
-          <p:cNvPr id="2" name="コンテンツ プレースホルダー 1"/>
-          <p:cNvSpPr>
-            <a:spLocks noGrp="1"/>
-          </p:cNvSpPr>
-          <p:nvPr>
-            <p:ph idx="1"/>
-          </p:nvPr>
-        </p:nvSpPr>
-        <p:spPr>
-          <a:prstGeom prst="rect">
-            <a:avLst/>
-          </a:prstGeom>
-        </p:spPr>
-        <p:txBody>
-          <a:bodyPr>
-            <a:normAutofit fontScale="85000" lnSpcReduction="20000"/>
-          </a:bodyPr>
-          <a:lstStyle/>
-          <a:p>
-            <a:r>
-              <a:rPr lang="ja-JP" altLang="en-US" sz="2400" dirty="0" smtClean="0"/>
-              <a:t>研修前</a:t>
-            </a:r>
-            <a:endParaRPr lang="en-US" altLang="ja-JP" sz="2400" dirty="0" smtClean="0"/>
-          </a:p>
-          <a:p>
-            <a:pPr lvl="1"/>
-            <a:r>
-              <a:rPr lang="ja-JP" altLang="en-US" sz="2000" dirty="0" smtClean="0"/>
-              <a:t>坂本</a:t>
-            </a:r>
-            <a:r>
-              <a:rPr lang="ja-JP" altLang="en-US" sz="2000" dirty="0"/>
-              <a:t>さん</a:t>
-            </a:r>
-            <a:endParaRPr lang="en-US" altLang="ja-JP" sz="2000" dirty="0" smtClean="0"/>
-          </a:p>
-          <a:p>
-            <a:pPr lvl="2"/>
-            <a:r>
-              <a:rPr lang="en-US" altLang="ja-JP" sz="1600" dirty="0" smtClean="0"/>
-              <a:t>Eclipse Plugin, EMF, GMF</a:t>
-            </a:r>
-            <a:r>
-              <a:rPr lang="ja-JP" altLang="en-US" sz="1600" dirty="0" smtClean="0"/>
-              <a:t>について説明準備</a:t>
-            </a:r>
-            <a:endParaRPr lang="en-US" altLang="ja-JP" sz="1600" dirty="0" smtClean="0"/>
-          </a:p>
-          <a:p>
-            <a:pPr lvl="1"/>
-            <a:r>
-              <a:rPr lang="ja-JP" altLang="en-US" sz="2000" dirty="0" smtClean="0"/>
-              <a:t>吉田さん、柳澤さん</a:t>
-            </a:r>
-            <a:endParaRPr lang="en-US" altLang="ja-JP" sz="2000" dirty="0" smtClean="0"/>
-          </a:p>
-          <a:p>
-            <a:pPr lvl="2"/>
-            <a:r>
-              <a:rPr lang="ja-JP" altLang="en-US" sz="1600" dirty="0" smtClean="0"/>
-              <a:t>オリジナルエディタの要件を明確化</a:t>
-            </a:r>
-            <a:endParaRPr lang="en-US" altLang="ja-JP" sz="2400" dirty="0" smtClean="0"/>
-          </a:p>
-          <a:p>
-            <a:pPr lvl="1"/>
-            <a:r>
-              <a:rPr lang="ja-JP" altLang="en-US" sz="2000" dirty="0" smtClean="0"/>
-              <a:t>齋藤</a:t>
-            </a:r>
-            <a:endParaRPr lang="en-US" altLang="ja-JP" sz="2000" dirty="0" smtClean="0"/>
-          </a:p>
-          <a:p>
-            <a:pPr lvl="2"/>
-            <a:r>
-              <a:rPr lang="ja-JP" altLang="en-US" sz="1600" dirty="0" smtClean="0"/>
-              <a:t>全体計画、詳細計画</a:t>
-            </a:r>
-            <a:r>
-              <a:rPr lang="en-US" altLang="ja-JP" sz="1600" dirty="0" smtClean="0"/>
-              <a:t>	</a:t>
-            </a:r>
-          </a:p>
-          <a:p>
-            <a:pPr lvl="2"/>
-            <a:r>
-              <a:rPr lang="ja-JP" altLang="en-US" sz="1600" dirty="0" smtClean="0"/>
-              <a:t>説明準備</a:t>
-            </a:r>
-            <a:endParaRPr lang="en-US" altLang="ja-JP" sz="1600" dirty="0" smtClean="0"/>
-          </a:p>
-          <a:p>
-            <a:pPr lvl="3"/>
-            <a:r>
-              <a:rPr lang="ja-JP" altLang="en-US" sz="1200" dirty="0" smtClean="0"/>
-              <a:t>研修の全体説明</a:t>
-            </a:r>
-            <a:r>
-              <a:rPr lang="en-US" altLang="ja-JP" sz="1200" dirty="0" smtClean="0"/>
-              <a:t>	</a:t>
-            </a:r>
-            <a:endParaRPr lang="en-US" altLang="ja-JP" sz="1200" dirty="0"/>
-          </a:p>
-          <a:p>
-            <a:pPr lvl="3"/>
-            <a:r>
-              <a:rPr lang="en-US" altLang="ja-JP" sz="1200" dirty="0" smtClean="0"/>
-              <a:t>Sirius</a:t>
-            </a:r>
-            <a:r>
-              <a:rPr lang="ja-JP" altLang="en-US" sz="1200" dirty="0" smtClean="0"/>
-              <a:t>について</a:t>
-            </a:r>
-            <a:endParaRPr lang="en-US" altLang="ja-JP" sz="1600" dirty="0" smtClean="0"/>
-          </a:p>
-          <a:p>
-            <a:pPr lvl="2"/>
-            <a:r>
-              <a:rPr lang="ja-JP" altLang="en-US" sz="1600" dirty="0" smtClean="0"/>
-              <a:t>サンプルエディタ作成</a:t>
-            </a:r>
-            <a:endParaRPr lang="en-US" altLang="ja-JP" sz="1600" dirty="0" smtClean="0"/>
-          </a:p>
-          <a:p>
-            <a:pPr lvl="2"/>
-            <a:r>
-              <a:rPr lang="en-US" altLang="ja-JP" sz="1600" dirty="0" err="1" smtClean="0"/>
-              <a:t>Git</a:t>
-            </a:r>
-            <a:r>
-              <a:rPr lang="ja-JP" altLang="en-US" sz="1600" dirty="0" smtClean="0"/>
-              <a:t>準備</a:t>
-            </a:r>
-            <a:endParaRPr lang="en-US" altLang="ja-JP" sz="1600" dirty="0" smtClean="0"/>
-          </a:p>
-          <a:p>
-            <a:pPr lvl="2"/>
-            <a:r>
-              <a:rPr lang="ja-JP" altLang="en-US" sz="1600" dirty="0" smtClean="0"/>
-              <a:t>要件定義書、設計書などのフォーマット作成</a:t>
-            </a:r>
-            <a:endParaRPr lang="en-US" altLang="ja-JP" sz="1600" dirty="0" smtClean="0"/>
-          </a:p>
-          <a:p>
-            <a:endParaRPr lang="en-US" altLang="ja-JP" sz="2400" dirty="0" smtClean="0"/>
-          </a:p>
-          <a:p>
-            <a:r>
-              <a:rPr lang="ja-JP" altLang="en-US" sz="2400" dirty="0" smtClean="0"/>
-              <a:t>研修中</a:t>
-            </a:r>
-            <a:endParaRPr lang="en-US" altLang="ja-JP" sz="2400" dirty="0" smtClean="0"/>
-          </a:p>
-          <a:p>
-            <a:pPr lvl="1"/>
-            <a:r>
-              <a:rPr lang="ja-JP" altLang="en-US" sz="2000" dirty="0" smtClean="0"/>
-              <a:t>（坂本さん）</a:t>
-            </a:r>
-            <a:endParaRPr lang="en-US" altLang="ja-JP" sz="2000" dirty="0" smtClean="0"/>
-          </a:p>
-          <a:p>
-            <a:pPr lvl="2"/>
-            <a:r>
-              <a:rPr lang="ja-JP" altLang="en-US" sz="1600" dirty="0" smtClean="0"/>
-              <a:t>技術サポート</a:t>
-            </a:r>
-            <a:endParaRPr lang="en-US" altLang="ja-JP" sz="1600" dirty="0" smtClean="0"/>
-          </a:p>
-          <a:p>
-            <a:pPr lvl="1"/>
-            <a:r>
-              <a:rPr lang="ja-JP" altLang="en-US" sz="2000" dirty="0" smtClean="0"/>
-              <a:t>吉田さん、柳澤さん</a:t>
-            </a:r>
-            <a:endParaRPr lang="en-US" altLang="ja-JP" sz="2000" dirty="0" smtClean="0"/>
-          </a:p>
-          <a:p>
-            <a:pPr lvl="2"/>
-            <a:r>
-              <a:rPr lang="ja-JP" altLang="en-US" sz="1600" dirty="0"/>
-              <a:t>要件</a:t>
-            </a:r>
-            <a:r>
-              <a:rPr lang="ja-JP" altLang="en-US" sz="1600" dirty="0" smtClean="0"/>
-              <a:t>定義、設計レビュー</a:t>
-            </a:r>
-            <a:endParaRPr lang="en-US" altLang="ja-JP" sz="1600" dirty="0" smtClean="0"/>
-          </a:p>
-          <a:p>
-            <a:pPr lvl="1"/>
-            <a:r>
-              <a:rPr lang="ja-JP" altLang="en-US" sz="2000" dirty="0" smtClean="0"/>
-              <a:t>齋藤</a:t>
-            </a:r>
-            <a:endParaRPr lang="en-US" altLang="ja-JP" sz="2000" dirty="0" smtClean="0"/>
-          </a:p>
-          <a:p>
-            <a:pPr lvl="2"/>
-            <a:r>
-              <a:rPr lang="ja-JP" altLang="en-US" sz="1600" dirty="0" smtClean="0"/>
-              <a:t>進捗管理</a:t>
-            </a:r>
-            <a:endParaRPr lang="en-US" altLang="ja-JP" sz="1600" dirty="0" smtClean="0"/>
-          </a:p>
-          <a:p>
-            <a:pPr lvl="3"/>
-            <a:r>
-              <a:rPr lang="ja-JP" altLang="en-US" sz="1200" dirty="0" smtClean="0"/>
-              <a:t>夕会</a:t>
-            </a:r>
-            <a:endParaRPr lang="en-US" altLang="ja-JP" sz="1200" dirty="0" smtClean="0"/>
-          </a:p>
-          <a:p>
-            <a:pPr lvl="3"/>
-            <a:r>
-              <a:rPr lang="ja-JP" altLang="en-US" sz="1200" dirty="0" smtClean="0"/>
-              <a:t>各種レビュー</a:t>
-            </a:r>
-            <a:endParaRPr lang="en-US" altLang="ja-JP" sz="1200" dirty="0" smtClean="0"/>
-          </a:p>
-          <a:p>
-            <a:pPr lvl="2"/>
-            <a:r>
-              <a:rPr lang="ja-JP" altLang="en-US" sz="1600" dirty="0"/>
-              <a:t>全般</a:t>
-            </a:r>
-            <a:r>
-              <a:rPr lang="ja-JP" altLang="en-US" sz="1600" dirty="0" smtClean="0"/>
-              <a:t>サポート</a:t>
-            </a:r>
-            <a:endParaRPr lang="en-US" altLang="ja-JP" sz="1600" dirty="0"/>
-          </a:p>
-        </p:txBody>
-      </p:sp>
-    </p:spTree>
-    <p:extLst>
-      <p:ext uri="{BB962C8B-B14F-4D97-AF65-F5344CB8AC3E}">
-        <p14:creationId xmlns:p14="http://schemas.microsoft.com/office/powerpoint/2010/main" val="3197206624"/>
-      </p:ext>
-    </p:extLst>
-  </p:cSld>
-  <p:clrMapOvr>
-    <a:masterClrMapping/>
-  </p:clrMapOvr>
-  <p:timing>
-    <p:tnLst>
-      <p:par>
-        <p:cTn id="1" dur="indefinite" restart="never" nodeType="tmRoot"/>
-      </p:par>
-    </p:tnLst>
-  </p:timing>
-</p:sld>
-</file>
-
-<file path=ppt/slides/slide7.xml><?xml version="1.0" encoding="utf-8"?>
-<p:sld xmlns:a="http://schemas.openxmlformats.org/drawingml/2006/main" xmlns:r="http://schemas.openxmlformats.org/officeDocument/2006/relationships" xmlns:p="http://schemas.openxmlformats.org/presentationml/2006/main">
-  <p:cSld>
-    <p:spTree>
-      <p:nvGrpSpPr>
-        <p:cNvPr id="1" name=""/>
-        <p:cNvGrpSpPr/>
-        <p:nvPr/>
-      </p:nvGrpSpPr>
-      <p:grpSpPr>
-        <a:xfrm>
-          <a:off x="0" y="0"/>
-          <a:ext cx="0" cy="0"/>
-          <a:chOff x="0" y="0"/>
-          <a:chExt cx="0" cy="0"/>
-        </a:xfrm>
-      </p:grpSpPr>
-      <p:sp>
-        <p:nvSpPr>
-          <p:cNvPr id="3" name="タイトル 2"/>
-          <p:cNvSpPr>
-            <a:spLocks noGrp="1"/>
-          </p:cNvSpPr>
-          <p:nvPr>
-            <p:ph type="title"/>
-          </p:nvPr>
-        </p:nvSpPr>
-        <p:spPr/>
-        <p:txBody>
-          <a:bodyPr/>
-          <a:lstStyle/>
-          <a:p>
-            <a:r>
-              <a:rPr kumimoji="1" lang="ja-JP" altLang="en-US" dirty="0" smtClean="0"/>
-              <a:t>研修開始までの予定</a:t>
-            </a:r>
-            <a:endParaRPr kumimoji="1" lang="ja-JP" altLang="en-US" dirty="0"/>
-          </a:p>
-        </p:txBody>
-      </p:sp>
-      <p:sp>
-        <p:nvSpPr>
-          <p:cNvPr id="2" name="コンテンツ プレースホルダー 1"/>
-          <p:cNvSpPr>
-            <a:spLocks noGrp="1"/>
-          </p:cNvSpPr>
-          <p:nvPr>
-            <p:ph idx="1"/>
-          </p:nvPr>
-        </p:nvSpPr>
-        <p:spPr>
-          <a:prstGeom prst="rect">
-            <a:avLst/>
-          </a:prstGeom>
-        </p:spPr>
-        <p:txBody>
-          <a:bodyPr/>
-          <a:lstStyle/>
-          <a:p>
-            <a:endParaRPr lang="en-US" altLang="ja-JP" sz="2400" dirty="0"/>
-          </a:p>
-          <a:p>
-            <a:pPr marL="457200" lvl="1" indent="0">
-              <a:buNone/>
-            </a:pPr>
-            <a:endParaRPr lang="en-US" altLang="ja-JP" sz="2000" dirty="0" smtClean="0"/>
-          </a:p>
-          <a:p>
-            <a:pPr marL="457200" lvl="1" indent="0">
-              <a:buNone/>
-            </a:pPr>
-            <a:endParaRPr lang="en-US" altLang="ja-JP" sz="2000" dirty="0"/>
-          </a:p>
-        </p:txBody>
-      </p:sp>
-      <p:graphicFrame>
-        <p:nvGraphicFramePr>
-          <p:cNvPr id="4" name="表 3"/>
-          <p:cNvGraphicFramePr>
-            <a:graphicFrameLocks noGrp="1"/>
-          </p:cNvGraphicFramePr>
-          <p:nvPr>
-            <p:extLst>
-              <p:ext uri="{D42A27DB-BD31-4B8C-83A1-F6EECF244321}">
-                <p14:modId xmlns:p14="http://schemas.microsoft.com/office/powerpoint/2010/main" val="2879390016"/>
-              </p:ext>
-            </p:extLst>
-          </p:nvPr>
-        </p:nvGraphicFramePr>
-        <p:xfrm>
-          <a:off x="611560" y="1052736"/>
-          <a:ext cx="8136903" cy="3985388"/>
-        </p:xfrm>
-        <a:graphic>
-          <a:graphicData uri="http://schemas.openxmlformats.org/drawingml/2006/table">
-            <a:tbl>
-              <a:tblPr firstRow="1" bandRow="1">
-                <a:tableStyleId>{5940675A-B579-460E-94D1-54222C63F5DA}</a:tableStyleId>
-              </a:tblPr>
-              <a:tblGrid>
-                <a:gridCol w="740654"/>
-                <a:gridCol w="740654"/>
-                <a:gridCol w="740654"/>
-                <a:gridCol w="740654"/>
-                <a:gridCol w="740654"/>
-                <a:gridCol w="740654"/>
-                <a:gridCol w="740654"/>
-                <a:gridCol w="2952325"/>
-              </a:tblGrid>
-              <a:tr h="360040">
-                <a:tc>
-                  <a:txBody>
-                    <a:bodyPr/>
-                    <a:lstStyle/>
-                    <a:p>
-                      <a:r>
-                        <a:rPr kumimoji="1" lang="ja-JP" altLang="en-US" dirty="0" smtClean="0"/>
-                        <a:t>日</a:t>
-                      </a:r>
-                      <a:endParaRPr kumimoji="1" lang="ja-JP" altLang="en-US" dirty="0"/>
-                    </a:p>
-                  </a:txBody>
-                  <a:tcPr>
-                    <a:lnL w="28575" cap="flat" cmpd="sng" algn="ctr">
-                      <a:solidFill>
-                        <a:schemeClr val="tx1"/>
-                      </a:solidFill>
-                      <a:prstDash val="solid"/>
-                      <a:round/>
-                      <a:headEnd type="none" w="med" len="med"/>
-                      <a:tailEnd type="none" w="med" len="med"/>
-                    </a:lnL>
-                    <a:lnT w="28575" cap="flat" cmpd="sng" algn="ctr">
-                      <a:solidFill>
-                        <a:schemeClr val="tx1"/>
-                      </a:solidFill>
-                      <a:prstDash val="solid"/>
-                      <a:round/>
-                      <a:headEnd type="none" w="med" len="med"/>
-                      <a:tailEnd type="none" w="med" len="med"/>
-                    </a:lnT>
-                    <a:lnB w="19050" cap="flat" cmpd="sng" algn="ctr">
-                      <a:solidFill>
-                        <a:schemeClr val="tx1"/>
-                      </a:solidFill>
-                      <a:prstDash val="solid"/>
-                      <a:round/>
-                      <a:headEnd type="none" w="med" len="med"/>
-                      <a:tailEnd type="none" w="med" len="med"/>
-                    </a:lnB>
-                    <a:solidFill>
-                      <a:schemeClr val="accent2">
-                        <a:lumMod val="40000"/>
-                        <a:lumOff val="60000"/>
-                      </a:schemeClr>
-                    </a:solidFill>
-                  </a:tcPr>
-                </a:tc>
-                <a:tc>
-                  <a:txBody>
-                    <a:bodyPr/>
-                    <a:lstStyle/>
-                    <a:p>
-                      <a:r>
-                        <a:rPr kumimoji="1" lang="ja-JP" altLang="en-US" dirty="0" smtClean="0"/>
-                        <a:t>月</a:t>
-                      </a:r>
-                      <a:endParaRPr kumimoji="1" lang="ja-JP" altLang="en-US" dirty="0"/>
-                    </a:p>
-                  </a:txBody>
-                  <a:tcPr>
-                    <a:lnT w="28575" cap="flat" cmpd="sng" algn="ctr">
-                      <a:solidFill>
-                        <a:schemeClr val="tx1"/>
-                      </a:solidFill>
-                      <a:prstDash val="solid"/>
-                      <a:round/>
-                      <a:headEnd type="none" w="med" len="med"/>
-                      <a:tailEnd type="none" w="med" len="med"/>
-                    </a:lnT>
-                    <a:lnB w="19050" cap="flat" cmpd="sng" algn="ctr">
-                      <a:solidFill>
-                        <a:schemeClr val="tx1"/>
-                      </a:solidFill>
-                      <a:prstDash val="solid"/>
-                      <a:round/>
-                      <a:headEnd type="none" w="med" len="med"/>
-                      <a:tailEnd type="none" w="med" len="med"/>
-                    </a:lnB>
-                  </a:tcPr>
-                </a:tc>
-                <a:tc>
-                  <a:txBody>
-                    <a:bodyPr/>
-                    <a:lstStyle/>
-                    <a:p>
-                      <a:r>
-                        <a:rPr kumimoji="1" lang="ja-JP" altLang="en-US" dirty="0" smtClean="0"/>
-                        <a:t>火</a:t>
-                      </a:r>
-                      <a:endParaRPr kumimoji="1" lang="ja-JP" altLang="en-US" dirty="0"/>
-                    </a:p>
-                  </a:txBody>
-                  <a:tcPr>
-                    <a:lnT w="28575" cap="flat" cmpd="sng" algn="ctr">
-                      <a:solidFill>
-                        <a:schemeClr val="tx1"/>
-                      </a:solidFill>
-                      <a:prstDash val="solid"/>
-                      <a:round/>
-                      <a:headEnd type="none" w="med" len="med"/>
-                      <a:tailEnd type="none" w="med" len="med"/>
-                    </a:lnT>
-                    <a:lnB w="19050" cap="flat" cmpd="sng" algn="ctr">
-                      <a:solidFill>
-                        <a:schemeClr val="tx1"/>
-                      </a:solidFill>
-                      <a:prstDash val="solid"/>
-                      <a:round/>
-                      <a:headEnd type="none" w="med" len="med"/>
-                      <a:tailEnd type="none" w="med" len="med"/>
-                    </a:lnB>
-                  </a:tcPr>
-                </a:tc>
-                <a:tc>
-                  <a:txBody>
-                    <a:bodyPr/>
-                    <a:lstStyle/>
-                    <a:p>
-                      <a:r>
-                        <a:rPr kumimoji="1" lang="ja-JP" altLang="en-US" dirty="0" smtClean="0"/>
-                        <a:t>水</a:t>
-                      </a:r>
-                      <a:endParaRPr kumimoji="1" lang="ja-JP" altLang="en-US" dirty="0"/>
-                    </a:p>
-                  </a:txBody>
-                  <a:tcPr>
-                    <a:lnT w="28575" cap="flat" cmpd="sng" algn="ctr">
-                      <a:solidFill>
-                        <a:schemeClr val="tx1"/>
-                      </a:solidFill>
-                      <a:prstDash val="solid"/>
-                      <a:round/>
-                      <a:headEnd type="none" w="med" len="med"/>
-                      <a:tailEnd type="none" w="med" len="med"/>
-                    </a:lnT>
-                    <a:lnB w="19050" cap="flat" cmpd="sng" algn="ctr">
-                      <a:solidFill>
-                        <a:schemeClr val="tx1"/>
-                      </a:solidFill>
-                      <a:prstDash val="solid"/>
-                      <a:round/>
-                      <a:headEnd type="none" w="med" len="med"/>
-                      <a:tailEnd type="none" w="med" len="med"/>
-                    </a:lnB>
-                  </a:tcPr>
-                </a:tc>
-                <a:tc>
-                  <a:txBody>
-                    <a:bodyPr/>
-                    <a:lstStyle/>
-                    <a:p>
-                      <a:r>
-                        <a:rPr kumimoji="1" lang="ja-JP" altLang="en-US" dirty="0" smtClean="0"/>
-                        <a:t>木</a:t>
-                      </a:r>
-                      <a:endParaRPr kumimoji="1" lang="ja-JP" altLang="en-US" dirty="0"/>
-                    </a:p>
-                  </a:txBody>
-                  <a:tcPr>
-                    <a:lnT w="28575" cap="flat" cmpd="sng" algn="ctr">
-                      <a:solidFill>
-                        <a:schemeClr val="tx1"/>
-                      </a:solidFill>
-                      <a:prstDash val="solid"/>
-                      <a:round/>
-                      <a:headEnd type="none" w="med" len="med"/>
-                      <a:tailEnd type="none" w="med" len="med"/>
-                    </a:lnT>
-                    <a:lnB w="19050" cap="flat" cmpd="sng" algn="ctr">
-                      <a:solidFill>
-                        <a:schemeClr val="tx1"/>
-                      </a:solidFill>
-                      <a:prstDash val="solid"/>
-                      <a:round/>
-                      <a:headEnd type="none" w="med" len="med"/>
-                      <a:tailEnd type="none" w="med" len="med"/>
-                    </a:lnB>
-                  </a:tcPr>
-                </a:tc>
-                <a:tc>
-                  <a:txBody>
-                    <a:bodyPr/>
-                    <a:lstStyle/>
-                    <a:p>
-                      <a:r>
-                        <a:rPr kumimoji="1" lang="ja-JP" altLang="en-US" dirty="0" smtClean="0"/>
-                        <a:t>金</a:t>
-                      </a:r>
-                      <a:endParaRPr kumimoji="1" lang="ja-JP" altLang="en-US" dirty="0"/>
-                    </a:p>
-                  </a:txBody>
-                  <a:tcPr>
-                    <a:lnT w="28575" cap="flat" cmpd="sng" algn="ctr">
-                      <a:solidFill>
-                        <a:schemeClr val="tx1"/>
-                      </a:solidFill>
-                      <a:prstDash val="solid"/>
-                      <a:round/>
-                      <a:headEnd type="none" w="med" len="med"/>
-                      <a:tailEnd type="none" w="med" len="med"/>
-                    </a:lnT>
-                    <a:lnB w="19050" cap="flat" cmpd="sng" algn="ctr">
-                      <a:solidFill>
-                        <a:schemeClr val="tx1"/>
-                      </a:solidFill>
-                      <a:prstDash val="solid"/>
-                      <a:round/>
-                      <a:headEnd type="none" w="med" len="med"/>
-                      <a:tailEnd type="none" w="med" len="med"/>
-                    </a:lnB>
-                  </a:tcPr>
-                </a:tc>
-                <a:tc>
-                  <a:txBody>
-                    <a:bodyPr/>
-                    <a:lstStyle/>
-                    <a:p>
-                      <a:r>
-                        <a:rPr kumimoji="1" lang="ja-JP" altLang="en-US" dirty="0" smtClean="0"/>
-                        <a:t>土</a:t>
-                      </a:r>
-                      <a:endParaRPr kumimoji="1" lang="ja-JP" altLang="en-US" dirty="0"/>
-                    </a:p>
-                  </a:txBody>
-                  <a:tcPr>
-                    <a:lnR w="28575" cap="flat" cmpd="sng" algn="ctr">
-                      <a:solidFill>
-                        <a:schemeClr val="tx1"/>
-                      </a:solidFill>
-                      <a:prstDash val="solid"/>
-                      <a:round/>
-                      <a:headEnd type="none" w="med" len="med"/>
-                      <a:tailEnd type="none" w="med" len="med"/>
-                    </a:lnR>
-                    <a:lnT w="28575" cap="flat" cmpd="sng" algn="ctr">
-                      <a:solidFill>
-                        <a:schemeClr val="tx1"/>
-                      </a:solidFill>
-                      <a:prstDash val="solid"/>
-                      <a:round/>
-                      <a:headEnd type="none" w="med" len="med"/>
-                      <a:tailEnd type="none" w="med" len="med"/>
-                    </a:lnT>
-                    <a:lnB w="19050" cap="flat" cmpd="sng" algn="ctr">
-                      <a:solidFill>
-                        <a:schemeClr val="tx1"/>
-                      </a:solidFill>
-                      <a:prstDash val="solid"/>
-                      <a:round/>
-                      <a:headEnd type="none" w="med" len="med"/>
-                      <a:tailEnd type="none" w="med" len="med"/>
-                    </a:lnB>
-                    <a:solidFill>
-                      <a:schemeClr val="accent5">
-                        <a:lumMod val="40000"/>
-                        <a:lumOff val="60000"/>
-                      </a:schemeClr>
-                    </a:solidFill>
-                  </a:tcPr>
-                </a:tc>
-                <a:tc>
-                  <a:txBody>
-                    <a:bodyPr/>
-                    <a:lstStyle/>
-                    <a:p>
-                      <a:r>
-                        <a:rPr kumimoji="1" lang="ja-JP" altLang="en-US" dirty="0" smtClean="0"/>
-                        <a:t>　チーム側タスク</a:t>
-                      </a:r>
-                      <a:endParaRPr kumimoji="1" lang="en-US" altLang="ja-JP" dirty="0" smtClean="0"/>
-                    </a:p>
-                  </a:txBody>
-                  <a:tcPr>
-                    <a:lnL w="28575" cap="flat" cmpd="sng" algn="ctr">
-                      <a:solidFill>
-                        <a:schemeClr val="tx1"/>
-                      </a:solidFill>
-                      <a:prstDash val="solid"/>
-                      <a:round/>
-                      <a:headEnd type="none" w="med" len="med"/>
-                      <a:tailEnd type="none" w="med" len="med"/>
-                    </a:lnL>
-                    <a:lnR w="28575" cap="flat" cmpd="sng" algn="ctr">
-                      <a:solidFill>
-                        <a:schemeClr val="tx1"/>
-                      </a:solidFill>
-                      <a:prstDash val="solid"/>
-                      <a:round/>
-                      <a:headEnd type="none" w="med" len="med"/>
-                      <a:tailEnd type="none" w="med" len="med"/>
-                    </a:lnR>
-                    <a:lnT w="28575" cap="flat" cmpd="sng" algn="ctr">
-                      <a:solidFill>
-                        <a:schemeClr val="tx1"/>
-                      </a:solidFill>
-                      <a:prstDash val="solid"/>
-                      <a:round/>
-                      <a:headEnd type="none" w="med" len="med"/>
-                      <a:tailEnd type="none" w="med" len="med"/>
-                    </a:lnT>
-                    <a:lnB w="19050" cap="flat" cmpd="sng" algn="ctr">
-                      <a:solidFill>
-                        <a:schemeClr val="tx1"/>
-                      </a:solidFill>
-                      <a:prstDash val="solid"/>
-                      <a:round/>
-                      <a:headEnd type="none" w="med" len="med"/>
-                      <a:tailEnd type="none" w="med" len="med"/>
-                    </a:lnB>
-                    <a:noFill/>
-                  </a:tcPr>
-                </a:tc>
-              </a:tr>
-              <a:tr h="895414">
-                <a:tc>
-                  <a:txBody>
-                    <a:bodyPr/>
-                    <a:lstStyle/>
-                    <a:p>
-                      <a:r>
-                        <a:rPr kumimoji="1" lang="en-US" altLang="ja-JP" dirty="0" smtClean="0"/>
-                        <a:t>5/15</a:t>
-                      </a:r>
-                      <a:endParaRPr kumimoji="1" lang="ja-JP" altLang="en-US" dirty="0"/>
-                    </a:p>
-                  </a:txBody>
-                  <a:tcPr>
-                    <a:lnL w="28575" cap="flat" cmpd="sng" algn="ctr">
-                      <a:solidFill>
-                        <a:schemeClr val="tx1"/>
-                      </a:solidFill>
-                      <a:prstDash val="solid"/>
-                      <a:round/>
-                      <a:headEnd type="none" w="med" len="med"/>
-                      <a:tailEnd type="none" w="med" len="med"/>
-                    </a:lnL>
-                    <a:lnT w="19050" cap="flat" cmpd="sng" algn="ctr">
-                      <a:solidFill>
-                        <a:schemeClr val="tx1"/>
-                      </a:solidFill>
-                      <a:prstDash val="solid"/>
-                      <a:round/>
-                      <a:headEnd type="none" w="med" len="med"/>
-                      <a:tailEnd type="none" w="med" len="med"/>
-                    </a:lnT>
-                    <a:solidFill>
-                      <a:schemeClr val="accent2">
-                        <a:lumMod val="40000"/>
-                        <a:lumOff val="60000"/>
-                      </a:schemeClr>
-                    </a:solidFill>
-                  </a:tcPr>
-                </a:tc>
-                <a:tc>
-                  <a:txBody>
-                    <a:bodyPr/>
-                    <a:lstStyle/>
-                    <a:p>
-                      <a:r>
-                        <a:rPr kumimoji="1" lang="en-US" altLang="ja-JP" dirty="0" smtClean="0"/>
-                        <a:t>16</a:t>
-                      </a:r>
-                      <a:endParaRPr kumimoji="1" lang="ja-JP" altLang="en-US" dirty="0"/>
-                    </a:p>
-                  </a:txBody>
-                  <a:tcPr>
-                    <a:lnT w="19050" cap="flat" cmpd="sng" algn="ctr">
-                      <a:solidFill>
-                        <a:schemeClr val="tx1"/>
-                      </a:solidFill>
-                      <a:prstDash val="solid"/>
-                      <a:round/>
-                      <a:headEnd type="none" w="med" len="med"/>
-                      <a:tailEnd type="none" w="med" len="med"/>
-                    </a:lnT>
-                  </a:tcPr>
-                </a:tc>
-                <a:tc>
-                  <a:txBody>
-                    <a:bodyPr/>
-                    <a:lstStyle/>
-                    <a:p>
-                      <a:r>
-                        <a:rPr kumimoji="1" lang="en-US" altLang="ja-JP" dirty="0" smtClean="0"/>
-                        <a:t>17</a:t>
-                      </a:r>
-                      <a:endParaRPr kumimoji="1" lang="ja-JP" altLang="en-US" dirty="0"/>
-                    </a:p>
-                  </a:txBody>
-                  <a:tcPr>
-                    <a:lnT w="19050" cap="flat" cmpd="sng" algn="ctr">
-                      <a:solidFill>
-                        <a:schemeClr val="tx1"/>
-                      </a:solidFill>
-                      <a:prstDash val="solid"/>
-                      <a:round/>
-                      <a:headEnd type="none" w="med" len="med"/>
-                      <a:tailEnd type="none" w="med" len="med"/>
-                    </a:lnT>
-                  </a:tcPr>
-                </a:tc>
-                <a:tc>
-                  <a:txBody>
-                    <a:bodyPr/>
-                    <a:lstStyle/>
-                    <a:p>
-                      <a:r>
-                        <a:rPr kumimoji="1" lang="en-US" altLang="ja-JP" dirty="0" smtClean="0"/>
-                        <a:t>18</a:t>
-                      </a:r>
-                      <a:endParaRPr kumimoji="1" lang="ja-JP" altLang="en-US" dirty="0"/>
-                    </a:p>
-                  </a:txBody>
-                  <a:tcPr>
-                    <a:lnT w="19050" cap="flat" cmpd="sng" algn="ctr">
-                      <a:solidFill>
-                        <a:schemeClr val="tx1"/>
-                      </a:solidFill>
-                      <a:prstDash val="solid"/>
-                      <a:round/>
-                      <a:headEnd type="none" w="med" len="med"/>
-                      <a:tailEnd type="none" w="med" len="med"/>
-                    </a:lnT>
-                  </a:tcPr>
-                </a:tc>
-                <a:tc>
-                  <a:txBody>
-                    <a:bodyPr/>
-                    <a:lstStyle/>
-                    <a:p>
-                      <a:r>
-                        <a:rPr kumimoji="1" lang="en-US" altLang="ja-JP" dirty="0" smtClean="0"/>
-                        <a:t>19</a:t>
-                      </a:r>
-                      <a:endParaRPr kumimoji="1" lang="ja-JP" altLang="en-US" dirty="0"/>
-                    </a:p>
-                  </a:txBody>
-                  <a:tcPr>
-                    <a:lnT w="19050" cap="flat" cmpd="sng" algn="ctr">
-                      <a:solidFill>
-                        <a:schemeClr val="tx1"/>
-                      </a:solidFill>
-                      <a:prstDash val="solid"/>
-                      <a:round/>
-                      <a:headEnd type="none" w="med" len="med"/>
-                      <a:tailEnd type="none" w="med" len="med"/>
-                    </a:lnT>
-                  </a:tcPr>
-                </a:tc>
-                <a:tc>
-                  <a:txBody>
-                    <a:bodyPr/>
-                    <a:lstStyle/>
-                    <a:p>
-                      <a:r>
-                        <a:rPr kumimoji="1" lang="en-US" altLang="ja-JP" dirty="0" smtClean="0"/>
-                        <a:t>20</a:t>
-                      </a:r>
-                      <a:endParaRPr kumimoji="1" lang="ja-JP" altLang="en-US" dirty="0"/>
-                    </a:p>
-                  </a:txBody>
-                  <a:tcPr>
-                    <a:lnT w="19050" cap="flat" cmpd="sng" algn="ctr">
-                      <a:solidFill>
-                        <a:schemeClr val="tx1"/>
-                      </a:solidFill>
-                      <a:prstDash val="solid"/>
-                      <a:round/>
-                      <a:headEnd type="none" w="med" len="med"/>
-                      <a:tailEnd type="none" w="med" len="med"/>
-                    </a:lnT>
-                  </a:tcPr>
-                </a:tc>
-                <a:tc>
-                  <a:txBody>
-                    <a:bodyPr/>
-                    <a:lstStyle/>
-                    <a:p>
-                      <a:r>
-                        <a:rPr kumimoji="1" lang="en-US" altLang="ja-JP" dirty="0" smtClean="0"/>
-                        <a:t>21</a:t>
-                      </a:r>
-                      <a:endParaRPr kumimoji="1" lang="ja-JP" altLang="en-US" dirty="0"/>
-                    </a:p>
-                  </a:txBody>
-                  <a:tcPr>
-                    <a:lnR w="28575" cap="flat" cmpd="sng" algn="ctr">
-                      <a:solidFill>
-                        <a:schemeClr val="tx1"/>
-                      </a:solidFill>
-                      <a:prstDash val="solid"/>
-                      <a:round/>
-                      <a:headEnd type="none" w="med" len="med"/>
-                      <a:tailEnd type="none" w="med" len="med"/>
-                    </a:lnR>
-                    <a:lnT w="19050" cap="flat" cmpd="sng" algn="ctr">
-                      <a:solidFill>
-                        <a:schemeClr val="tx1"/>
-                      </a:solidFill>
-                      <a:prstDash val="solid"/>
-                      <a:round/>
-                      <a:headEnd type="none" w="med" len="med"/>
-                      <a:tailEnd type="none" w="med" len="med"/>
-                    </a:lnT>
-                    <a:solidFill>
-                      <a:schemeClr val="accent5">
-                        <a:lumMod val="40000"/>
-                        <a:lumOff val="60000"/>
-                      </a:schemeClr>
-                    </a:solidFill>
-                  </a:tcPr>
-                </a:tc>
-                <a:tc>
-                  <a:txBody>
-                    <a:bodyPr/>
-                    <a:lstStyle/>
-                    <a:p>
-                      <a:r>
-                        <a:rPr kumimoji="1" lang="ja-JP" altLang="en-US" dirty="0" smtClean="0"/>
-                        <a:t>全体計画</a:t>
-                      </a:r>
-                      <a:endParaRPr kumimoji="1" lang="en-US" altLang="ja-JP" dirty="0" smtClean="0"/>
-                    </a:p>
-                    <a:p>
-                      <a:r>
-                        <a:rPr kumimoji="1" lang="ja-JP" altLang="en-US" dirty="0" smtClean="0"/>
-                        <a:t>研修内容決定</a:t>
-                      </a:r>
-                      <a:endParaRPr kumimoji="1" lang="en-US" altLang="ja-JP" dirty="0" smtClean="0"/>
-                    </a:p>
-                  </a:txBody>
-                  <a:tcPr>
-                    <a:lnL w="28575" cap="flat" cmpd="sng" algn="ctr">
-                      <a:solidFill>
-                        <a:schemeClr val="tx1"/>
-                      </a:solidFill>
-                      <a:prstDash val="solid"/>
-                      <a:round/>
-                      <a:headEnd type="none" w="med" len="med"/>
-                      <a:tailEnd type="none" w="med" len="med"/>
-                    </a:lnL>
-                    <a:lnR w="28575" cap="flat" cmpd="sng" algn="ctr">
-                      <a:solidFill>
-                        <a:schemeClr val="tx1"/>
-                      </a:solidFill>
-                      <a:prstDash val="solid"/>
-                      <a:round/>
-                      <a:headEnd type="none" w="med" len="med"/>
-                      <a:tailEnd type="none" w="med" len="med"/>
-                    </a:lnR>
-                    <a:lnT w="19050" cap="flat" cmpd="sng" algn="ctr">
-                      <a:solidFill>
-                        <a:schemeClr val="tx1"/>
-                      </a:solidFill>
-                      <a:prstDash val="solid"/>
-                      <a:round/>
-                      <a:headEnd type="none" w="med" len="med"/>
-                      <a:tailEnd type="none" w="med" len="med"/>
-                    </a:lnT>
-                    <a:noFill/>
-                  </a:tcPr>
-                </a:tc>
-              </a:tr>
-              <a:tr h="895414">
-                <a:tc>
-                  <a:txBody>
-                    <a:bodyPr/>
-                    <a:lstStyle/>
-                    <a:p>
-                      <a:r>
-                        <a:rPr kumimoji="1" lang="en-US" altLang="ja-JP" dirty="0" smtClean="0"/>
-                        <a:t>22</a:t>
-                      </a:r>
-                      <a:endParaRPr kumimoji="1" lang="ja-JP" altLang="en-US" dirty="0"/>
-                    </a:p>
-                  </a:txBody>
-                  <a:tcPr>
-                    <a:lnL w="28575" cap="flat" cmpd="sng" algn="ctr">
-                      <a:solidFill>
-                        <a:schemeClr val="tx1"/>
-                      </a:solidFill>
-                      <a:prstDash val="solid"/>
-                      <a:round/>
-                      <a:headEnd type="none" w="med" len="med"/>
-                      <a:tailEnd type="none" w="med" len="med"/>
-                    </a:lnL>
-                    <a:solidFill>
-                      <a:schemeClr val="accent2">
-                        <a:lumMod val="40000"/>
-                        <a:lumOff val="60000"/>
-                      </a:schemeClr>
-                    </a:solidFill>
-                  </a:tcPr>
-                </a:tc>
-                <a:tc>
-                  <a:txBody>
-                    <a:bodyPr/>
-                    <a:lstStyle/>
-                    <a:p>
-                      <a:r>
-                        <a:rPr kumimoji="1" lang="en-US" altLang="ja-JP" dirty="0" smtClean="0"/>
-                        <a:t>23</a:t>
-                      </a:r>
-                      <a:endParaRPr kumimoji="1" lang="ja-JP" altLang="en-US" dirty="0"/>
-                    </a:p>
-                  </a:txBody>
-                  <a:tcPr/>
-                </a:tc>
-                <a:tc>
-                  <a:txBody>
-                    <a:bodyPr/>
-                    <a:lstStyle/>
-                    <a:p>
-                      <a:r>
-                        <a:rPr kumimoji="1" lang="en-US" altLang="ja-JP" dirty="0" smtClean="0"/>
-                        <a:t>24</a:t>
-                      </a:r>
-                      <a:endParaRPr kumimoji="1" lang="ja-JP" altLang="en-US" dirty="0"/>
-                    </a:p>
-                  </a:txBody>
-                  <a:tcPr/>
-                </a:tc>
-                <a:tc>
-                  <a:txBody>
-                    <a:bodyPr/>
-                    <a:lstStyle/>
-                    <a:p>
-                      <a:r>
-                        <a:rPr kumimoji="1" lang="en-US" altLang="ja-JP" dirty="0" smtClean="0"/>
-                        <a:t>25</a:t>
-                      </a:r>
-                      <a:endParaRPr kumimoji="1" lang="ja-JP" altLang="en-US" dirty="0"/>
-                    </a:p>
-                  </a:txBody>
-                  <a:tcPr/>
-                </a:tc>
-                <a:tc>
-                  <a:txBody>
-                    <a:bodyPr/>
-                    <a:lstStyle/>
-                    <a:p>
-                      <a:r>
-                        <a:rPr kumimoji="1" lang="en-US" altLang="ja-JP" dirty="0" smtClean="0"/>
-                        <a:t>26</a:t>
-                      </a:r>
-                      <a:endParaRPr kumimoji="1" lang="ja-JP" altLang="en-US" dirty="0"/>
-                    </a:p>
-                  </a:txBody>
-                  <a:tcPr/>
-                </a:tc>
-                <a:tc>
-                  <a:txBody>
-                    <a:bodyPr/>
-                    <a:lstStyle/>
-                    <a:p>
-                      <a:r>
-                        <a:rPr kumimoji="1" lang="en-US" altLang="ja-JP" dirty="0" smtClean="0"/>
-                        <a:t>27</a:t>
-                      </a:r>
-                      <a:endParaRPr kumimoji="1" lang="ja-JP" altLang="en-US" dirty="0"/>
-                    </a:p>
-                  </a:txBody>
-                  <a:tcPr/>
-                </a:tc>
-                <a:tc>
-                  <a:txBody>
-                    <a:bodyPr/>
-                    <a:lstStyle/>
-                    <a:p>
-                      <a:r>
-                        <a:rPr kumimoji="1" lang="en-US" altLang="ja-JP" dirty="0" smtClean="0"/>
-                        <a:t>28</a:t>
-                      </a:r>
-                      <a:endParaRPr kumimoji="1" lang="ja-JP" altLang="en-US" dirty="0"/>
-                    </a:p>
-                  </a:txBody>
-                  <a:tcPr>
-                    <a:lnR w="28575" cap="flat" cmpd="sng" algn="ctr">
-                      <a:solidFill>
-                        <a:schemeClr val="tx1"/>
-                      </a:solidFill>
-                      <a:prstDash val="solid"/>
-                      <a:round/>
-                      <a:headEnd type="none" w="med" len="med"/>
-                      <a:tailEnd type="none" w="med" len="med"/>
-                    </a:lnR>
-                    <a:solidFill>
-                      <a:schemeClr val="accent5">
-                        <a:lumMod val="40000"/>
-                        <a:lumOff val="60000"/>
-                      </a:schemeClr>
-                    </a:solidFill>
-                  </a:tcPr>
-                </a:tc>
-                <a:tc>
-                  <a:txBody>
-                    <a:bodyPr/>
-                    <a:lstStyle/>
-                    <a:p>
-                      <a:r>
-                        <a:rPr kumimoji="1" lang="ja-JP" altLang="en-US" dirty="0" smtClean="0"/>
-                        <a:t>詳細計画</a:t>
-                      </a:r>
-                      <a:endParaRPr kumimoji="1" lang="en-US" altLang="ja-JP" dirty="0" smtClean="0"/>
-                    </a:p>
-                    <a:p>
-                      <a:pPr marL="0" marR="0" indent="0" algn="l" defTabSz="914400" rtl="0" eaLnBrk="1" fontAlgn="auto" latinLnBrk="0" hangingPunct="1">
-                        <a:lnSpc>
-                          <a:spcPct val="100000"/>
-                        </a:lnSpc>
-                        <a:spcBef>
-                          <a:spcPts val="0"/>
-                        </a:spcBef>
-                        <a:spcAft>
-                          <a:spcPts val="0"/>
-                        </a:spcAft>
-                        <a:buClrTx/>
-                        <a:buSzTx/>
-                        <a:buFontTx/>
-                        <a:buNone/>
-                        <a:tabLst/>
-                        <a:defRPr/>
-                      </a:pPr>
-                      <a:r>
-                        <a:rPr kumimoji="1" lang="en-US" altLang="ja-JP" dirty="0" smtClean="0"/>
-                        <a:t>Sirius</a:t>
-                      </a:r>
-                      <a:r>
-                        <a:rPr kumimoji="1" lang="ja-JP" altLang="en-US" dirty="0" smtClean="0"/>
-                        <a:t>調査</a:t>
-                      </a:r>
-                      <a:endParaRPr kumimoji="1" lang="en-US" altLang="ja-JP" dirty="0" smtClean="0"/>
-                    </a:p>
-                    <a:p>
-                      <a:r>
-                        <a:rPr kumimoji="1" lang="ja-JP" altLang="en-US" dirty="0" smtClean="0"/>
-                        <a:t>サンプルエディタ作成</a:t>
-                      </a:r>
-                      <a:endParaRPr kumimoji="1" lang="en-US" altLang="ja-JP" dirty="0" smtClean="0"/>
-                    </a:p>
-                  </a:txBody>
-                  <a:tcPr>
-                    <a:lnL w="28575" cap="flat" cmpd="sng" algn="ctr">
-                      <a:solidFill>
-                        <a:schemeClr val="tx1"/>
-                      </a:solidFill>
-                      <a:prstDash val="solid"/>
-                      <a:round/>
-                      <a:headEnd type="none" w="med" len="med"/>
-                      <a:tailEnd type="none" w="med" len="med"/>
-                    </a:lnL>
-                    <a:lnR w="28575" cap="flat" cmpd="sng" algn="ctr">
-                      <a:solidFill>
-                        <a:schemeClr val="tx1"/>
-                      </a:solidFill>
-                      <a:prstDash val="solid"/>
-                      <a:round/>
-                      <a:headEnd type="none" w="med" len="med"/>
-                      <a:tailEnd type="none" w="med" len="med"/>
-                    </a:lnR>
-                    <a:noFill/>
-                  </a:tcPr>
-                </a:tc>
-              </a:tr>
-              <a:tr h="895414">
-                <a:tc>
-                  <a:txBody>
-                    <a:bodyPr/>
-                    <a:lstStyle/>
-                    <a:p>
-                      <a:r>
-                        <a:rPr kumimoji="1" lang="en-US" altLang="ja-JP" dirty="0" smtClean="0"/>
-                        <a:t>29</a:t>
-                      </a:r>
-                      <a:endParaRPr kumimoji="1" lang="ja-JP" altLang="en-US" dirty="0"/>
-                    </a:p>
-                  </a:txBody>
-                  <a:tcPr>
-                    <a:lnL w="28575" cap="flat" cmpd="sng" algn="ctr">
-                      <a:solidFill>
-                        <a:schemeClr val="tx1"/>
-                      </a:solidFill>
-                      <a:prstDash val="solid"/>
-                      <a:round/>
-                      <a:headEnd type="none" w="med" len="med"/>
-                      <a:tailEnd type="none" w="med" len="med"/>
-                    </a:lnL>
-                    <a:solidFill>
-                      <a:schemeClr val="accent2">
-                        <a:lumMod val="40000"/>
-                        <a:lumOff val="60000"/>
-                      </a:schemeClr>
-                    </a:solidFill>
-                  </a:tcPr>
-                </a:tc>
-                <a:tc>
-                  <a:txBody>
-                    <a:bodyPr/>
-                    <a:lstStyle/>
-                    <a:p>
-                      <a:r>
-                        <a:rPr kumimoji="1" lang="en-US" altLang="ja-JP" dirty="0" smtClean="0"/>
-                        <a:t>30</a:t>
-                      </a:r>
-                      <a:endParaRPr kumimoji="1" lang="ja-JP" altLang="en-US" dirty="0"/>
-                    </a:p>
-                  </a:txBody>
-                  <a:tcPr/>
-                </a:tc>
-                <a:tc>
-                  <a:txBody>
-                    <a:bodyPr/>
-                    <a:lstStyle/>
-                    <a:p>
-                      <a:r>
-                        <a:rPr kumimoji="1" lang="en-US" altLang="ja-JP" dirty="0" smtClean="0"/>
-                        <a:t>31</a:t>
-                      </a:r>
-                      <a:endParaRPr kumimoji="1" lang="ja-JP" altLang="en-US" dirty="0"/>
-                    </a:p>
-                  </a:txBody>
-                  <a:tcPr/>
-                </a:tc>
-                <a:tc>
-                  <a:txBody>
-                    <a:bodyPr/>
-                    <a:lstStyle/>
-                    <a:p>
-                      <a:r>
-                        <a:rPr kumimoji="1" lang="en-US" altLang="ja-JP" dirty="0" smtClean="0"/>
-                        <a:t>6/1</a:t>
-                      </a:r>
-                      <a:endParaRPr kumimoji="1" lang="ja-JP" altLang="en-US" dirty="0"/>
-                    </a:p>
-                  </a:txBody>
-                  <a:tcPr/>
-                </a:tc>
-                <a:tc>
-                  <a:txBody>
-                    <a:bodyPr/>
-                    <a:lstStyle/>
-                    <a:p>
-                      <a:r>
-                        <a:rPr kumimoji="1" lang="en-US" altLang="ja-JP" dirty="0" smtClean="0"/>
-                        <a:t>2</a:t>
-                      </a:r>
-                      <a:endParaRPr kumimoji="1" lang="ja-JP" altLang="en-US" dirty="0"/>
-                    </a:p>
-                  </a:txBody>
-                  <a:tcPr/>
-                </a:tc>
-                <a:tc>
-                  <a:txBody>
-                    <a:bodyPr/>
-                    <a:lstStyle/>
-                    <a:p>
-                      <a:r>
-                        <a:rPr kumimoji="1" lang="en-US" altLang="ja-JP" dirty="0" smtClean="0"/>
-                        <a:t>3</a:t>
-                      </a:r>
-                      <a:endParaRPr kumimoji="1" lang="ja-JP" altLang="en-US" dirty="0"/>
-                    </a:p>
-                  </a:txBody>
-                  <a:tcPr/>
-                </a:tc>
-                <a:tc>
-                  <a:txBody>
-                    <a:bodyPr/>
-                    <a:lstStyle/>
-                    <a:p>
-                      <a:r>
-                        <a:rPr kumimoji="1" lang="en-US" altLang="ja-JP" dirty="0" smtClean="0"/>
-                        <a:t>4</a:t>
-                      </a:r>
-                      <a:endParaRPr kumimoji="1" lang="ja-JP" altLang="en-US" dirty="0"/>
-                    </a:p>
-                  </a:txBody>
-                  <a:tcPr>
-                    <a:lnR w="28575" cap="flat" cmpd="sng" algn="ctr">
-                      <a:solidFill>
-                        <a:schemeClr val="tx1"/>
-                      </a:solidFill>
-                      <a:prstDash val="solid"/>
-                      <a:round/>
-                      <a:headEnd type="none" w="med" len="med"/>
-                      <a:tailEnd type="none" w="med" len="med"/>
-                    </a:lnR>
-                    <a:solidFill>
-                      <a:schemeClr val="accent5">
-                        <a:lumMod val="40000"/>
-                        <a:lumOff val="60000"/>
-                      </a:schemeClr>
-                    </a:solidFill>
-                  </a:tcPr>
-                </a:tc>
-                <a:tc>
-                  <a:txBody>
-                    <a:bodyPr/>
-                    <a:lstStyle/>
-                    <a:p>
-                      <a:pPr marL="0" marR="0" indent="0" algn="l" defTabSz="914400" rtl="0" eaLnBrk="1" fontAlgn="auto" latinLnBrk="0" hangingPunct="1">
-                        <a:lnSpc>
-                          <a:spcPct val="100000"/>
-                        </a:lnSpc>
-                        <a:spcBef>
-                          <a:spcPts val="0"/>
-                        </a:spcBef>
-                        <a:spcAft>
-                          <a:spcPts val="0"/>
-                        </a:spcAft>
-                        <a:buClrTx/>
-                        <a:buSzTx/>
-                        <a:buFontTx/>
-                        <a:buNone/>
-                        <a:tabLst/>
-                        <a:defRPr/>
-                      </a:pPr>
-                      <a:r>
-                        <a:rPr kumimoji="1" lang="ja-JP" altLang="en-US" dirty="0" smtClean="0"/>
-                        <a:t>説明資料作成</a:t>
-                      </a:r>
-                      <a:endParaRPr kumimoji="1" lang="en-US" altLang="ja-JP" dirty="0" smtClean="0"/>
-                    </a:p>
-                    <a:p>
-                      <a:r>
-                        <a:rPr kumimoji="1" lang="en-US" altLang="ja-JP" dirty="0" err="1" smtClean="0"/>
-                        <a:t>Git</a:t>
-                      </a:r>
-                      <a:r>
-                        <a:rPr kumimoji="1" lang="ja-JP" altLang="en-US" dirty="0" smtClean="0"/>
-                        <a:t>準備</a:t>
-                      </a:r>
-                      <a:endParaRPr kumimoji="1" lang="en-US" altLang="ja-JP" dirty="0" smtClean="0"/>
-                    </a:p>
-                    <a:p>
-                      <a:r>
-                        <a:rPr kumimoji="1" lang="ja-JP" altLang="en-US" dirty="0" smtClean="0"/>
-                        <a:t>書類フォーマット作成</a:t>
-                      </a:r>
-                      <a:endParaRPr kumimoji="1" lang="ja-JP" altLang="en-US" dirty="0"/>
-                    </a:p>
-                  </a:txBody>
-                  <a:tcPr>
-                    <a:lnL w="28575" cap="flat" cmpd="sng" algn="ctr">
-                      <a:solidFill>
-                        <a:schemeClr val="tx1"/>
-                      </a:solidFill>
-                      <a:prstDash val="solid"/>
-                      <a:round/>
-                      <a:headEnd type="none" w="med" len="med"/>
-                      <a:tailEnd type="none" w="med" len="med"/>
-                    </a:lnL>
-                    <a:lnR w="28575" cap="flat" cmpd="sng" algn="ctr">
-                      <a:solidFill>
-                        <a:schemeClr val="tx1"/>
-                      </a:solidFill>
-                      <a:prstDash val="solid"/>
-                      <a:round/>
-                      <a:headEnd type="none" w="med" len="med"/>
-                      <a:tailEnd type="none" w="med" len="med"/>
-                    </a:lnR>
-                    <a:noFill/>
-                  </a:tcPr>
-                </a:tc>
-              </a:tr>
-              <a:tr h="895414">
-                <a:tc>
-                  <a:txBody>
-                    <a:bodyPr/>
-                    <a:lstStyle/>
-                    <a:p>
-                      <a:r>
-                        <a:rPr kumimoji="1" lang="en-US" altLang="ja-JP" dirty="0" smtClean="0"/>
-                        <a:t>5</a:t>
-                      </a:r>
-                      <a:endParaRPr kumimoji="1" lang="ja-JP" altLang="en-US" dirty="0"/>
-                    </a:p>
-                  </a:txBody>
-                  <a:tcPr>
-                    <a:lnL w="28575" cap="flat" cmpd="sng" algn="ctr">
-                      <a:solidFill>
-                        <a:schemeClr val="tx1"/>
-                      </a:solidFill>
-                      <a:prstDash val="solid"/>
-                      <a:round/>
-                      <a:headEnd type="none" w="med" len="med"/>
-                      <a:tailEnd type="none" w="med" len="med"/>
-                    </a:lnL>
-                    <a:lnB w="28575" cap="flat" cmpd="sng" algn="ctr">
-                      <a:solidFill>
-                        <a:schemeClr val="tx1"/>
-                      </a:solidFill>
-                      <a:prstDash val="solid"/>
-                      <a:round/>
-                      <a:headEnd type="none" w="med" len="med"/>
-                      <a:tailEnd type="none" w="med" len="med"/>
-                    </a:lnB>
-                    <a:solidFill>
-                      <a:schemeClr val="accent2">
-                        <a:lumMod val="40000"/>
-                        <a:lumOff val="60000"/>
-                      </a:schemeClr>
-                    </a:solidFill>
-                  </a:tcPr>
-                </a:tc>
-                <a:tc>
-                  <a:txBody>
-                    <a:bodyPr/>
-                    <a:lstStyle/>
-                    <a:p>
-                      <a:r>
-                        <a:rPr kumimoji="1" lang="en-US" altLang="ja-JP" dirty="0" smtClean="0"/>
-                        <a:t>6</a:t>
-                      </a:r>
-                    </a:p>
-                  </a:txBody>
-                  <a:tcPr>
-                    <a:lnB w="28575" cap="flat" cmpd="sng" algn="ctr">
-                      <a:solidFill>
-                        <a:schemeClr val="tx1"/>
-                      </a:solidFill>
-                      <a:prstDash val="solid"/>
-                      <a:round/>
-                      <a:headEnd type="none" w="med" len="med"/>
-                      <a:tailEnd type="none" w="med" len="med"/>
-                    </a:lnB>
-                  </a:tcPr>
-                </a:tc>
-                <a:tc>
-                  <a:txBody>
-                    <a:bodyPr/>
-                    <a:lstStyle/>
-                    <a:p>
-                      <a:endParaRPr kumimoji="1" lang="ja-JP" altLang="en-US" dirty="0"/>
-                    </a:p>
-                  </a:txBody>
-                  <a:tcPr>
-                    <a:lnB w="28575" cap="flat" cmpd="sng" algn="ctr">
-                      <a:solidFill>
-                        <a:schemeClr val="tx1"/>
-                      </a:solidFill>
-                      <a:prstDash val="solid"/>
-                      <a:round/>
-                      <a:headEnd type="none" w="med" len="med"/>
-                      <a:tailEnd type="none" w="med" len="med"/>
-                    </a:lnB>
-                  </a:tcPr>
-                </a:tc>
-                <a:tc>
-                  <a:txBody>
-                    <a:bodyPr/>
-                    <a:lstStyle/>
-                    <a:p>
-                      <a:endParaRPr kumimoji="1" lang="ja-JP" altLang="en-US" dirty="0"/>
-                    </a:p>
-                  </a:txBody>
-                  <a:tcPr>
-                    <a:lnB w="28575" cap="flat" cmpd="sng" algn="ctr">
-                      <a:solidFill>
-                        <a:schemeClr val="tx1"/>
-                      </a:solidFill>
-                      <a:prstDash val="solid"/>
-                      <a:round/>
-                      <a:headEnd type="none" w="med" len="med"/>
-                      <a:tailEnd type="none" w="med" len="med"/>
-                    </a:lnB>
-                  </a:tcPr>
-                </a:tc>
-                <a:tc>
-                  <a:txBody>
-                    <a:bodyPr/>
-                    <a:lstStyle/>
-                    <a:p>
-                      <a:endParaRPr kumimoji="1" lang="ja-JP" altLang="en-US" dirty="0"/>
-                    </a:p>
-                  </a:txBody>
-                  <a:tcPr>
-                    <a:lnB w="28575" cap="flat" cmpd="sng" algn="ctr">
-                      <a:solidFill>
-                        <a:schemeClr val="tx1"/>
-                      </a:solidFill>
-                      <a:prstDash val="solid"/>
-                      <a:round/>
-                      <a:headEnd type="none" w="med" len="med"/>
-                      <a:tailEnd type="none" w="med" len="med"/>
-                    </a:lnB>
-                  </a:tcPr>
-                </a:tc>
-                <a:tc>
-                  <a:txBody>
-                    <a:bodyPr/>
-                    <a:lstStyle/>
-                    <a:p>
-                      <a:endParaRPr kumimoji="1" lang="ja-JP" altLang="en-US" dirty="0"/>
-                    </a:p>
-                  </a:txBody>
-                  <a:tcPr>
-                    <a:lnB w="28575" cap="flat" cmpd="sng" algn="ctr">
-                      <a:solidFill>
-                        <a:schemeClr val="tx1"/>
-                      </a:solidFill>
-                      <a:prstDash val="solid"/>
-                      <a:round/>
-                      <a:headEnd type="none" w="med" len="med"/>
-                      <a:tailEnd type="none" w="med" len="med"/>
-                    </a:lnB>
-                  </a:tcPr>
-                </a:tc>
-                <a:tc>
-                  <a:txBody>
-                    <a:bodyPr/>
-                    <a:lstStyle/>
-                    <a:p>
-                      <a:endParaRPr kumimoji="1" lang="ja-JP" altLang="en-US" dirty="0"/>
-                    </a:p>
-                  </a:txBody>
-                  <a:tcPr>
-                    <a:lnR w="28575" cap="flat" cmpd="sng" algn="ctr">
-                      <a:solidFill>
-                        <a:schemeClr val="tx1"/>
-                      </a:solidFill>
-                      <a:prstDash val="solid"/>
-                      <a:round/>
-                      <a:headEnd type="none" w="med" len="med"/>
-                      <a:tailEnd type="none" w="med" len="med"/>
-                    </a:lnR>
-                    <a:lnB w="28575" cap="flat" cmpd="sng" algn="ctr">
-                      <a:solidFill>
-                        <a:schemeClr val="tx1"/>
-                      </a:solidFill>
-                      <a:prstDash val="solid"/>
-                      <a:round/>
-                      <a:headEnd type="none" w="med" len="med"/>
-                      <a:tailEnd type="none" w="med" len="med"/>
-                    </a:lnB>
-                    <a:solidFill>
-                      <a:schemeClr val="accent5">
-                        <a:lumMod val="40000"/>
-                        <a:lumOff val="60000"/>
-                      </a:schemeClr>
-                    </a:solidFill>
-                  </a:tcPr>
-                </a:tc>
-                <a:tc>
-                  <a:txBody>
-                    <a:bodyPr/>
-                    <a:lstStyle/>
-                    <a:p>
-                      <a:endParaRPr kumimoji="1" lang="ja-JP" altLang="en-US" dirty="0"/>
-                    </a:p>
-                  </a:txBody>
-                  <a:tcPr>
-                    <a:lnL w="28575" cap="flat" cmpd="sng" algn="ctr">
-                      <a:solidFill>
-                        <a:schemeClr val="tx1"/>
-                      </a:solidFill>
-                      <a:prstDash val="solid"/>
-                      <a:round/>
-                      <a:headEnd type="none" w="med" len="med"/>
-                      <a:tailEnd type="none" w="med" len="med"/>
-                    </a:lnL>
-                    <a:lnR w="28575" cap="flat" cmpd="sng" algn="ctr">
-                      <a:solidFill>
-                        <a:schemeClr val="tx1"/>
-                      </a:solidFill>
-                      <a:prstDash val="solid"/>
-                      <a:round/>
-                      <a:headEnd type="none" w="med" len="med"/>
-                      <a:tailEnd type="none" w="med" len="med"/>
-                    </a:lnR>
-                    <a:lnB w="28575" cap="flat" cmpd="sng" algn="ctr">
-                      <a:solidFill>
-                        <a:schemeClr val="tx1"/>
-                      </a:solidFill>
-                      <a:prstDash val="solid"/>
-                      <a:round/>
-                      <a:headEnd type="none" w="med" len="med"/>
-                      <a:tailEnd type="none" w="med" len="med"/>
-                    </a:lnB>
-                    <a:noFill/>
-                  </a:tcPr>
-                </a:tc>
-              </a:tr>
-            </a:tbl>
-          </a:graphicData>
-        </a:graphic>
-      </p:graphicFrame>
-      <p:sp>
-        <p:nvSpPr>
-          <p:cNvPr id="5" name="正方形/長方形 4"/>
-          <p:cNvSpPr/>
-          <p:nvPr/>
-        </p:nvSpPr>
-        <p:spPr>
-          <a:xfrm>
-            <a:off x="4368676" y="1844824"/>
-            <a:ext cx="624548" cy="426575"/>
-          </a:xfrm>
-          <a:prstGeom prst="rect">
-            <a:avLst/>
-          </a:prstGeom>
-        </p:spPr>
-        <p:style>
-          <a:lnRef idx="1">
-            <a:schemeClr val="dk1"/>
-          </a:lnRef>
-          <a:fillRef idx="2">
-            <a:schemeClr val="dk1"/>
-          </a:fillRef>
-          <a:effectRef idx="1">
-            <a:schemeClr val="dk1"/>
-          </a:effectRef>
-          <a:fontRef idx="minor">
-            <a:schemeClr val="dk1"/>
-          </a:fontRef>
-        </p:style>
-        <p:txBody>
-          <a:bodyPr rtlCol="0" anchor="ctr"/>
-          <a:lstStyle/>
-          <a:p>
-            <a:pPr algn="ctr"/>
-            <a:r>
-              <a:rPr kumimoji="1" lang="en-US" altLang="ja-JP" dirty="0" smtClean="0">
-                <a:solidFill>
-                  <a:schemeClr val="tx1"/>
-                </a:solidFill>
-              </a:rPr>
-              <a:t>Now</a:t>
-            </a:r>
-            <a:endParaRPr kumimoji="1" lang="ja-JP" altLang="en-US" dirty="0">
-              <a:solidFill>
-                <a:schemeClr val="tx1"/>
-              </a:solidFill>
-            </a:endParaRPr>
-          </a:p>
-        </p:txBody>
-      </p:sp>
-      <p:sp>
-        <p:nvSpPr>
-          <p:cNvPr id="6" name="左右矢印 5"/>
-          <p:cNvSpPr/>
-          <p:nvPr/>
-        </p:nvSpPr>
-        <p:spPr>
-          <a:xfrm>
-            <a:off x="2928924" y="3548785"/>
-            <a:ext cx="1958625" cy="533095"/>
-          </a:xfrm>
-          <a:prstGeom prst="leftRightArrow">
-            <a:avLst>
-              <a:gd name="adj1" fmla="val 70964"/>
-              <a:gd name="adj2" fmla="val 50000"/>
-            </a:avLst>
-          </a:prstGeom>
-        </p:spPr>
-        <p:style>
-          <a:lnRef idx="2">
-            <a:schemeClr val="accent6">
-              <a:shade val="50000"/>
-            </a:schemeClr>
-          </a:lnRef>
-          <a:fillRef idx="1">
-            <a:schemeClr val="accent6"/>
-          </a:fillRef>
-          <a:effectRef idx="0">
-            <a:schemeClr val="accent6"/>
-          </a:effectRef>
-          <a:fontRef idx="minor">
-            <a:schemeClr val="lt1"/>
-          </a:fontRef>
-        </p:style>
-        <p:txBody>
-          <a:bodyPr rtlCol="0" anchor="ctr"/>
-          <a:lstStyle/>
-          <a:p>
-            <a:pPr algn="ctr"/>
-            <a:r>
-              <a:rPr kumimoji="1" lang="ja-JP" altLang="en-US" dirty="0" smtClean="0">
-                <a:solidFill>
-                  <a:schemeClr val="tx1"/>
-                </a:solidFill>
-              </a:rPr>
-              <a:t>最終</a:t>
-            </a:r>
-            <a:r>
-              <a:rPr kumimoji="1" lang="en-US" altLang="ja-JP" dirty="0" smtClean="0">
-                <a:solidFill>
-                  <a:schemeClr val="tx1"/>
-                </a:solidFill>
-              </a:rPr>
-              <a:t>Meeting</a:t>
-            </a:r>
-            <a:endParaRPr kumimoji="1" lang="ja-JP" altLang="en-US" dirty="0">
-              <a:solidFill>
-                <a:schemeClr val="tx1"/>
-              </a:solidFill>
-            </a:endParaRPr>
-          </a:p>
-        </p:txBody>
-      </p:sp>
-      <p:sp>
-        <p:nvSpPr>
-          <p:cNvPr id="7" name="正方形/長方形 6"/>
-          <p:cNvSpPr/>
-          <p:nvPr/>
-        </p:nvSpPr>
-        <p:spPr>
-          <a:xfrm>
-            <a:off x="1395944" y="4462512"/>
-            <a:ext cx="624548" cy="516156"/>
-          </a:xfrm>
-          <a:prstGeom prst="rect">
-            <a:avLst/>
-          </a:prstGeom>
-        </p:spPr>
-        <p:style>
-          <a:lnRef idx="1">
-            <a:schemeClr val="dk1"/>
-          </a:lnRef>
-          <a:fillRef idx="2">
-            <a:schemeClr val="dk1"/>
-          </a:fillRef>
-          <a:effectRef idx="1">
-            <a:schemeClr val="dk1"/>
-          </a:effectRef>
-          <a:fontRef idx="minor">
-            <a:schemeClr val="dk1"/>
-          </a:fontRef>
-        </p:style>
-        <p:txBody>
-          <a:bodyPr rtlCol="0" anchor="ctr"/>
-          <a:lstStyle/>
-          <a:p>
-            <a:pPr algn="ctr"/>
-            <a:r>
-              <a:rPr lang="ja-JP" altLang="en-US" sz="1600" dirty="0" smtClean="0">
-                <a:solidFill>
-                  <a:schemeClr val="tx1"/>
-                </a:solidFill>
-              </a:rPr>
-              <a:t>研修</a:t>
-            </a:r>
-            <a:r>
-              <a:rPr lang="ja-JP" altLang="en-US" sz="1600" dirty="0">
-                <a:solidFill>
-                  <a:schemeClr val="tx1"/>
-                </a:solidFill>
-              </a:rPr>
-              <a:t>開始</a:t>
-            </a:r>
-            <a:endParaRPr kumimoji="1" lang="ja-JP" altLang="en-US" sz="1600" dirty="0">
-              <a:solidFill>
-                <a:schemeClr val="tx1"/>
-              </a:solidFill>
-            </a:endParaRPr>
-          </a:p>
-        </p:txBody>
-      </p:sp>
-    </p:spTree>
-    <p:extLst>
-      <p:ext uri="{BB962C8B-B14F-4D97-AF65-F5344CB8AC3E}">
-        <p14:creationId xmlns:p14="http://schemas.microsoft.com/office/powerpoint/2010/main" val="3197206624"/>
-      </p:ext>
-    </p:extLst>
-  </p:cSld>
-  <p:clrMapOvr>
-    <a:masterClrMapping/>
-  </p:clrMapOvr>
-  <p:timing>
-    <p:tnLst>
-      <p:par>
-        <p:cTn id="1" dur="indefinite" restart="never" nodeType="tmRoot"/>
-      </p:par>
-    </p:tnLst>
-  </p:timing>
-</p:sld>
-</file>
-
-<file path=ppt/slides/slide8.xml><?xml version="1.0" encoding="utf-8"?>
 <p:sld xmlns:a="http://schemas.openxmlformats.org/drawingml/2006/main" xmlns:r="http://schemas.openxmlformats.org/officeDocument/2006/relationships" xmlns:p="http://schemas.openxmlformats.org/presentationml/2006/main">
   <p:cSld>
     <p:spTree>
@@ -8184,12 +6160,12 @@
           <a:p>
             <a:pPr algn="ctr"/>
             <a:r>
-              <a:rPr lang="ja-JP" altLang="en-US" sz="1400" dirty="0" smtClean="0">
+              <a:rPr kumimoji="1" lang="ja-JP" altLang="en-US" sz="1400" dirty="0" smtClean="0">
                 <a:solidFill>
                   <a:schemeClr val="tx1"/>
                 </a:solidFill>
               </a:rPr>
-              <a:t>基本エディタ作成</a:t>
+              <a:t>基礎研修</a:t>
             </a:r>
             <a:endParaRPr kumimoji="1" lang="ja-JP" altLang="en-US" sz="1400" dirty="0">
               <a:solidFill>
@@ -8668,7 +6644,7 @@
 </p:sld>
 </file>
 
-<file path=ppt/slides/slide9.xml><?xml version="1.0" encoding="utf-8"?>
+<file path=ppt/slides/slide7.xml><?xml version="1.0" encoding="utf-8"?>
 <p:sld xmlns:a="http://schemas.openxmlformats.org/drawingml/2006/main" xmlns:r="http://schemas.openxmlformats.org/officeDocument/2006/relationships" xmlns:p="http://schemas.openxmlformats.org/presentationml/2006/main">
   <p:cSld>
     <p:spTree>
@@ -8687,7 +6663,7 @@
       </p:grpSpPr>
       <p:sp>
         <p:nvSpPr>
-          <p:cNvPr id="2" name="タイトル 1"/>
+          <p:cNvPr id="3" name="タイトル 2"/>
           <p:cNvSpPr>
             <a:spLocks noGrp="1"/>
           </p:cNvSpPr>
@@ -8702,7 +6678,7 @@
           <a:p>
             <a:r>
               <a:rPr kumimoji="1" lang="ja-JP" altLang="en-US" dirty="0" smtClean="0"/>
-              <a:t>研修案</a:t>
+              <a:t>研修開始までの予定</a:t>
             </a:r>
             <a:endParaRPr kumimoji="1" lang="ja-JP" altLang="en-US" dirty="0"/>
           </a:p>
@@ -8710,7 +6686,7 @@
       </p:sp>
       <p:sp>
         <p:nvSpPr>
-          <p:cNvPr id="3" name="コンテンツ プレースホルダー 2"/>
+          <p:cNvPr id="2" name="コンテンツ プレースホルダー 1"/>
           <p:cNvSpPr>
             <a:spLocks noGrp="1"/>
           </p:cNvSpPr>
@@ -8718,51 +6694,1435 @@
             <p:ph idx="1"/>
           </p:nvPr>
         </p:nvSpPr>
-        <p:spPr/>
+        <p:spPr>
+          <a:prstGeom prst="rect">
+            <a:avLst/>
+          </a:prstGeom>
+        </p:spPr>
         <p:txBody>
           <a:bodyPr/>
           <a:lstStyle/>
           <a:p>
-            <a:r>
-              <a:rPr kumimoji="1" lang="en-US" altLang="ja-JP" dirty="0" smtClean="0"/>
-              <a:t>Sirius</a:t>
-            </a:r>
-            <a:r>
-              <a:rPr kumimoji="1" lang="ja-JP" altLang="en-US" dirty="0" smtClean="0"/>
-              <a:t>で作るアクティビティ図</a:t>
-            </a:r>
-            <a:r>
-              <a:rPr kumimoji="1" lang="en-US" altLang="ja-JP" dirty="0" smtClean="0"/>
-              <a:t>Editor</a:t>
-            </a:r>
-          </a:p>
-          <a:p>
-            <a:r>
-              <a:rPr lang="en-US" altLang="ja-JP" dirty="0" smtClean="0"/>
-              <a:t>JavaFX</a:t>
-            </a:r>
-            <a:r>
-              <a:rPr lang="ja-JP" altLang="en-US" dirty="0" smtClean="0"/>
-              <a:t>で作るチャートの</a:t>
-            </a:r>
-            <a:r>
-              <a:rPr lang="en-US" altLang="ja-JP" dirty="0" smtClean="0"/>
-              <a:t>Viewer</a:t>
-            </a:r>
-            <a:endParaRPr kumimoji="1" lang="ja-JP" altLang="en-US" dirty="0"/>
+            <a:endParaRPr lang="en-US" altLang="ja-JP" sz="2400" dirty="0"/>
+          </a:p>
+          <a:p>
+            <a:pPr marL="457200" lvl="1" indent="0">
+              <a:buNone/>
+            </a:pPr>
+            <a:endParaRPr lang="en-US" altLang="ja-JP" sz="2000" dirty="0" smtClean="0"/>
+          </a:p>
+          <a:p>
+            <a:pPr marL="457200" lvl="1" indent="0">
+              <a:buNone/>
+            </a:pPr>
+            <a:endParaRPr lang="en-US" altLang="ja-JP" sz="2000" dirty="0"/>
+          </a:p>
+        </p:txBody>
+      </p:sp>
+      <p:graphicFrame>
+        <p:nvGraphicFramePr>
+          <p:cNvPr id="4" name="表 3"/>
+          <p:cNvGraphicFramePr>
+            <a:graphicFrameLocks noGrp="1"/>
+          </p:cNvGraphicFramePr>
+          <p:nvPr>
+            <p:extLst>
+              <p:ext uri="{D42A27DB-BD31-4B8C-83A1-F6EECF244321}">
+                <p14:modId xmlns:p14="http://schemas.microsoft.com/office/powerpoint/2010/main" val="2926908319"/>
+              </p:ext>
+            </p:extLst>
+          </p:nvPr>
+        </p:nvGraphicFramePr>
+        <p:xfrm>
+          <a:off x="611560" y="1052736"/>
+          <a:ext cx="8136903" cy="3966402"/>
+        </p:xfrm>
+        <a:graphic>
+          <a:graphicData uri="http://schemas.openxmlformats.org/drawingml/2006/table">
+            <a:tbl>
+              <a:tblPr firstRow="1" bandRow="1">
+                <a:tableStyleId>{5940675A-B579-460E-94D1-54222C63F5DA}</a:tableStyleId>
+              </a:tblPr>
+              <a:tblGrid>
+                <a:gridCol w="740654"/>
+                <a:gridCol w="740654"/>
+                <a:gridCol w="740654"/>
+                <a:gridCol w="740654"/>
+                <a:gridCol w="740654"/>
+                <a:gridCol w="740654"/>
+                <a:gridCol w="740654"/>
+                <a:gridCol w="2952325"/>
+              </a:tblGrid>
+              <a:tr h="360040">
+                <a:tc>
+                  <a:txBody>
+                    <a:bodyPr/>
+                    <a:lstStyle/>
+                    <a:p>
+                      <a:r>
+                        <a:rPr kumimoji="1" lang="ja-JP" altLang="en-US" dirty="0" smtClean="0"/>
+                        <a:t>日</a:t>
+                      </a:r>
+                      <a:endParaRPr kumimoji="1" lang="ja-JP" altLang="en-US" dirty="0"/>
+                    </a:p>
+                  </a:txBody>
+                  <a:tcPr>
+                    <a:lnL w="28575" cap="flat" cmpd="sng" algn="ctr">
+                      <a:solidFill>
+                        <a:schemeClr val="tx1"/>
+                      </a:solidFill>
+                      <a:prstDash val="solid"/>
+                      <a:round/>
+                      <a:headEnd type="none" w="med" len="med"/>
+                      <a:tailEnd type="none" w="med" len="med"/>
+                    </a:lnL>
+                    <a:lnT w="28575" cap="flat" cmpd="sng" algn="ctr">
+                      <a:solidFill>
+                        <a:schemeClr val="tx1"/>
+                      </a:solidFill>
+                      <a:prstDash val="solid"/>
+                      <a:round/>
+                      <a:headEnd type="none" w="med" len="med"/>
+                      <a:tailEnd type="none" w="med" len="med"/>
+                    </a:lnT>
+                    <a:lnB w="19050" cap="flat" cmpd="sng" algn="ctr">
+                      <a:solidFill>
+                        <a:schemeClr val="tx1"/>
+                      </a:solidFill>
+                      <a:prstDash val="solid"/>
+                      <a:round/>
+                      <a:headEnd type="none" w="med" len="med"/>
+                      <a:tailEnd type="none" w="med" len="med"/>
+                    </a:lnB>
+                    <a:solidFill>
+                      <a:schemeClr val="accent2">
+                        <a:lumMod val="40000"/>
+                        <a:lumOff val="60000"/>
+                      </a:schemeClr>
+                    </a:solidFill>
+                  </a:tcPr>
+                </a:tc>
+                <a:tc>
+                  <a:txBody>
+                    <a:bodyPr/>
+                    <a:lstStyle/>
+                    <a:p>
+                      <a:r>
+                        <a:rPr kumimoji="1" lang="ja-JP" altLang="en-US" dirty="0" smtClean="0"/>
+                        <a:t>月</a:t>
+                      </a:r>
+                      <a:endParaRPr kumimoji="1" lang="ja-JP" altLang="en-US" dirty="0"/>
+                    </a:p>
+                  </a:txBody>
+                  <a:tcPr>
+                    <a:lnT w="28575" cap="flat" cmpd="sng" algn="ctr">
+                      <a:solidFill>
+                        <a:schemeClr val="tx1"/>
+                      </a:solidFill>
+                      <a:prstDash val="solid"/>
+                      <a:round/>
+                      <a:headEnd type="none" w="med" len="med"/>
+                      <a:tailEnd type="none" w="med" len="med"/>
+                    </a:lnT>
+                    <a:lnB w="19050" cap="flat" cmpd="sng" algn="ctr">
+                      <a:solidFill>
+                        <a:schemeClr val="tx1"/>
+                      </a:solidFill>
+                      <a:prstDash val="solid"/>
+                      <a:round/>
+                      <a:headEnd type="none" w="med" len="med"/>
+                      <a:tailEnd type="none" w="med" len="med"/>
+                    </a:lnB>
+                  </a:tcPr>
+                </a:tc>
+                <a:tc>
+                  <a:txBody>
+                    <a:bodyPr/>
+                    <a:lstStyle/>
+                    <a:p>
+                      <a:r>
+                        <a:rPr kumimoji="1" lang="ja-JP" altLang="en-US" dirty="0" smtClean="0"/>
+                        <a:t>火</a:t>
+                      </a:r>
+                      <a:endParaRPr kumimoji="1" lang="ja-JP" altLang="en-US" dirty="0"/>
+                    </a:p>
+                  </a:txBody>
+                  <a:tcPr>
+                    <a:lnT w="28575" cap="flat" cmpd="sng" algn="ctr">
+                      <a:solidFill>
+                        <a:schemeClr val="tx1"/>
+                      </a:solidFill>
+                      <a:prstDash val="solid"/>
+                      <a:round/>
+                      <a:headEnd type="none" w="med" len="med"/>
+                      <a:tailEnd type="none" w="med" len="med"/>
+                    </a:lnT>
+                    <a:lnB w="19050" cap="flat" cmpd="sng" algn="ctr">
+                      <a:solidFill>
+                        <a:schemeClr val="tx1"/>
+                      </a:solidFill>
+                      <a:prstDash val="solid"/>
+                      <a:round/>
+                      <a:headEnd type="none" w="med" len="med"/>
+                      <a:tailEnd type="none" w="med" len="med"/>
+                    </a:lnB>
+                  </a:tcPr>
+                </a:tc>
+                <a:tc>
+                  <a:txBody>
+                    <a:bodyPr/>
+                    <a:lstStyle/>
+                    <a:p>
+                      <a:r>
+                        <a:rPr kumimoji="1" lang="ja-JP" altLang="en-US" dirty="0" smtClean="0"/>
+                        <a:t>水</a:t>
+                      </a:r>
+                      <a:endParaRPr kumimoji="1" lang="ja-JP" altLang="en-US" dirty="0"/>
+                    </a:p>
+                  </a:txBody>
+                  <a:tcPr>
+                    <a:lnT w="28575" cap="flat" cmpd="sng" algn="ctr">
+                      <a:solidFill>
+                        <a:schemeClr val="tx1"/>
+                      </a:solidFill>
+                      <a:prstDash val="solid"/>
+                      <a:round/>
+                      <a:headEnd type="none" w="med" len="med"/>
+                      <a:tailEnd type="none" w="med" len="med"/>
+                    </a:lnT>
+                    <a:lnB w="19050" cap="flat" cmpd="sng" algn="ctr">
+                      <a:solidFill>
+                        <a:schemeClr val="tx1"/>
+                      </a:solidFill>
+                      <a:prstDash val="solid"/>
+                      <a:round/>
+                      <a:headEnd type="none" w="med" len="med"/>
+                      <a:tailEnd type="none" w="med" len="med"/>
+                    </a:lnB>
+                  </a:tcPr>
+                </a:tc>
+                <a:tc>
+                  <a:txBody>
+                    <a:bodyPr/>
+                    <a:lstStyle/>
+                    <a:p>
+                      <a:r>
+                        <a:rPr kumimoji="1" lang="ja-JP" altLang="en-US" dirty="0" smtClean="0"/>
+                        <a:t>木</a:t>
+                      </a:r>
+                      <a:endParaRPr kumimoji="1" lang="ja-JP" altLang="en-US" dirty="0"/>
+                    </a:p>
+                  </a:txBody>
+                  <a:tcPr>
+                    <a:lnT w="28575" cap="flat" cmpd="sng" algn="ctr">
+                      <a:solidFill>
+                        <a:schemeClr val="tx1"/>
+                      </a:solidFill>
+                      <a:prstDash val="solid"/>
+                      <a:round/>
+                      <a:headEnd type="none" w="med" len="med"/>
+                      <a:tailEnd type="none" w="med" len="med"/>
+                    </a:lnT>
+                    <a:lnB w="19050" cap="flat" cmpd="sng" algn="ctr">
+                      <a:solidFill>
+                        <a:schemeClr val="tx1"/>
+                      </a:solidFill>
+                      <a:prstDash val="solid"/>
+                      <a:round/>
+                      <a:headEnd type="none" w="med" len="med"/>
+                      <a:tailEnd type="none" w="med" len="med"/>
+                    </a:lnB>
+                  </a:tcPr>
+                </a:tc>
+                <a:tc>
+                  <a:txBody>
+                    <a:bodyPr/>
+                    <a:lstStyle/>
+                    <a:p>
+                      <a:r>
+                        <a:rPr kumimoji="1" lang="ja-JP" altLang="en-US" dirty="0" smtClean="0"/>
+                        <a:t>金</a:t>
+                      </a:r>
+                      <a:endParaRPr kumimoji="1" lang="ja-JP" altLang="en-US" dirty="0"/>
+                    </a:p>
+                  </a:txBody>
+                  <a:tcPr>
+                    <a:lnT w="28575" cap="flat" cmpd="sng" algn="ctr">
+                      <a:solidFill>
+                        <a:schemeClr val="tx1"/>
+                      </a:solidFill>
+                      <a:prstDash val="solid"/>
+                      <a:round/>
+                      <a:headEnd type="none" w="med" len="med"/>
+                      <a:tailEnd type="none" w="med" len="med"/>
+                    </a:lnT>
+                    <a:lnB w="19050" cap="flat" cmpd="sng" algn="ctr">
+                      <a:solidFill>
+                        <a:schemeClr val="tx1"/>
+                      </a:solidFill>
+                      <a:prstDash val="solid"/>
+                      <a:round/>
+                      <a:headEnd type="none" w="med" len="med"/>
+                      <a:tailEnd type="none" w="med" len="med"/>
+                    </a:lnB>
+                  </a:tcPr>
+                </a:tc>
+                <a:tc>
+                  <a:txBody>
+                    <a:bodyPr/>
+                    <a:lstStyle/>
+                    <a:p>
+                      <a:r>
+                        <a:rPr kumimoji="1" lang="ja-JP" altLang="en-US" dirty="0" smtClean="0"/>
+                        <a:t>土</a:t>
+                      </a:r>
+                      <a:endParaRPr kumimoji="1" lang="ja-JP" altLang="en-US" dirty="0"/>
+                    </a:p>
+                  </a:txBody>
+                  <a:tcPr>
+                    <a:lnR w="28575" cap="flat" cmpd="sng" algn="ctr">
+                      <a:solidFill>
+                        <a:schemeClr val="tx1"/>
+                      </a:solidFill>
+                      <a:prstDash val="solid"/>
+                      <a:round/>
+                      <a:headEnd type="none" w="med" len="med"/>
+                      <a:tailEnd type="none" w="med" len="med"/>
+                    </a:lnR>
+                    <a:lnT w="28575" cap="flat" cmpd="sng" algn="ctr">
+                      <a:solidFill>
+                        <a:schemeClr val="tx1"/>
+                      </a:solidFill>
+                      <a:prstDash val="solid"/>
+                      <a:round/>
+                      <a:headEnd type="none" w="med" len="med"/>
+                      <a:tailEnd type="none" w="med" len="med"/>
+                    </a:lnT>
+                    <a:lnB w="19050" cap="flat" cmpd="sng" algn="ctr">
+                      <a:solidFill>
+                        <a:schemeClr val="tx1"/>
+                      </a:solidFill>
+                      <a:prstDash val="solid"/>
+                      <a:round/>
+                      <a:headEnd type="none" w="med" len="med"/>
+                      <a:tailEnd type="none" w="med" len="med"/>
+                    </a:lnB>
+                    <a:solidFill>
+                      <a:schemeClr val="accent5">
+                        <a:lumMod val="40000"/>
+                        <a:lumOff val="60000"/>
+                      </a:schemeClr>
+                    </a:solidFill>
+                  </a:tcPr>
+                </a:tc>
+                <a:tc>
+                  <a:txBody>
+                    <a:bodyPr/>
+                    <a:lstStyle/>
+                    <a:p>
+                      <a:r>
+                        <a:rPr kumimoji="1" lang="ja-JP" altLang="en-US" dirty="0" smtClean="0"/>
+                        <a:t>　チーム側タスク</a:t>
+                      </a:r>
+                      <a:endParaRPr kumimoji="1" lang="en-US" altLang="ja-JP" dirty="0" smtClean="0"/>
+                    </a:p>
+                  </a:txBody>
+                  <a:tcPr>
+                    <a:lnL w="28575" cap="flat" cmpd="sng" algn="ctr">
+                      <a:solidFill>
+                        <a:schemeClr val="tx1"/>
+                      </a:solidFill>
+                      <a:prstDash val="solid"/>
+                      <a:round/>
+                      <a:headEnd type="none" w="med" len="med"/>
+                      <a:tailEnd type="none" w="med" len="med"/>
+                    </a:lnL>
+                    <a:lnR w="28575" cap="flat" cmpd="sng" algn="ctr">
+                      <a:solidFill>
+                        <a:schemeClr val="tx1"/>
+                      </a:solidFill>
+                      <a:prstDash val="solid"/>
+                      <a:round/>
+                      <a:headEnd type="none" w="med" len="med"/>
+                      <a:tailEnd type="none" w="med" len="med"/>
+                    </a:lnR>
+                    <a:lnT w="28575" cap="flat" cmpd="sng" algn="ctr">
+                      <a:solidFill>
+                        <a:schemeClr val="tx1"/>
+                      </a:solidFill>
+                      <a:prstDash val="solid"/>
+                      <a:round/>
+                      <a:headEnd type="none" w="med" len="med"/>
+                      <a:tailEnd type="none" w="med" len="med"/>
+                    </a:lnT>
+                    <a:lnB w="19050" cap="flat" cmpd="sng" algn="ctr">
+                      <a:solidFill>
+                        <a:schemeClr val="tx1"/>
+                      </a:solidFill>
+                      <a:prstDash val="solid"/>
+                      <a:round/>
+                      <a:headEnd type="none" w="med" len="med"/>
+                      <a:tailEnd type="none" w="med" len="med"/>
+                    </a:lnB>
+                    <a:noFill/>
+                  </a:tcPr>
+                </a:tc>
+              </a:tr>
+              <a:tr h="895414">
+                <a:tc>
+                  <a:txBody>
+                    <a:bodyPr/>
+                    <a:lstStyle/>
+                    <a:p>
+                      <a:r>
+                        <a:rPr kumimoji="1" lang="en-US" altLang="ja-JP" dirty="0" smtClean="0"/>
+                        <a:t>5/15</a:t>
+                      </a:r>
+                      <a:endParaRPr kumimoji="1" lang="ja-JP" altLang="en-US" dirty="0"/>
+                    </a:p>
+                  </a:txBody>
+                  <a:tcPr>
+                    <a:lnL w="28575" cap="flat" cmpd="sng" algn="ctr">
+                      <a:solidFill>
+                        <a:schemeClr val="tx1"/>
+                      </a:solidFill>
+                      <a:prstDash val="solid"/>
+                      <a:round/>
+                      <a:headEnd type="none" w="med" len="med"/>
+                      <a:tailEnd type="none" w="med" len="med"/>
+                    </a:lnL>
+                    <a:lnT w="19050" cap="flat" cmpd="sng" algn="ctr">
+                      <a:solidFill>
+                        <a:schemeClr val="tx1"/>
+                      </a:solidFill>
+                      <a:prstDash val="solid"/>
+                      <a:round/>
+                      <a:headEnd type="none" w="med" len="med"/>
+                      <a:tailEnd type="none" w="med" len="med"/>
+                    </a:lnT>
+                    <a:solidFill>
+                      <a:schemeClr val="accent2">
+                        <a:lumMod val="40000"/>
+                        <a:lumOff val="60000"/>
+                      </a:schemeClr>
+                    </a:solidFill>
+                  </a:tcPr>
+                </a:tc>
+                <a:tc>
+                  <a:txBody>
+                    <a:bodyPr/>
+                    <a:lstStyle/>
+                    <a:p>
+                      <a:r>
+                        <a:rPr kumimoji="1" lang="en-US" altLang="ja-JP" dirty="0" smtClean="0"/>
+                        <a:t>16</a:t>
+                      </a:r>
+                      <a:endParaRPr kumimoji="1" lang="ja-JP" altLang="en-US" dirty="0"/>
+                    </a:p>
+                  </a:txBody>
+                  <a:tcPr>
+                    <a:lnT w="19050" cap="flat" cmpd="sng" algn="ctr">
+                      <a:solidFill>
+                        <a:schemeClr val="tx1"/>
+                      </a:solidFill>
+                      <a:prstDash val="solid"/>
+                      <a:round/>
+                      <a:headEnd type="none" w="med" len="med"/>
+                      <a:tailEnd type="none" w="med" len="med"/>
+                    </a:lnT>
+                  </a:tcPr>
+                </a:tc>
+                <a:tc>
+                  <a:txBody>
+                    <a:bodyPr/>
+                    <a:lstStyle/>
+                    <a:p>
+                      <a:r>
+                        <a:rPr kumimoji="1" lang="en-US" altLang="ja-JP" dirty="0" smtClean="0"/>
+                        <a:t>17</a:t>
+                      </a:r>
+                      <a:endParaRPr kumimoji="1" lang="ja-JP" altLang="en-US" dirty="0"/>
+                    </a:p>
+                  </a:txBody>
+                  <a:tcPr>
+                    <a:lnT w="19050" cap="flat" cmpd="sng" algn="ctr">
+                      <a:solidFill>
+                        <a:schemeClr val="tx1"/>
+                      </a:solidFill>
+                      <a:prstDash val="solid"/>
+                      <a:round/>
+                      <a:headEnd type="none" w="med" len="med"/>
+                      <a:tailEnd type="none" w="med" len="med"/>
+                    </a:lnT>
+                  </a:tcPr>
+                </a:tc>
+                <a:tc>
+                  <a:txBody>
+                    <a:bodyPr/>
+                    <a:lstStyle/>
+                    <a:p>
+                      <a:r>
+                        <a:rPr kumimoji="1" lang="en-US" altLang="ja-JP" dirty="0" smtClean="0"/>
+                        <a:t>18</a:t>
+                      </a:r>
+                      <a:endParaRPr kumimoji="1" lang="ja-JP" altLang="en-US" dirty="0"/>
+                    </a:p>
+                  </a:txBody>
+                  <a:tcPr>
+                    <a:lnT w="19050" cap="flat" cmpd="sng" algn="ctr">
+                      <a:solidFill>
+                        <a:schemeClr val="tx1"/>
+                      </a:solidFill>
+                      <a:prstDash val="solid"/>
+                      <a:round/>
+                      <a:headEnd type="none" w="med" len="med"/>
+                      <a:tailEnd type="none" w="med" len="med"/>
+                    </a:lnT>
+                  </a:tcPr>
+                </a:tc>
+                <a:tc>
+                  <a:txBody>
+                    <a:bodyPr/>
+                    <a:lstStyle/>
+                    <a:p>
+                      <a:r>
+                        <a:rPr kumimoji="1" lang="en-US" altLang="ja-JP" dirty="0" smtClean="0"/>
+                        <a:t>19</a:t>
+                      </a:r>
+                      <a:endParaRPr kumimoji="1" lang="ja-JP" altLang="en-US" dirty="0"/>
+                    </a:p>
+                  </a:txBody>
+                  <a:tcPr>
+                    <a:lnT w="19050" cap="flat" cmpd="sng" algn="ctr">
+                      <a:solidFill>
+                        <a:schemeClr val="tx1"/>
+                      </a:solidFill>
+                      <a:prstDash val="solid"/>
+                      <a:round/>
+                      <a:headEnd type="none" w="med" len="med"/>
+                      <a:tailEnd type="none" w="med" len="med"/>
+                    </a:lnT>
+                  </a:tcPr>
+                </a:tc>
+                <a:tc>
+                  <a:txBody>
+                    <a:bodyPr/>
+                    <a:lstStyle/>
+                    <a:p>
+                      <a:r>
+                        <a:rPr kumimoji="1" lang="en-US" altLang="ja-JP" dirty="0" smtClean="0"/>
+                        <a:t>20</a:t>
+                      </a:r>
+                      <a:endParaRPr kumimoji="1" lang="ja-JP" altLang="en-US" dirty="0"/>
+                    </a:p>
+                  </a:txBody>
+                  <a:tcPr>
+                    <a:lnT w="19050" cap="flat" cmpd="sng" algn="ctr">
+                      <a:solidFill>
+                        <a:schemeClr val="tx1"/>
+                      </a:solidFill>
+                      <a:prstDash val="solid"/>
+                      <a:round/>
+                      <a:headEnd type="none" w="med" len="med"/>
+                      <a:tailEnd type="none" w="med" len="med"/>
+                    </a:lnT>
+                  </a:tcPr>
+                </a:tc>
+                <a:tc>
+                  <a:txBody>
+                    <a:bodyPr/>
+                    <a:lstStyle/>
+                    <a:p>
+                      <a:r>
+                        <a:rPr kumimoji="1" lang="en-US" altLang="ja-JP" dirty="0" smtClean="0"/>
+                        <a:t>21</a:t>
+                      </a:r>
+                      <a:endParaRPr kumimoji="1" lang="ja-JP" altLang="en-US" dirty="0"/>
+                    </a:p>
+                  </a:txBody>
+                  <a:tcPr>
+                    <a:lnR w="28575" cap="flat" cmpd="sng" algn="ctr">
+                      <a:solidFill>
+                        <a:schemeClr val="tx1"/>
+                      </a:solidFill>
+                      <a:prstDash val="solid"/>
+                      <a:round/>
+                      <a:headEnd type="none" w="med" len="med"/>
+                      <a:tailEnd type="none" w="med" len="med"/>
+                    </a:lnR>
+                    <a:lnT w="19050" cap="flat" cmpd="sng" algn="ctr">
+                      <a:solidFill>
+                        <a:schemeClr val="tx1"/>
+                      </a:solidFill>
+                      <a:prstDash val="solid"/>
+                      <a:round/>
+                      <a:headEnd type="none" w="med" len="med"/>
+                      <a:tailEnd type="none" w="med" len="med"/>
+                    </a:lnT>
+                    <a:solidFill>
+                      <a:schemeClr val="accent5">
+                        <a:lumMod val="40000"/>
+                        <a:lumOff val="60000"/>
+                      </a:schemeClr>
+                    </a:solidFill>
+                  </a:tcPr>
+                </a:tc>
+                <a:tc>
+                  <a:txBody>
+                    <a:bodyPr/>
+                    <a:lstStyle/>
+                    <a:p>
+                      <a:r>
+                        <a:rPr kumimoji="1" lang="ja-JP" altLang="en-US" dirty="0" smtClean="0"/>
+                        <a:t>全体計画</a:t>
+                      </a:r>
+                      <a:endParaRPr kumimoji="1" lang="en-US" altLang="ja-JP" dirty="0" smtClean="0"/>
+                    </a:p>
+                    <a:p>
+                      <a:r>
+                        <a:rPr kumimoji="1" lang="ja-JP" altLang="en-US" dirty="0" smtClean="0"/>
+                        <a:t>研修内容決定</a:t>
+                      </a:r>
+                      <a:endParaRPr kumimoji="1" lang="en-US" altLang="ja-JP" dirty="0" smtClean="0"/>
+                    </a:p>
+                  </a:txBody>
+                  <a:tcPr>
+                    <a:lnL w="28575" cap="flat" cmpd="sng" algn="ctr">
+                      <a:solidFill>
+                        <a:schemeClr val="tx1"/>
+                      </a:solidFill>
+                      <a:prstDash val="solid"/>
+                      <a:round/>
+                      <a:headEnd type="none" w="med" len="med"/>
+                      <a:tailEnd type="none" w="med" len="med"/>
+                    </a:lnL>
+                    <a:lnR w="28575" cap="flat" cmpd="sng" algn="ctr">
+                      <a:solidFill>
+                        <a:schemeClr val="tx1"/>
+                      </a:solidFill>
+                      <a:prstDash val="solid"/>
+                      <a:round/>
+                      <a:headEnd type="none" w="med" len="med"/>
+                      <a:tailEnd type="none" w="med" len="med"/>
+                    </a:lnR>
+                    <a:lnT w="19050" cap="flat" cmpd="sng" algn="ctr">
+                      <a:solidFill>
+                        <a:schemeClr val="tx1"/>
+                      </a:solidFill>
+                      <a:prstDash val="solid"/>
+                      <a:round/>
+                      <a:headEnd type="none" w="med" len="med"/>
+                      <a:tailEnd type="none" w="med" len="med"/>
+                    </a:lnT>
+                    <a:noFill/>
+                  </a:tcPr>
+                </a:tc>
+              </a:tr>
+              <a:tr h="895414">
+                <a:tc>
+                  <a:txBody>
+                    <a:bodyPr/>
+                    <a:lstStyle/>
+                    <a:p>
+                      <a:r>
+                        <a:rPr kumimoji="1" lang="en-US" altLang="ja-JP" dirty="0" smtClean="0"/>
+                        <a:t>22</a:t>
+                      </a:r>
+                      <a:endParaRPr kumimoji="1" lang="ja-JP" altLang="en-US" dirty="0"/>
+                    </a:p>
+                  </a:txBody>
+                  <a:tcPr>
+                    <a:lnL w="28575" cap="flat" cmpd="sng" algn="ctr">
+                      <a:solidFill>
+                        <a:schemeClr val="tx1"/>
+                      </a:solidFill>
+                      <a:prstDash val="solid"/>
+                      <a:round/>
+                      <a:headEnd type="none" w="med" len="med"/>
+                      <a:tailEnd type="none" w="med" len="med"/>
+                    </a:lnL>
+                    <a:solidFill>
+                      <a:schemeClr val="accent2">
+                        <a:lumMod val="40000"/>
+                        <a:lumOff val="60000"/>
+                      </a:schemeClr>
+                    </a:solidFill>
+                  </a:tcPr>
+                </a:tc>
+                <a:tc>
+                  <a:txBody>
+                    <a:bodyPr/>
+                    <a:lstStyle/>
+                    <a:p>
+                      <a:r>
+                        <a:rPr kumimoji="1" lang="en-US" altLang="ja-JP" dirty="0" smtClean="0"/>
+                        <a:t>23</a:t>
+                      </a:r>
+                      <a:endParaRPr kumimoji="1" lang="ja-JP" altLang="en-US" dirty="0"/>
+                    </a:p>
+                  </a:txBody>
+                  <a:tcPr/>
+                </a:tc>
+                <a:tc>
+                  <a:txBody>
+                    <a:bodyPr/>
+                    <a:lstStyle/>
+                    <a:p>
+                      <a:r>
+                        <a:rPr kumimoji="1" lang="en-US" altLang="ja-JP" dirty="0" smtClean="0"/>
+                        <a:t>24</a:t>
+                      </a:r>
+                      <a:endParaRPr kumimoji="1" lang="ja-JP" altLang="en-US" dirty="0"/>
+                    </a:p>
+                  </a:txBody>
+                  <a:tcPr/>
+                </a:tc>
+                <a:tc>
+                  <a:txBody>
+                    <a:bodyPr/>
+                    <a:lstStyle/>
+                    <a:p>
+                      <a:r>
+                        <a:rPr kumimoji="1" lang="en-US" altLang="ja-JP" dirty="0" smtClean="0"/>
+                        <a:t>25</a:t>
+                      </a:r>
+                      <a:endParaRPr kumimoji="1" lang="ja-JP" altLang="en-US" dirty="0"/>
+                    </a:p>
+                  </a:txBody>
+                  <a:tcPr/>
+                </a:tc>
+                <a:tc>
+                  <a:txBody>
+                    <a:bodyPr/>
+                    <a:lstStyle/>
+                    <a:p>
+                      <a:r>
+                        <a:rPr kumimoji="1" lang="en-US" altLang="ja-JP" dirty="0" smtClean="0"/>
+                        <a:t>26</a:t>
+                      </a:r>
+                      <a:endParaRPr kumimoji="1" lang="ja-JP" altLang="en-US" dirty="0"/>
+                    </a:p>
+                  </a:txBody>
+                  <a:tcPr/>
+                </a:tc>
+                <a:tc>
+                  <a:txBody>
+                    <a:bodyPr/>
+                    <a:lstStyle/>
+                    <a:p>
+                      <a:r>
+                        <a:rPr kumimoji="1" lang="en-US" altLang="ja-JP" dirty="0" smtClean="0"/>
+                        <a:t>27</a:t>
+                      </a:r>
+                      <a:endParaRPr kumimoji="1" lang="ja-JP" altLang="en-US" dirty="0"/>
+                    </a:p>
+                  </a:txBody>
+                  <a:tcPr/>
+                </a:tc>
+                <a:tc>
+                  <a:txBody>
+                    <a:bodyPr/>
+                    <a:lstStyle/>
+                    <a:p>
+                      <a:r>
+                        <a:rPr kumimoji="1" lang="en-US" altLang="ja-JP" dirty="0" smtClean="0"/>
+                        <a:t>28</a:t>
+                      </a:r>
+                      <a:endParaRPr kumimoji="1" lang="ja-JP" altLang="en-US" dirty="0"/>
+                    </a:p>
+                  </a:txBody>
+                  <a:tcPr>
+                    <a:lnR w="28575" cap="flat" cmpd="sng" algn="ctr">
+                      <a:solidFill>
+                        <a:schemeClr val="tx1"/>
+                      </a:solidFill>
+                      <a:prstDash val="solid"/>
+                      <a:round/>
+                      <a:headEnd type="none" w="med" len="med"/>
+                      <a:tailEnd type="none" w="med" len="med"/>
+                    </a:lnR>
+                    <a:solidFill>
+                      <a:schemeClr val="accent5">
+                        <a:lumMod val="40000"/>
+                        <a:lumOff val="60000"/>
+                      </a:schemeClr>
+                    </a:solidFill>
+                  </a:tcPr>
+                </a:tc>
+                <a:tc>
+                  <a:txBody>
+                    <a:bodyPr/>
+                    <a:lstStyle/>
+                    <a:p>
+                      <a:r>
+                        <a:rPr kumimoji="1" lang="ja-JP" altLang="en-US" dirty="0" smtClean="0"/>
+                        <a:t>詳細計画</a:t>
+                      </a:r>
+                      <a:endParaRPr kumimoji="1" lang="en-US" altLang="ja-JP" dirty="0" smtClean="0"/>
+                    </a:p>
+                    <a:p>
+                      <a:pPr marL="0" marR="0" indent="0" algn="l" defTabSz="914400" rtl="0" eaLnBrk="1" fontAlgn="auto" latinLnBrk="0" hangingPunct="1">
+                        <a:lnSpc>
+                          <a:spcPct val="100000"/>
+                        </a:lnSpc>
+                        <a:spcBef>
+                          <a:spcPts val="0"/>
+                        </a:spcBef>
+                        <a:spcAft>
+                          <a:spcPts val="0"/>
+                        </a:spcAft>
+                        <a:buClrTx/>
+                        <a:buSzTx/>
+                        <a:buFontTx/>
+                        <a:buNone/>
+                        <a:tabLst/>
+                        <a:defRPr/>
+                      </a:pPr>
+                      <a:r>
+                        <a:rPr kumimoji="1" lang="en-US" altLang="ja-JP" dirty="0" smtClean="0"/>
+                        <a:t>Sirius</a:t>
+                      </a:r>
+                      <a:r>
+                        <a:rPr kumimoji="1" lang="ja-JP" altLang="en-US" dirty="0" smtClean="0"/>
+                        <a:t>調査</a:t>
+                      </a:r>
+                      <a:endParaRPr kumimoji="1" lang="en-US" altLang="ja-JP" dirty="0" smtClean="0"/>
+                    </a:p>
+                    <a:p>
+                      <a:r>
+                        <a:rPr kumimoji="1" lang="ja-JP" altLang="en-US" dirty="0" smtClean="0"/>
+                        <a:t>サンプルエディタ作成</a:t>
+                      </a:r>
+                      <a:endParaRPr kumimoji="1" lang="en-US" altLang="ja-JP" dirty="0" smtClean="0"/>
+                    </a:p>
+                  </a:txBody>
+                  <a:tcPr>
+                    <a:lnL w="28575" cap="flat" cmpd="sng" algn="ctr">
+                      <a:solidFill>
+                        <a:schemeClr val="tx1"/>
+                      </a:solidFill>
+                      <a:prstDash val="solid"/>
+                      <a:round/>
+                      <a:headEnd type="none" w="med" len="med"/>
+                      <a:tailEnd type="none" w="med" len="med"/>
+                    </a:lnL>
+                    <a:lnR w="28575" cap="flat" cmpd="sng" algn="ctr">
+                      <a:solidFill>
+                        <a:schemeClr val="tx1"/>
+                      </a:solidFill>
+                      <a:prstDash val="solid"/>
+                      <a:round/>
+                      <a:headEnd type="none" w="med" len="med"/>
+                      <a:tailEnd type="none" w="med" len="med"/>
+                    </a:lnR>
+                    <a:noFill/>
+                  </a:tcPr>
+                </a:tc>
+              </a:tr>
+              <a:tr h="895414">
+                <a:tc>
+                  <a:txBody>
+                    <a:bodyPr/>
+                    <a:lstStyle/>
+                    <a:p>
+                      <a:r>
+                        <a:rPr kumimoji="1" lang="en-US" altLang="ja-JP" dirty="0" smtClean="0"/>
+                        <a:t>29</a:t>
+                      </a:r>
+                      <a:endParaRPr kumimoji="1" lang="ja-JP" altLang="en-US" dirty="0"/>
+                    </a:p>
+                  </a:txBody>
+                  <a:tcPr>
+                    <a:lnL w="28575" cap="flat" cmpd="sng" algn="ctr">
+                      <a:solidFill>
+                        <a:schemeClr val="tx1"/>
+                      </a:solidFill>
+                      <a:prstDash val="solid"/>
+                      <a:round/>
+                      <a:headEnd type="none" w="med" len="med"/>
+                      <a:tailEnd type="none" w="med" len="med"/>
+                    </a:lnL>
+                    <a:solidFill>
+                      <a:schemeClr val="accent2">
+                        <a:lumMod val="40000"/>
+                        <a:lumOff val="60000"/>
+                      </a:schemeClr>
+                    </a:solidFill>
+                  </a:tcPr>
+                </a:tc>
+                <a:tc>
+                  <a:txBody>
+                    <a:bodyPr/>
+                    <a:lstStyle/>
+                    <a:p>
+                      <a:r>
+                        <a:rPr kumimoji="1" lang="en-US" altLang="ja-JP" dirty="0" smtClean="0"/>
+                        <a:t>30</a:t>
+                      </a:r>
+                      <a:endParaRPr kumimoji="1" lang="ja-JP" altLang="en-US" dirty="0"/>
+                    </a:p>
+                  </a:txBody>
+                  <a:tcPr/>
+                </a:tc>
+                <a:tc>
+                  <a:txBody>
+                    <a:bodyPr/>
+                    <a:lstStyle/>
+                    <a:p>
+                      <a:r>
+                        <a:rPr kumimoji="1" lang="en-US" altLang="ja-JP" dirty="0" smtClean="0"/>
+                        <a:t>31</a:t>
+                      </a:r>
+                      <a:endParaRPr kumimoji="1" lang="ja-JP" altLang="en-US" dirty="0"/>
+                    </a:p>
+                  </a:txBody>
+                  <a:tcPr/>
+                </a:tc>
+                <a:tc>
+                  <a:txBody>
+                    <a:bodyPr/>
+                    <a:lstStyle/>
+                    <a:p>
+                      <a:r>
+                        <a:rPr kumimoji="1" lang="en-US" altLang="ja-JP" dirty="0" smtClean="0"/>
+                        <a:t>6/1</a:t>
+                      </a:r>
+                      <a:endParaRPr kumimoji="1" lang="ja-JP" altLang="en-US" dirty="0"/>
+                    </a:p>
+                  </a:txBody>
+                  <a:tcPr/>
+                </a:tc>
+                <a:tc>
+                  <a:txBody>
+                    <a:bodyPr/>
+                    <a:lstStyle/>
+                    <a:p>
+                      <a:r>
+                        <a:rPr kumimoji="1" lang="en-US" altLang="ja-JP" dirty="0" smtClean="0"/>
+                        <a:t>2</a:t>
+                      </a:r>
+                      <a:endParaRPr kumimoji="1" lang="ja-JP" altLang="en-US" dirty="0"/>
+                    </a:p>
+                  </a:txBody>
+                  <a:tcPr/>
+                </a:tc>
+                <a:tc>
+                  <a:txBody>
+                    <a:bodyPr/>
+                    <a:lstStyle/>
+                    <a:p>
+                      <a:r>
+                        <a:rPr kumimoji="1" lang="en-US" altLang="ja-JP" dirty="0" smtClean="0"/>
+                        <a:t>3</a:t>
+                      </a:r>
+                      <a:endParaRPr kumimoji="1" lang="ja-JP" altLang="en-US" dirty="0"/>
+                    </a:p>
+                  </a:txBody>
+                  <a:tcPr/>
+                </a:tc>
+                <a:tc>
+                  <a:txBody>
+                    <a:bodyPr/>
+                    <a:lstStyle/>
+                    <a:p>
+                      <a:r>
+                        <a:rPr kumimoji="1" lang="en-US" altLang="ja-JP" dirty="0" smtClean="0"/>
+                        <a:t>4</a:t>
+                      </a:r>
+                      <a:endParaRPr kumimoji="1" lang="ja-JP" altLang="en-US" dirty="0"/>
+                    </a:p>
+                  </a:txBody>
+                  <a:tcPr>
+                    <a:lnR w="28575" cap="flat" cmpd="sng" algn="ctr">
+                      <a:solidFill>
+                        <a:schemeClr val="tx1"/>
+                      </a:solidFill>
+                      <a:prstDash val="solid"/>
+                      <a:round/>
+                      <a:headEnd type="none" w="med" len="med"/>
+                      <a:tailEnd type="none" w="med" len="med"/>
+                    </a:lnR>
+                    <a:solidFill>
+                      <a:schemeClr val="accent5">
+                        <a:lumMod val="40000"/>
+                        <a:lumOff val="60000"/>
+                      </a:schemeClr>
+                    </a:solidFill>
+                  </a:tcPr>
+                </a:tc>
+                <a:tc>
+                  <a:txBody>
+                    <a:bodyPr/>
+                    <a:lstStyle/>
+                    <a:p>
+                      <a:pPr marL="0" marR="0" indent="0" algn="l" defTabSz="914400" rtl="0" eaLnBrk="1" fontAlgn="auto" latinLnBrk="0" hangingPunct="1">
+                        <a:lnSpc>
+                          <a:spcPct val="100000"/>
+                        </a:lnSpc>
+                        <a:spcBef>
+                          <a:spcPts val="0"/>
+                        </a:spcBef>
+                        <a:spcAft>
+                          <a:spcPts val="0"/>
+                        </a:spcAft>
+                        <a:buClrTx/>
+                        <a:buSzTx/>
+                        <a:buFontTx/>
+                        <a:buNone/>
+                        <a:tabLst/>
+                        <a:defRPr/>
+                      </a:pPr>
+                      <a:r>
+                        <a:rPr kumimoji="1" lang="ja-JP" altLang="en-US" dirty="0" smtClean="0"/>
+                        <a:t>説明資料</a:t>
+                      </a:r>
+                      <a:r>
+                        <a:rPr kumimoji="1" lang="ja-JP" altLang="en-US" dirty="0" smtClean="0"/>
+                        <a:t>作成</a:t>
+                      </a:r>
+                      <a:endParaRPr kumimoji="1" lang="en-US" altLang="ja-JP" dirty="0" smtClean="0"/>
+                    </a:p>
+                    <a:p>
+                      <a:r>
+                        <a:rPr kumimoji="1" lang="ja-JP" altLang="en-US" dirty="0" smtClean="0"/>
+                        <a:t>書類フォーマット作成</a:t>
+                      </a:r>
+                      <a:endParaRPr kumimoji="1" lang="ja-JP" altLang="en-US" dirty="0"/>
+                    </a:p>
+                  </a:txBody>
+                  <a:tcPr>
+                    <a:lnL w="28575" cap="flat" cmpd="sng" algn="ctr">
+                      <a:solidFill>
+                        <a:schemeClr val="tx1"/>
+                      </a:solidFill>
+                      <a:prstDash val="solid"/>
+                      <a:round/>
+                      <a:headEnd type="none" w="med" len="med"/>
+                      <a:tailEnd type="none" w="med" len="med"/>
+                    </a:lnL>
+                    <a:lnR w="28575" cap="flat" cmpd="sng" algn="ctr">
+                      <a:solidFill>
+                        <a:schemeClr val="tx1"/>
+                      </a:solidFill>
+                      <a:prstDash val="solid"/>
+                      <a:round/>
+                      <a:headEnd type="none" w="med" len="med"/>
+                      <a:tailEnd type="none" w="med" len="med"/>
+                    </a:lnR>
+                    <a:noFill/>
+                  </a:tcPr>
+                </a:tc>
+              </a:tr>
+              <a:tr h="895414">
+                <a:tc>
+                  <a:txBody>
+                    <a:bodyPr/>
+                    <a:lstStyle/>
+                    <a:p>
+                      <a:r>
+                        <a:rPr kumimoji="1" lang="en-US" altLang="ja-JP" dirty="0" smtClean="0"/>
+                        <a:t>5</a:t>
+                      </a:r>
+                      <a:endParaRPr kumimoji="1" lang="ja-JP" altLang="en-US" dirty="0"/>
+                    </a:p>
+                  </a:txBody>
+                  <a:tcPr>
+                    <a:lnL w="28575" cap="flat" cmpd="sng" algn="ctr">
+                      <a:solidFill>
+                        <a:schemeClr val="tx1"/>
+                      </a:solidFill>
+                      <a:prstDash val="solid"/>
+                      <a:round/>
+                      <a:headEnd type="none" w="med" len="med"/>
+                      <a:tailEnd type="none" w="med" len="med"/>
+                    </a:lnL>
+                    <a:lnB w="28575" cap="flat" cmpd="sng" algn="ctr">
+                      <a:solidFill>
+                        <a:schemeClr val="tx1"/>
+                      </a:solidFill>
+                      <a:prstDash val="solid"/>
+                      <a:round/>
+                      <a:headEnd type="none" w="med" len="med"/>
+                      <a:tailEnd type="none" w="med" len="med"/>
+                    </a:lnB>
+                    <a:solidFill>
+                      <a:schemeClr val="accent2">
+                        <a:lumMod val="40000"/>
+                        <a:lumOff val="60000"/>
+                      </a:schemeClr>
+                    </a:solidFill>
+                  </a:tcPr>
+                </a:tc>
+                <a:tc>
+                  <a:txBody>
+                    <a:bodyPr/>
+                    <a:lstStyle/>
+                    <a:p>
+                      <a:r>
+                        <a:rPr kumimoji="1" lang="en-US" altLang="ja-JP" dirty="0" smtClean="0"/>
+                        <a:t>6</a:t>
+                      </a:r>
+                    </a:p>
+                  </a:txBody>
+                  <a:tcPr>
+                    <a:lnB w="28575" cap="flat" cmpd="sng" algn="ctr">
+                      <a:solidFill>
+                        <a:schemeClr val="tx1"/>
+                      </a:solidFill>
+                      <a:prstDash val="solid"/>
+                      <a:round/>
+                      <a:headEnd type="none" w="med" len="med"/>
+                      <a:tailEnd type="none" w="med" len="med"/>
+                    </a:lnB>
+                  </a:tcPr>
+                </a:tc>
+                <a:tc>
+                  <a:txBody>
+                    <a:bodyPr/>
+                    <a:lstStyle/>
+                    <a:p>
+                      <a:endParaRPr kumimoji="1" lang="ja-JP" altLang="en-US" dirty="0"/>
+                    </a:p>
+                  </a:txBody>
+                  <a:tcPr>
+                    <a:lnB w="28575" cap="flat" cmpd="sng" algn="ctr">
+                      <a:solidFill>
+                        <a:schemeClr val="tx1"/>
+                      </a:solidFill>
+                      <a:prstDash val="solid"/>
+                      <a:round/>
+                      <a:headEnd type="none" w="med" len="med"/>
+                      <a:tailEnd type="none" w="med" len="med"/>
+                    </a:lnB>
+                  </a:tcPr>
+                </a:tc>
+                <a:tc>
+                  <a:txBody>
+                    <a:bodyPr/>
+                    <a:lstStyle/>
+                    <a:p>
+                      <a:endParaRPr kumimoji="1" lang="ja-JP" altLang="en-US" dirty="0"/>
+                    </a:p>
+                  </a:txBody>
+                  <a:tcPr>
+                    <a:lnB w="28575" cap="flat" cmpd="sng" algn="ctr">
+                      <a:solidFill>
+                        <a:schemeClr val="tx1"/>
+                      </a:solidFill>
+                      <a:prstDash val="solid"/>
+                      <a:round/>
+                      <a:headEnd type="none" w="med" len="med"/>
+                      <a:tailEnd type="none" w="med" len="med"/>
+                    </a:lnB>
+                  </a:tcPr>
+                </a:tc>
+                <a:tc>
+                  <a:txBody>
+                    <a:bodyPr/>
+                    <a:lstStyle/>
+                    <a:p>
+                      <a:endParaRPr kumimoji="1" lang="ja-JP" altLang="en-US" dirty="0"/>
+                    </a:p>
+                  </a:txBody>
+                  <a:tcPr>
+                    <a:lnB w="28575" cap="flat" cmpd="sng" algn="ctr">
+                      <a:solidFill>
+                        <a:schemeClr val="tx1"/>
+                      </a:solidFill>
+                      <a:prstDash val="solid"/>
+                      <a:round/>
+                      <a:headEnd type="none" w="med" len="med"/>
+                      <a:tailEnd type="none" w="med" len="med"/>
+                    </a:lnB>
+                  </a:tcPr>
+                </a:tc>
+                <a:tc>
+                  <a:txBody>
+                    <a:bodyPr/>
+                    <a:lstStyle/>
+                    <a:p>
+                      <a:endParaRPr kumimoji="1" lang="ja-JP" altLang="en-US" dirty="0"/>
+                    </a:p>
+                  </a:txBody>
+                  <a:tcPr>
+                    <a:lnB w="28575" cap="flat" cmpd="sng" algn="ctr">
+                      <a:solidFill>
+                        <a:schemeClr val="tx1"/>
+                      </a:solidFill>
+                      <a:prstDash val="solid"/>
+                      <a:round/>
+                      <a:headEnd type="none" w="med" len="med"/>
+                      <a:tailEnd type="none" w="med" len="med"/>
+                    </a:lnB>
+                  </a:tcPr>
+                </a:tc>
+                <a:tc>
+                  <a:txBody>
+                    <a:bodyPr/>
+                    <a:lstStyle/>
+                    <a:p>
+                      <a:endParaRPr kumimoji="1" lang="ja-JP" altLang="en-US" dirty="0"/>
+                    </a:p>
+                  </a:txBody>
+                  <a:tcPr>
+                    <a:lnR w="28575" cap="flat" cmpd="sng" algn="ctr">
+                      <a:solidFill>
+                        <a:schemeClr val="tx1"/>
+                      </a:solidFill>
+                      <a:prstDash val="solid"/>
+                      <a:round/>
+                      <a:headEnd type="none" w="med" len="med"/>
+                      <a:tailEnd type="none" w="med" len="med"/>
+                    </a:lnR>
+                    <a:lnB w="28575" cap="flat" cmpd="sng" algn="ctr">
+                      <a:solidFill>
+                        <a:schemeClr val="tx1"/>
+                      </a:solidFill>
+                      <a:prstDash val="solid"/>
+                      <a:round/>
+                      <a:headEnd type="none" w="med" len="med"/>
+                      <a:tailEnd type="none" w="med" len="med"/>
+                    </a:lnB>
+                    <a:solidFill>
+                      <a:schemeClr val="accent5">
+                        <a:lumMod val="40000"/>
+                        <a:lumOff val="60000"/>
+                      </a:schemeClr>
+                    </a:solidFill>
+                  </a:tcPr>
+                </a:tc>
+                <a:tc>
+                  <a:txBody>
+                    <a:bodyPr/>
+                    <a:lstStyle/>
+                    <a:p>
+                      <a:endParaRPr kumimoji="1" lang="ja-JP" altLang="en-US" dirty="0"/>
+                    </a:p>
+                  </a:txBody>
+                  <a:tcPr>
+                    <a:lnL w="28575" cap="flat" cmpd="sng" algn="ctr">
+                      <a:solidFill>
+                        <a:schemeClr val="tx1"/>
+                      </a:solidFill>
+                      <a:prstDash val="solid"/>
+                      <a:round/>
+                      <a:headEnd type="none" w="med" len="med"/>
+                      <a:tailEnd type="none" w="med" len="med"/>
+                    </a:lnL>
+                    <a:lnR w="28575" cap="flat" cmpd="sng" algn="ctr">
+                      <a:solidFill>
+                        <a:schemeClr val="tx1"/>
+                      </a:solidFill>
+                      <a:prstDash val="solid"/>
+                      <a:round/>
+                      <a:headEnd type="none" w="med" len="med"/>
+                      <a:tailEnd type="none" w="med" len="med"/>
+                    </a:lnR>
+                    <a:lnB w="28575" cap="flat" cmpd="sng" algn="ctr">
+                      <a:solidFill>
+                        <a:schemeClr val="tx1"/>
+                      </a:solidFill>
+                      <a:prstDash val="solid"/>
+                      <a:round/>
+                      <a:headEnd type="none" w="med" len="med"/>
+                      <a:tailEnd type="none" w="med" len="med"/>
+                    </a:lnB>
+                    <a:noFill/>
+                  </a:tcPr>
+                </a:tc>
+              </a:tr>
+            </a:tbl>
+          </a:graphicData>
+        </a:graphic>
+      </p:graphicFrame>
+      <p:sp>
+        <p:nvSpPr>
+          <p:cNvPr id="5" name="正方形/長方形 4"/>
+          <p:cNvSpPr/>
+          <p:nvPr/>
+        </p:nvSpPr>
+        <p:spPr>
+          <a:xfrm>
+            <a:off x="4368676" y="1844824"/>
+            <a:ext cx="624548" cy="426575"/>
+          </a:xfrm>
+          <a:prstGeom prst="rect">
+            <a:avLst/>
+          </a:prstGeom>
+        </p:spPr>
+        <p:style>
+          <a:lnRef idx="1">
+            <a:schemeClr val="dk1"/>
+          </a:lnRef>
+          <a:fillRef idx="2">
+            <a:schemeClr val="dk1"/>
+          </a:fillRef>
+          <a:effectRef idx="1">
+            <a:schemeClr val="dk1"/>
+          </a:effectRef>
+          <a:fontRef idx="minor">
+            <a:schemeClr val="dk1"/>
+          </a:fontRef>
+        </p:style>
+        <p:txBody>
+          <a:bodyPr rtlCol="0" anchor="ctr"/>
+          <a:lstStyle/>
+          <a:p>
+            <a:pPr algn="ctr"/>
+            <a:r>
+              <a:rPr kumimoji="1" lang="en-US" altLang="ja-JP" dirty="0" smtClean="0">
+                <a:solidFill>
+                  <a:schemeClr val="tx1"/>
+                </a:solidFill>
+              </a:rPr>
+              <a:t>Now</a:t>
+            </a:r>
+            <a:endParaRPr kumimoji="1" lang="ja-JP" altLang="en-US" dirty="0">
+              <a:solidFill>
+                <a:schemeClr val="tx1"/>
+              </a:solidFill>
+            </a:endParaRPr>
+          </a:p>
+        </p:txBody>
+      </p:sp>
+      <p:sp>
+        <p:nvSpPr>
+          <p:cNvPr id="6" name="左右矢印 5"/>
+          <p:cNvSpPr/>
+          <p:nvPr/>
+        </p:nvSpPr>
+        <p:spPr>
+          <a:xfrm>
+            <a:off x="2928924" y="3548785"/>
+            <a:ext cx="1958625" cy="533095"/>
+          </a:xfrm>
+          <a:prstGeom prst="leftRightArrow">
+            <a:avLst>
+              <a:gd name="adj1" fmla="val 70964"/>
+              <a:gd name="adj2" fmla="val 50000"/>
+            </a:avLst>
+          </a:prstGeom>
+        </p:spPr>
+        <p:style>
+          <a:lnRef idx="2">
+            <a:schemeClr val="accent6">
+              <a:shade val="50000"/>
+            </a:schemeClr>
+          </a:lnRef>
+          <a:fillRef idx="1">
+            <a:schemeClr val="accent6"/>
+          </a:fillRef>
+          <a:effectRef idx="0">
+            <a:schemeClr val="accent6"/>
+          </a:effectRef>
+          <a:fontRef idx="minor">
+            <a:schemeClr val="lt1"/>
+          </a:fontRef>
+        </p:style>
+        <p:txBody>
+          <a:bodyPr rtlCol="0" anchor="ctr"/>
+          <a:lstStyle/>
+          <a:p>
+            <a:pPr algn="ctr"/>
+            <a:r>
+              <a:rPr kumimoji="1" lang="ja-JP" altLang="en-US" dirty="0" smtClean="0">
+                <a:solidFill>
+                  <a:schemeClr val="tx1"/>
+                </a:solidFill>
+              </a:rPr>
+              <a:t>最終</a:t>
+            </a:r>
+            <a:r>
+              <a:rPr kumimoji="1" lang="en-US" altLang="ja-JP" dirty="0" smtClean="0">
+                <a:solidFill>
+                  <a:schemeClr val="tx1"/>
+                </a:solidFill>
+              </a:rPr>
+              <a:t>Meeting</a:t>
+            </a:r>
+            <a:endParaRPr kumimoji="1" lang="ja-JP" altLang="en-US" dirty="0">
+              <a:solidFill>
+                <a:schemeClr val="tx1"/>
+              </a:solidFill>
+            </a:endParaRPr>
+          </a:p>
+        </p:txBody>
+      </p:sp>
+      <p:sp>
+        <p:nvSpPr>
+          <p:cNvPr id="7" name="正方形/長方形 6"/>
+          <p:cNvSpPr/>
+          <p:nvPr/>
+        </p:nvSpPr>
+        <p:spPr>
+          <a:xfrm>
+            <a:off x="1395944" y="4462512"/>
+            <a:ext cx="624548" cy="516156"/>
+          </a:xfrm>
+          <a:prstGeom prst="rect">
+            <a:avLst/>
+          </a:prstGeom>
+        </p:spPr>
+        <p:style>
+          <a:lnRef idx="1">
+            <a:schemeClr val="dk1"/>
+          </a:lnRef>
+          <a:fillRef idx="2">
+            <a:schemeClr val="dk1"/>
+          </a:fillRef>
+          <a:effectRef idx="1">
+            <a:schemeClr val="dk1"/>
+          </a:effectRef>
+          <a:fontRef idx="minor">
+            <a:schemeClr val="dk1"/>
+          </a:fontRef>
+        </p:style>
+        <p:txBody>
+          <a:bodyPr rtlCol="0" anchor="ctr"/>
+          <a:lstStyle/>
+          <a:p>
+            <a:pPr algn="ctr"/>
+            <a:r>
+              <a:rPr lang="ja-JP" altLang="en-US" sz="1600" dirty="0" smtClean="0">
+                <a:solidFill>
+                  <a:schemeClr val="tx1"/>
+                </a:solidFill>
+              </a:rPr>
+              <a:t>研修</a:t>
+            </a:r>
+            <a:r>
+              <a:rPr lang="ja-JP" altLang="en-US" sz="1600" dirty="0">
+                <a:solidFill>
+                  <a:schemeClr val="tx1"/>
+                </a:solidFill>
+              </a:rPr>
+              <a:t>開始</a:t>
+            </a:r>
+            <a:endParaRPr kumimoji="1" lang="ja-JP" altLang="en-US" sz="1600" dirty="0">
+              <a:solidFill>
+                <a:schemeClr val="tx1"/>
+              </a:solidFill>
+            </a:endParaRPr>
           </a:p>
         </p:txBody>
       </p:sp>
     </p:spTree>
     <p:extLst>
       <p:ext uri="{BB962C8B-B14F-4D97-AF65-F5344CB8AC3E}">
-        <p14:creationId xmlns:p14="http://schemas.microsoft.com/office/powerpoint/2010/main" val="390100218"/>
+        <p14:creationId xmlns:p14="http://schemas.microsoft.com/office/powerpoint/2010/main" val="3197206624"/>
       </p:ext>
     </p:extLst>
   </p:cSld>
   <p:clrMapOvr>
     <a:masterClrMapping/>
   </p:clrMapOvr>
+  <p:timing>
+    <p:tnLst>
+      <p:par>
+        <p:cTn id="1" dur="indefinite" restart="never" nodeType="tmRoot"/>
+      </p:par>
+    </p:tnLst>
+  </p:timing>
 </p:sld>
 </file>
 

--- a/新人研修.pptx
+++ b/新人研修.pptx
@@ -4,12 +4,15 @@
   <p:sldMasterIdLst>
     <p:sldMasterId id="2147483648" r:id="rId1"/>
   </p:sldMasterIdLst>
+  <p:notesMasterIdLst>
+    <p:notesMasterId r:id="rId9"/>
+  </p:notesMasterIdLst>
   <p:sldIdLst>
     <p:sldId id="267" r:id="rId2"/>
     <p:sldId id="268" r:id="rId3"/>
     <p:sldId id="258" r:id="rId4"/>
-    <p:sldId id="261" r:id="rId5"/>
-    <p:sldId id="264" r:id="rId6"/>
+    <p:sldId id="264" r:id="rId5"/>
+    <p:sldId id="261" r:id="rId6"/>
     <p:sldId id="266" r:id="rId7"/>
     <p:sldId id="263" r:id="rId8"/>
   </p:sldIdLst>
@@ -112,7 +115,7 @@
   </p:defaultTextStyle>
   <p:extLst>
     <p:ext uri="{EFAFB233-063F-42B5-8137-9DF3F51BA10A}">
-      <p15:sldGuideLst xmlns:p15="http://schemas.microsoft.com/office/powerpoint/2012/main">
+      <p15:sldGuideLst xmlns="" xmlns:p15="http://schemas.microsoft.com/office/powerpoint/2012/main">
         <p15:guide id="1" orient="horz" pos="2160">
           <p15:clr>
             <a:srgbClr val="A4A3A4"/>
@@ -127,6 +130,484 @@
     </p:ext>
   </p:extLst>
 </p:presentation>
+</file>
+
+<file path=ppt/notesMasters/notesMaster1.xml><?xml version="1.0" encoding="utf-8"?>
+<p:notesMaster xmlns:a="http://schemas.openxmlformats.org/drawingml/2006/main" xmlns:r="http://schemas.openxmlformats.org/officeDocument/2006/relationships" xmlns:p="http://schemas.openxmlformats.org/presentationml/2006/main">
+  <p:cSld>
+    <p:bg>
+      <p:bgRef idx="1001">
+        <a:schemeClr val="bg1"/>
+      </p:bgRef>
+    </p:bg>
+    <p:spTree>
+      <p:nvGrpSpPr>
+        <p:cNvPr id="1" name=""/>
+        <p:cNvGrpSpPr/>
+        <p:nvPr/>
+      </p:nvGrpSpPr>
+      <p:grpSpPr>
+        <a:xfrm>
+          <a:off x="0" y="0"/>
+          <a:ext cx="0" cy="0"/>
+          <a:chOff x="0" y="0"/>
+          <a:chExt cx="0" cy="0"/>
+        </a:xfrm>
+      </p:grpSpPr>
+      <p:sp>
+        <p:nvSpPr>
+          <p:cNvPr id="2" name="ヘッダー プレースホルダー 1"/>
+          <p:cNvSpPr>
+            <a:spLocks noGrp="1"/>
+          </p:cNvSpPr>
+          <p:nvPr>
+            <p:ph type="hdr" sz="quarter"/>
+          </p:nvPr>
+        </p:nvSpPr>
+        <p:spPr>
+          <a:xfrm>
+            <a:off x="0" y="0"/>
+            <a:ext cx="2971800" cy="457200"/>
+          </a:xfrm>
+          <a:prstGeom prst="rect">
+            <a:avLst/>
+          </a:prstGeom>
+        </p:spPr>
+        <p:txBody>
+          <a:bodyPr vert="horz" lIns="91440" tIns="45720" rIns="91440" bIns="45720" rtlCol="0"/>
+          <a:lstStyle>
+            <a:lvl1pPr algn="l">
+              <a:defRPr sz="1200"/>
+            </a:lvl1pPr>
+          </a:lstStyle>
+          <a:p>
+            <a:endParaRPr kumimoji="1" lang="ja-JP" altLang="en-US"/>
+          </a:p>
+        </p:txBody>
+      </p:sp>
+      <p:sp>
+        <p:nvSpPr>
+          <p:cNvPr id="3" name="日付プレースホルダー 2"/>
+          <p:cNvSpPr>
+            <a:spLocks noGrp="1"/>
+          </p:cNvSpPr>
+          <p:nvPr>
+            <p:ph type="dt" idx="1"/>
+          </p:nvPr>
+        </p:nvSpPr>
+        <p:spPr>
+          <a:xfrm>
+            <a:off x="3884613" y="0"/>
+            <a:ext cx="2971800" cy="457200"/>
+          </a:xfrm>
+          <a:prstGeom prst="rect">
+            <a:avLst/>
+          </a:prstGeom>
+        </p:spPr>
+        <p:txBody>
+          <a:bodyPr vert="horz" lIns="91440" tIns="45720" rIns="91440" bIns="45720" rtlCol="0"/>
+          <a:lstStyle>
+            <a:lvl1pPr algn="r">
+              <a:defRPr sz="1200"/>
+            </a:lvl1pPr>
+          </a:lstStyle>
+          <a:p>
+            <a:fld id="{100FE6D1-2E1F-470F-AA5B-B6A9471248C1}" type="datetimeFigureOut">
+              <a:rPr kumimoji="1" lang="ja-JP" altLang="en-US" smtClean="0"/>
+              <a:t>2016/5/27</a:t>
+            </a:fld>
+            <a:endParaRPr kumimoji="1" lang="ja-JP" altLang="en-US"/>
+          </a:p>
+        </p:txBody>
+      </p:sp>
+      <p:sp>
+        <p:nvSpPr>
+          <p:cNvPr id="4" name="スライド イメージ プレースホルダー 3"/>
+          <p:cNvSpPr>
+            <a:spLocks noGrp="1" noRot="1" noChangeAspect="1"/>
+          </p:cNvSpPr>
+          <p:nvPr>
+            <p:ph type="sldImg" idx="2"/>
+          </p:nvPr>
+        </p:nvSpPr>
+        <p:spPr>
+          <a:xfrm>
+            <a:off x="1143000" y="685800"/>
+            <a:ext cx="4572000" cy="3429000"/>
+          </a:xfrm>
+          <a:prstGeom prst="rect">
+            <a:avLst/>
+          </a:prstGeom>
+          <a:noFill/>
+          <a:ln w="12700">
+            <a:solidFill>
+              <a:prstClr val="black"/>
+            </a:solidFill>
+          </a:ln>
+        </p:spPr>
+        <p:txBody>
+          <a:bodyPr vert="horz" lIns="91440" tIns="45720" rIns="91440" bIns="45720" rtlCol="0" anchor="ctr"/>
+          <a:lstStyle/>
+          <a:p>
+            <a:endParaRPr lang="ja-JP" altLang="en-US"/>
+          </a:p>
+        </p:txBody>
+      </p:sp>
+      <p:sp>
+        <p:nvSpPr>
+          <p:cNvPr id="5" name="ノート プレースホルダー 4"/>
+          <p:cNvSpPr>
+            <a:spLocks noGrp="1"/>
+          </p:cNvSpPr>
+          <p:nvPr>
+            <p:ph type="body" sz="quarter" idx="3"/>
+          </p:nvPr>
+        </p:nvSpPr>
+        <p:spPr>
+          <a:xfrm>
+            <a:off x="685800" y="4343400"/>
+            <a:ext cx="5486400" cy="4114800"/>
+          </a:xfrm>
+          <a:prstGeom prst="rect">
+            <a:avLst/>
+          </a:prstGeom>
+        </p:spPr>
+        <p:txBody>
+          <a:bodyPr vert="horz" lIns="91440" tIns="45720" rIns="91440" bIns="45720" rtlCol="0"/>
+          <a:lstStyle/>
+          <a:p>
+            <a:pPr lvl="0"/>
+            <a:r>
+              <a:rPr kumimoji="1" lang="ja-JP" altLang="en-US" smtClean="0"/>
+              <a:t>マスター テキストの書式設定</a:t>
+            </a:r>
+          </a:p>
+          <a:p>
+            <a:pPr lvl="1"/>
+            <a:r>
+              <a:rPr kumimoji="1" lang="ja-JP" altLang="en-US" smtClean="0"/>
+              <a:t>第 </a:t>
+            </a:r>
+            <a:r>
+              <a:rPr kumimoji="1" lang="en-US" altLang="ja-JP" smtClean="0"/>
+              <a:t>2 </a:t>
+            </a:r>
+            <a:r>
+              <a:rPr kumimoji="1" lang="ja-JP" altLang="en-US" smtClean="0"/>
+              <a:t>レベル</a:t>
+            </a:r>
+          </a:p>
+          <a:p>
+            <a:pPr lvl="2"/>
+            <a:r>
+              <a:rPr kumimoji="1" lang="ja-JP" altLang="en-US" smtClean="0"/>
+              <a:t>第 </a:t>
+            </a:r>
+            <a:r>
+              <a:rPr kumimoji="1" lang="en-US" altLang="ja-JP" smtClean="0"/>
+              <a:t>3 </a:t>
+            </a:r>
+            <a:r>
+              <a:rPr kumimoji="1" lang="ja-JP" altLang="en-US" smtClean="0"/>
+              <a:t>レベル</a:t>
+            </a:r>
+          </a:p>
+          <a:p>
+            <a:pPr lvl="3"/>
+            <a:r>
+              <a:rPr kumimoji="1" lang="ja-JP" altLang="en-US" smtClean="0"/>
+              <a:t>第 </a:t>
+            </a:r>
+            <a:r>
+              <a:rPr kumimoji="1" lang="en-US" altLang="ja-JP" smtClean="0"/>
+              <a:t>4 </a:t>
+            </a:r>
+            <a:r>
+              <a:rPr kumimoji="1" lang="ja-JP" altLang="en-US" smtClean="0"/>
+              <a:t>レベル</a:t>
+            </a:r>
+          </a:p>
+          <a:p>
+            <a:pPr lvl="4"/>
+            <a:r>
+              <a:rPr kumimoji="1" lang="ja-JP" altLang="en-US" smtClean="0"/>
+              <a:t>第 </a:t>
+            </a:r>
+            <a:r>
+              <a:rPr kumimoji="1" lang="en-US" altLang="ja-JP" smtClean="0"/>
+              <a:t>5 </a:t>
+            </a:r>
+            <a:r>
+              <a:rPr kumimoji="1" lang="ja-JP" altLang="en-US" smtClean="0"/>
+              <a:t>レベル</a:t>
+            </a:r>
+            <a:endParaRPr kumimoji="1" lang="ja-JP" altLang="en-US"/>
+          </a:p>
+        </p:txBody>
+      </p:sp>
+      <p:sp>
+        <p:nvSpPr>
+          <p:cNvPr id="6" name="フッター プレースホルダー 5"/>
+          <p:cNvSpPr>
+            <a:spLocks noGrp="1"/>
+          </p:cNvSpPr>
+          <p:nvPr>
+            <p:ph type="ftr" sz="quarter" idx="4"/>
+          </p:nvPr>
+        </p:nvSpPr>
+        <p:spPr>
+          <a:xfrm>
+            <a:off x="0" y="8685213"/>
+            <a:ext cx="2971800" cy="457200"/>
+          </a:xfrm>
+          <a:prstGeom prst="rect">
+            <a:avLst/>
+          </a:prstGeom>
+        </p:spPr>
+        <p:txBody>
+          <a:bodyPr vert="horz" lIns="91440" tIns="45720" rIns="91440" bIns="45720" rtlCol="0" anchor="b"/>
+          <a:lstStyle>
+            <a:lvl1pPr algn="l">
+              <a:defRPr sz="1200"/>
+            </a:lvl1pPr>
+          </a:lstStyle>
+          <a:p>
+            <a:endParaRPr kumimoji="1" lang="ja-JP" altLang="en-US"/>
+          </a:p>
+        </p:txBody>
+      </p:sp>
+      <p:sp>
+        <p:nvSpPr>
+          <p:cNvPr id="7" name="スライド番号プレースホルダー 6"/>
+          <p:cNvSpPr>
+            <a:spLocks noGrp="1"/>
+          </p:cNvSpPr>
+          <p:nvPr>
+            <p:ph type="sldNum" sz="quarter" idx="5"/>
+          </p:nvPr>
+        </p:nvSpPr>
+        <p:spPr>
+          <a:xfrm>
+            <a:off x="3884613" y="8685213"/>
+            <a:ext cx="2971800" cy="457200"/>
+          </a:xfrm>
+          <a:prstGeom prst="rect">
+            <a:avLst/>
+          </a:prstGeom>
+        </p:spPr>
+        <p:txBody>
+          <a:bodyPr vert="horz" lIns="91440" tIns="45720" rIns="91440" bIns="45720" rtlCol="0" anchor="b"/>
+          <a:lstStyle>
+            <a:lvl1pPr algn="r">
+              <a:defRPr sz="1200"/>
+            </a:lvl1pPr>
+          </a:lstStyle>
+          <a:p>
+            <a:fld id="{E603631E-C7ED-491D-83DC-D1C3550738C8}" type="slidenum">
+              <a:rPr kumimoji="1" lang="ja-JP" altLang="en-US" smtClean="0"/>
+              <a:t>‹#›</a:t>
+            </a:fld>
+            <a:endParaRPr kumimoji="1" lang="ja-JP" altLang="en-US"/>
+          </a:p>
+        </p:txBody>
+      </p:sp>
+    </p:spTree>
+    <p:extLst>
+      <p:ext uri="{BB962C8B-B14F-4D97-AF65-F5344CB8AC3E}">
+        <p14:creationId xmlns:p14="http://schemas.microsoft.com/office/powerpoint/2010/main" val="449991667"/>
+      </p:ext>
+    </p:extLst>
+  </p:cSld>
+  <p:clrMap bg1="lt1" tx1="dk1" bg2="lt2" tx2="dk2" accent1="accent1" accent2="accent2" accent3="accent3" accent4="accent4" accent5="accent5" accent6="accent6" hlink="hlink" folHlink="folHlink"/>
+  <p:notesStyle>
+    <a:lvl1pPr marL="0" algn="l" defTabSz="914400" rtl="0" eaLnBrk="1" latinLnBrk="0" hangingPunct="1">
+      <a:defRPr kumimoji="1" sz="1200" kern="1200">
+        <a:solidFill>
+          <a:schemeClr val="tx1"/>
+        </a:solidFill>
+        <a:latin typeface="+mn-lt"/>
+        <a:ea typeface="+mn-ea"/>
+        <a:cs typeface="+mn-cs"/>
+      </a:defRPr>
+    </a:lvl1pPr>
+    <a:lvl2pPr marL="457200" algn="l" defTabSz="914400" rtl="0" eaLnBrk="1" latinLnBrk="0" hangingPunct="1">
+      <a:defRPr kumimoji="1" sz="1200" kern="1200">
+        <a:solidFill>
+          <a:schemeClr val="tx1"/>
+        </a:solidFill>
+        <a:latin typeface="+mn-lt"/>
+        <a:ea typeface="+mn-ea"/>
+        <a:cs typeface="+mn-cs"/>
+      </a:defRPr>
+    </a:lvl2pPr>
+    <a:lvl3pPr marL="914400" algn="l" defTabSz="914400" rtl="0" eaLnBrk="1" latinLnBrk="0" hangingPunct="1">
+      <a:defRPr kumimoji="1" sz="1200" kern="1200">
+        <a:solidFill>
+          <a:schemeClr val="tx1"/>
+        </a:solidFill>
+        <a:latin typeface="+mn-lt"/>
+        <a:ea typeface="+mn-ea"/>
+        <a:cs typeface="+mn-cs"/>
+      </a:defRPr>
+    </a:lvl3pPr>
+    <a:lvl4pPr marL="1371600" algn="l" defTabSz="914400" rtl="0" eaLnBrk="1" latinLnBrk="0" hangingPunct="1">
+      <a:defRPr kumimoji="1" sz="1200" kern="1200">
+        <a:solidFill>
+          <a:schemeClr val="tx1"/>
+        </a:solidFill>
+        <a:latin typeface="+mn-lt"/>
+        <a:ea typeface="+mn-ea"/>
+        <a:cs typeface="+mn-cs"/>
+      </a:defRPr>
+    </a:lvl4pPr>
+    <a:lvl5pPr marL="1828800" algn="l" defTabSz="914400" rtl="0" eaLnBrk="1" latinLnBrk="0" hangingPunct="1">
+      <a:defRPr kumimoji="1" sz="1200" kern="1200">
+        <a:solidFill>
+          <a:schemeClr val="tx1"/>
+        </a:solidFill>
+        <a:latin typeface="+mn-lt"/>
+        <a:ea typeface="+mn-ea"/>
+        <a:cs typeface="+mn-cs"/>
+      </a:defRPr>
+    </a:lvl5pPr>
+    <a:lvl6pPr marL="2286000" algn="l" defTabSz="914400" rtl="0" eaLnBrk="1" latinLnBrk="0" hangingPunct="1">
+      <a:defRPr kumimoji="1" sz="1200" kern="1200">
+        <a:solidFill>
+          <a:schemeClr val="tx1"/>
+        </a:solidFill>
+        <a:latin typeface="+mn-lt"/>
+        <a:ea typeface="+mn-ea"/>
+        <a:cs typeface="+mn-cs"/>
+      </a:defRPr>
+    </a:lvl6pPr>
+    <a:lvl7pPr marL="2743200" algn="l" defTabSz="914400" rtl="0" eaLnBrk="1" latinLnBrk="0" hangingPunct="1">
+      <a:defRPr kumimoji="1" sz="1200" kern="1200">
+        <a:solidFill>
+          <a:schemeClr val="tx1"/>
+        </a:solidFill>
+        <a:latin typeface="+mn-lt"/>
+        <a:ea typeface="+mn-ea"/>
+        <a:cs typeface="+mn-cs"/>
+      </a:defRPr>
+    </a:lvl7pPr>
+    <a:lvl8pPr marL="3200400" algn="l" defTabSz="914400" rtl="0" eaLnBrk="1" latinLnBrk="0" hangingPunct="1">
+      <a:defRPr kumimoji="1" sz="1200" kern="1200">
+        <a:solidFill>
+          <a:schemeClr val="tx1"/>
+        </a:solidFill>
+        <a:latin typeface="+mn-lt"/>
+        <a:ea typeface="+mn-ea"/>
+        <a:cs typeface="+mn-cs"/>
+      </a:defRPr>
+    </a:lvl8pPr>
+    <a:lvl9pPr marL="3657600" algn="l" defTabSz="914400" rtl="0" eaLnBrk="1" latinLnBrk="0" hangingPunct="1">
+      <a:defRPr kumimoji="1" sz="1200" kern="1200">
+        <a:solidFill>
+          <a:schemeClr val="tx1"/>
+        </a:solidFill>
+        <a:latin typeface="+mn-lt"/>
+        <a:ea typeface="+mn-ea"/>
+        <a:cs typeface="+mn-cs"/>
+      </a:defRPr>
+    </a:lvl9pPr>
+  </p:notesStyle>
+</p:notesMaster>
+</file>
+
+<file path=ppt/notesSlides/notesSlide1.xml><?xml version="1.0" encoding="utf-8"?>
+<p:notes xmlns:a="http://schemas.openxmlformats.org/drawingml/2006/main" xmlns:r="http://schemas.openxmlformats.org/officeDocument/2006/relationships" xmlns:p="http://schemas.openxmlformats.org/presentationml/2006/main">
+  <p:cSld>
+    <p:spTree>
+      <p:nvGrpSpPr>
+        <p:cNvPr id="1" name=""/>
+        <p:cNvGrpSpPr/>
+        <p:nvPr/>
+      </p:nvGrpSpPr>
+      <p:grpSpPr>
+        <a:xfrm>
+          <a:off x="0" y="0"/>
+          <a:ext cx="0" cy="0"/>
+          <a:chOff x="0" y="0"/>
+          <a:chExt cx="0" cy="0"/>
+        </a:xfrm>
+      </p:grpSpPr>
+      <p:sp>
+        <p:nvSpPr>
+          <p:cNvPr id="2" name="スライド イメージ プレースホルダー 1"/>
+          <p:cNvSpPr>
+            <a:spLocks noGrp="1" noRot="1" noChangeAspect="1"/>
+          </p:cNvSpPr>
+          <p:nvPr>
+            <p:ph type="sldImg"/>
+          </p:nvPr>
+        </p:nvSpPr>
+        <p:spPr/>
+      </p:sp>
+      <p:sp>
+        <p:nvSpPr>
+          <p:cNvPr id="3" name="ノート プレースホルダー 2"/>
+          <p:cNvSpPr>
+            <a:spLocks noGrp="1"/>
+          </p:cNvSpPr>
+          <p:nvPr>
+            <p:ph type="body" idx="1"/>
+          </p:nvPr>
+        </p:nvSpPr>
+        <p:spPr/>
+        <p:txBody>
+          <a:bodyPr/>
+          <a:lstStyle/>
+          <a:p>
+            <a:r>
+              <a:rPr kumimoji="1" lang="ja-JP" altLang="en-US" dirty="0" smtClean="0"/>
+              <a:t>初週は</a:t>
+            </a:r>
+          </a:p>
+          <a:p>
+            <a:r>
+              <a:rPr kumimoji="1" lang="ja-JP" altLang="en-US" dirty="0" smtClean="0"/>
+              <a:t>・方法論</a:t>
+            </a:r>
+          </a:p>
+          <a:p>
+            <a:endParaRPr kumimoji="1" lang="ja-JP" altLang="en-US" dirty="0"/>
+          </a:p>
+        </p:txBody>
+      </p:sp>
+      <p:sp>
+        <p:nvSpPr>
+          <p:cNvPr id="4" name="スライド番号プレースホルダー 3"/>
+          <p:cNvSpPr>
+            <a:spLocks noGrp="1"/>
+          </p:cNvSpPr>
+          <p:nvPr>
+            <p:ph type="sldNum" sz="quarter" idx="10"/>
+          </p:nvPr>
+        </p:nvSpPr>
+        <p:spPr/>
+        <p:txBody>
+          <a:bodyPr/>
+          <a:lstStyle/>
+          <a:p>
+            <a:fld id="{E603631E-C7ED-491D-83DC-D1C3550738C8}" type="slidenum">
+              <a:rPr kumimoji="1" lang="ja-JP" altLang="en-US" smtClean="0"/>
+              <a:t>6</a:t>
+            </a:fld>
+            <a:endParaRPr kumimoji="1" lang="ja-JP" altLang="en-US"/>
+          </a:p>
+        </p:txBody>
+      </p:sp>
+    </p:spTree>
+    <p:extLst>
+      <p:ext uri="{BB962C8B-B14F-4D97-AF65-F5344CB8AC3E}">
+        <p14:creationId xmlns:p14="http://schemas.microsoft.com/office/powerpoint/2010/main" val="3758289735"/>
+      </p:ext>
+    </p:extLst>
+  </p:cSld>
+  <p:clrMapOvr>
+    <a:masterClrMapping/>
+  </p:clrMapOvr>
+</p:notes>
 </file>
 
 <file path=ppt/slideLayouts/slideLayout1.xml><?xml version="1.0" encoding="utf-8"?>
@@ -310,7 +791,7 @@
           <a:p>
             <a:fld id="{E90ED720-0104-4369-84BC-D37694168613}" type="datetimeFigureOut">
               <a:rPr kumimoji="1" lang="ja-JP" altLang="en-US" smtClean="0"/>
-              <a:t>2016/5/19</a:t>
+              <a:t>2016/5/27</a:t>
             </a:fld>
             <a:endParaRPr kumimoji="1" lang="ja-JP" altLang="en-US"/>
           </a:p>
@@ -514,7 +995,7 @@
           <a:p>
             <a:fld id="{E90ED720-0104-4369-84BC-D37694168613}" type="datetimeFigureOut">
               <a:rPr kumimoji="1" lang="ja-JP" altLang="en-US" smtClean="0"/>
-              <a:t>2016/5/19</a:t>
+              <a:t>2016/5/27</a:t>
             </a:fld>
             <a:endParaRPr kumimoji="1" lang="ja-JP" altLang="en-US"/>
           </a:p>
@@ -721,7 +1202,7 @@
           <a:p>
             <a:fld id="{E90ED720-0104-4369-84BC-D37694168613}" type="datetimeFigureOut">
               <a:rPr kumimoji="1" lang="ja-JP" altLang="en-US" smtClean="0"/>
-              <a:t>2016/5/19</a:t>
+              <a:t>2016/5/27</a:t>
             </a:fld>
             <a:endParaRPr kumimoji="1" lang="ja-JP" altLang="en-US"/>
           </a:p>
@@ -1123,7 +1604,7 @@
           <a:p>
             <a:fld id="{E90ED720-0104-4369-84BC-D37694168613}" type="datetimeFigureOut">
               <a:rPr kumimoji="1" lang="ja-JP" altLang="en-US" smtClean="0"/>
-              <a:t>2016/5/19</a:t>
+              <a:t>2016/5/27</a:t>
             </a:fld>
             <a:endParaRPr kumimoji="1" lang="ja-JP" altLang="en-US"/>
           </a:p>
@@ -1477,7 +1958,7 @@
           <a:p>
             <a:fld id="{E90ED720-0104-4369-84BC-D37694168613}" type="datetimeFigureOut">
               <a:rPr kumimoji="1" lang="ja-JP" altLang="en-US" smtClean="0"/>
-              <a:t>2016/5/19</a:t>
+              <a:t>2016/5/27</a:t>
             </a:fld>
             <a:endParaRPr kumimoji="1" lang="ja-JP" altLang="en-US"/>
           </a:p>
@@ -1958,7 +2439,7 @@
           <a:p>
             <a:fld id="{E90ED720-0104-4369-84BC-D37694168613}" type="datetimeFigureOut">
               <a:rPr kumimoji="1" lang="ja-JP" altLang="en-US" smtClean="0"/>
-              <a:t>2016/5/19</a:t>
+              <a:t>2016/5/27</a:t>
             </a:fld>
             <a:endParaRPr kumimoji="1" lang="ja-JP" altLang="en-US"/>
           </a:p>
@@ -2071,7 +2552,7 @@
           <a:p>
             <a:fld id="{E90ED720-0104-4369-84BC-D37694168613}" type="datetimeFigureOut">
               <a:rPr kumimoji="1" lang="ja-JP" altLang="en-US" smtClean="0"/>
-              <a:t>2016/5/19</a:t>
+              <a:t>2016/5/27</a:t>
             </a:fld>
             <a:endParaRPr kumimoji="1" lang="ja-JP" altLang="en-US"/>
           </a:p>
@@ -2161,7 +2642,7 @@
           <a:p>
             <a:fld id="{E90ED720-0104-4369-84BC-D37694168613}" type="datetimeFigureOut">
               <a:rPr kumimoji="1" lang="ja-JP" altLang="en-US" smtClean="0"/>
-              <a:t>2016/5/19</a:t>
+              <a:t>2016/5/27</a:t>
             </a:fld>
             <a:endParaRPr kumimoji="1" lang="ja-JP" altLang="en-US"/>
           </a:p>
@@ -2465,7 +2946,7 @@
           <a:p>
             <a:fld id="{E90ED720-0104-4369-84BC-D37694168613}" type="datetimeFigureOut">
               <a:rPr kumimoji="1" lang="ja-JP" altLang="en-US" smtClean="0"/>
-              <a:t>2016/5/19</a:t>
+              <a:t>2016/5/27</a:t>
             </a:fld>
             <a:endParaRPr kumimoji="1" lang="ja-JP" altLang="en-US"/>
           </a:p>
@@ -2713,7 +3194,7 @@
           <a:p>
             <a:fld id="{E90ED720-0104-4369-84BC-D37694168613}" type="datetimeFigureOut">
               <a:rPr kumimoji="1" lang="ja-JP" altLang="en-US" smtClean="0"/>
-              <a:t>2016/5/19</a:t>
+              <a:t>2016/5/27</a:t>
             </a:fld>
             <a:endParaRPr kumimoji="1" lang="ja-JP" altLang="en-US"/>
           </a:p>
@@ -2953,7 +3434,7 @@
           <a:p>
             <a:fld id="{E90ED720-0104-4369-84BC-D37694168613}" type="datetimeFigureOut">
               <a:rPr kumimoji="1" lang="ja-JP" altLang="en-US" smtClean="0"/>
-              <a:t>2016/5/19</a:t>
+              <a:t>2016/5/27</a:t>
             </a:fld>
             <a:endParaRPr kumimoji="1" lang="ja-JP" altLang="en-US"/>
           </a:p>
@@ -3379,30 +3860,15 @@
           <a:p>
             <a:r>
               <a:rPr kumimoji="1" lang="ja-JP" altLang="en-US" sz="2800" dirty="0" smtClean="0"/>
-              <a:t>研修</a:t>
-            </a:r>
-            <a:r>
-              <a:rPr kumimoji="1" lang="ja-JP" altLang="en-US" sz="2800" dirty="0" smtClean="0"/>
-              <a:t>内容</a:t>
+              <a:t>研修の進め方</a:t>
             </a:r>
             <a:endParaRPr kumimoji="1" lang="en-US" altLang="ja-JP" sz="2800" dirty="0" smtClean="0"/>
           </a:p>
           <a:p>
-            <a:r>
-              <a:rPr kumimoji="1" lang="ja-JP" altLang="en-US" sz="2800" dirty="0" smtClean="0"/>
-              <a:t>研修の進め方</a:t>
-            </a:r>
-            <a:endParaRPr kumimoji="1" lang="en-US" altLang="ja-JP" sz="2800" dirty="0" smtClean="0"/>
-          </a:p>
-          <a:p>
             <a:pPr lvl="1"/>
             <a:r>
               <a:rPr kumimoji="1" lang="ja-JP" altLang="en-US" sz="2400" dirty="0" smtClean="0"/>
-              <a:t>研修</a:t>
-            </a:r>
-            <a:r>
-              <a:rPr kumimoji="1" lang="ja-JP" altLang="en-US" sz="2400" dirty="0" smtClean="0"/>
-              <a:t>開始前</a:t>
+              <a:t>研修開始前</a:t>
             </a:r>
             <a:endParaRPr kumimoji="1" lang="en-US" altLang="ja-JP" sz="2000" dirty="0" smtClean="0"/>
           </a:p>
@@ -3417,6 +3883,16 @@
               <a:t>開始後</a:t>
             </a:r>
             <a:endParaRPr lang="en-US" altLang="ja-JP" sz="2400" dirty="0" smtClean="0"/>
+          </a:p>
+          <a:p>
+            <a:r>
+              <a:rPr lang="ja-JP" altLang="en-US" sz="2800" dirty="0" smtClean="0"/>
+              <a:t>研修内容</a:t>
+            </a:r>
+            <a:endParaRPr lang="en-US" altLang="ja-JP" sz="2800" dirty="0"/>
+          </a:p>
+          <a:p>
+            <a:endParaRPr lang="en-US" altLang="ja-JP" dirty="0" smtClean="0"/>
           </a:p>
         </p:txBody>
       </p:sp>
@@ -3622,7 +4098,7 @@
           <a:p>
             <a:r>
               <a:rPr lang="ja-JP" altLang="en-US" sz="2800" dirty="0" smtClean="0"/>
-              <a:t>配属先</a:t>
+              <a:t>配属先・・・未定</a:t>
             </a:r>
             <a:endParaRPr lang="en-US" altLang="ja-JP" sz="2800" dirty="0" smtClean="0"/>
           </a:p>
@@ -3678,7 +4154,7 @@
           <a:p>
             <a:pPr lvl="1"/>
             <a:r>
-              <a:rPr lang="ja-JP" altLang="en-US" dirty="0" smtClean="0"/>
+              <a:rPr lang="ja-JP" altLang="en-US" sz="2400" dirty="0" smtClean="0"/>
               <a:t>呉屋</a:t>
             </a:r>
             <a:endParaRPr lang="en-US" altLang="ja-JP" dirty="0" smtClean="0"/>
@@ -3686,8 +4162,8 @@
           <a:p>
             <a:pPr lvl="2"/>
             <a:r>
-              <a:rPr lang="ja-JP" altLang="en-US" sz="2000" dirty="0"/>
-              <a:t>沖縄</a:t>
+              <a:rPr lang="ja-JP" altLang="en-US" sz="2000" dirty="0" smtClean="0"/>
+              <a:t>９末まで新横浜→沖縄</a:t>
             </a:r>
             <a:r>
               <a:rPr lang="en-US" altLang="ja-JP" dirty="0"/>
@@ -3774,40 +4250,40 @@
         </p:spPr>
         <p:txBody>
           <a:bodyPr>
-            <a:normAutofit lnSpcReduction="10000"/>
+            <a:normAutofit fontScale="85000" lnSpcReduction="20000"/>
           </a:bodyPr>
           <a:lstStyle/>
           <a:p>
             <a:r>
-              <a:rPr lang="ja-JP" altLang="en-US" sz="2600" dirty="0" smtClean="0"/>
+              <a:rPr lang="ja-JP" altLang="en-US" sz="2800" dirty="0" smtClean="0"/>
               <a:t>期間</a:t>
             </a:r>
-            <a:endParaRPr lang="en-US" altLang="ja-JP" sz="2600" dirty="0" smtClean="0"/>
+            <a:endParaRPr lang="en-US" altLang="ja-JP" sz="2800" dirty="0" smtClean="0"/>
           </a:p>
           <a:p>
             <a:pPr lvl="1"/>
             <a:r>
-              <a:rPr lang="en-US" altLang="ja-JP" sz="2000" dirty="0" smtClean="0"/>
+              <a:rPr lang="en-US" altLang="ja-JP" sz="2100" dirty="0" smtClean="0"/>
               <a:t>6/6</a:t>
             </a:r>
             <a:r>
-              <a:rPr lang="ja-JP" altLang="en-US" sz="2000" dirty="0" smtClean="0"/>
+              <a:rPr lang="ja-JP" altLang="en-US" sz="2100" dirty="0" smtClean="0"/>
               <a:t>（月）～</a:t>
             </a:r>
             <a:r>
-              <a:rPr lang="en-US" altLang="ja-JP" sz="2000" dirty="0" smtClean="0"/>
+              <a:rPr lang="en-US" altLang="ja-JP" sz="2100" dirty="0" smtClean="0"/>
               <a:t>6/27</a:t>
             </a:r>
             <a:r>
-              <a:rPr lang="ja-JP" altLang="en-US" sz="2000" dirty="0" smtClean="0"/>
+              <a:rPr lang="ja-JP" altLang="en-US" sz="2100" dirty="0" smtClean="0"/>
               <a:t>（月）　</a:t>
             </a:r>
             <a:r>
-              <a:rPr lang="en-US" altLang="ja-JP" sz="2000" dirty="0" smtClean="0"/>
+              <a:rPr lang="en-US" altLang="ja-JP" sz="2100" dirty="0" smtClean="0"/>
               <a:t>16</a:t>
             </a:r>
             <a:r>
-              <a:rPr lang="ja-JP" altLang="en-US" sz="2000" dirty="0" smtClean="0"/>
+              <a:rPr lang="ja-JP" altLang="en-US" sz="2100" dirty="0" smtClean="0"/>
               <a:t>日間</a:t>
             </a:r>
             <a:r>
@@ -3843,146 +4319,157 @@
             </a:r>
           </a:p>
           <a:p>
+            <a:pPr lvl="1"/>
             <a:endParaRPr lang="en-US" altLang="ja-JP" sz="1500" dirty="0"/>
           </a:p>
           <a:p>
             <a:r>
-              <a:rPr lang="ja-JP" altLang="en-US" sz="2600" dirty="0" smtClean="0"/>
+              <a:rPr lang="ja-JP" altLang="en-US" sz="2800" dirty="0" smtClean="0"/>
+              <a:t>目的</a:t>
+            </a:r>
+            <a:endParaRPr lang="en-US" altLang="ja-JP" sz="2800" dirty="0" smtClean="0"/>
+          </a:p>
+          <a:p>
+            <a:pPr lvl="1"/>
+            <a:r>
+              <a:rPr lang="ja-JP" altLang="en-US" sz="2100" dirty="0" smtClean="0"/>
+              <a:t>開発工程の基本的な流れを体験する</a:t>
+            </a:r>
+            <a:endParaRPr lang="en-US" altLang="ja-JP" sz="2100" dirty="0" smtClean="0"/>
+          </a:p>
+          <a:p>
+            <a:pPr lvl="2"/>
+            <a:r>
+              <a:rPr lang="ja-JP" altLang="en-US" sz="1600" dirty="0" smtClean="0"/>
+              <a:t>要件定義、設計、実装、テスト</a:t>
+            </a:r>
+            <a:endParaRPr lang="en-US" altLang="ja-JP" sz="1600" dirty="0" smtClean="0"/>
+          </a:p>
+          <a:p>
+            <a:pPr lvl="1"/>
+            <a:r>
+              <a:rPr lang="ja-JP" altLang="en-US" sz="2100" dirty="0" smtClean="0"/>
+              <a:t>開発ツールの基本を学ぶ</a:t>
+            </a:r>
+            <a:endParaRPr lang="en-US" altLang="ja-JP" sz="2000" dirty="0" smtClean="0"/>
+          </a:p>
+          <a:p>
+            <a:pPr lvl="2"/>
+            <a:r>
+              <a:rPr lang="en-US" altLang="ja-JP" sz="1600" dirty="0" smtClean="0"/>
+              <a:t>Eclipse (Plugin)</a:t>
+            </a:r>
+          </a:p>
+          <a:p>
+            <a:pPr lvl="2"/>
+            <a:r>
+              <a:rPr lang="en-US" altLang="ja-JP" sz="1600" dirty="0" err="1" smtClean="0"/>
+              <a:t>Git</a:t>
+            </a:r>
+            <a:endParaRPr lang="en-US" altLang="ja-JP" sz="1600" dirty="0"/>
+          </a:p>
+          <a:p>
+            <a:pPr lvl="1"/>
+            <a:endParaRPr lang="en-US" altLang="ja-JP" sz="2100" dirty="0" smtClean="0"/>
+          </a:p>
+          <a:p>
+            <a:r>
+              <a:rPr lang="ja-JP" altLang="en-US" sz="2800" dirty="0" smtClean="0"/>
               <a:t>内容</a:t>
             </a:r>
             <a:r>
-              <a:rPr lang="en-US" altLang="ja-JP" sz="2600" dirty="0" smtClean="0"/>
+              <a:rPr lang="en-US" altLang="ja-JP" sz="2800" dirty="0"/>
               <a:t/>
             </a:r>
             <a:br>
-              <a:rPr lang="en-US" altLang="ja-JP" sz="2600" dirty="0" smtClean="0"/>
+              <a:rPr lang="en-US" altLang="ja-JP" sz="2800" dirty="0"/>
             </a:br>
             <a:r>
-              <a:rPr lang="ja-JP" altLang="en-US" sz="2400" dirty="0" smtClean="0"/>
+              <a:rPr lang="ja-JP" altLang="en-US" sz="2800" dirty="0"/>
               <a:t>① </a:t>
             </a:r>
             <a:r>
-              <a:rPr lang="en-US" altLang="ja-JP" sz="2400" dirty="0" smtClean="0"/>
+              <a:rPr lang="en-US" altLang="ja-JP" sz="2800" dirty="0"/>
               <a:t>Sirius</a:t>
             </a:r>
             <a:r>
-              <a:rPr lang="ja-JP" altLang="en-US" sz="2400" dirty="0" smtClean="0"/>
+              <a:rPr lang="ja-JP" altLang="en-US" sz="2800" dirty="0"/>
               <a:t>で作るアクティビティ図</a:t>
             </a:r>
             <a:r>
-              <a:rPr lang="en-US" altLang="ja-JP" sz="2400" dirty="0" smtClean="0"/>
+              <a:rPr lang="en-US" altLang="ja-JP" sz="2800" dirty="0"/>
               <a:t>Editor</a:t>
             </a:r>
             <a:br>
-              <a:rPr lang="en-US" altLang="ja-JP" sz="2400" dirty="0" smtClean="0"/>
+              <a:rPr lang="en-US" altLang="ja-JP" sz="2800" dirty="0"/>
             </a:br>
             <a:r>
-              <a:rPr lang="ja-JP" altLang="en-US" sz="2400" dirty="0" smtClean="0"/>
+              <a:rPr lang="ja-JP" altLang="en-US" sz="2800" dirty="0"/>
               <a:t>② </a:t>
             </a:r>
             <a:r>
-              <a:rPr lang="en-US" altLang="ja-JP" sz="2400" dirty="0" smtClean="0"/>
+              <a:rPr lang="en-US" altLang="ja-JP" sz="2800" dirty="0"/>
               <a:t>JavaFX</a:t>
             </a:r>
             <a:r>
-              <a:rPr lang="ja-JP" altLang="en-US" sz="2400" dirty="0" smtClean="0"/>
+              <a:rPr lang="ja-JP" altLang="en-US" sz="2800" dirty="0"/>
               <a:t>で作るチャート</a:t>
             </a:r>
             <a:r>
-              <a:rPr lang="en-US" altLang="ja-JP" sz="2400" dirty="0" smtClean="0"/>
+              <a:rPr lang="en-US" altLang="ja-JP" sz="2800" dirty="0" smtClean="0"/>
               <a:t>Viewer</a:t>
             </a:r>
+            <a:endParaRPr lang="en-US" altLang="ja-JP" sz="2800" dirty="0"/>
+          </a:p>
+          <a:p>
+            <a:endParaRPr lang="en-US" altLang="ja-JP" sz="2500" dirty="0" smtClean="0"/>
+          </a:p>
+          <a:p>
+            <a:r>
+              <a:rPr lang="ja-JP" altLang="en-US" sz="2800" dirty="0" smtClean="0"/>
+              <a:t>成果物</a:t>
+            </a:r>
+            <a:endParaRPr lang="en-US" altLang="ja-JP" sz="2800" dirty="0" smtClean="0"/>
           </a:p>
           <a:p>
             <a:pPr lvl="1"/>
-            <a:endParaRPr lang="en-US" altLang="ja-JP" sz="1200" dirty="0" smtClean="0"/>
+            <a:r>
+              <a:rPr lang="en-US" altLang="ja-JP" sz="2100" dirty="0" smtClean="0"/>
+              <a:t>Editor/Viewer</a:t>
+            </a:r>
+            <a:r>
+              <a:rPr lang="ja-JP" altLang="en-US" sz="2100" dirty="0" smtClean="0"/>
+              <a:t>本体</a:t>
+            </a:r>
+            <a:endParaRPr lang="en-US" altLang="ja-JP" sz="2100" dirty="0" smtClean="0"/>
           </a:p>
           <a:p>
             <a:pPr lvl="1"/>
             <a:r>
-              <a:rPr lang="ja-JP" altLang="en-US" sz="2000" dirty="0" smtClean="0"/>
-              <a:t>開発工程の基本的な流れを体験（要件定義、設計、実装、テスト）</a:t>
-            </a:r>
-            <a:endParaRPr lang="en-US" altLang="ja-JP" sz="2000" dirty="0" smtClean="0"/>
+              <a:rPr lang="ja-JP" altLang="en-US" sz="2100" dirty="0" smtClean="0"/>
+              <a:t>要件定義書、設計書、テストケース表、テスト証跡</a:t>
+            </a:r>
+            <a:endParaRPr lang="en-US" altLang="ja-JP" sz="2100" dirty="0" smtClean="0"/>
           </a:p>
           <a:p>
             <a:pPr lvl="1"/>
             <a:r>
-              <a:rPr lang="ja-JP" altLang="en-US" sz="2000" dirty="0" smtClean="0"/>
-              <a:t>新機能</a:t>
-            </a:r>
-            <a:r>
-              <a:rPr lang="ja-JP" altLang="en-US" sz="2000" dirty="0"/>
-              <a:t>の提案</a:t>
-            </a:r>
-            <a:endParaRPr lang="en-US" altLang="ja-JP" sz="2000" dirty="0"/>
+              <a:rPr lang="ja-JP" altLang="en-US" sz="2100" dirty="0" smtClean="0"/>
+              <a:t>調査資料</a:t>
+            </a:r>
+            <a:endParaRPr lang="en-US" altLang="ja-JP" sz="2100" dirty="0" smtClean="0"/>
           </a:p>
           <a:p>
             <a:pPr lvl="1"/>
-            <a:endParaRPr lang="en-US" altLang="ja-JP" sz="1300" dirty="0" smtClean="0"/>
-          </a:p>
-          <a:p>
-            <a:r>
-              <a:rPr lang="ja-JP" altLang="en-US" sz="2600" dirty="0" smtClean="0"/>
-              <a:t>成果物</a:t>
-            </a:r>
-            <a:endParaRPr lang="en-US" altLang="ja-JP" sz="2400" dirty="0" smtClean="0"/>
-          </a:p>
-          <a:p>
-            <a:pPr lvl="1"/>
-            <a:r>
-              <a:rPr lang="ja-JP" altLang="en-US" sz="2000" dirty="0"/>
-              <a:t>アプリケーション</a:t>
-            </a:r>
-            <a:endParaRPr lang="en-US" altLang="ja-JP" sz="2000" dirty="0" smtClean="0"/>
-          </a:p>
-          <a:p>
-            <a:pPr lvl="2"/>
-            <a:r>
-              <a:rPr lang="en-US" altLang="ja-JP" sz="1600" dirty="0" smtClean="0"/>
-              <a:t>Editor/Viewer</a:t>
-            </a:r>
-            <a:r>
-              <a:rPr lang="ja-JP" altLang="en-US" sz="1600" dirty="0" smtClean="0"/>
-              <a:t>本体</a:t>
-            </a:r>
-            <a:endParaRPr lang="en-US" altLang="ja-JP" sz="1600" dirty="0" smtClean="0"/>
-          </a:p>
-          <a:p>
-            <a:pPr lvl="2"/>
-            <a:r>
-              <a:rPr lang="ja-JP" altLang="en-US" sz="1600" dirty="0" smtClean="0"/>
-              <a:t>要件定義書、設計書</a:t>
-            </a:r>
-            <a:r>
-              <a:rPr lang="ja-JP" altLang="en-US" sz="1600" dirty="0" smtClean="0"/>
-              <a:t>、テストケース表</a:t>
-            </a:r>
-            <a:r>
-              <a:rPr lang="ja-JP" altLang="en-US" sz="1600" dirty="0" smtClean="0"/>
-              <a:t>、テスト証跡</a:t>
-            </a:r>
-            <a:endParaRPr lang="en-US" altLang="ja-JP" sz="1600" dirty="0" smtClean="0"/>
-          </a:p>
-          <a:p>
-            <a:pPr lvl="1"/>
-            <a:r>
-              <a:rPr lang="ja-JP" altLang="en-US" sz="2000" dirty="0" smtClean="0"/>
-              <a:t>調査資料</a:t>
-            </a:r>
-            <a:endParaRPr lang="en-US" altLang="ja-JP" sz="2000" dirty="0" smtClean="0"/>
-          </a:p>
-          <a:p>
-            <a:pPr lvl="1"/>
-            <a:r>
-              <a:rPr lang="ja-JP" altLang="en-US" sz="2000" dirty="0"/>
+            <a:r>
+              <a:rPr lang="ja-JP" altLang="en-US" sz="2100" dirty="0"/>
               <a:t>発表</a:t>
             </a:r>
             <a:r>
-              <a:rPr lang="ja-JP" altLang="en-US" sz="2000" dirty="0" smtClean="0"/>
+              <a:rPr lang="ja-JP" altLang="en-US" sz="2100" dirty="0" smtClean="0"/>
               <a:t>資料</a:t>
             </a:r>
-            <a:endParaRPr lang="en-US" altLang="ja-JP" sz="2000" dirty="0" smtClean="0"/>
+            <a:endParaRPr lang="en-US" altLang="ja-JP" sz="2100" dirty="0" smtClean="0"/>
           </a:p>
           <a:p>
             <a:endParaRPr lang="en-US" altLang="ja-JP" sz="2400" dirty="0"/>
@@ -4037,7 +4524,7 @@
       </p:grpSpPr>
       <p:sp>
         <p:nvSpPr>
-          <p:cNvPr id="4" name="タイトル 3"/>
+          <p:cNvPr id="2" name="タイトル 1"/>
           <p:cNvSpPr>
             <a:spLocks noGrp="1"/>
           </p:cNvSpPr>
@@ -4052,7 +4539,7 @@
           <a:p>
             <a:r>
               <a:rPr kumimoji="1" lang="ja-JP" altLang="en-US" dirty="0" smtClean="0"/>
-              <a:t>研修の進め方</a:t>
+              <a:t>研修案</a:t>
             </a:r>
             <a:endParaRPr kumimoji="1" lang="ja-JP" altLang="en-US" dirty="0"/>
           </a:p>
@@ -4060,7 +4547,7 @@
       </p:sp>
       <p:sp>
         <p:nvSpPr>
-          <p:cNvPr id="2" name="コンテンツ プレースホルダー 1"/>
+          <p:cNvPr id="3" name="コンテンツ プレースホルダー 2"/>
           <p:cNvSpPr>
             <a:spLocks noGrp="1"/>
           </p:cNvSpPr>
@@ -4068,210 +4555,169 @@
             <p:ph idx="1"/>
           </p:nvPr>
         </p:nvSpPr>
-        <p:spPr>
-          <a:prstGeom prst="rect">
-            <a:avLst/>
-          </a:prstGeom>
-        </p:spPr>
+        <p:spPr/>
         <p:txBody>
           <a:bodyPr>
-            <a:normAutofit/>
+            <a:normAutofit fontScale="92500" lnSpcReduction="20000"/>
           </a:bodyPr>
           <a:lstStyle/>
           <a:p>
-            <a:r>
-              <a:rPr lang="ja-JP" altLang="en-US" sz="2400" dirty="0" smtClean="0"/>
-              <a:t>２段階研修（基礎</a:t>
-            </a:r>
-            <a:r>
-              <a:rPr lang="en-US" altLang="ja-JP" sz="2400" dirty="0" smtClean="0"/>
-              <a:t>/</a:t>
-            </a:r>
-            <a:r>
-              <a:rPr lang="ja-JP" altLang="en-US" sz="2400" dirty="0" smtClean="0"/>
-              <a:t>応用）</a:t>
-            </a:r>
-            <a:endParaRPr lang="en-US" altLang="ja-JP" sz="2400" dirty="0" smtClean="0"/>
+            <a:pPr marL="0" indent="0">
+              <a:buNone/>
+            </a:pPr>
+            <a:r>
+              <a:rPr kumimoji="1" lang="ja-JP" altLang="en-US" dirty="0" smtClean="0"/>
+              <a:t>２チーム構成（成果物は１人１個）</a:t>
+            </a:r>
+            <a:endParaRPr kumimoji="1" lang="en-US" altLang="ja-JP" dirty="0" smtClean="0"/>
+          </a:p>
+          <a:p>
+            <a:r>
+              <a:rPr kumimoji="1" lang="en-US" altLang="ja-JP" dirty="0" smtClean="0"/>
+              <a:t>Sirius</a:t>
+            </a:r>
+            <a:r>
+              <a:rPr kumimoji="1" lang="ja-JP" altLang="en-US" dirty="0" smtClean="0"/>
+              <a:t>チーム（吉田さん）：久米、呉屋</a:t>
+            </a:r>
+            <a:endParaRPr kumimoji="1" lang="en-US" altLang="ja-JP" dirty="0" smtClean="0"/>
+          </a:p>
+          <a:p>
+            <a:pPr lvl="2"/>
+            <a:r>
+              <a:rPr kumimoji="1" lang="ja-JP" altLang="en-US" dirty="0" smtClean="0"/>
+              <a:t>モデルベース開発</a:t>
+            </a:r>
+            <a:r>
+              <a:rPr kumimoji="1" lang="en-US" altLang="ja-JP" dirty="0" smtClean="0"/>
+              <a:t>, Eclipse Plugin</a:t>
+            </a:r>
+            <a:r>
+              <a:rPr kumimoji="1" lang="ja-JP" altLang="en-US" dirty="0" smtClean="0"/>
+              <a:t>の勉強</a:t>
+            </a:r>
+            <a:endParaRPr kumimoji="1" lang="en-US" altLang="ja-JP" dirty="0" smtClean="0"/>
           </a:p>
           <a:p>
             <a:pPr lvl="1"/>
             <a:r>
-              <a:rPr lang="ja-JP" altLang="en-US" sz="2000" dirty="0" smtClean="0"/>
-              <a:t>基礎研修：基本となる</a:t>
-            </a:r>
-            <a:r>
-              <a:rPr lang="en-US" altLang="ja-JP" sz="2000" dirty="0" smtClean="0"/>
-              <a:t>Editor/Viewer</a:t>
-            </a:r>
-            <a:r>
-              <a:rPr lang="ja-JP" altLang="en-US" sz="2000" dirty="0" smtClean="0"/>
-              <a:t>作成</a:t>
-            </a:r>
-            <a:endParaRPr lang="en-US" altLang="ja-JP" sz="2000" dirty="0" smtClean="0"/>
+              <a:rPr kumimoji="1" lang="en-US" altLang="ja-JP" dirty="0" smtClean="0"/>
+              <a:t>Sirius</a:t>
+            </a:r>
+            <a:r>
+              <a:rPr kumimoji="1" lang="ja-JP" altLang="en-US" dirty="0" smtClean="0"/>
+              <a:t>調査</a:t>
+            </a:r>
+            <a:endParaRPr kumimoji="1" lang="en-US" altLang="ja-JP" dirty="0" smtClean="0"/>
           </a:p>
           <a:p>
             <a:pPr lvl="1"/>
             <a:r>
-              <a:rPr lang="ja-JP" altLang="en-US" sz="2000" dirty="0" smtClean="0"/>
-              <a:t>応用研修：各個人にテーマを与え、基本</a:t>
-            </a:r>
-            <a:r>
-              <a:rPr lang="en-US" altLang="ja-JP" sz="2000" dirty="0"/>
-              <a:t>Editor/Viewer</a:t>
-            </a:r>
-            <a:r>
-              <a:rPr lang="ja-JP" altLang="en-US" sz="2000" dirty="0" smtClean="0"/>
-              <a:t>改良</a:t>
-            </a:r>
-            <a:endParaRPr lang="en-US" altLang="ja-JP" sz="2000" dirty="0" smtClean="0"/>
-          </a:p>
-          <a:p>
-            <a:endParaRPr lang="en-US" altLang="ja-JP" sz="2400" dirty="0" smtClean="0"/>
-          </a:p>
-          <a:p>
-            <a:r>
-              <a:rPr lang="ja-JP" altLang="en-US" sz="2400" dirty="0" smtClean="0"/>
-              <a:t>各成果物</a:t>
-            </a:r>
-            <a:r>
-              <a:rPr lang="ja-JP" altLang="en-US" sz="2400" dirty="0"/>
-              <a:t>に</a:t>
-            </a:r>
-            <a:r>
-              <a:rPr lang="ja-JP" altLang="en-US" sz="2400" dirty="0" smtClean="0"/>
-              <a:t>対し、レビューを行う</a:t>
-            </a:r>
-            <a:endParaRPr lang="en-US" altLang="ja-JP" sz="2400" dirty="0" smtClean="0"/>
+              <a:rPr kumimoji="1" lang="ja-JP" altLang="en-US" dirty="0" smtClean="0"/>
+              <a:t>サンプルとしてアクティビティ図</a:t>
+            </a:r>
+            <a:r>
+              <a:rPr kumimoji="1" lang="en-US" altLang="ja-JP" dirty="0" smtClean="0"/>
+              <a:t>Editor</a:t>
+            </a:r>
+          </a:p>
+          <a:p>
+            <a:endParaRPr lang="en-US" altLang="ja-JP" dirty="0" smtClean="0"/>
+          </a:p>
+          <a:p>
+            <a:r>
+              <a:rPr lang="en-US" altLang="ja-JP" dirty="0" smtClean="0"/>
+              <a:t>JavaFX</a:t>
+            </a:r>
+            <a:r>
+              <a:rPr lang="ja-JP" altLang="en-US" dirty="0" smtClean="0"/>
+              <a:t>チーム（坂本さん）：横田、本間</a:t>
+            </a:r>
+            <a:endParaRPr lang="en-US" altLang="ja-JP" dirty="0" smtClean="0"/>
           </a:p>
           <a:p>
             <a:pPr lvl="1"/>
             <a:r>
-              <a:rPr lang="ja-JP" altLang="en-US" sz="2000" dirty="0" smtClean="0"/>
-              <a:t>要件定義書</a:t>
-            </a:r>
-            <a:endParaRPr lang="en-US" altLang="ja-JP" sz="2000" dirty="0" smtClean="0"/>
+              <a:rPr lang="ja-JP" altLang="en-US" dirty="0"/>
+              <a:t>波形</a:t>
+            </a:r>
+            <a:r>
+              <a:rPr lang="ja-JP" altLang="en-US" dirty="0" smtClean="0"/>
+              <a:t>の</a:t>
+            </a:r>
+            <a:r>
+              <a:rPr lang="en-US" altLang="ja-JP" dirty="0" smtClean="0"/>
+              <a:t>Viewer</a:t>
+            </a:r>
+          </a:p>
+          <a:p>
+            <a:pPr lvl="2"/>
+            <a:r>
+              <a:rPr lang="ja-JP" altLang="en-US" dirty="0" smtClean="0"/>
+              <a:t>スタンドアローンの</a:t>
+            </a:r>
+            <a:r>
+              <a:rPr lang="en-US" altLang="ja-JP" dirty="0" smtClean="0"/>
+              <a:t>EXE</a:t>
+            </a:r>
+          </a:p>
+          <a:p>
+            <a:pPr lvl="2"/>
+            <a:r>
+              <a:rPr lang="ja-JP" altLang="en-US" dirty="0" smtClean="0"/>
+              <a:t>入力値は様々な形式の離散値</a:t>
+            </a:r>
+            <a:endParaRPr lang="en-US" altLang="ja-JP" dirty="0" smtClean="0"/>
+          </a:p>
+          <a:p>
+            <a:pPr lvl="3"/>
+            <a:r>
+              <a:rPr lang="en-US" altLang="ja-JP" dirty="0" smtClean="0"/>
+              <a:t>0/10/20</a:t>
+            </a:r>
+            <a:r>
+              <a:rPr lang="ja-JP" altLang="en-US" dirty="0" smtClean="0"/>
+              <a:t>とか</a:t>
+            </a:r>
+            <a:r>
+              <a:rPr lang="en-US" altLang="ja-JP" dirty="0" smtClean="0"/>
+              <a:t>Low/Mid/High</a:t>
+            </a:r>
+          </a:p>
+          <a:p>
+            <a:pPr lvl="2"/>
+            <a:r>
+              <a:rPr lang="ja-JP" altLang="en-US" dirty="0" smtClean="0"/>
+              <a:t>波形はデジタル信号のようなもの</a:t>
+            </a:r>
+            <a:endParaRPr lang="en-US" altLang="ja-JP" dirty="0" smtClean="0"/>
           </a:p>
           <a:p>
             <a:pPr lvl="1"/>
             <a:r>
-              <a:rPr lang="ja-JP" altLang="en-US" sz="2000" dirty="0" smtClean="0"/>
-              <a:t>設計書</a:t>
-            </a:r>
-            <a:endParaRPr lang="en-US" altLang="ja-JP" sz="2000" dirty="0" smtClean="0"/>
-          </a:p>
-          <a:p>
-            <a:pPr lvl="1"/>
-            <a:r>
-              <a:rPr lang="ja-JP" altLang="en-US" sz="2000" dirty="0" smtClean="0"/>
-              <a:t>コード</a:t>
-            </a:r>
-            <a:endParaRPr lang="en-US" altLang="ja-JP" sz="2000" dirty="0" smtClean="0"/>
-          </a:p>
-          <a:p>
-            <a:pPr lvl="1"/>
-            <a:r>
-              <a:rPr lang="ja-JP" altLang="en-US" sz="2000" dirty="0" smtClean="0"/>
-              <a:t>テスト（テストケース、実施結果）</a:t>
-            </a:r>
-            <a:endParaRPr lang="en-US" altLang="ja-JP" sz="2000" dirty="0" smtClean="0"/>
-          </a:p>
-          <a:p>
-            <a:pPr lvl="1"/>
-            <a:r>
-              <a:rPr lang="ja-JP" altLang="en-US" sz="2000" dirty="0" smtClean="0"/>
-              <a:t>発表資料</a:t>
-            </a:r>
-            <a:endParaRPr lang="en-US" altLang="ja-JP" sz="2000" dirty="0" smtClean="0"/>
-          </a:p>
-          <a:p>
-            <a:pPr lvl="1"/>
-            <a:endParaRPr lang="en-US" altLang="ja-JP" sz="2000" dirty="0" smtClean="0"/>
-          </a:p>
-          <a:p>
-            <a:r>
-              <a:rPr lang="en-US" altLang="ja-JP" sz="2400" dirty="0"/>
-              <a:t>1</a:t>
-            </a:r>
-            <a:r>
-              <a:rPr lang="ja-JP" altLang="en-US" sz="2400" dirty="0"/>
-              <a:t>日のスケジュール（</a:t>
-            </a:r>
-            <a:r>
-              <a:rPr lang="ja-JP" altLang="en-US" sz="2000" dirty="0"/>
-              <a:t>研修時間：</a:t>
-            </a:r>
-            <a:r>
-              <a:rPr lang="en-US" altLang="ja-JP" sz="2000" dirty="0"/>
-              <a:t>10</a:t>
-            </a:r>
-            <a:r>
-              <a:rPr lang="ja-JP" altLang="en-US" sz="2000" dirty="0"/>
-              <a:t>～</a:t>
-            </a:r>
-            <a:r>
-              <a:rPr lang="en-US" altLang="ja-JP" sz="2000" dirty="0"/>
-              <a:t>19</a:t>
-            </a:r>
-            <a:r>
-              <a:rPr lang="ja-JP" altLang="en-US" sz="2000" dirty="0"/>
-              <a:t>時）</a:t>
-            </a:r>
-            <a:endParaRPr lang="en-US" altLang="ja-JP" sz="1600" dirty="0"/>
-          </a:p>
-          <a:p>
-            <a:pPr lvl="1"/>
-            <a:r>
-              <a:rPr lang="en-US" altLang="ja-JP" sz="2000" dirty="0"/>
-              <a:t>18:00</a:t>
-            </a:r>
-            <a:r>
-              <a:rPr lang="ja-JP" altLang="en-US" sz="2000" dirty="0"/>
-              <a:t>～</a:t>
-            </a:r>
-            <a:r>
-              <a:rPr lang="en-US" altLang="ja-JP" sz="2000" dirty="0"/>
-              <a:t>18:30 </a:t>
-            </a:r>
-            <a:r>
-              <a:rPr lang="ja-JP" altLang="en-US" sz="2000" dirty="0"/>
-              <a:t>夕会</a:t>
-            </a:r>
-            <a:endParaRPr lang="en-US" altLang="ja-JP" sz="2000" dirty="0"/>
-          </a:p>
-          <a:p>
-            <a:pPr lvl="2"/>
-            <a:r>
-              <a:rPr lang="ja-JP" altLang="en-US" sz="1600" dirty="0"/>
-              <a:t>簡単に</a:t>
-            </a:r>
-            <a:r>
-              <a:rPr lang="en-US" altLang="ja-JP" sz="1600" dirty="0"/>
-              <a:t>1</a:t>
-            </a:r>
-            <a:r>
-              <a:rPr lang="ja-JP" altLang="en-US" sz="1600" dirty="0"/>
-              <a:t>日の成果報告</a:t>
-            </a:r>
-            <a:endParaRPr lang="en-US" altLang="ja-JP" sz="1600" dirty="0"/>
-          </a:p>
-          <a:p>
-            <a:pPr lvl="1"/>
-            <a:r>
-              <a:rPr lang="en-US" altLang="ja-JP" sz="2000" dirty="0"/>
-              <a:t>18:30</a:t>
-            </a:r>
-            <a:r>
-              <a:rPr lang="ja-JP" altLang="en-US" sz="2000" dirty="0"/>
-              <a:t>～日報作成　</a:t>
-            </a:r>
-            <a:endParaRPr lang="en-US" altLang="ja-JP" sz="2000" dirty="0"/>
+              <a:rPr lang="ja-JP" altLang="en-US" dirty="0" smtClean="0"/>
+              <a:t>（動画再生と同時に値を送信するアプリケーション</a:t>
+            </a:r>
+            <a:r>
+              <a:rPr lang="ja-JP" altLang="en-US" dirty="0" smtClean="0"/>
+              <a:t>）</a:t>
+            </a:r>
+            <a:r>
+              <a:rPr lang="en-US" altLang="ja-JP" dirty="0" smtClean="0"/>
+              <a:t>CAN</a:t>
+            </a:r>
+            <a:r>
+              <a:rPr lang="ja-JP" altLang="en-US" dirty="0" smtClean="0"/>
+              <a:t>関連</a:t>
+            </a:r>
+            <a:endParaRPr lang="en-US" altLang="ja-JP" dirty="0" smtClean="0"/>
           </a:p>
         </p:txBody>
       </p:sp>
     </p:spTree>
     <p:extLst>
       <p:ext uri="{BB962C8B-B14F-4D97-AF65-F5344CB8AC3E}">
-        <p14:creationId xmlns:p14="http://schemas.microsoft.com/office/powerpoint/2010/main" val="3197206624"/>
+        <p14:creationId xmlns:p14="http://schemas.microsoft.com/office/powerpoint/2010/main" val="390100218"/>
       </p:ext>
     </p:extLst>
   </p:cSld>
@@ -4307,7 +4753,7 @@
       </p:grpSpPr>
       <p:sp>
         <p:nvSpPr>
-          <p:cNvPr id="2" name="タイトル 1"/>
+          <p:cNvPr id="4" name="タイトル 3"/>
           <p:cNvSpPr>
             <a:spLocks noGrp="1"/>
           </p:cNvSpPr>
@@ -4322,7 +4768,7 @@
           <a:p>
             <a:r>
               <a:rPr kumimoji="1" lang="ja-JP" altLang="en-US" dirty="0" smtClean="0"/>
-              <a:t>研修案</a:t>
+              <a:t>研修の進め方</a:t>
             </a:r>
             <a:endParaRPr kumimoji="1" lang="ja-JP" altLang="en-US" dirty="0"/>
           </a:p>
@@ -4330,7 +4776,7 @@
       </p:sp>
       <p:sp>
         <p:nvSpPr>
-          <p:cNvPr id="3" name="コンテンツ プレースホルダー 2"/>
+          <p:cNvPr id="2" name="コンテンツ プレースホルダー 1"/>
           <p:cNvSpPr>
             <a:spLocks noGrp="1"/>
           </p:cNvSpPr>
@@ -4338,86 +4784,218 @@
             <p:ph idx="1"/>
           </p:nvPr>
         </p:nvSpPr>
-        <p:spPr/>
-        <p:txBody>
-          <a:bodyPr/>
+        <p:spPr>
+          <a:prstGeom prst="rect">
+            <a:avLst/>
+          </a:prstGeom>
+        </p:spPr>
+        <p:txBody>
+          <a:bodyPr>
+            <a:normAutofit/>
+          </a:bodyPr>
           <a:lstStyle/>
           <a:p>
-            <a:pPr marL="0" indent="0">
-              <a:buNone/>
-            </a:pPr>
-            <a:r>
-              <a:rPr kumimoji="1" lang="ja-JP" altLang="en-US" dirty="0" smtClean="0"/>
-              <a:t>２チーム構成（成果物は１人１個）</a:t>
-            </a:r>
-            <a:endParaRPr kumimoji="1" lang="en-US" altLang="ja-JP" dirty="0" smtClean="0"/>
-          </a:p>
-          <a:p>
-            <a:r>
-              <a:rPr kumimoji="1" lang="en-US" altLang="ja-JP" dirty="0" smtClean="0"/>
-              <a:t>Sirius</a:t>
-            </a:r>
-            <a:r>
-              <a:rPr kumimoji="1" lang="ja-JP" altLang="en-US" dirty="0" smtClean="0"/>
-              <a:t>チーム</a:t>
-            </a:r>
-            <a:endParaRPr kumimoji="1" lang="en-US" altLang="ja-JP" dirty="0" smtClean="0"/>
+            <a:r>
+              <a:rPr lang="ja-JP" altLang="en-US" sz="2400" dirty="0" smtClean="0"/>
+              <a:t>２段階研修（基礎</a:t>
+            </a:r>
+            <a:r>
+              <a:rPr lang="en-US" altLang="ja-JP" sz="2400" dirty="0" smtClean="0"/>
+              <a:t>/</a:t>
+            </a:r>
+            <a:r>
+              <a:rPr lang="ja-JP" altLang="en-US" sz="2400" dirty="0" smtClean="0"/>
+              <a:t>応用）</a:t>
+            </a:r>
+            <a:endParaRPr lang="en-US" altLang="ja-JP" sz="2400" dirty="0" smtClean="0"/>
           </a:p>
           <a:p>
             <a:pPr lvl="1"/>
             <a:r>
-              <a:rPr kumimoji="1" lang="ja-JP" altLang="en-US" dirty="0" smtClean="0"/>
-              <a:t>アクティビティ図</a:t>
-            </a:r>
-            <a:r>
-              <a:rPr kumimoji="1" lang="en-US" altLang="ja-JP" dirty="0" smtClean="0"/>
-              <a:t>Editor</a:t>
-            </a:r>
-          </a:p>
-          <a:p>
-            <a:r>
-              <a:rPr lang="en-US" altLang="ja-JP" dirty="0" smtClean="0"/>
-              <a:t>JavaFX</a:t>
-            </a:r>
-            <a:r>
-              <a:rPr lang="ja-JP" altLang="en-US" dirty="0" smtClean="0"/>
-              <a:t>チーム</a:t>
-            </a:r>
-            <a:endParaRPr lang="en-US" altLang="ja-JP" dirty="0" smtClean="0"/>
+              <a:rPr lang="ja-JP" altLang="en-US" sz="2000" dirty="0" smtClean="0"/>
+              <a:t>基礎研修：基本となる</a:t>
+            </a:r>
+            <a:r>
+              <a:rPr lang="en-US" altLang="ja-JP" sz="2000" dirty="0" smtClean="0"/>
+              <a:t>Editor/Viewer</a:t>
+            </a:r>
+            <a:r>
+              <a:rPr lang="ja-JP" altLang="en-US" sz="2000" dirty="0" smtClean="0"/>
+              <a:t>作成</a:t>
+            </a:r>
+            <a:endParaRPr lang="en-US" altLang="ja-JP" sz="2000" dirty="0" smtClean="0"/>
           </a:p>
           <a:p>
             <a:pPr lvl="1"/>
             <a:r>
-              <a:rPr lang="ja-JP" altLang="en-US" dirty="0" smtClean="0"/>
-              <a:t>チャート</a:t>
-            </a:r>
-            <a:r>
-              <a:rPr lang="ja-JP" altLang="en-US" dirty="0" smtClean="0"/>
-              <a:t>の</a:t>
-            </a:r>
-            <a:r>
-              <a:rPr lang="en-US" altLang="ja-JP" dirty="0" smtClean="0"/>
-              <a:t>Viewer</a:t>
-            </a:r>
+              <a:rPr lang="ja-JP" altLang="en-US" sz="2000" dirty="0" smtClean="0"/>
+              <a:t>応用研修：各個人にテーマを与え、基本</a:t>
+            </a:r>
+            <a:r>
+              <a:rPr lang="en-US" altLang="ja-JP" sz="2000" dirty="0"/>
+              <a:t>Editor/Viewer</a:t>
+            </a:r>
+            <a:r>
+              <a:rPr lang="ja-JP" altLang="en-US" sz="2000" dirty="0" smtClean="0"/>
+              <a:t>改良</a:t>
+            </a:r>
+            <a:endParaRPr lang="en-US" altLang="ja-JP" sz="2000" dirty="0" smtClean="0"/>
+          </a:p>
+          <a:p>
+            <a:endParaRPr lang="en-US" altLang="ja-JP" sz="2400" dirty="0" smtClean="0"/>
+          </a:p>
+          <a:p>
+            <a:r>
+              <a:rPr lang="ja-JP" altLang="en-US" sz="2400" dirty="0" smtClean="0"/>
+              <a:t>各成果物</a:t>
+            </a:r>
+            <a:r>
+              <a:rPr lang="ja-JP" altLang="en-US" sz="2400" dirty="0"/>
+              <a:t>に</a:t>
+            </a:r>
+            <a:r>
+              <a:rPr lang="ja-JP" altLang="en-US" sz="2400" dirty="0" smtClean="0"/>
+              <a:t>対し、レビューを行う</a:t>
+            </a:r>
+            <a:endParaRPr lang="en-US" altLang="ja-JP" sz="2400" dirty="0" smtClean="0"/>
           </a:p>
           <a:p>
             <a:pPr lvl="1"/>
             <a:r>
-              <a:rPr kumimoji="1" lang="ja-JP" altLang="en-US" dirty="0" smtClean="0"/>
-              <a:t>アクティビティ図</a:t>
-            </a:r>
-            <a:r>
-              <a:rPr kumimoji="1" lang="en-US" altLang="ja-JP" dirty="0" smtClean="0"/>
-              <a:t>Viewer</a:t>
-            </a:r>
-            <a:endParaRPr kumimoji="1" lang="ja-JP" altLang="en-US" dirty="0"/>
+              <a:rPr lang="ja-JP" altLang="en-US" sz="2000" dirty="0" smtClean="0"/>
+              <a:t>要件定義書</a:t>
+            </a:r>
+            <a:endParaRPr lang="en-US" altLang="ja-JP" sz="2000" dirty="0" smtClean="0"/>
+          </a:p>
+          <a:p>
+            <a:pPr lvl="1"/>
+            <a:r>
+              <a:rPr lang="ja-JP" altLang="en-US" sz="2000" dirty="0" smtClean="0"/>
+              <a:t>設計書</a:t>
+            </a:r>
+            <a:endParaRPr lang="en-US" altLang="ja-JP" sz="2000" dirty="0" smtClean="0"/>
+          </a:p>
+          <a:p>
+            <a:pPr lvl="1"/>
+            <a:r>
+              <a:rPr lang="ja-JP" altLang="en-US" sz="2000" dirty="0" smtClean="0"/>
+              <a:t>コード</a:t>
+            </a:r>
+            <a:endParaRPr lang="en-US" altLang="ja-JP" sz="2000" dirty="0" smtClean="0"/>
+          </a:p>
+          <a:p>
+            <a:pPr lvl="1"/>
+            <a:r>
+              <a:rPr lang="ja-JP" altLang="en-US" sz="2000" dirty="0" smtClean="0"/>
+              <a:t>テスト（テストケース、実施結果）</a:t>
+            </a:r>
+            <a:endParaRPr lang="en-US" altLang="ja-JP" sz="2000" dirty="0" smtClean="0"/>
+          </a:p>
+          <a:p>
+            <a:pPr lvl="1"/>
+            <a:r>
+              <a:rPr lang="ja-JP" altLang="en-US" sz="2000" dirty="0" smtClean="0"/>
+              <a:t>発表資料</a:t>
+            </a:r>
+            <a:endParaRPr lang="en-US" altLang="ja-JP" sz="2000" dirty="0" smtClean="0"/>
+          </a:p>
+          <a:p>
+            <a:pPr lvl="1"/>
+            <a:endParaRPr lang="en-US" altLang="ja-JP" sz="2000" dirty="0" smtClean="0"/>
+          </a:p>
+          <a:p>
+            <a:r>
+              <a:rPr lang="en-US" altLang="ja-JP" sz="2400" dirty="0"/>
+              <a:t>1</a:t>
+            </a:r>
+            <a:r>
+              <a:rPr lang="ja-JP" altLang="en-US" sz="2400" dirty="0"/>
+              <a:t>日の</a:t>
+            </a:r>
+            <a:r>
+              <a:rPr lang="ja-JP" altLang="en-US" sz="2400" dirty="0" smtClean="0"/>
+              <a:t>スケジュール</a:t>
+            </a:r>
+            <a:r>
+              <a:rPr lang="ja-JP" altLang="en-US" sz="2400" dirty="0"/>
+              <a:t>（</a:t>
+            </a:r>
+            <a:r>
+              <a:rPr lang="en-US" altLang="ja-JP" sz="2000" dirty="0" smtClean="0"/>
+              <a:t>10:00</a:t>
+            </a:r>
+            <a:r>
+              <a:rPr lang="ja-JP" altLang="en-US" sz="2000" dirty="0" smtClean="0"/>
+              <a:t>～</a:t>
+            </a:r>
+            <a:r>
+              <a:rPr lang="en-US" altLang="ja-JP" sz="2000" dirty="0" smtClean="0"/>
+              <a:t>19:00</a:t>
+            </a:r>
+            <a:r>
+              <a:rPr lang="ja-JP" altLang="en-US" sz="2000" dirty="0" smtClean="0"/>
+              <a:t>）</a:t>
+            </a:r>
+            <a:endParaRPr lang="en-US" altLang="ja-JP" sz="1600" dirty="0"/>
+          </a:p>
+          <a:p>
+            <a:pPr lvl="1"/>
+            <a:r>
+              <a:rPr lang="en-US" altLang="ja-JP" sz="2000" dirty="0"/>
+              <a:t>18:00</a:t>
+            </a:r>
+            <a:r>
+              <a:rPr lang="ja-JP" altLang="en-US" sz="2000" dirty="0"/>
+              <a:t>～</a:t>
+            </a:r>
+            <a:r>
+              <a:rPr lang="en-US" altLang="ja-JP" sz="2000" dirty="0"/>
+              <a:t>18:30 </a:t>
+            </a:r>
+            <a:r>
+              <a:rPr lang="ja-JP" altLang="en-US" sz="2000" dirty="0"/>
+              <a:t>夕会</a:t>
+            </a:r>
+            <a:endParaRPr lang="en-US" altLang="ja-JP" sz="2000" dirty="0"/>
+          </a:p>
+          <a:p>
+            <a:pPr lvl="2"/>
+            <a:r>
+              <a:rPr lang="en-US" altLang="ja-JP" sz="1600" dirty="0" smtClean="0"/>
+              <a:t>1</a:t>
+            </a:r>
+            <a:r>
+              <a:rPr lang="ja-JP" altLang="en-US" sz="1600" dirty="0"/>
+              <a:t>日の成果</a:t>
+            </a:r>
+            <a:r>
+              <a:rPr lang="ja-JP" altLang="en-US" sz="1600" dirty="0" smtClean="0"/>
+              <a:t>報告、困ったことがないか、等</a:t>
+            </a:r>
+            <a:endParaRPr lang="en-US" altLang="ja-JP" sz="1600" dirty="0"/>
+          </a:p>
+          <a:p>
+            <a:pPr lvl="1"/>
+            <a:r>
+              <a:rPr lang="en-US" altLang="ja-JP" sz="2000" dirty="0"/>
+              <a:t>18:30</a:t>
+            </a:r>
+            <a:r>
+              <a:rPr lang="ja-JP" altLang="en-US" sz="2000" dirty="0" smtClean="0"/>
+              <a:t>～ 日報</a:t>
+            </a:r>
+            <a:r>
+              <a:rPr lang="ja-JP" altLang="en-US" sz="2000" dirty="0"/>
+              <a:t>作成　</a:t>
+            </a:r>
+            <a:endParaRPr lang="en-US" altLang="ja-JP" sz="2000" dirty="0"/>
           </a:p>
         </p:txBody>
       </p:sp>
     </p:spTree>
     <p:extLst>
       <p:ext uri="{BB962C8B-B14F-4D97-AF65-F5344CB8AC3E}">
-        <p14:creationId xmlns:p14="http://schemas.microsoft.com/office/powerpoint/2010/main" val="390100218"/>
+        <p14:creationId xmlns:p14="http://schemas.microsoft.com/office/powerpoint/2010/main" val="3197206624"/>
       </p:ext>
     </p:extLst>
   </p:cSld>
@@ -4474,41 +5052,6 @@
           </a:p>
         </p:txBody>
       </p:sp>
-      <p:sp>
-        <p:nvSpPr>
-          <p:cNvPr id="2" name="コンテンツ プレースホルダー 1"/>
-          <p:cNvSpPr>
-            <a:spLocks noGrp="1"/>
-          </p:cNvSpPr>
-          <p:nvPr>
-            <p:ph idx="1"/>
-          </p:nvPr>
-        </p:nvSpPr>
-        <p:spPr>
-          <a:prstGeom prst="rect">
-            <a:avLst/>
-          </a:prstGeom>
-        </p:spPr>
-        <p:txBody>
-          <a:bodyPr/>
-          <a:lstStyle/>
-          <a:p>
-            <a:endParaRPr lang="en-US" altLang="ja-JP" sz="2400" dirty="0"/>
-          </a:p>
-          <a:p>
-            <a:pPr marL="457200" lvl="1" indent="0">
-              <a:buNone/>
-            </a:pPr>
-            <a:endParaRPr lang="en-US" altLang="ja-JP" sz="2000" dirty="0" smtClean="0"/>
-          </a:p>
-          <a:p>
-            <a:pPr marL="457200" lvl="1" indent="0">
-              <a:buNone/>
-            </a:pPr>
-            <a:endParaRPr lang="en-US" altLang="ja-JP" sz="2000" dirty="0"/>
-          </a:p>
-        </p:txBody>
-      </p:sp>
       <p:graphicFrame>
         <p:nvGraphicFramePr>
           <p:cNvPr id="4" name="表 3"/>
@@ -4518,7 +5061,7 @@
           <p:nvPr>
             <p:extLst>
               <p:ext uri="{D42A27DB-BD31-4B8C-83A1-F6EECF244321}">
-                <p14:modId xmlns:p14="http://schemas.microsoft.com/office/powerpoint/2010/main" val="3916249970"/>
+                <p14:modId xmlns:p14="http://schemas.microsoft.com/office/powerpoint/2010/main" val="2883252172"/>
               </p:ext>
             </p:extLst>
           </p:nvPr>
@@ -5003,10 +5546,6 @@
                       <a:br>
                         <a:rPr kumimoji="1" lang="en-US" altLang="ja-JP" dirty="0" smtClean="0"/>
                       </a:br>
-                      <a:r>
-                        <a:rPr kumimoji="1" lang="ja-JP" altLang="en-US" sz="1400" dirty="0" smtClean="0"/>
-                        <a:t>応用研修の説明</a:t>
-                      </a:r>
                       <a:endParaRPr kumimoji="1" lang="ja-JP" altLang="en-US" dirty="0"/>
                     </a:p>
                   </a:txBody>
@@ -6131,7 +6670,7 @@
         <p:spPr>
           <a:xfrm>
             <a:off x="1809772" y="1639235"/>
-            <a:ext cx="2154488" cy="709551"/>
+            <a:ext cx="4465020" cy="709551"/>
           </a:xfrm>
           <a:prstGeom prst="leftRightArrow">
             <a:avLst>
@@ -6160,79 +6699,10 @@
           <a:p>
             <a:pPr algn="ctr"/>
             <a:r>
-              <a:rPr kumimoji="1" lang="ja-JP" altLang="en-US" sz="1400" dirty="0" smtClean="0">
-                <a:solidFill>
-                  <a:schemeClr val="tx1"/>
-                </a:solidFill>
-              </a:rPr>
-              <a:t>基礎研修</a:t>
-            </a:r>
-            <a:endParaRPr kumimoji="1" lang="ja-JP" altLang="en-US" sz="1400" dirty="0">
-              <a:solidFill>
-                <a:schemeClr val="tx1"/>
-              </a:solidFill>
-            </a:endParaRPr>
-          </a:p>
-        </p:txBody>
-      </p:sp>
-      <p:sp>
-        <p:nvSpPr>
-          <p:cNvPr id="18" name="左右矢印 17"/>
-          <p:cNvSpPr/>
-          <p:nvPr/>
-        </p:nvSpPr>
-        <p:spPr>
-          <a:xfrm>
-            <a:off x="4076730" y="2062178"/>
-            <a:ext cx="2223462" cy="364112"/>
-          </a:xfrm>
-          <a:prstGeom prst="leftRightArrow">
-            <a:avLst>
-              <a:gd name="adj1" fmla="val 70964"/>
-              <a:gd name="adj2" fmla="val 45962"/>
-            </a:avLst>
-          </a:prstGeom>
-        </p:spPr>
-        <p:style>
-          <a:lnRef idx="1">
-            <a:schemeClr val="accent6"/>
-          </a:lnRef>
-          <a:fillRef idx="2">
-            <a:schemeClr val="accent6"/>
-          </a:fillRef>
-          <a:effectRef idx="1">
-            <a:schemeClr val="accent6"/>
-          </a:effectRef>
-          <a:fontRef idx="minor">
-            <a:schemeClr val="dk1"/>
-          </a:fontRef>
-        </p:style>
-        <p:txBody>
-          <a:bodyPr rtlCol="0" anchor="ctr"/>
-          <a:lstStyle/>
-          <a:p>
-            <a:pPr algn="ctr"/>
-            <a:r>
-              <a:rPr lang="ja-JP" altLang="en-US" sz="1400" dirty="0">
-                <a:solidFill>
-                  <a:schemeClr val="tx1"/>
-                </a:solidFill>
-              </a:rPr>
-              <a:t>要求</a:t>
-            </a:r>
-            <a:r>
-              <a:rPr lang="ja-JP" altLang="en-US" sz="1400" dirty="0" smtClean="0">
-                <a:solidFill>
-                  <a:schemeClr val="tx1"/>
-                </a:solidFill>
-              </a:rPr>
-              <a:t>分析・要件定義</a:t>
-            </a:r>
-            <a:endParaRPr kumimoji="1" lang="en-US" altLang="ja-JP" sz="1400" dirty="0" smtClean="0">
-              <a:solidFill>
-                <a:schemeClr val="tx1"/>
-              </a:solidFill>
-            </a:endParaRPr>
+              <a:rPr lang="ja-JP" altLang="en-US" sz="1400" dirty="0" smtClean="0"/>
+              <a:t>説明・調査・準備</a:t>
+            </a:r>
+            <a:endParaRPr lang="en-US" altLang="ja-JP" sz="1400" dirty="0" smtClean="0"/>
           </a:p>
         </p:txBody>
       </p:sp>
@@ -6579,7 +7049,7 @@
         <p:spPr>
           <a:xfrm>
             <a:off x="5724128" y="4949077"/>
-            <a:ext cx="2217020" cy="947164"/>
+            <a:ext cx="1832248" cy="947164"/>
           </a:xfrm>
           <a:prstGeom prst="wedgeRoundRectCallout">
             <a:avLst>
@@ -6618,7 +7088,7 @@
             <a:pPr algn="ctr"/>
             <a:r>
               <a:rPr lang="ja-JP" altLang="en-US" dirty="0" smtClean="0"/>
-              <a:t>発表資料レビュー</a:t>
+              <a:t>発表練習</a:t>
             </a:r>
             <a:endParaRPr lang="en-US" altLang="ja-JP" dirty="0" smtClean="0"/>
           </a:p>
@@ -6681,41 +7151,6 @@
               <a:t>研修開始までの予定</a:t>
             </a:r>
             <a:endParaRPr kumimoji="1" lang="ja-JP" altLang="en-US" dirty="0"/>
-          </a:p>
-        </p:txBody>
-      </p:sp>
-      <p:sp>
-        <p:nvSpPr>
-          <p:cNvPr id="2" name="コンテンツ プレースホルダー 1"/>
-          <p:cNvSpPr>
-            <a:spLocks noGrp="1"/>
-          </p:cNvSpPr>
-          <p:nvPr>
-            <p:ph idx="1"/>
-          </p:nvPr>
-        </p:nvSpPr>
-        <p:spPr>
-          <a:prstGeom prst="rect">
-            <a:avLst/>
-          </a:prstGeom>
-        </p:spPr>
-        <p:txBody>
-          <a:bodyPr/>
-          <a:lstStyle/>
-          <a:p>
-            <a:endParaRPr lang="en-US" altLang="ja-JP" sz="2400" dirty="0"/>
-          </a:p>
-          <a:p>
-            <a:pPr marL="457200" lvl="1" indent="0">
-              <a:buNone/>
-            </a:pPr>
-            <a:endParaRPr lang="en-US" altLang="ja-JP" sz="2000" dirty="0" smtClean="0"/>
-          </a:p>
-          <a:p>
-            <a:pPr marL="457200" lvl="1" indent="0">
-              <a:buNone/>
-            </a:pPr>
-            <a:endParaRPr lang="en-US" altLang="ja-JP" sz="2000" dirty="0"/>
           </a:p>
         </p:txBody>
       </p:sp>
@@ -7674,11 +8109,7 @@
                       </a:pPr>
                       <a:r>
                         <a:rPr kumimoji="1" lang="ja-JP" altLang="en-US" dirty="0" smtClean="0"/>
-                        <a:t>説明資料</a:t>
-                      </a:r>
-                      <a:r>
-                        <a:rPr kumimoji="1" lang="ja-JP" altLang="en-US" dirty="0" smtClean="0"/>
-                        <a:t>作成</a:t>
+                        <a:t>説明資料作成</a:t>
                       </a:r>
                       <a:endParaRPr kumimoji="1" lang="en-US" altLang="ja-JP" dirty="0" smtClean="0"/>
                     </a:p>
@@ -8103,6 +8534,105 @@
                 <a:schemeClr val="tx1"/>
               </a:solidFill>
             </a:endParaRPr>
+          </a:p>
+        </p:txBody>
+      </p:sp>
+      <p:sp>
+        <p:nvSpPr>
+          <p:cNvPr id="8" name="テキスト ボックス 7"/>
+          <p:cNvSpPr txBox="1"/>
+          <p:nvPr/>
+        </p:nvSpPr>
+        <p:spPr>
+          <a:xfrm>
+            <a:off x="388875" y="5445224"/>
+            <a:ext cx="6297878" cy="1107996"/>
+          </a:xfrm>
+          <a:prstGeom prst="rect">
+            <a:avLst/>
+          </a:prstGeom>
+          <a:noFill/>
+        </p:spPr>
+        <p:txBody>
+          <a:bodyPr wrap="none" rtlCol="0">
+            <a:spAutoFit/>
+          </a:bodyPr>
+          <a:lstStyle/>
+          <a:p>
+            <a:r>
+              <a:rPr kumimoji="1" lang="ja-JP" altLang="en-US" dirty="0" smtClean="0"/>
+              <a:t>次回ミーティングまでの齋藤タスク</a:t>
+            </a:r>
+            <a:endParaRPr kumimoji="1" lang="en-US" altLang="ja-JP" dirty="0" smtClean="0"/>
+          </a:p>
+          <a:p>
+            <a:pPr marL="285750" indent="-285750">
+              <a:buFont typeface="Arial" panose="020B0604020202020204" pitchFamily="34" charset="0"/>
+              <a:buChar char="•"/>
+            </a:pPr>
+            <a:r>
+              <a:rPr lang="ja-JP" altLang="en-US" sz="1600" dirty="0" smtClean="0"/>
+              <a:t>研修内容の詳細計画</a:t>
+            </a:r>
+            <a:endParaRPr lang="en-US" altLang="ja-JP" sz="1600" dirty="0" smtClean="0"/>
+          </a:p>
+          <a:p>
+            <a:pPr marL="285750" indent="-285750">
+              <a:buFont typeface="Arial" panose="020B0604020202020204" pitchFamily="34" charset="0"/>
+              <a:buChar char="•"/>
+            </a:pPr>
+            <a:r>
+              <a:rPr lang="ja-JP" altLang="en-US" sz="1600" dirty="0" smtClean="0"/>
+              <a:t>サンプルエディタ</a:t>
+            </a:r>
+            <a:r>
+              <a:rPr lang="ja-JP" altLang="en-US" sz="1600" dirty="0"/>
+              <a:t>作成</a:t>
+            </a:r>
+            <a:endParaRPr lang="en-US" altLang="ja-JP" sz="1600" dirty="0" smtClean="0"/>
+          </a:p>
+          <a:p>
+            <a:pPr marL="285750" indent="-285750">
+              <a:buFont typeface="Arial" panose="020B0604020202020204" pitchFamily="34" charset="0"/>
+              <a:buChar char="•"/>
+            </a:pPr>
+            <a:r>
+              <a:rPr lang="ja-JP" altLang="en-US" sz="1600" dirty="0" smtClean="0"/>
+              <a:t>新人</a:t>
+            </a:r>
+            <a:r>
+              <a:rPr lang="en-US" altLang="ja-JP" sz="1600" dirty="0" smtClean="0"/>
+              <a:t>Java</a:t>
+            </a:r>
+            <a:r>
+              <a:rPr lang="ja-JP" altLang="en-US" sz="1600" dirty="0" smtClean="0"/>
+              <a:t>研修</a:t>
+            </a:r>
+            <a:r>
+              <a:rPr lang="en-US" altLang="ja-JP" sz="1600" dirty="0" smtClean="0"/>
+              <a:t>(@MSE</a:t>
+            </a:r>
+            <a:r>
+              <a:rPr lang="en-US" altLang="ja-JP" sz="1600" dirty="0"/>
+              <a:t>)</a:t>
+            </a:r>
+            <a:r>
+              <a:rPr lang="ja-JP" altLang="en-US" sz="1600" dirty="0" smtClean="0"/>
+              <a:t>の</a:t>
+            </a:r>
+            <a:r>
+              <a:rPr lang="en-US" altLang="ja-JP" sz="1600" dirty="0" smtClean="0"/>
+              <a:t>Java</a:t>
+            </a:r>
+            <a:r>
+              <a:rPr lang="ja-JP" altLang="en-US" sz="1600" dirty="0" smtClean="0"/>
+              <a:t>開発環境を確認する → </a:t>
+            </a:r>
+            <a:r>
+              <a:rPr lang="en-US" altLang="ja-JP" sz="1600" dirty="0" smtClean="0"/>
+              <a:t>Java1.8?Eclipse?</a:t>
+            </a:r>
+            <a:endParaRPr kumimoji="1" lang="ja-JP" altLang="en-US" sz="1600" dirty="0"/>
           </a:p>
         </p:txBody>
       </p:sp>
@@ -8407,4 +8937,289 @@
   <a:objectDefaults/>
   <a:extraClrSchemeLst/>
 </a:theme>
+</file>
+
+<file path=ppt/theme/theme2.xml><?xml version="1.0" encoding="utf-8"?>
+<a:theme xmlns:a="http://schemas.openxmlformats.org/drawingml/2006/main" name="Office ​​テーマ">
+  <a:themeElements>
+    <a:clrScheme name="Office">
+      <a:dk1>
+        <a:sysClr val="windowText" lastClr="000000"/>
+      </a:dk1>
+      <a:lt1>
+        <a:sysClr val="window" lastClr="FFFFFF"/>
+      </a:lt1>
+      <a:dk2>
+        <a:srgbClr val="1F497D"/>
+      </a:dk2>
+      <a:lt2>
+        <a:srgbClr val="EEECE1"/>
+      </a:lt2>
+      <a:accent1>
+        <a:srgbClr val="4F81BD"/>
+      </a:accent1>
+      <a:accent2>
+        <a:srgbClr val="C0504D"/>
+      </a:accent2>
+      <a:accent3>
+        <a:srgbClr val="9BBB59"/>
+      </a:accent3>
+      <a:accent4>
+        <a:srgbClr val="8064A2"/>
+      </a:accent4>
+      <a:accent5>
+        <a:srgbClr val="4BACC6"/>
+      </a:accent5>
+      <a:accent6>
+        <a:srgbClr val="F79646"/>
+      </a:accent6>
+      <a:hlink>
+        <a:srgbClr val="0000FF"/>
+      </a:hlink>
+      <a:folHlink>
+        <a:srgbClr val="800080"/>
+      </a:folHlink>
+    </a:clrScheme>
+    <a:fontScheme name="Office">
+      <a:majorFont>
+        <a:latin typeface="Calibri"/>
+        <a:ea typeface=""/>
+        <a:cs typeface=""/>
+        <a:font script="Jpan" typeface="ＭＳ Ｐゴシック"/>
+        <a:font script="Hang" typeface="맑은 고딕"/>
+        <a:font script="Hans" typeface="宋体"/>
+        <a:font script="Hant" typeface="新細明體"/>
+        <a:font script="Arab" typeface="Times New Roman"/>
+        <a:font script="Hebr" typeface="Times New Roman"/>
+        <a:font script="Thai" typeface="Angsana New"/>
+        <a:font script="Ethi" typeface="Nyala"/>
+        <a:font script="Beng" typeface="Vrinda"/>
+        <a:font script="Gujr" typeface="Shruti"/>
+        <a:font script="Khmr" typeface="MoolBoran"/>
+        <a:font script="Knda" typeface="Tunga"/>
+        <a:font script="Guru" typeface="Raavi"/>
+        <a:font script="Cans" typeface="Euphemia"/>
+        <a:font script="Cher" typeface="Plantagenet Cherokee"/>
+        <a:font script="Yiii" typeface="Microsoft Yi Baiti"/>
+        <a:font script="Tibt" typeface="Microsoft Himalaya"/>
+        <a:font script="Thaa" typeface="MV Boli"/>
+        <a:font script="Deva" typeface="Mangal"/>
+        <a:font script="Telu" typeface="Gautami"/>
+        <a:font script="Taml" typeface="Latha"/>
+        <a:font script="Syrc" typeface="Estrangelo Edessa"/>
+        <a:font script="Orya" typeface="Kalinga"/>
+        <a:font script="Mlym" typeface="Kartika"/>
+        <a:font script="Laoo" typeface="DokChampa"/>
+        <a:font script="Sinh" typeface="Iskoola Pota"/>
+        <a:font script="Mong" typeface="Mongolian Baiti"/>
+        <a:font script="Viet" typeface="Times New Roman"/>
+        <a:font script="Uigh" typeface="Microsoft Uighur"/>
+        <a:font script="Geor" typeface="Sylfaen"/>
+      </a:majorFont>
+      <a:minorFont>
+        <a:latin typeface="Calibri"/>
+        <a:ea typeface=""/>
+        <a:cs typeface=""/>
+        <a:font script="Jpan" typeface="ＭＳ Ｐゴシック"/>
+        <a:font script="Hang" typeface="맑은 고딕"/>
+        <a:font script="Hans" typeface="宋体"/>
+        <a:font script="Hant" typeface="新細明體"/>
+        <a:font script="Arab" typeface="Arial"/>
+        <a:font script="Hebr" typeface="Arial"/>
+        <a:font script="Thai" typeface="Cordia New"/>
+        <a:font script="Ethi" typeface="Nyala"/>
+        <a:font script="Beng" typeface="Vrinda"/>
+        <a:font script="Gujr" typeface="Shruti"/>
+        <a:font script="Khmr" typeface="DaunPenh"/>
+        <a:font script="Knda" typeface="Tunga"/>
+        <a:font script="Guru" typeface="Raavi"/>
+        <a:font script="Cans" typeface="Euphemia"/>
+        <a:font script="Cher" typeface="Plantagenet Cherokee"/>
+        <a:font script="Yiii" typeface="Microsoft Yi Baiti"/>
+        <a:font script="Tibt" typeface="Microsoft Himalaya"/>
+        <a:font script="Thaa" typeface="MV Boli"/>
+        <a:font script="Deva" typeface="Mangal"/>
+        <a:font script="Telu" typeface="Gautami"/>
+        <a:font script="Taml" typeface="Latha"/>
+        <a:font script="Syrc" typeface="Estrangelo Edessa"/>
+        <a:font script="Orya" typeface="Kalinga"/>
+        <a:font script="Mlym" typeface="Kartika"/>
+        <a:font script="Laoo" typeface="DokChampa"/>
+        <a:font script="Sinh" typeface="Iskoola Pota"/>
+        <a:font script="Mong" typeface="Mongolian Baiti"/>
+        <a:font script="Viet" typeface="Arial"/>
+        <a:font script="Uigh" typeface="Microsoft Uighur"/>
+        <a:font script="Geor" typeface="Sylfaen"/>
+      </a:minorFont>
+    </a:fontScheme>
+    <a:fmtScheme name="Office">
+      <a:fillStyleLst>
+        <a:solidFill>
+          <a:schemeClr val="phClr"/>
+        </a:solidFill>
+        <a:gradFill rotWithShape="1">
+          <a:gsLst>
+            <a:gs pos="0">
+              <a:schemeClr val="phClr">
+                <a:tint val="50000"/>
+                <a:satMod val="300000"/>
+              </a:schemeClr>
+            </a:gs>
+            <a:gs pos="35000">
+              <a:schemeClr val="phClr">
+                <a:tint val="37000"/>
+                <a:satMod val="300000"/>
+              </a:schemeClr>
+            </a:gs>
+            <a:gs pos="100000">
+              <a:schemeClr val="phClr">
+                <a:tint val="15000"/>
+                <a:satMod val="350000"/>
+              </a:schemeClr>
+            </a:gs>
+          </a:gsLst>
+          <a:lin ang="16200000" scaled="1"/>
+        </a:gradFill>
+        <a:gradFill rotWithShape="1">
+          <a:gsLst>
+            <a:gs pos="0">
+              <a:schemeClr val="phClr">
+                <a:shade val="51000"/>
+                <a:satMod val="130000"/>
+              </a:schemeClr>
+            </a:gs>
+            <a:gs pos="80000">
+              <a:schemeClr val="phClr">
+                <a:shade val="93000"/>
+                <a:satMod val="130000"/>
+              </a:schemeClr>
+            </a:gs>
+            <a:gs pos="100000">
+              <a:schemeClr val="phClr">
+                <a:shade val="94000"/>
+                <a:satMod val="135000"/>
+              </a:schemeClr>
+            </a:gs>
+          </a:gsLst>
+          <a:lin ang="16200000" scaled="0"/>
+        </a:gradFill>
+      </a:fillStyleLst>
+      <a:lnStyleLst>
+        <a:ln w="9525" cap="flat" cmpd="sng" algn="ctr">
+          <a:solidFill>
+            <a:schemeClr val="phClr">
+              <a:shade val="95000"/>
+              <a:satMod val="105000"/>
+            </a:schemeClr>
+          </a:solidFill>
+          <a:prstDash val="solid"/>
+        </a:ln>
+        <a:ln w="25400" cap="flat" cmpd="sng" algn="ctr">
+          <a:solidFill>
+            <a:schemeClr val="phClr"/>
+          </a:solidFill>
+          <a:prstDash val="solid"/>
+        </a:ln>
+        <a:ln w="38100" cap="flat" cmpd="sng" algn="ctr">
+          <a:solidFill>
+            <a:schemeClr val="phClr"/>
+          </a:solidFill>
+          <a:prstDash val="solid"/>
+        </a:ln>
+      </a:lnStyleLst>
+      <a:effectStyleLst>
+        <a:effectStyle>
+          <a:effectLst>
+            <a:outerShdw blurRad="40000" dist="20000" dir="5400000" rotWithShape="0">
+              <a:srgbClr val="000000">
+                <a:alpha val="38000"/>
+              </a:srgbClr>
+            </a:outerShdw>
+          </a:effectLst>
+        </a:effectStyle>
+        <a:effectStyle>
+          <a:effectLst>
+            <a:outerShdw blurRad="40000" dist="23000" dir="5400000" rotWithShape="0">
+              <a:srgbClr val="000000">
+                <a:alpha val="35000"/>
+              </a:srgbClr>
+            </a:outerShdw>
+          </a:effectLst>
+        </a:effectStyle>
+        <a:effectStyle>
+          <a:effectLst>
+            <a:outerShdw blurRad="40000" dist="23000" dir="5400000" rotWithShape="0">
+              <a:srgbClr val="000000">
+                <a:alpha val="35000"/>
+              </a:srgbClr>
+            </a:outerShdw>
+          </a:effectLst>
+          <a:scene3d>
+            <a:camera prst="orthographicFront">
+              <a:rot lat="0" lon="0" rev="0"/>
+            </a:camera>
+            <a:lightRig rig="threePt" dir="t">
+              <a:rot lat="0" lon="0" rev="1200000"/>
+            </a:lightRig>
+          </a:scene3d>
+          <a:sp3d>
+            <a:bevelT w="63500" h="25400"/>
+          </a:sp3d>
+        </a:effectStyle>
+      </a:effectStyleLst>
+      <a:bgFillStyleLst>
+        <a:solidFill>
+          <a:schemeClr val="phClr"/>
+        </a:solidFill>
+        <a:gradFill rotWithShape="1">
+          <a:gsLst>
+            <a:gs pos="0">
+              <a:schemeClr val="phClr">
+                <a:tint val="40000"/>
+                <a:satMod val="350000"/>
+              </a:schemeClr>
+            </a:gs>
+            <a:gs pos="40000">
+              <a:schemeClr val="phClr">
+                <a:tint val="45000"/>
+                <a:shade val="99000"/>
+                <a:satMod val="350000"/>
+              </a:schemeClr>
+            </a:gs>
+            <a:gs pos="100000">
+              <a:schemeClr val="phClr">
+                <a:shade val="20000"/>
+                <a:satMod val="255000"/>
+              </a:schemeClr>
+            </a:gs>
+          </a:gsLst>
+          <a:path path="circle">
+            <a:fillToRect l="50000" t="-80000" r="50000" b="180000"/>
+          </a:path>
+        </a:gradFill>
+        <a:gradFill rotWithShape="1">
+          <a:gsLst>
+            <a:gs pos="0">
+              <a:schemeClr val="phClr">
+                <a:tint val="80000"/>
+                <a:satMod val="300000"/>
+              </a:schemeClr>
+            </a:gs>
+            <a:gs pos="100000">
+              <a:schemeClr val="phClr">
+                <a:shade val="30000"/>
+                <a:satMod val="200000"/>
+              </a:schemeClr>
+            </a:gs>
+          </a:gsLst>
+          <a:path path="circle">
+            <a:fillToRect l="50000" t="50000" r="50000" b="50000"/>
+          </a:path>
+        </a:gradFill>
+      </a:bgFillStyleLst>
+    </a:fmtScheme>
+  </a:themeElements>
+  <a:objectDefaults/>
+  <a:extraClrSchemeLst/>
+</a:theme>
 </file>
--- a/新人研修.pptx
+++ b/新人研修.pptx
@@ -5,16 +5,20 @@
     <p:sldMasterId id="2147483648" r:id="rId1"/>
   </p:sldMasterIdLst>
   <p:notesMasterIdLst>
-    <p:notesMasterId r:id="rId9"/>
+    <p:notesMasterId r:id="rId13"/>
   </p:notesMasterIdLst>
   <p:sldIdLst>
-    <p:sldId id="267" r:id="rId2"/>
-    <p:sldId id="268" r:id="rId3"/>
-    <p:sldId id="258" r:id="rId4"/>
-    <p:sldId id="264" r:id="rId5"/>
-    <p:sldId id="261" r:id="rId6"/>
-    <p:sldId id="266" r:id="rId7"/>
-    <p:sldId id="263" r:id="rId8"/>
+    <p:sldId id="268" r:id="rId2"/>
+    <p:sldId id="258" r:id="rId3"/>
+    <p:sldId id="264" r:id="rId4"/>
+    <p:sldId id="270" r:id="rId5"/>
+    <p:sldId id="276" r:id="rId6"/>
+    <p:sldId id="273" r:id="rId7"/>
+    <p:sldId id="271" r:id="rId8"/>
+    <p:sldId id="272" r:id="rId9"/>
+    <p:sldId id="275" r:id="rId10"/>
+    <p:sldId id="274" r:id="rId11"/>
+    <p:sldId id="263" r:id="rId12"/>
   </p:sldIdLst>
   <p:sldSz cx="9144000" cy="6858000" type="screen4x3"/>
   <p:notesSz cx="6858000" cy="9144000"/>
@@ -214,7 +218,7 @@
           <a:p>
             <a:fld id="{100FE6D1-2E1F-470F-AA5B-B6A9471248C1}" type="datetimeFigureOut">
               <a:rPr kumimoji="1" lang="ja-JP" altLang="en-US" smtClean="0"/>
-              <a:t>2016/5/27</a:t>
+              <a:t>2016/6/3</a:t>
             </a:fld>
             <a:endParaRPr kumimoji="1" lang="ja-JP" altLang="en-US"/>
           </a:p>
@@ -610,6 +614,296 @@
 </p:notes>
 </file>
 
+<file path=ppt/notesSlides/notesSlide2.xml><?xml version="1.0" encoding="utf-8"?>
+<p:notes xmlns:a="http://schemas.openxmlformats.org/drawingml/2006/main" xmlns:r="http://schemas.openxmlformats.org/officeDocument/2006/relationships" xmlns:p="http://schemas.openxmlformats.org/presentationml/2006/main">
+  <p:cSld>
+    <p:spTree>
+      <p:nvGrpSpPr>
+        <p:cNvPr id="1" name=""/>
+        <p:cNvGrpSpPr/>
+        <p:nvPr/>
+      </p:nvGrpSpPr>
+      <p:grpSpPr>
+        <a:xfrm>
+          <a:off x="0" y="0"/>
+          <a:ext cx="0" cy="0"/>
+          <a:chOff x="0" y="0"/>
+          <a:chExt cx="0" cy="0"/>
+        </a:xfrm>
+      </p:grpSpPr>
+      <p:sp>
+        <p:nvSpPr>
+          <p:cNvPr id="2" name="スライド イメージ プレースホルダー 1"/>
+          <p:cNvSpPr>
+            <a:spLocks noGrp="1" noRot="1" noChangeAspect="1"/>
+          </p:cNvSpPr>
+          <p:nvPr>
+            <p:ph type="sldImg"/>
+          </p:nvPr>
+        </p:nvSpPr>
+        <p:spPr/>
+      </p:sp>
+      <p:sp>
+        <p:nvSpPr>
+          <p:cNvPr id="3" name="ノート プレースホルダー 2"/>
+          <p:cNvSpPr>
+            <a:spLocks noGrp="1"/>
+          </p:cNvSpPr>
+          <p:nvPr>
+            <p:ph type="body" idx="1"/>
+          </p:nvPr>
+        </p:nvSpPr>
+        <p:spPr/>
+        <p:txBody>
+          <a:bodyPr/>
+          <a:lstStyle/>
+          <a:p>
+            <a:endParaRPr kumimoji="1" lang="en-US" altLang="ja-JP" dirty="0" smtClean="0"/>
+          </a:p>
+          <a:p>
+            <a:endParaRPr kumimoji="1" lang="ja-JP" altLang="en-US" dirty="0"/>
+          </a:p>
+        </p:txBody>
+      </p:sp>
+      <p:sp>
+        <p:nvSpPr>
+          <p:cNvPr id="4" name="スライド番号プレースホルダー 3"/>
+          <p:cNvSpPr>
+            <a:spLocks noGrp="1"/>
+          </p:cNvSpPr>
+          <p:nvPr>
+            <p:ph type="sldNum" sz="quarter" idx="10"/>
+          </p:nvPr>
+        </p:nvSpPr>
+        <p:spPr/>
+        <p:txBody>
+          <a:bodyPr/>
+          <a:lstStyle/>
+          <a:p>
+            <a:fld id="{E603631E-C7ED-491D-83DC-D1C3550738C8}" type="slidenum">
+              <a:rPr kumimoji="1" lang="ja-JP" altLang="en-US" smtClean="0"/>
+              <a:t>7</a:t>
+            </a:fld>
+            <a:endParaRPr kumimoji="1" lang="ja-JP" altLang="en-US"/>
+          </a:p>
+        </p:txBody>
+      </p:sp>
+    </p:spTree>
+    <p:extLst>
+      <p:ext uri="{BB962C8B-B14F-4D97-AF65-F5344CB8AC3E}">
+        <p14:creationId xmlns:p14="http://schemas.microsoft.com/office/powerpoint/2010/main" val="1249751894"/>
+      </p:ext>
+    </p:extLst>
+  </p:cSld>
+  <p:clrMapOvr>
+    <a:masterClrMapping/>
+  </p:clrMapOvr>
+</p:notes>
+</file>
+
+<file path=ppt/notesSlides/notesSlide3.xml><?xml version="1.0" encoding="utf-8"?>
+<p:notes xmlns:a="http://schemas.openxmlformats.org/drawingml/2006/main" xmlns:r="http://schemas.openxmlformats.org/officeDocument/2006/relationships" xmlns:p="http://schemas.openxmlformats.org/presentationml/2006/main">
+  <p:cSld>
+    <p:spTree>
+      <p:nvGrpSpPr>
+        <p:cNvPr id="1" name=""/>
+        <p:cNvGrpSpPr/>
+        <p:nvPr/>
+      </p:nvGrpSpPr>
+      <p:grpSpPr>
+        <a:xfrm>
+          <a:off x="0" y="0"/>
+          <a:ext cx="0" cy="0"/>
+          <a:chOff x="0" y="0"/>
+          <a:chExt cx="0" cy="0"/>
+        </a:xfrm>
+      </p:grpSpPr>
+      <p:sp>
+        <p:nvSpPr>
+          <p:cNvPr id="2" name="スライド イメージ プレースホルダー 1"/>
+          <p:cNvSpPr>
+            <a:spLocks noGrp="1" noRot="1" noChangeAspect="1"/>
+          </p:cNvSpPr>
+          <p:nvPr>
+            <p:ph type="sldImg"/>
+          </p:nvPr>
+        </p:nvSpPr>
+        <p:spPr/>
+      </p:sp>
+      <p:sp>
+        <p:nvSpPr>
+          <p:cNvPr id="3" name="ノート プレースホルダー 2"/>
+          <p:cNvSpPr>
+            <a:spLocks noGrp="1"/>
+          </p:cNvSpPr>
+          <p:nvPr>
+            <p:ph type="body" idx="1"/>
+          </p:nvPr>
+        </p:nvSpPr>
+        <p:spPr/>
+        <p:txBody>
+          <a:bodyPr/>
+          <a:lstStyle/>
+          <a:p>
+            <a:r>
+              <a:rPr kumimoji="1" lang="en-US" altLang="ja-JP" dirty="0" smtClean="0"/>
+              <a:t>7</a:t>
+            </a:r>
+            <a:r>
+              <a:rPr kumimoji="1" lang="ja-JP" altLang="en-US" dirty="0" smtClean="0"/>
+              <a:t>日</a:t>
+            </a:r>
+            <a:r>
+              <a:rPr kumimoji="1" lang="en-US" altLang="ja-JP" dirty="0" smtClean="0"/>
+              <a:t>(</a:t>
+            </a:r>
+            <a:r>
+              <a:rPr kumimoji="1" lang="ja-JP" altLang="en-US" dirty="0" smtClean="0"/>
+              <a:t>火</a:t>
+            </a:r>
+            <a:r>
+              <a:rPr kumimoji="1" lang="en-US" altLang="ja-JP" dirty="0" smtClean="0"/>
+              <a:t>) </a:t>
+            </a:r>
+            <a:r>
+              <a:rPr kumimoji="1" lang="ja-JP" altLang="en-US" dirty="0" smtClean="0"/>
+              <a:t>チュートリアル実施</a:t>
+            </a:r>
+            <a:endParaRPr kumimoji="1" lang="ja-JP" altLang="en-US" dirty="0"/>
+          </a:p>
+        </p:txBody>
+      </p:sp>
+      <p:sp>
+        <p:nvSpPr>
+          <p:cNvPr id="4" name="スライド番号プレースホルダー 3"/>
+          <p:cNvSpPr>
+            <a:spLocks noGrp="1"/>
+          </p:cNvSpPr>
+          <p:nvPr>
+            <p:ph type="sldNum" sz="quarter" idx="10"/>
+          </p:nvPr>
+        </p:nvSpPr>
+        <p:spPr/>
+        <p:txBody>
+          <a:bodyPr/>
+          <a:lstStyle/>
+          <a:p>
+            <a:fld id="{E603631E-C7ED-491D-83DC-D1C3550738C8}" type="slidenum">
+              <a:rPr kumimoji="1" lang="ja-JP" altLang="en-US" smtClean="0"/>
+              <a:t>8</a:t>
+            </a:fld>
+            <a:endParaRPr kumimoji="1" lang="ja-JP" altLang="en-US"/>
+          </a:p>
+        </p:txBody>
+      </p:sp>
+    </p:spTree>
+    <p:extLst>
+      <p:ext uri="{BB962C8B-B14F-4D97-AF65-F5344CB8AC3E}">
+        <p14:creationId xmlns:p14="http://schemas.microsoft.com/office/powerpoint/2010/main" val="3758289735"/>
+      </p:ext>
+    </p:extLst>
+  </p:cSld>
+  <p:clrMapOvr>
+    <a:masterClrMapping/>
+  </p:clrMapOvr>
+</p:notes>
+</file>
+
+<file path=ppt/notesSlides/notesSlide4.xml><?xml version="1.0" encoding="utf-8"?>
+<p:notes xmlns:a="http://schemas.openxmlformats.org/drawingml/2006/main" xmlns:r="http://schemas.openxmlformats.org/officeDocument/2006/relationships" xmlns:p="http://schemas.openxmlformats.org/presentationml/2006/main">
+  <p:cSld>
+    <p:spTree>
+      <p:nvGrpSpPr>
+        <p:cNvPr id="1" name=""/>
+        <p:cNvGrpSpPr/>
+        <p:nvPr/>
+      </p:nvGrpSpPr>
+      <p:grpSpPr>
+        <a:xfrm>
+          <a:off x="0" y="0"/>
+          <a:ext cx="0" cy="0"/>
+          <a:chOff x="0" y="0"/>
+          <a:chExt cx="0" cy="0"/>
+        </a:xfrm>
+      </p:grpSpPr>
+      <p:sp>
+        <p:nvSpPr>
+          <p:cNvPr id="2" name="スライド イメージ プレースホルダー 1"/>
+          <p:cNvSpPr>
+            <a:spLocks noGrp="1" noRot="1" noChangeAspect="1"/>
+          </p:cNvSpPr>
+          <p:nvPr>
+            <p:ph type="sldImg"/>
+          </p:nvPr>
+        </p:nvSpPr>
+        <p:spPr/>
+      </p:sp>
+      <p:sp>
+        <p:nvSpPr>
+          <p:cNvPr id="3" name="ノート プレースホルダー 2"/>
+          <p:cNvSpPr>
+            <a:spLocks noGrp="1"/>
+          </p:cNvSpPr>
+          <p:nvPr>
+            <p:ph type="body" idx="1"/>
+          </p:nvPr>
+        </p:nvSpPr>
+        <p:spPr/>
+        <p:txBody>
+          <a:bodyPr/>
+          <a:lstStyle/>
+          <a:p>
+            <a:r>
+              <a:rPr kumimoji="1" lang="ja-JP" altLang="en-US" dirty="0" smtClean="0"/>
+              <a:t>助け合いの精神をもつ。</a:t>
+            </a:r>
+            <a:endParaRPr kumimoji="1" lang="en-US" altLang="ja-JP" dirty="0" smtClean="0"/>
+          </a:p>
+          <a:p>
+            <a:r>
+              <a:rPr kumimoji="1" lang="ja-JP" altLang="en-US" dirty="0" smtClean="0"/>
+              <a:t>視野が狭くならないように。チーム戦ではない。</a:t>
+            </a:r>
+            <a:endParaRPr kumimoji="1" lang="ja-JP" altLang="en-US" dirty="0"/>
+          </a:p>
+        </p:txBody>
+      </p:sp>
+      <p:sp>
+        <p:nvSpPr>
+          <p:cNvPr id="4" name="スライド番号プレースホルダー 3"/>
+          <p:cNvSpPr>
+            <a:spLocks noGrp="1"/>
+          </p:cNvSpPr>
+          <p:nvPr>
+            <p:ph type="sldNum" sz="quarter" idx="10"/>
+          </p:nvPr>
+        </p:nvSpPr>
+        <p:spPr/>
+        <p:txBody>
+          <a:bodyPr/>
+          <a:lstStyle/>
+          <a:p>
+            <a:fld id="{E603631E-C7ED-491D-83DC-D1C3550738C8}" type="slidenum">
+              <a:rPr kumimoji="1" lang="ja-JP" altLang="en-US" smtClean="0"/>
+              <a:t>9</a:t>
+            </a:fld>
+            <a:endParaRPr kumimoji="1" lang="ja-JP" altLang="en-US"/>
+          </a:p>
+        </p:txBody>
+      </p:sp>
+    </p:spTree>
+    <p:extLst>
+      <p:ext uri="{BB962C8B-B14F-4D97-AF65-F5344CB8AC3E}">
+        <p14:creationId xmlns:p14="http://schemas.microsoft.com/office/powerpoint/2010/main" val="858524665"/>
+      </p:ext>
+    </p:extLst>
+  </p:cSld>
+  <p:clrMapOvr>
+    <a:masterClrMapping/>
+  </p:clrMapOvr>
+</p:notes>
+</file>
+
 <file path=ppt/slideLayouts/slideLayout1.xml><?xml version="1.0" encoding="utf-8"?>
 <p:sldLayout xmlns:a="http://schemas.openxmlformats.org/drawingml/2006/main" xmlns:r="http://schemas.openxmlformats.org/officeDocument/2006/relationships" xmlns:p="http://schemas.openxmlformats.org/presentationml/2006/main" type="title" preserve="1">
   <p:cSld name="タイトル スライド">
@@ -791,7 +1085,7 @@
           <a:p>
             <a:fld id="{E90ED720-0104-4369-84BC-D37694168613}" type="datetimeFigureOut">
               <a:rPr kumimoji="1" lang="ja-JP" altLang="en-US" smtClean="0"/>
-              <a:t>2016/5/27</a:t>
+              <a:t>2016/6/3</a:t>
             </a:fld>
             <a:endParaRPr kumimoji="1" lang="ja-JP" altLang="en-US"/>
           </a:p>
@@ -995,7 +1289,7 @@
           <a:p>
             <a:fld id="{E90ED720-0104-4369-84BC-D37694168613}" type="datetimeFigureOut">
               <a:rPr kumimoji="1" lang="ja-JP" altLang="en-US" smtClean="0"/>
-              <a:t>2016/5/27</a:t>
+              <a:t>2016/6/3</a:t>
             </a:fld>
             <a:endParaRPr kumimoji="1" lang="ja-JP" altLang="en-US"/>
           </a:p>
@@ -1202,7 +1496,7 @@
           <a:p>
             <a:fld id="{E90ED720-0104-4369-84BC-D37694168613}" type="datetimeFigureOut">
               <a:rPr kumimoji="1" lang="ja-JP" altLang="en-US" smtClean="0"/>
-              <a:t>2016/5/27</a:t>
+              <a:t>2016/6/3</a:t>
             </a:fld>
             <a:endParaRPr kumimoji="1" lang="ja-JP" altLang="en-US"/>
           </a:p>
@@ -1604,7 +1898,7 @@
           <a:p>
             <a:fld id="{E90ED720-0104-4369-84BC-D37694168613}" type="datetimeFigureOut">
               <a:rPr kumimoji="1" lang="ja-JP" altLang="en-US" smtClean="0"/>
-              <a:t>2016/5/27</a:t>
+              <a:t>2016/6/3</a:t>
             </a:fld>
             <a:endParaRPr kumimoji="1" lang="ja-JP" altLang="en-US"/>
           </a:p>
@@ -1958,7 +2252,7 @@
           <a:p>
             <a:fld id="{E90ED720-0104-4369-84BC-D37694168613}" type="datetimeFigureOut">
               <a:rPr kumimoji="1" lang="ja-JP" altLang="en-US" smtClean="0"/>
-              <a:t>2016/5/27</a:t>
+              <a:t>2016/6/3</a:t>
             </a:fld>
             <a:endParaRPr kumimoji="1" lang="ja-JP" altLang="en-US"/>
           </a:p>
@@ -2439,7 +2733,7 @@
           <a:p>
             <a:fld id="{E90ED720-0104-4369-84BC-D37694168613}" type="datetimeFigureOut">
               <a:rPr kumimoji="1" lang="ja-JP" altLang="en-US" smtClean="0"/>
-              <a:t>2016/5/27</a:t>
+              <a:t>2016/6/3</a:t>
             </a:fld>
             <a:endParaRPr kumimoji="1" lang="ja-JP" altLang="en-US"/>
           </a:p>
@@ -2552,7 +2846,7 @@
           <a:p>
             <a:fld id="{E90ED720-0104-4369-84BC-D37694168613}" type="datetimeFigureOut">
               <a:rPr kumimoji="1" lang="ja-JP" altLang="en-US" smtClean="0"/>
-              <a:t>2016/5/27</a:t>
+              <a:t>2016/6/3</a:t>
             </a:fld>
             <a:endParaRPr kumimoji="1" lang="ja-JP" altLang="en-US"/>
           </a:p>
@@ -2642,7 +2936,7 @@
           <a:p>
             <a:fld id="{E90ED720-0104-4369-84BC-D37694168613}" type="datetimeFigureOut">
               <a:rPr kumimoji="1" lang="ja-JP" altLang="en-US" smtClean="0"/>
-              <a:t>2016/5/27</a:t>
+              <a:t>2016/6/3</a:t>
             </a:fld>
             <a:endParaRPr kumimoji="1" lang="ja-JP" altLang="en-US"/>
           </a:p>
@@ -2946,7 +3240,7 @@
           <a:p>
             <a:fld id="{E90ED720-0104-4369-84BC-D37694168613}" type="datetimeFigureOut">
               <a:rPr kumimoji="1" lang="ja-JP" altLang="en-US" smtClean="0"/>
-              <a:t>2016/5/27</a:t>
+              <a:t>2016/6/3</a:t>
             </a:fld>
             <a:endParaRPr kumimoji="1" lang="ja-JP" altLang="en-US"/>
           </a:p>
@@ -3194,7 +3488,7 @@
           <a:p>
             <a:fld id="{E90ED720-0104-4369-84BC-D37694168613}" type="datetimeFigureOut">
               <a:rPr kumimoji="1" lang="ja-JP" altLang="en-US" smtClean="0"/>
-              <a:t>2016/5/27</a:t>
+              <a:t>2016/6/3</a:t>
             </a:fld>
             <a:endParaRPr kumimoji="1" lang="ja-JP" altLang="en-US"/>
           </a:p>
@@ -3434,7 +3728,7 @@
           <a:p>
             <a:fld id="{E90ED720-0104-4369-84BC-D37694168613}" type="datetimeFigureOut">
               <a:rPr kumimoji="1" lang="ja-JP" altLang="en-US" smtClean="0"/>
-              <a:t>2016/5/27</a:t>
+              <a:t>2016/6/3</a:t>
             </a:fld>
             <a:endParaRPr kumimoji="1" lang="ja-JP" altLang="en-US"/>
           </a:p>
@@ -3827,8 +4121,8 @@
           <a:lstStyle/>
           <a:p>
             <a:r>
-              <a:rPr kumimoji="1" lang="ja-JP" altLang="en-US" dirty="0" smtClean="0"/>
-              <a:t>今日のトピック</a:t>
+              <a:rPr lang="ja-JP" altLang="en-US" dirty="0"/>
+              <a:t>前提</a:t>
             </a:r>
             <a:endParaRPr kumimoji="1" lang="ja-JP" altLang="en-US" dirty="0"/>
           </a:p>
@@ -3847,65 +4141,2249 @@
         <p:spPr/>
         <p:txBody>
           <a:bodyPr>
-            <a:normAutofit/>
+            <a:normAutofit fontScale="92500" lnSpcReduction="10000"/>
           </a:bodyPr>
           <a:lstStyle/>
           <a:p>
             <a:r>
-              <a:rPr kumimoji="1" lang="ja-JP" altLang="en-US" sz="2800" dirty="0" smtClean="0"/>
-              <a:t>研修概要</a:t>
-            </a:r>
-            <a:endParaRPr kumimoji="1" lang="en-US" altLang="ja-JP" sz="2800" dirty="0" smtClean="0"/>
-          </a:p>
-          <a:p>
-            <a:r>
-              <a:rPr kumimoji="1" lang="ja-JP" altLang="en-US" sz="2800" dirty="0" smtClean="0"/>
-              <a:t>研修の進め方</a:t>
-            </a:r>
-            <a:endParaRPr kumimoji="1" lang="en-US" altLang="ja-JP" sz="2800" dirty="0" smtClean="0"/>
+              <a:rPr lang="ja-JP" altLang="en-US" sz="2800" dirty="0" smtClean="0"/>
+              <a:t>体制（敬称略）</a:t>
+            </a:r>
+            <a:endParaRPr lang="en-US" altLang="ja-JP" sz="2800" dirty="0" smtClean="0"/>
           </a:p>
           <a:p>
             <a:pPr lvl="1"/>
             <a:r>
+              <a:rPr lang="ja-JP" altLang="en-US" sz="2400" dirty="0" smtClean="0"/>
+              <a:t>第２</a:t>
+            </a:r>
+            <a:r>
+              <a:rPr lang="en-US" altLang="ja-JP" sz="2400" dirty="0" smtClean="0"/>
+              <a:t>G</a:t>
+            </a:r>
+            <a:r>
               <a:rPr kumimoji="1" lang="ja-JP" altLang="en-US" sz="2400" dirty="0" smtClean="0"/>
-              <a:t>研修開始前</a:t>
+              <a:t>研修担当チーム</a:t>
+            </a:r>
+            <a:endParaRPr kumimoji="1" lang="en-US" altLang="ja-JP" dirty="0" smtClean="0"/>
+          </a:p>
+          <a:p>
+            <a:pPr lvl="2"/>
+            <a:r>
+              <a:rPr kumimoji="1" lang="ja-JP" altLang="en-US" sz="2000" dirty="0" smtClean="0"/>
+              <a:t>技術サポート：坂本</a:t>
+            </a:r>
+            <a:r>
+              <a:rPr kumimoji="1" lang="en-US" altLang="ja-JP" sz="2000" dirty="0" smtClean="0"/>
+              <a:t>, </a:t>
+            </a:r>
+            <a:r>
+              <a:rPr kumimoji="1" lang="ja-JP" altLang="en-US" sz="2000" dirty="0" smtClean="0"/>
+              <a:t>吉田</a:t>
+            </a:r>
+            <a:r>
+              <a:rPr kumimoji="1" lang="en-US" altLang="ja-JP" sz="2000" dirty="0" smtClean="0"/>
+              <a:t>, </a:t>
+            </a:r>
+            <a:r>
+              <a:rPr kumimoji="1" lang="ja-JP" altLang="en-US" sz="2000" dirty="0" smtClean="0"/>
+              <a:t>柳澤</a:t>
             </a:r>
             <a:endParaRPr kumimoji="1" lang="en-US" altLang="ja-JP" sz="2000" dirty="0" smtClean="0"/>
           </a:p>
           <a:p>
+            <a:pPr lvl="2"/>
+            <a:r>
+              <a:rPr lang="ja-JP" altLang="en-US" sz="2000" dirty="0" smtClean="0"/>
+              <a:t>全般サポート：齋藤</a:t>
+            </a:r>
+            <a:endParaRPr lang="en-US" altLang="ja-JP" sz="2000" dirty="0" smtClean="0"/>
+          </a:p>
+          <a:p>
+            <a:pPr lvl="2"/>
+            <a:r>
+              <a:rPr lang="ja-JP" altLang="en-US" sz="2000" dirty="0" smtClean="0"/>
+              <a:t>（適宜サポート：森嶋</a:t>
+            </a:r>
+            <a:r>
+              <a:rPr lang="en-US" altLang="ja-JP" sz="2000" dirty="0" smtClean="0"/>
+              <a:t>, </a:t>
+            </a:r>
+            <a:r>
+              <a:rPr lang="ja-JP" altLang="en-US" sz="2000" dirty="0" smtClean="0"/>
+              <a:t>永木</a:t>
+            </a:r>
+            <a:r>
+              <a:rPr lang="en-US" altLang="ja-JP" sz="2000" dirty="0" smtClean="0"/>
+              <a:t>, </a:t>
+            </a:r>
+            <a:r>
+              <a:rPr lang="ja-JP" altLang="en-US" sz="2000" dirty="0" smtClean="0"/>
+              <a:t>阿部）</a:t>
+            </a:r>
+            <a:endParaRPr lang="en-US" altLang="ja-JP" sz="2000" dirty="0" smtClean="0"/>
+          </a:p>
+          <a:p>
             <a:pPr lvl="1"/>
             <a:r>
-              <a:rPr lang="ja-JP" altLang="en-US" sz="2400" dirty="0"/>
-              <a:t>研修</a:t>
-            </a:r>
-            <a:r>
               <a:rPr lang="ja-JP" altLang="en-US" sz="2400" dirty="0" smtClean="0"/>
-              <a:t>開始後</a:t>
+              <a:t>新人（４名）</a:t>
+            </a:r>
+            <a:endParaRPr lang="en-US" altLang="ja-JP" dirty="0"/>
+          </a:p>
+          <a:p>
+            <a:pPr lvl="2"/>
+            <a:r>
+              <a:rPr lang="ja-JP" altLang="en-US" sz="2000" dirty="0" smtClean="0"/>
+              <a:t>呉屋</a:t>
+            </a:r>
+            <a:r>
+              <a:rPr lang="en-US" altLang="ja-JP" sz="2000" dirty="0" smtClean="0"/>
+              <a:t>, </a:t>
+            </a:r>
+            <a:r>
+              <a:rPr lang="ja-JP" altLang="en-US" sz="2000" dirty="0" smtClean="0"/>
+              <a:t>久米</a:t>
+            </a:r>
+            <a:r>
+              <a:rPr lang="en-US" altLang="ja-JP" sz="2000" dirty="0" smtClean="0"/>
+              <a:t>, </a:t>
+            </a:r>
+            <a:r>
+              <a:rPr lang="ja-JP" altLang="en-US" sz="2000" dirty="0" smtClean="0"/>
+              <a:t>本間</a:t>
+            </a:r>
+            <a:r>
+              <a:rPr lang="en-US" altLang="ja-JP" sz="2000" dirty="0" smtClean="0"/>
+              <a:t>, </a:t>
+            </a:r>
+            <a:r>
+              <a:rPr lang="ja-JP" altLang="en-US" sz="2000" dirty="0" smtClean="0"/>
+              <a:t>横田</a:t>
+            </a:r>
+            <a:endParaRPr lang="en-US" altLang="ja-JP" sz="2000" dirty="0" smtClean="0"/>
+          </a:p>
+          <a:p>
+            <a:pPr lvl="2"/>
+            <a:endParaRPr lang="en-US" altLang="ja-JP" sz="2000" dirty="0"/>
+          </a:p>
+          <a:p>
+            <a:r>
+              <a:rPr lang="ja-JP" altLang="en-US" sz="2800" dirty="0" smtClean="0"/>
+              <a:t>配属先・・・未定</a:t>
+            </a:r>
+            <a:r>
+              <a:rPr lang="en-US" altLang="ja-JP" sz="2800" dirty="0" smtClean="0"/>
+              <a:t/>
+            </a:r>
+            <a:br>
+              <a:rPr lang="en-US" altLang="ja-JP" sz="2800" dirty="0" smtClean="0"/>
+            </a:br>
+            <a:r>
+              <a:rPr lang="ja-JP" altLang="en-US" sz="2800" dirty="0" smtClean="0"/>
+              <a:t>（</a:t>
+            </a:r>
+            <a:r>
+              <a:rPr lang="en-US" altLang="ja-JP" sz="2800" dirty="0" smtClean="0"/>
+              <a:t>※</a:t>
+            </a:r>
+            <a:r>
+              <a:rPr lang="ja-JP" altLang="en-US" sz="2800" dirty="0" smtClean="0"/>
+              <a:t>７月～</a:t>
+            </a:r>
+            <a:r>
+              <a:rPr lang="en-US" altLang="ja-JP" sz="2800" dirty="0" smtClean="0"/>
+              <a:t>NTTD</a:t>
+            </a:r>
+            <a:r>
+              <a:rPr lang="ja-JP" altLang="en-US" sz="2800" dirty="0" err="1" smtClean="0"/>
+              <a:t>での</a:t>
+            </a:r>
+            <a:r>
+              <a:rPr lang="ja-JP" altLang="en-US" sz="2800" dirty="0" smtClean="0"/>
+              <a:t>研修という説も</a:t>
+            </a:r>
+            <a:r>
+              <a:rPr lang="en-US" altLang="ja-JP" sz="2800" dirty="0" smtClean="0"/>
+              <a:t>…</a:t>
+            </a:r>
+            <a:r>
+              <a:rPr lang="ja-JP" altLang="en-US" sz="2800" dirty="0" smtClean="0"/>
+              <a:t>）</a:t>
+            </a:r>
+            <a:endParaRPr lang="en-US" altLang="ja-JP" sz="2800" dirty="0" smtClean="0"/>
+          </a:p>
+          <a:p>
+            <a:pPr lvl="1"/>
+            <a:r>
+              <a:rPr lang="ja-JP" altLang="en-US" sz="2400" dirty="0" smtClean="0"/>
+              <a:t>久米</a:t>
+            </a:r>
+            <a:r>
+              <a:rPr lang="en-US" altLang="ja-JP" sz="2400" dirty="0" smtClean="0"/>
+              <a:t>,</a:t>
+            </a:r>
+            <a:r>
+              <a:rPr lang="ja-JP" altLang="en-US" sz="2400" dirty="0" smtClean="0"/>
+              <a:t> 本間</a:t>
+            </a:r>
+            <a:r>
+              <a:rPr lang="en-US" altLang="ja-JP" sz="2400" dirty="0" smtClean="0"/>
+              <a:t>, </a:t>
+            </a:r>
+            <a:r>
+              <a:rPr lang="ja-JP" altLang="en-US" sz="2400" dirty="0" smtClean="0"/>
+              <a:t>横田</a:t>
             </a:r>
             <a:endParaRPr lang="en-US" altLang="ja-JP" sz="2400" dirty="0" smtClean="0"/>
           </a:p>
           <a:p>
-            <a:r>
-              <a:rPr lang="ja-JP" altLang="en-US" sz="2800" dirty="0" smtClean="0"/>
-              <a:t>研修内容</a:t>
-            </a:r>
-            <a:endParaRPr lang="en-US" altLang="ja-JP" sz="2800" dirty="0"/>
-          </a:p>
-          <a:p>
+            <a:pPr lvl="2"/>
+            <a:r>
+              <a:rPr lang="en-US" altLang="ja-JP" sz="2000" dirty="0" smtClean="0"/>
+              <a:t>ZIPC TERAS</a:t>
+            </a:r>
+          </a:p>
+          <a:p>
+            <a:pPr lvl="2"/>
+            <a:r>
+              <a:rPr lang="en-US" altLang="ja-JP" sz="2000" dirty="0" smtClean="0"/>
+              <a:t>ZIPC Designer</a:t>
+            </a:r>
+          </a:p>
+          <a:p>
+            <a:pPr lvl="2"/>
+            <a:r>
+              <a:rPr lang="en-US" altLang="ja-JP" sz="2000" dirty="0" smtClean="0"/>
+              <a:t>(TERASOLUNA IDE3 ?)</a:t>
+            </a:r>
+          </a:p>
+          <a:p>
+            <a:pPr lvl="1"/>
+            <a:r>
+              <a:rPr lang="ja-JP" altLang="en-US" sz="2400" dirty="0" smtClean="0"/>
+              <a:t>呉屋</a:t>
+            </a:r>
             <a:endParaRPr lang="en-US" altLang="ja-JP" dirty="0" smtClean="0"/>
+          </a:p>
+          <a:p>
+            <a:pPr lvl="2"/>
+            <a:r>
+              <a:rPr lang="ja-JP" altLang="en-US" sz="2000" dirty="0" smtClean="0"/>
+              <a:t>９末まで新横浜→沖縄</a:t>
+            </a:r>
+            <a:r>
+              <a:rPr lang="en-US" altLang="ja-JP" dirty="0"/>
+              <a:t>	</a:t>
+            </a:r>
+            <a:endParaRPr kumimoji="1" lang="en-US" altLang="ja-JP" dirty="0" smtClean="0"/>
           </a:p>
         </p:txBody>
       </p:sp>
     </p:spTree>
     <p:extLst>
       <p:ext uri="{BB962C8B-B14F-4D97-AF65-F5344CB8AC3E}">
-        <p14:creationId xmlns:p14="http://schemas.microsoft.com/office/powerpoint/2010/main" val="2601500752"/>
+        <p14:creationId xmlns:p14="http://schemas.microsoft.com/office/powerpoint/2010/main" val="1941152194"/>
       </p:ext>
     </p:extLst>
   </p:cSld>
   <p:clrMapOvr>
     <a:masterClrMapping/>
   </p:clrMapOvr>
+  <p:timing>
+    <p:tnLst>
+      <p:par>
+        <p:cTn id="1" dur="indefinite" restart="never" nodeType="tmRoot"/>
+      </p:par>
+    </p:tnLst>
+  </p:timing>
+</p:sld>
+</file>
+
+<file path=ppt/slides/slide10.xml><?xml version="1.0" encoding="utf-8"?>
+<p:sld xmlns:a="http://schemas.openxmlformats.org/drawingml/2006/main" xmlns:r="http://schemas.openxmlformats.org/officeDocument/2006/relationships" xmlns:p="http://schemas.openxmlformats.org/presentationml/2006/main">
+  <p:cSld>
+    <p:spTree>
+      <p:nvGrpSpPr>
+        <p:cNvPr id="1" name=""/>
+        <p:cNvGrpSpPr/>
+        <p:nvPr/>
+      </p:nvGrpSpPr>
+      <p:grpSpPr>
+        <a:xfrm>
+          <a:off x="0" y="0"/>
+          <a:ext cx="0" cy="0"/>
+          <a:chOff x="0" y="0"/>
+          <a:chExt cx="0" cy="0"/>
+        </a:xfrm>
+      </p:grpSpPr>
+      <p:sp>
+        <p:nvSpPr>
+          <p:cNvPr id="2" name="タイトル 1"/>
+          <p:cNvSpPr>
+            <a:spLocks noGrp="1"/>
+          </p:cNvSpPr>
+          <p:nvPr>
+            <p:ph type="title"/>
+          </p:nvPr>
+        </p:nvSpPr>
+        <p:spPr/>
+        <p:txBody>
+          <a:bodyPr/>
+          <a:lstStyle/>
+          <a:p>
+            <a:r>
+              <a:rPr kumimoji="1" lang="ja-JP" altLang="en-US" dirty="0" smtClean="0"/>
+              <a:t>研修開始までのタスク</a:t>
+            </a:r>
+            <a:endParaRPr kumimoji="1" lang="ja-JP" altLang="en-US" dirty="0"/>
+          </a:p>
+        </p:txBody>
+      </p:sp>
+      <p:sp>
+        <p:nvSpPr>
+          <p:cNvPr id="3" name="コンテンツ プレースホルダー 2"/>
+          <p:cNvSpPr>
+            <a:spLocks noGrp="1"/>
+          </p:cNvSpPr>
+          <p:nvPr>
+            <p:ph idx="1"/>
+          </p:nvPr>
+        </p:nvSpPr>
+        <p:spPr/>
+        <p:txBody>
+          <a:bodyPr>
+            <a:normAutofit fontScale="62500" lnSpcReduction="20000"/>
+          </a:bodyPr>
+          <a:lstStyle/>
+          <a:p>
+            <a:pPr marL="0" indent="0">
+              <a:buNone/>
+            </a:pPr>
+            <a:r>
+              <a:rPr lang="ja-JP" altLang="en-US" sz="3600" b="1" dirty="0" smtClean="0"/>
+              <a:t>＜済タスク＞</a:t>
+            </a:r>
+            <a:endParaRPr kumimoji="1" lang="en-US" altLang="ja-JP" sz="3600" b="1" dirty="0" smtClean="0"/>
+          </a:p>
+          <a:p>
+            <a:r>
+              <a:rPr lang="ja-JP" altLang="en-US" dirty="0" smtClean="0"/>
+              <a:t>新人サポート</a:t>
+            </a:r>
+            <a:endParaRPr lang="en-US" altLang="ja-JP" dirty="0" smtClean="0"/>
+          </a:p>
+          <a:p>
+            <a:pPr lvl="1"/>
+            <a:r>
+              <a:rPr lang="ja-JP" altLang="en-US" dirty="0" smtClean="0"/>
+              <a:t>研修用</a:t>
+            </a:r>
+            <a:r>
+              <a:rPr lang="en-US" altLang="ja-JP" dirty="0" smtClean="0"/>
+              <a:t>Eclipse Mars</a:t>
+            </a:r>
+            <a:r>
+              <a:rPr lang="ja-JP" altLang="en-US" dirty="0" smtClean="0"/>
+              <a:t>の配布</a:t>
+            </a:r>
+            <a:endParaRPr lang="en-US" altLang="ja-JP" dirty="0"/>
+          </a:p>
+          <a:p>
+            <a:pPr lvl="2"/>
+            <a:r>
+              <a:rPr lang="en-US" altLang="ja-JP" dirty="0" smtClean="0"/>
+              <a:t>JavaFX</a:t>
+            </a:r>
+            <a:endParaRPr lang="en-US" altLang="ja-JP" dirty="0"/>
+          </a:p>
+          <a:p>
+            <a:pPr lvl="2"/>
+            <a:r>
+              <a:rPr lang="en-US" altLang="ja-JP" dirty="0" smtClean="0"/>
+              <a:t>Sirius</a:t>
+            </a:r>
+          </a:p>
+          <a:p>
+            <a:pPr lvl="2"/>
+            <a:r>
+              <a:rPr lang="en-US" altLang="ja-JP" dirty="0" err="1" smtClean="0"/>
+              <a:t>Git</a:t>
+            </a:r>
+            <a:endParaRPr lang="en-US" altLang="ja-JP" dirty="0" smtClean="0"/>
+          </a:p>
+          <a:p>
+            <a:pPr lvl="2"/>
+            <a:r>
+              <a:rPr lang="en-US" altLang="ja-JP" dirty="0" smtClean="0"/>
+              <a:t>SVN</a:t>
+            </a:r>
+          </a:p>
+          <a:p>
+            <a:pPr lvl="2"/>
+            <a:r>
+              <a:rPr lang="en-US" altLang="ja-JP" dirty="0" smtClean="0"/>
+              <a:t>Apache POI</a:t>
+            </a:r>
+          </a:p>
+          <a:p>
+            <a:pPr lvl="1"/>
+            <a:r>
+              <a:rPr lang="ja-JP" altLang="en-US" dirty="0" smtClean="0"/>
+              <a:t>調査依頼</a:t>
+            </a:r>
+            <a:r>
+              <a:rPr lang="en-US" altLang="ja-JP" dirty="0" smtClean="0"/>
+              <a:t>(Plugin, EMF, Sirius, JavaFX)</a:t>
+            </a:r>
+          </a:p>
+          <a:p>
+            <a:r>
+              <a:rPr lang="en-US" altLang="ja-JP" dirty="0" smtClean="0"/>
+              <a:t>Editor, Viewer</a:t>
+            </a:r>
+            <a:r>
+              <a:rPr lang="ja-JP" altLang="en-US" dirty="0" smtClean="0"/>
+              <a:t>の仕様</a:t>
+            </a:r>
+            <a:r>
+              <a:rPr lang="ja-JP" altLang="en-US" dirty="0"/>
+              <a:t>に</a:t>
+            </a:r>
+            <a:r>
+              <a:rPr lang="ja-JP" altLang="en-US" dirty="0" smtClean="0"/>
+              <a:t>ついて個別に共有</a:t>
+            </a:r>
+            <a:endParaRPr lang="en-US" altLang="ja-JP" dirty="0" smtClean="0"/>
+          </a:p>
+          <a:p>
+            <a:r>
+              <a:rPr lang="ja-JP" altLang="en-US" dirty="0"/>
+              <a:t>全体</a:t>
+            </a:r>
+            <a:r>
+              <a:rPr lang="ja-JP" altLang="en-US" dirty="0" smtClean="0"/>
+              <a:t>スケジューリング</a:t>
+            </a:r>
+            <a:endParaRPr lang="en-US" altLang="ja-JP" dirty="0" smtClean="0"/>
+          </a:p>
+          <a:p>
+            <a:r>
+              <a:rPr lang="ja-JP" altLang="en-US" dirty="0" smtClean="0"/>
+              <a:t>坂本さんの導入説明 → 新人の調査報告にコメントを頂く形に変更</a:t>
+            </a:r>
+            <a:endParaRPr lang="en-US" altLang="ja-JP" dirty="0"/>
+          </a:p>
+          <a:p>
+            <a:endParaRPr lang="en-US" altLang="ja-JP" dirty="0" smtClean="0"/>
+          </a:p>
+          <a:p>
+            <a:pPr marL="0" indent="0">
+              <a:buNone/>
+            </a:pPr>
+            <a:r>
+              <a:rPr lang="ja-JP" altLang="en-US" sz="3600" dirty="0" smtClean="0"/>
+              <a:t>＜残タスク＞</a:t>
+            </a:r>
+            <a:endParaRPr lang="en-US" altLang="ja-JP" sz="3600" dirty="0" smtClean="0"/>
+          </a:p>
+          <a:p>
+            <a:pPr marL="0" indent="0">
+              <a:buNone/>
+            </a:pPr>
+            <a:r>
+              <a:rPr lang="ja-JP" altLang="en-US" dirty="0" smtClean="0">
+                <a:solidFill>
+                  <a:srgbClr val="FF0000"/>
+                </a:solidFill>
+              </a:rPr>
+              <a:t>☆ </a:t>
+            </a:r>
+            <a:r>
+              <a:rPr lang="en-US" altLang="ja-JP" dirty="0" smtClean="0">
+                <a:solidFill>
+                  <a:srgbClr val="FF0000"/>
+                </a:solidFill>
+              </a:rPr>
+              <a:t>【</a:t>
+            </a:r>
+            <a:r>
+              <a:rPr lang="en-US" altLang="ja-JP" dirty="0">
+                <a:solidFill>
+                  <a:srgbClr val="FF0000"/>
+                </a:solidFill>
+              </a:rPr>
+              <a:t>Sirius】</a:t>
+            </a:r>
+            <a:r>
+              <a:rPr lang="ja-JP" altLang="en-US" dirty="0" smtClean="0">
+                <a:solidFill>
+                  <a:srgbClr val="FF0000"/>
+                </a:solidFill>
+              </a:rPr>
+              <a:t>設計書フォーマット</a:t>
+            </a:r>
+            <a:r>
+              <a:rPr lang="en-US" altLang="ja-JP" dirty="0" smtClean="0">
+                <a:solidFill>
+                  <a:srgbClr val="FF0000"/>
+                </a:solidFill>
+              </a:rPr>
+              <a:t>/</a:t>
+            </a:r>
+            <a:r>
+              <a:rPr lang="ja-JP" altLang="en-US" dirty="0" smtClean="0">
+                <a:solidFill>
+                  <a:srgbClr val="FF0000"/>
+                </a:solidFill>
+              </a:rPr>
+              <a:t>サンプル作成</a:t>
+            </a:r>
+            <a:endParaRPr lang="en-US" altLang="ja-JP" dirty="0" smtClean="0">
+              <a:solidFill>
+                <a:srgbClr val="FF0000"/>
+              </a:solidFill>
+            </a:endParaRPr>
+          </a:p>
+          <a:p>
+            <a:pPr lvl="2"/>
+            <a:r>
+              <a:rPr kumimoji="1" lang="ja-JP" altLang="en-US" dirty="0" smtClean="0"/>
+              <a:t>フォーマットは</a:t>
+            </a:r>
+            <a:r>
+              <a:rPr kumimoji="1" lang="en-US" altLang="ja-JP" dirty="0" smtClean="0"/>
+              <a:t>6/3(</a:t>
+            </a:r>
+            <a:r>
+              <a:rPr kumimoji="1" lang="ja-JP" altLang="en-US" dirty="0" smtClean="0"/>
+              <a:t>金</a:t>
+            </a:r>
+            <a:r>
+              <a:rPr kumimoji="1" lang="en-US" altLang="ja-JP" dirty="0" smtClean="0"/>
+              <a:t>)</a:t>
+            </a:r>
+            <a:r>
+              <a:rPr kumimoji="1" lang="ja-JP" altLang="en-US" dirty="0" err="1" smtClean="0"/>
+              <a:t>、</a:t>
+            </a:r>
+            <a:r>
+              <a:rPr kumimoji="1" lang="ja-JP" altLang="en-US" dirty="0" smtClean="0"/>
+              <a:t>サンプルは</a:t>
+            </a:r>
+            <a:r>
+              <a:rPr kumimoji="1" lang="en-US" altLang="ja-JP" dirty="0" smtClean="0"/>
+              <a:t>6/7(</a:t>
+            </a:r>
+            <a:r>
+              <a:rPr kumimoji="1" lang="ja-JP" altLang="en-US" dirty="0" smtClean="0"/>
+              <a:t>火</a:t>
+            </a:r>
+            <a:r>
+              <a:rPr kumimoji="1" lang="en-US" altLang="ja-JP" dirty="0" smtClean="0"/>
+              <a:t>)</a:t>
+            </a:r>
+            <a:r>
+              <a:rPr kumimoji="1" lang="ja-JP" altLang="en-US" dirty="0" err="1" smtClean="0"/>
+              <a:t>までに</a:t>
+            </a:r>
+            <a:r>
+              <a:rPr kumimoji="1" lang="ja-JP" altLang="en-US" dirty="0" smtClean="0"/>
+              <a:t>作成</a:t>
+            </a:r>
+            <a:endParaRPr kumimoji="1" lang="en-US" altLang="ja-JP" dirty="0" smtClean="0"/>
+          </a:p>
+          <a:p>
+            <a:pPr lvl="2"/>
+            <a:r>
+              <a:rPr kumimoji="1" lang="ja-JP" altLang="en-US" dirty="0" smtClean="0"/>
+              <a:t>設計に充てられる時間を見積もり、種類</a:t>
+            </a:r>
+            <a:r>
+              <a:rPr kumimoji="1" lang="en-US" altLang="ja-JP" dirty="0" smtClean="0"/>
+              <a:t>/</a:t>
+            </a:r>
+            <a:r>
+              <a:rPr kumimoji="1" lang="ja-JP" altLang="en-US" dirty="0" smtClean="0"/>
+              <a:t>内容を決定する</a:t>
+            </a:r>
+            <a:endParaRPr kumimoji="1" lang="en-US" altLang="ja-JP" dirty="0" smtClean="0"/>
+          </a:p>
+          <a:p>
+            <a:pPr lvl="2"/>
+            <a:r>
+              <a:rPr kumimoji="1" lang="ja-JP" altLang="en-US" dirty="0" smtClean="0"/>
+              <a:t>サンプルの内容は</a:t>
+            </a:r>
+            <a:r>
+              <a:rPr kumimoji="1" lang="en-US" altLang="ja-JP" dirty="0" smtClean="0"/>
+              <a:t>Signal Viewer</a:t>
+            </a:r>
+            <a:r>
+              <a:rPr kumimoji="1" lang="ja-JP" altLang="en-US" dirty="0" smtClean="0"/>
+              <a:t>をターゲットにしたもの</a:t>
+            </a:r>
+            <a:endParaRPr kumimoji="1" lang="en-US" altLang="ja-JP" dirty="0" smtClean="0"/>
+          </a:p>
+          <a:p>
+            <a:pPr marL="0" indent="0">
+              <a:buNone/>
+            </a:pPr>
+            <a:r>
+              <a:rPr kumimoji="1" lang="ja-JP" altLang="en-US" dirty="0" smtClean="0">
+                <a:solidFill>
+                  <a:srgbClr val="0070C0"/>
+                </a:solidFill>
+              </a:rPr>
+              <a:t>○ 全体説明の資料作成</a:t>
+            </a:r>
+            <a:r>
+              <a:rPr kumimoji="1" lang="en-US" altLang="ja-JP" dirty="0" smtClean="0">
+                <a:solidFill>
+                  <a:srgbClr val="0070C0"/>
+                </a:solidFill>
+              </a:rPr>
+              <a:t/>
+            </a:r>
+            <a:br>
+              <a:rPr kumimoji="1" lang="en-US" altLang="ja-JP" dirty="0" smtClean="0">
+                <a:solidFill>
+                  <a:srgbClr val="0070C0"/>
+                </a:solidFill>
+              </a:rPr>
+            </a:br>
+            <a:r>
+              <a:rPr lang="ja-JP" altLang="en-US" dirty="0"/>
+              <a:t>△ </a:t>
+            </a:r>
+            <a:r>
+              <a:rPr lang="en-US" altLang="ja-JP" dirty="0"/>
+              <a:t>【Sirius】</a:t>
+            </a:r>
+            <a:r>
+              <a:rPr lang="ja-JP" altLang="en-US" dirty="0"/>
+              <a:t>チュートリアル</a:t>
+            </a:r>
+            <a:r>
+              <a:rPr lang="ja-JP" altLang="en-US" dirty="0" smtClean="0"/>
+              <a:t>実施</a:t>
+            </a:r>
+            <a:r>
+              <a:rPr lang="en-US" altLang="ja-JP" dirty="0" smtClean="0"/>
+              <a:t/>
+            </a:r>
+            <a:br>
+              <a:rPr lang="en-US" altLang="ja-JP" dirty="0" smtClean="0"/>
+            </a:br>
+            <a:r>
+              <a:rPr lang="ja-JP" altLang="en-US" dirty="0"/>
+              <a:t>△ </a:t>
+            </a:r>
+            <a:r>
+              <a:rPr lang="en-US" altLang="ja-JP" dirty="0"/>
+              <a:t>【</a:t>
+            </a:r>
+            <a:r>
+              <a:rPr lang="en-US" altLang="ja-JP" dirty="0" err="1" smtClean="0"/>
+              <a:t>JavaFX】Y</a:t>
+            </a:r>
+            <a:r>
+              <a:rPr lang="ja-JP" altLang="en-US" dirty="0" smtClean="0"/>
+              <a:t>軸を</a:t>
+            </a:r>
+            <a:r>
+              <a:rPr lang="en-US" altLang="ja-JP" dirty="0" smtClean="0"/>
+              <a:t>N</a:t>
+            </a:r>
+            <a:r>
+              <a:rPr lang="ja-JP" altLang="en-US" dirty="0" smtClean="0"/>
+              <a:t>軸にする調査・</a:t>
+            </a:r>
+            <a:r>
+              <a:rPr lang="en-US" altLang="ja-JP" dirty="0" smtClean="0"/>
+              <a:t>Chart</a:t>
+            </a:r>
+            <a:r>
+              <a:rPr lang="ja-JP" altLang="en-US" dirty="0"/>
+              <a:t>調査</a:t>
+            </a:r>
+            <a:endParaRPr lang="en-US" altLang="ja-JP" dirty="0"/>
+          </a:p>
+          <a:p>
+            <a:pPr marL="0" indent="0">
+              <a:buNone/>
+            </a:pPr>
+            <a:endParaRPr kumimoji="1" lang="en-US" altLang="ja-JP" dirty="0" smtClean="0">
+              <a:solidFill>
+                <a:srgbClr val="0070C0"/>
+              </a:solidFill>
+            </a:endParaRPr>
+          </a:p>
+          <a:p>
+            <a:endParaRPr kumimoji="1" lang="ja-JP" altLang="en-US" dirty="0"/>
+          </a:p>
+        </p:txBody>
+      </p:sp>
+    </p:spTree>
+    <p:extLst>
+      <p:ext uri="{BB962C8B-B14F-4D97-AF65-F5344CB8AC3E}">
+        <p14:creationId xmlns:p14="http://schemas.microsoft.com/office/powerpoint/2010/main" val="4076688968"/>
+      </p:ext>
+    </p:extLst>
+  </p:cSld>
+  <p:clrMapOvr>
+    <a:masterClrMapping/>
+  </p:clrMapOvr>
+  <p:timing>
+    <p:tnLst>
+      <p:par>
+        <p:cTn id="1" dur="indefinite" restart="never" nodeType="tmRoot"/>
+      </p:par>
+    </p:tnLst>
+  </p:timing>
+</p:sld>
+</file>
+
+<file path=ppt/slides/slide11.xml><?xml version="1.0" encoding="utf-8"?>
+<p:sld xmlns:a="http://schemas.openxmlformats.org/drawingml/2006/main" xmlns:r="http://schemas.openxmlformats.org/officeDocument/2006/relationships" xmlns:p="http://schemas.openxmlformats.org/presentationml/2006/main" show="0">
+  <p:cSld>
+    <p:spTree>
+      <p:nvGrpSpPr>
+        <p:cNvPr id="1" name=""/>
+        <p:cNvGrpSpPr/>
+        <p:nvPr/>
+      </p:nvGrpSpPr>
+      <p:grpSpPr>
+        <a:xfrm>
+          <a:off x="0" y="0"/>
+          <a:ext cx="0" cy="0"/>
+          <a:chOff x="0" y="0"/>
+          <a:chExt cx="0" cy="0"/>
+        </a:xfrm>
+      </p:grpSpPr>
+      <p:sp>
+        <p:nvSpPr>
+          <p:cNvPr id="3" name="タイトル 2"/>
+          <p:cNvSpPr>
+            <a:spLocks noGrp="1"/>
+          </p:cNvSpPr>
+          <p:nvPr>
+            <p:ph type="title"/>
+          </p:nvPr>
+        </p:nvSpPr>
+        <p:spPr/>
+        <p:txBody>
+          <a:bodyPr/>
+          <a:lstStyle/>
+          <a:p>
+            <a:r>
+              <a:rPr kumimoji="1" lang="ja-JP" altLang="en-US" dirty="0" smtClean="0"/>
+              <a:t>研修開始までの予定</a:t>
+            </a:r>
+            <a:endParaRPr kumimoji="1" lang="ja-JP" altLang="en-US" dirty="0"/>
+          </a:p>
+        </p:txBody>
+      </p:sp>
+      <p:graphicFrame>
+        <p:nvGraphicFramePr>
+          <p:cNvPr id="4" name="表 3"/>
+          <p:cNvGraphicFramePr>
+            <a:graphicFrameLocks noGrp="1"/>
+          </p:cNvGraphicFramePr>
+          <p:nvPr>
+            <p:extLst>
+              <p:ext uri="{D42A27DB-BD31-4B8C-83A1-F6EECF244321}">
+                <p14:modId xmlns:p14="http://schemas.microsoft.com/office/powerpoint/2010/main" val="2926908319"/>
+              </p:ext>
+            </p:extLst>
+          </p:nvPr>
+        </p:nvGraphicFramePr>
+        <p:xfrm>
+          <a:off x="611560" y="1052736"/>
+          <a:ext cx="8136903" cy="3966402"/>
+        </p:xfrm>
+        <a:graphic>
+          <a:graphicData uri="http://schemas.openxmlformats.org/drawingml/2006/table">
+            <a:tbl>
+              <a:tblPr firstRow="1" bandRow="1">
+                <a:tableStyleId>{5940675A-B579-460E-94D1-54222C63F5DA}</a:tableStyleId>
+              </a:tblPr>
+              <a:tblGrid>
+                <a:gridCol w="740654"/>
+                <a:gridCol w="740654"/>
+                <a:gridCol w="740654"/>
+                <a:gridCol w="740654"/>
+                <a:gridCol w="740654"/>
+                <a:gridCol w="740654"/>
+                <a:gridCol w="740654"/>
+                <a:gridCol w="2952325"/>
+              </a:tblGrid>
+              <a:tr h="360040">
+                <a:tc>
+                  <a:txBody>
+                    <a:bodyPr/>
+                    <a:lstStyle/>
+                    <a:p>
+                      <a:r>
+                        <a:rPr kumimoji="1" lang="ja-JP" altLang="en-US" dirty="0" smtClean="0"/>
+                        <a:t>日</a:t>
+                      </a:r>
+                      <a:endParaRPr kumimoji="1" lang="ja-JP" altLang="en-US" dirty="0"/>
+                    </a:p>
+                  </a:txBody>
+                  <a:tcPr>
+                    <a:lnL w="28575" cap="flat" cmpd="sng" algn="ctr">
+                      <a:solidFill>
+                        <a:schemeClr val="tx1"/>
+                      </a:solidFill>
+                      <a:prstDash val="solid"/>
+                      <a:round/>
+                      <a:headEnd type="none" w="med" len="med"/>
+                      <a:tailEnd type="none" w="med" len="med"/>
+                    </a:lnL>
+                    <a:lnT w="28575" cap="flat" cmpd="sng" algn="ctr">
+                      <a:solidFill>
+                        <a:schemeClr val="tx1"/>
+                      </a:solidFill>
+                      <a:prstDash val="solid"/>
+                      <a:round/>
+                      <a:headEnd type="none" w="med" len="med"/>
+                      <a:tailEnd type="none" w="med" len="med"/>
+                    </a:lnT>
+                    <a:lnB w="19050" cap="flat" cmpd="sng" algn="ctr">
+                      <a:solidFill>
+                        <a:schemeClr val="tx1"/>
+                      </a:solidFill>
+                      <a:prstDash val="solid"/>
+                      <a:round/>
+                      <a:headEnd type="none" w="med" len="med"/>
+                      <a:tailEnd type="none" w="med" len="med"/>
+                    </a:lnB>
+                    <a:solidFill>
+                      <a:schemeClr val="accent2">
+                        <a:lumMod val="40000"/>
+                        <a:lumOff val="60000"/>
+                      </a:schemeClr>
+                    </a:solidFill>
+                  </a:tcPr>
+                </a:tc>
+                <a:tc>
+                  <a:txBody>
+                    <a:bodyPr/>
+                    <a:lstStyle/>
+                    <a:p>
+                      <a:r>
+                        <a:rPr kumimoji="1" lang="ja-JP" altLang="en-US" dirty="0" smtClean="0"/>
+                        <a:t>月</a:t>
+                      </a:r>
+                      <a:endParaRPr kumimoji="1" lang="ja-JP" altLang="en-US" dirty="0"/>
+                    </a:p>
+                  </a:txBody>
+                  <a:tcPr>
+                    <a:lnT w="28575" cap="flat" cmpd="sng" algn="ctr">
+                      <a:solidFill>
+                        <a:schemeClr val="tx1"/>
+                      </a:solidFill>
+                      <a:prstDash val="solid"/>
+                      <a:round/>
+                      <a:headEnd type="none" w="med" len="med"/>
+                      <a:tailEnd type="none" w="med" len="med"/>
+                    </a:lnT>
+                    <a:lnB w="19050" cap="flat" cmpd="sng" algn="ctr">
+                      <a:solidFill>
+                        <a:schemeClr val="tx1"/>
+                      </a:solidFill>
+                      <a:prstDash val="solid"/>
+                      <a:round/>
+                      <a:headEnd type="none" w="med" len="med"/>
+                      <a:tailEnd type="none" w="med" len="med"/>
+                    </a:lnB>
+                  </a:tcPr>
+                </a:tc>
+                <a:tc>
+                  <a:txBody>
+                    <a:bodyPr/>
+                    <a:lstStyle/>
+                    <a:p>
+                      <a:r>
+                        <a:rPr kumimoji="1" lang="ja-JP" altLang="en-US" dirty="0" smtClean="0"/>
+                        <a:t>火</a:t>
+                      </a:r>
+                      <a:endParaRPr kumimoji="1" lang="ja-JP" altLang="en-US" dirty="0"/>
+                    </a:p>
+                  </a:txBody>
+                  <a:tcPr>
+                    <a:lnT w="28575" cap="flat" cmpd="sng" algn="ctr">
+                      <a:solidFill>
+                        <a:schemeClr val="tx1"/>
+                      </a:solidFill>
+                      <a:prstDash val="solid"/>
+                      <a:round/>
+                      <a:headEnd type="none" w="med" len="med"/>
+                      <a:tailEnd type="none" w="med" len="med"/>
+                    </a:lnT>
+                    <a:lnB w="19050" cap="flat" cmpd="sng" algn="ctr">
+                      <a:solidFill>
+                        <a:schemeClr val="tx1"/>
+                      </a:solidFill>
+                      <a:prstDash val="solid"/>
+                      <a:round/>
+                      <a:headEnd type="none" w="med" len="med"/>
+                      <a:tailEnd type="none" w="med" len="med"/>
+                    </a:lnB>
+                  </a:tcPr>
+                </a:tc>
+                <a:tc>
+                  <a:txBody>
+                    <a:bodyPr/>
+                    <a:lstStyle/>
+                    <a:p>
+                      <a:r>
+                        <a:rPr kumimoji="1" lang="ja-JP" altLang="en-US" dirty="0" smtClean="0"/>
+                        <a:t>水</a:t>
+                      </a:r>
+                      <a:endParaRPr kumimoji="1" lang="ja-JP" altLang="en-US" dirty="0"/>
+                    </a:p>
+                  </a:txBody>
+                  <a:tcPr>
+                    <a:lnT w="28575" cap="flat" cmpd="sng" algn="ctr">
+                      <a:solidFill>
+                        <a:schemeClr val="tx1"/>
+                      </a:solidFill>
+                      <a:prstDash val="solid"/>
+                      <a:round/>
+                      <a:headEnd type="none" w="med" len="med"/>
+                      <a:tailEnd type="none" w="med" len="med"/>
+                    </a:lnT>
+                    <a:lnB w="19050" cap="flat" cmpd="sng" algn="ctr">
+                      <a:solidFill>
+                        <a:schemeClr val="tx1"/>
+                      </a:solidFill>
+                      <a:prstDash val="solid"/>
+                      <a:round/>
+                      <a:headEnd type="none" w="med" len="med"/>
+                      <a:tailEnd type="none" w="med" len="med"/>
+                    </a:lnB>
+                  </a:tcPr>
+                </a:tc>
+                <a:tc>
+                  <a:txBody>
+                    <a:bodyPr/>
+                    <a:lstStyle/>
+                    <a:p>
+                      <a:r>
+                        <a:rPr kumimoji="1" lang="ja-JP" altLang="en-US" dirty="0" smtClean="0"/>
+                        <a:t>木</a:t>
+                      </a:r>
+                      <a:endParaRPr kumimoji="1" lang="ja-JP" altLang="en-US" dirty="0"/>
+                    </a:p>
+                  </a:txBody>
+                  <a:tcPr>
+                    <a:lnT w="28575" cap="flat" cmpd="sng" algn="ctr">
+                      <a:solidFill>
+                        <a:schemeClr val="tx1"/>
+                      </a:solidFill>
+                      <a:prstDash val="solid"/>
+                      <a:round/>
+                      <a:headEnd type="none" w="med" len="med"/>
+                      <a:tailEnd type="none" w="med" len="med"/>
+                    </a:lnT>
+                    <a:lnB w="19050" cap="flat" cmpd="sng" algn="ctr">
+                      <a:solidFill>
+                        <a:schemeClr val="tx1"/>
+                      </a:solidFill>
+                      <a:prstDash val="solid"/>
+                      <a:round/>
+                      <a:headEnd type="none" w="med" len="med"/>
+                      <a:tailEnd type="none" w="med" len="med"/>
+                    </a:lnB>
+                  </a:tcPr>
+                </a:tc>
+                <a:tc>
+                  <a:txBody>
+                    <a:bodyPr/>
+                    <a:lstStyle/>
+                    <a:p>
+                      <a:r>
+                        <a:rPr kumimoji="1" lang="ja-JP" altLang="en-US" dirty="0" smtClean="0"/>
+                        <a:t>金</a:t>
+                      </a:r>
+                      <a:endParaRPr kumimoji="1" lang="ja-JP" altLang="en-US" dirty="0"/>
+                    </a:p>
+                  </a:txBody>
+                  <a:tcPr>
+                    <a:lnT w="28575" cap="flat" cmpd="sng" algn="ctr">
+                      <a:solidFill>
+                        <a:schemeClr val="tx1"/>
+                      </a:solidFill>
+                      <a:prstDash val="solid"/>
+                      <a:round/>
+                      <a:headEnd type="none" w="med" len="med"/>
+                      <a:tailEnd type="none" w="med" len="med"/>
+                    </a:lnT>
+                    <a:lnB w="19050" cap="flat" cmpd="sng" algn="ctr">
+                      <a:solidFill>
+                        <a:schemeClr val="tx1"/>
+                      </a:solidFill>
+                      <a:prstDash val="solid"/>
+                      <a:round/>
+                      <a:headEnd type="none" w="med" len="med"/>
+                      <a:tailEnd type="none" w="med" len="med"/>
+                    </a:lnB>
+                  </a:tcPr>
+                </a:tc>
+                <a:tc>
+                  <a:txBody>
+                    <a:bodyPr/>
+                    <a:lstStyle/>
+                    <a:p>
+                      <a:r>
+                        <a:rPr kumimoji="1" lang="ja-JP" altLang="en-US" dirty="0" smtClean="0"/>
+                        <a:t>土</a:t>
+                      </a:r>
+                      <a:endParaRPr kumimoji="1" lang="ja-JP" altLang="en-US" dirty="0"/>
+                    </a:p>
+                  </a:txBody>
+                  <a:tcPr>
+                    <a:lnR w="28575" cap="flat" cmpd="sng" algn="ctr">
+                      <a:solidFill>
+                        <a:schemeClr val="tx1"/>
+                      </a:solidFill>
+                      <a:prstDash val="solid"/>
+                      <a:round/>
+                      <a:headEnd type="none" w="med" len="med"/>
+                      <a:tailEnd type="none" w="med" len="med"/>
+                    </a:lnR>
+                    <a:lnT w="28575" cap="flat" cmpd="sng" algn="ctr">
+                      <a:solidFill>
+                        <a:schemeClr val="tx1"/>
+                      </a:solidFill>
+                      <a:prstDash val="solid"/>
+                      <a:round/>
+                      <a:headEnd type="none" w="med" len="med"/>
+                      <a:tailEnd type="none" w="med" len="med"/>
+                    </a:lnT>
+                    <a:lnB w="19050" cap="flat" cmpd="sng" algn="ctr">
+                      <a:solidFill>
+                        <a:schemeClr val="tx1"/>
+                      </a:solidFill>
+                      <a:prstDash val="solid"/>
+                      <a:round/>
+                      <a:headEnd type="none" w="med" len="med"/>
+                      <a:tailEnd type="none" w="med" len="med"/>
+                    </a:lnB>
+                    <a:solidFill>
+                      <a:schemeClr val="accent5">
+                        <a:lumMod val="40000"/>
+                        <a:lumOff val="60000"/>
+                      </a:schemeClr>
+                    </a:solidFill>
+                  </a:tcPr>
+                </a:tc>
+                <a:tc>
+                  <a:txBody>
+                    <a:bodyPr/>
+                    <a:lstStyle/>
+                    <a:p>
+                      <a:r>
+                        <a:rPr kumimoji="1" lang="ja-JP" altLang="en-US" dirty="0" smtClean="0"/>
+                        <a:t>　チーム側タスク</a:t>
+                      </a:r>
+                      <a:endParaRPr kumimoji="1" lang="en-US" altLang="ja-JP" dirty="0" smtClean="0"/>
+                    </a:p>
+                  </a:txBody>
+                  <a:tcPr>
+                    <a:lnL w="28575" cap="flat" cmpd="sng" algn="ctr">
+                      <a:solidFill>
+                        <a:schemeClr val="tx1"/>
+                      </a:solidFill>
+                      <a:prstDash val="solid"/>
+                      <a:round/>
+                      <a:headEnd type="none" w="med" len="med"/>
+                      <a:tailEnd type="none" w="med" len="med"/>
+                    </a:lnL>
+                    <a:lnR w="28575" cap="flat" cmpd="sng" algn="ctr">
+                      <a:solidFill>
+                        <a:schemeClr val="tx1"/>
+                      </a:solidFill>
+                      <a:prstDash val="solid"/>
+                      <a:round/>
+                      <a:headEnd type="none" w="med" len="med"/>
+                      <a:tailEnd type="none" w="med" len="med"/>
+                    </a:lnR>
+                    <a:lnT w="28575" cap="flat" cmpd="sng" algn="ctr">
+                      <a:solidFill>
+                        <a:schemeClr val="tx1"/>
+                      </a:solidFill>
+                      <a:prstDash val="solid"/>
+                      <a:round/>
+                      <a:headEnd type="none" w="med" len="med"/>
+                      <a:tailEnd type="none" w="med" len="med"/>
+                    </a:lnT>
+                    <a:lnB w="19050" cap="flat" cmpd="sng" algn="ctr">
+                      <a:solidFill>
+                        <a:schemeClr val="tx1"/>
+                      </a:solidFill>
+                      <a:prstDash val="solid"/>
+                      <a:round/>
+                      <a:headEnd type="none" w="med" len="med"/>
+                      <a:tailEnd type="none" w="med" len="med"/>
+                    </a:lnB>
+                    <a:noFill/>
+                  </a:tcPr>
+                </a:tc>
+              </a:tr>
+              <a:tr h="895414">
+                <a:tc>
+                  <a:txBody>
+                    <a:bodyPr/>
+                    <a:lstStyle/>
+                    <a:p>
+                      <a:r>
+                        <a:rPr kumimoji="1" lang="en-US" altLang="ja-JP" dirty="0" smtClean="0"/>
+                        <a:t>5/15</a:t>
+                      </a:r>
+                      <a:endParaRPr kumimoji="1" lang="ja-JP" altLang="en-US" dirty="0"/>
+                    </a:p>
+                  </a:txBody>
+                  <a:tcPr>
+                    <a:lnL w="28575" cap="flat" cmpd="sng" algn="ctr">
+                      <a:solidFill>
+                        <a:schemeClr val="tx1"/>
+                      </a:solidFill>
+                      <a:prstDash val="solid"/>
+                      <a:round/>
+                      <a:headEnd type="none" w="med" len="med"/>
+                      <a:tailEnd type="none" w="med" len="med"/>
+                    </a:lnL>
+                    <a:lnT w="19050" cap="flat" cmpd="sng" algn="ctr">
+                      <a:solidFill>
+                        <a:schemeClr val="tx1"/>
+                      </a:solidFill>
+                      <a:prstDash val="solid"/>
+                      <a:round/>
+                      <a:headEnd type="none" w="med" len="med"/>
+                      <a:tailEnd type="none" w="med" len="med"/>
+                    </a:lnT>
+                    <a:solidFill>
+                      <a:schemeClr val="accent2">
+                        <a:lumMod val="40000"/>
+                        <a:lumOff val="60000"/>
+                      </a:schemeClr>
+                    </a:solidFill>
+                  </a:tcPr>
+                </a:tc>
+                <a:tc>
+                  <a:txBody>
+                    <a:bodyPr/>
+                    <a:lstStyle/>
+                    <a:p>
+                      <a:r>
+                        <a:rPr kumimoji="1" lang="en-US" altLang="ja-JP" dirty="0" smtClean="0"/>
+                        <a:t>16</a:t>
+                      </a:r>
+                      <a:endParaRPr kumimoji="1" lang="ja-JP" altLang="en-US" dirty="0"/>
+                    </a:p>
+                  </a:txBody>
+                  <a:tcPr>
+                    <a:lnT w="19050" cap="flat" cmpd="sng" algn="ctr">
+                      <a:solidFill>
+                        <a:schemeClr val="tx1"/>
+                      </a:solidFill>
+                      <a:prstDash val="solid"/>
+                      <a:round/>
+                      <a:headEnd type="none" w="med" len="med"/>
+                      <a:tailEnd type="none" w="med" len="med"/>
+                    </a:lnT>
+                  </a:tcPr>
+                </a:tc>
+                <a:tc>
+                  <a:txBody>
+                    <a:bodyPr/>
+                    <a:lstStyle/>
+                    <a:p>
+                      <a:r>
+                        <a:rPr kumimoji="1" lang="en-US" altLang="ja-JP" dirty="0" smtClean="0"/>
+                        <a:t>17</a:t>
+                      </a:r>
+                      <a:endParaRPr kumimoji="1" lang="ja-JP" altLang="en-US" dirty="0"/>
+                    </a:p>
+                  </a:txBody>
+                  <a:tcPr>
+                    <a:lnT w="19050" cap="flat" cmpd="sng" algn="ctr">
+                      <a:solidFill>
+                        <a:schemeClr val="tx1"/>
+                      </a:solidFill>
+                      <a:prstDash val="solid"/>
+                      <a:round/>
+                      <a:headEnd type="none" w="med" len="med"/>
+                      <a:tailEnd type="none" w="med" len="med"/>
+                    </a:lnT>
+                  </a:tcPr>
+                </a:tc>
+                <a:tc>
+                  <a:txBody>
+                    <a:bodyPr/>
+                    <a:lstStyle/>
+                    <a:p>
+                      <a:r>
+                        <a:rPr kumimoji="1" lang="en-US" altLang="ja-JP" dirty="0" smtClean="0"/>
+                        <a:t>18</a:t>
+                      </a:r>
+                      <a:endParaRPr kumimoji="1" lang="ja-JP" altLang="en-US" dirty="0"/>
+                    </a:p>
+                  </a:txBody>
+                  <a:tcPr>
+                    <a:lnT w="19050" cap="flat" cmpd="sng" algn="ctr">
+                      <a:solidFill>
+                        <a:schemeClr val="tx1"/>
+                      </a:solidFill>
+                      <a:prstDash val="solid"/>
+                      <a:round/>
+                      <a:headEnd type="none" w="med" len="med"/>
+                      <a:tailEnd type="none" w="med" len="med"/>
+                    </a:lnT>
+                  </a:tcPr>
+                </a:tc>
+                <a:tc>
+                  <a:txBody>
+                    <a:bodyPr/>
+                    <a:lstStyle/>
+                    <a:p>
+                      <a:r>
+                        <a:rPr kumimoji="1" lang="en-US" altLang="ja-JP" dirty="0" smtClean="0"/>
+                        <a:t>19</a:t>
+                      </a:r>
+                      <a:endParaRPr kumimoji="1" lang="ja-JP" altLang="en-US" dirty="0"/>
+                    </a:p>
+                  </a:txBody>
+                  <a:tcPr>
+                    <a:lnT w="19050" cap="flat" cmpd="sng" algn="ctr">
+                      <a:solidFill>
+                        <a:schemeClr val="tx1"/>
+                      </a:solidFill>
+                      <a:prstDash val="solid"/>
+                      <a:round/>
+                      <a:headEnd type="none" w="med" len="med"/>
+                      <a:tailEnd type="none" w="med" len="med"/>
+                    </a:lnT>
+                  </a:tcPr>
+                </a:tc>
+                <a:tc>
+                  <a:txBody>
+                    <a:bodyPr/>
+                    <a:lstStyle/>
+                    <a:p>
+                      <a:r>
+                        <a:rPr kumimoji="1" lang="en-US" altLang="ja-JP" dirty="0" smtClean="0"/>
+                        <a:t>20</a:t>
+                      </a:r>
+                      <a:endParaRPr kumimoji="1" lang="ja-JP" altLang="en-US" dirty="0"/>
+                    </a:p>
+                  </a:txBody>
+                  <a:tcPr>
+                    <a:lnT w="19050" cap="flat" cmpd="sng" algn="ctr">
+                      <a:solidFill>
+                        <a:schemeClr val="tx1"/>
+                      </a:solidFill>
+                      <a:prstDash val="solid"/>
+                      <a:round/>
+                      <a:headEnd type="none" w="med" len="med"/>
+                      <a:tailEnd type="none" w="med" len="med"/>
+                    </a:lnT>
+                  </a:tcPr>
+                </a:tc>
+                <a:tc>
+                  <a:txBody>
+                    <a:bodyPr/>
+                    <a:lstStyle/>
+                    <a:p>
+                      <a:r>
+                        <a:rPr kumimoji="1" lang="en-US" altLang="ja-JP" dirty="0" smtClean="0"/>
+                        <a:t>21</a:t>
+                      </a:r>
+                      <a:endParaRPr kumimoji="1" lang="ja-JP" altLang="en-US" dirty="0"/>
+                    </a:p>
+                  </a:txBody>
+                  <a:tcPr>
+                    <a:lnR w="28575" cap="flat" cmpd="sng" algn="ctr">
+                      <a:solidFill>
+                        <a:schemeClr val="tx1"/>
+                      </a:solidFill>
+                      <a:prstDash val="solid"/>
+                      <a:round/>
+                      <a:headEnd type="none" w="med" len="med"/>
+                      <a:tailEnd type="none" w="med" len="med"/>
+                    </a:lnR>
+                    <a:lnT w="19050" cap="flat" cmpd="sng" algn="ctr">
+                      <a:solidFill>
+                        <a:schemeClr val="tx1"/>
+                      </a:solidFill>
+                      <a:prstDash val="solid"/>
+                      <a:round/>
+                      <a:headEnd type="none" w="med" len="med"/>
+                      <a:tailEnd type="none" w="med" len="med"/>
+                    </a:lnT>
+                    <a:solidFill>
+                      <a:schemeClr val="accent5">
+                        <a:lumMod val="40000"/>
+                        <a:lumOff val="60000"/>
+                      </a:schemeClr>
+                    </a:solidFill>
+                  </a:tcPr>
+                </a:tc>
+                <a:tc>
+                  <a:txBody>
+                    <a:bodyPr/>
+                    <a:lstStyle/>
+                    <a:p>
+                      <a:r>
+                        <a:rPr kumimoji="1" lang="ja-JP" altLang="en-US" dirty="0" smtClean="0"/>
+                        <a:t>全体計画</a:t>
+                      </a:r>
+                      <a:endParaRPr kumimoji="1" lang="en-US" altLang="ja-JP" dirty="0" smtClean="0"/>
+                    </a:p>
+                    <a:p>
+                      <a:r>
+                        <a:rPr kumimoji="1" lang="ja-JP" altLang="en-US" dirty="0" smtClean="0"/>
+                        <a:t>研修内容決定</a:t>
+                      </a:r>
+                      <a:endParaRPr kumimoji="1" lang="en-US" altLang="ja-JP" dirty="0" smtClean="0"/>
+                    </a:p>
+                  </a:txBody>
+                  <a:tcPr>
+                    <a:lnL w="28575" cap="flat" cmpd="sng" algn="ctr">
+                      <a:solidFill>
+                        <a:schemeClr val="tx1"/>
+                      </a:solidFill>
+                      <a:prstDash val="solid"/>
+                      <a:round/>
+                      <a:headEnd type="none" w="med" len="med"/>
+                      <a:tailEnd type="none" w="med" len="med"/>
+                    </a:lnL>
+                    <a:lnR w="28575" cap="flat" cmpd="sng" algn="ctr">
+                      <a:solidFill>
+                        <a:schemeClr val="tx1"/>
+                      </a:solidFill>
+                      <a:prstDash val="solid"/>
+                      <a:round/>
+                      <a:headEnd type="none" w="med" len="med"/>
+                      <a:tailEnd type="none" w="med" len="med"/>
+                    </a:lnR>
+                    <a:lnT w="19050" cap="flat" cmpd="sng" algn="ctr">
+                      <a:solidFill>
+                        <a:schemeClr val="tx1"/>
+                      </a:solidFill>
+                      <a:prstDash val="solid"/>
+                      <a:round/>
+                      <a:headEnd type="none" w="med" len="med"/>
+                      <a:tailEnd type="none" w="med" len="med"/>
+                    </a:lnT>
+                    <a:noFill/>
+                  </a:tcPr>
+                </a:tc>
+              </a:tr>
+              <a:tr h="895414">
+                <a:tc>
+                  <a:txBody>
+                    <a:bodyPr/>
+                    <a:lstStyle/>
+                    <a:p>
+                      <a:r>
+                        <a:rPr kumimoji="1" lang="en-US" altLang="ja-JP" dirty="0" smtClean="0"/>
+                        <a:t>22</a:t>
+                      </a:r>
+                      <a:endParaRPr kumimoji="1" lang="ja-JP" altLang="en-US" dirty="0"/>
+                    </a:p>
+                  </a:txBody>
+                  <a:tcPr>
+                    <a:lnL w="28575" cap="flat" cmpd="sng" algn="ctr">
+                      <a:solidFill>
+                        <a:schemeClr val="tx1"/>
+                      </a:solidFill>
+                      <a:prstDash val="solid"/>
+                      <a:round/>
+                      <a:headEnd type="none" w="med" len="med"/>
+                      <a:tailEnd type="none" w="med" len="med"/>
+                    </a:lnL>
+                    <a:solidFill>
+                      <a:schemeClr val="accent2">
+                        <a:lumMod val="40000"/>
+                        <a:lumOff val="60000"/>
+                      </a:schemeClr>
+                    </a:solidFill>
+                  </a:tcPr>
+                </a:tc>
+                <a:tc>
+                  <a:txBody>
+                    <a:bodyPr/>
+                    <a:lstStyle/>
+                    <a:p>
+                      <a:r>
+                        <a:rPr kumimoji="1" lang="en-US" altLang="ja-JP" dirty="0" smtClean="0"/>
+                        <a:t>23</a:t>
+                      </a:r>
+                      <a:endParaRPr kumimoji="1" lang="ja-JP" altLang="en-US" dirty="0"/>
+                    </a:p>
+                  </a:txBody>
+                  <a:tcPr/>
+                </a:tc>
+                <a:tc>
+                  <a:txBody>
+                    <a:bodyPr/>
+                    <a:lstStyle/>
+                    <a:p>
+                      <a:r>
+                        <a:rPr kumimoji="1" lang="en-US" altLang="ja-JP" dirty="0" smtClean="0"/>
+                        <a:t>24</a:t>
+                      </a:r>
+                      <a:endParaRPr kumimoji="1" lang="ja-JP" altLang="en-US" dirty="0"/>
+                    </a:p>
+                  </a:txBody>
+                  <a:tcPr/>
+                </a:tc>
+                <a:tc>
+                  <a:txBody>
+                    <a:bodyPr/>
+                    <a:lstStyle/>
+                    <a:p>
+                      <a:r>
+                        <a:rPr kumimoji="1" lang="en-US" altLang="ja-JP" dirty="0" smtClean="0"/>
+                        <a:t>25</a:t>
+                      </a:r>
+                      <a:endParaRPr kumimoji="1" lang="ja-JP" altLang="en-US" dirty="0"/>
+                    </a:p>
+                  </a:txBody>
+                  <a:tcPr/>
+                </a:tc>
+                <a:tc>
+                  <a:txBody>
+                    <a:bodyPr/>
+                    <a:lstStyle/>
+                    <a:p>
+                      <a:r>
+                        <a:rPr kumimoji="1" lang="en-US" altLang="ja-JP" dirty="0" smtClean="0"/>
+                        <a:t>26</a:t>
+                      </a:r>
+                      <a:endParaRPr kumimoji="1" lang="ja-JP" altLang="en-US" dirty="0"/>
+                    </a:p>
+                  </a:txBody>
+                  <a:tcPr/>
+                </a:tc>
+                <a:tc>
+                  <a:txBody>
+                    <a:bodyPr/>
+                    <a:lstStyle/>
+                    <a:p>
+                      <a:r>
+                        <a:rPr kumimoji="1" lang="en-US" altLang="ja-JP" dirty="0" smtClean="0"/>
+                        <a:t>27</a:t>
+                      </a:r>
+                      <a:endParaRPr kumimoji="1" lang="ja-JP" altLang="en-US" dirty="0"/>
+                    </a:p>
+                  </a:txBody>
+                  <a:tcPr/>
+                </a:tc>
+                <a:tc>
+                  <a:txBody>
+                    <a:bodyPr/>
+                    <a:lstStyle/>
+                    <a:p>
+                      <a:r>
+                        <a:rPr kumimoji="1" lang="en-US" altLang="ja-JP" dirty="0" smtClean="0"/>
+                        <a:t>28</a:t>
+                      </a:r>
+                      <a:endParaRPr kumimoji="1" lang="ja-JP" altLang="en-US" dirty="0"/>
+                    </a:p>
+                  </a:txBody>
+                  <a:tcPr>
+                    <a:lnR w="28575" cap="flat" cmpd="sng" algn="ctr">
+                      <a:solidFill>
+                        <a:schemeClr val="tx1"/>
+                      </a:solidFill>
+                      <a:prstDash val="solid"/>
+                      <a:round/>
+                      <a:headEnd type="none" w="med" len="med"/>
+                      <a:tailEnd type="none" w="med" len="med"/>
+                    </a:lnR>
+                    <a:solidFill>
+                      <a:schemeClr val="accent5">
+                        <a:lumMod val="40000"/>
+                        <a:lumOff val="60000"/>
+                      </a:schemeClr>
+                    </a:solidFill>
+                  </a:tcPr>
+                </a:tc>
+                <a:tc>
+                  <a:txBody>
+                    <a:bodyPr/>
+                    <a:lstStyle/>
+                    <a:p>
+                      <a:r>
+                        <a:rPr kumimoji="1" lang="ja-JP" altLang="en-US" dirty="0" smtClean="0"/>
+                        <a:t>詳細計画</a:t>
+                      </a:r>
+                      <a:endParaRPr kumimoji="1" lang="en-US" altLang="ja-JP" dirty="0" smtClean="0"/>
+                    </a:p>
+                    <a:p>
+                      <a:pPr marL="0" marR="0" indent="0" algn="l" defTabSz="914400" rtl="0" eaLnBrk="1" fontAlgn="auto" latinLnBrk="0" hangingPunct="1">
+                        <a:lnSpc>
+                          <a:spcPct val="100000"/>
+                        </a:lnSpc>
+                        <a:spcBef>
+                          <a:spcPts val="0"/>
+                        </a:spcBef>
+                        <a:spcAft>
+                          <a:spcPts val="0"/>
+                        </a:spcAft>
+                        <a:buClrTx/>
+                        <a:buSzTx/>
+                        <a:buFontTx/>
+                        <a:buNone/>
+                        <a:tabLst/>
+                        <a:defRPr/>
+                      </a:pPr>
+                      <a:r>
+                        <a:rPr kumimoji="1" lang="en-US" altLang="ja-JP" dirty="0" smtClean="0"/>
+                        <a:t>Sirius</a:t>
+                      </a:r>
+                      <a:r>
+                        <a:rPr kumimoji="1" lang="ja-JP" altLang="en-US" dirty="0" smtClean="0"/>
+                        <a:t>調査</a:t>
+                      </a:r>
+                      <a:endParaRPr kumimoji="1" lang="en-US" altLang="ja-JP" dirty="0" smtClean="0"/>
+                    </a:p>
+                    <a:p>
+                      <a:r>
+                        <a:rPr kumimoji="1" lang="ja-JP" altLang="en-US" dirty="0" smtClean="0"/>
+                        <a:t>サンプルエディタ作成</a:t>
+                      </a:r>
+                      <a:endParaRPr kumimoji="1" lang="en-US" altLang="ja-JP" dirty="0" smtClean="0"/>
+                    </a:p>
+                  </a:txBody>
+                  <a:tcPr>
+                    <a:lnL w="28575" cap="flat" cmpd="sng" algn="ctr">
+                      <a:solidFill>
+                        <a:schemeClr val="tx1"/>
+                      </a:solidFill>
+                      <a:prstDash val="solid"/>
+                      <a:round/>
+                      <a:headEnd type="none" w="med" len="med"/>
+                      <a:tailEnd type="none" w="med" len="med"/>
+                    </a:lnL>
+                    <a:lnR w="28575" cap="flat" cmpd="sng" algn="ctr">
+                      <a:solidFill>
+                        <a:schemeClr val="tx1"/>
+                      </a:solidFill>
+                      <a:prstDash val="solid"/>
+                      <a:round/>
+                      <a:headEnd type="none" w="med" len="med"/>
+                      <a:tailEnd type="none" w="med" len="med"/>
+                    </a:lnR>
+                    <a:noFill/>
+                  </a:tcPr>
+                </a:tc>
+              </a:tr>
+              <a:tr h="895414">
+                <a:tc>
+                  <a:txBody>
+                    <a:bodyPr/>
+                    <a:lstStyle/>
+                    <a:p>
+                      <a:r>
+                        <a:rPr kumimoji="1" lang="en-US" altLang="ja-JP" dirty="0" smtClean="0"/>
+                        <a:t>29</a:t>
+                      </a:r>
+                      <a:endParaRPr kumimoji="1" lang="ja-JP" altLang="en-US" dirty="0"/>
+                    </a:p>
+                  </a:txBody>
+                  <a:tcPr>
+                    <a:lnL w="28575" cap="flat" cmpd="sng" algn="ctr">
+                      <a:solidFill>
+                        <a:schemeClr val="tx1"/>
+                      </a:solidFill>
+                      <a:prstDash val="solid"/>
+                      <a:round/>
+                      <a:headEnd type="none" w="med" len="med"/>
+                      <a:tailEnd type="none" w="med" len="med"/>
+                    </a:lnL>
+                    <a:solidFill>
+                      <a:schemeClr val="accent2">
+                        <a:lumMod val="40000"/>
+                        <a:lumOff val="60000"/>
+                      </a:schemeClr>
+                    </a:solidFill>
+                  </a:tcPr>
+                </a:tc>
+                <a:tc>
+                  <a:txBody>
+                    <a:bodyPr/>
+                    <a:lstStyle/>
+                    <a:p>
+                      <a:r>
+                        <a:rPr kumimoji="1" lang="en-US" altLang="ja-JP" dirty="0" smtClean="0"/>
+                        <a:t>30</a:t>
+                      </a:r>
+                      <a:endParaRPr kumimoji="1" lang="ja-JP" altLang="en-US" dirty="0"/>
+                    </a:p>
+                  </a:txBody>
+                  <a:tcPr/>
+                </a:tc>
+                <a:tc>
+                  <a:txBody>
+                    <a:bodyPr/>
+                    <a:lstStyle/>
+                    <a:p>
+                      <a:r>
+                        <a:rPr kumimoji="1" lang="en-US" altLang="ja-JP" dirty="0" smtClean="0"/>
+                        <a:t>31</a:t>
+                      </a:r>
+                      <a:endParaRPr kumimoji="1" lang="ja-JP" altLang="en-US" dirty="0"/>
+                    </a:p>
+                  </a:txBody>
+                  <a:tcPr/>
+                </a:tc>
+                <a:tc>
+                  <a:txBody>
+                    <a:bodyPr/>
+                    <a:lstStyle/>
+                    <a:p>
+                      <a:r>
+                        <a:rPr kumimoji="1" lang="en-US" altLang="ja-JP" dirty="0" smtClean="0"/>
+                        <a:t>6/1</a:t>
+                      </a:r>
+                      <a:endParaRPr kumimoji="1" lang="ja-JP" altLang="en-US" dirty="0"/>
+                    </a:p>
+                  </a:txBody>
+                  <a:tcPr/>
+                </a:tc>
+                <a:tc>
+                  <a:txBody>
+                    <a:bodyPr/>
+                    <a:lstStyle/>
+                    <a:p>
+                      <a:r>
+                        <a:rPr kumimoji="1" lang="en-US" altLang="ja-JP" dirty="0" smtClean="0"/>
+                        <a:t>2</a:t>
+                      </a:r>
+                      <a:endParaRPr kumimoji="1" lang="ja-JP" altLang="en-US" dirty="0"/>
+                    </a:p>
+                  </a:txBody>
+                  <a:tcPr/>
+                </a:tc>
+                <a:tc>
+                  <a:txBody>
+                    <a:bodyPr/>
+                    <a:lstStyle/>
+                    <a:p>
+                      <a:r>
+                        <a:rPr kumimoji="1" lang="en-US" altLang="ja-JP" dirty="0" smtClean="0"/>
+                        <a:t>3</a:t>
+                      </a:r>
+                      <a:endParaRPr kumimoji="1" lang="ja-JP" altLang="en-US" dirty="0"/>
+                    </a:p>
+                  </a:txBody>
+                  <a:tcPr/>
+                </a:tc>
+                <a:tc>
+                  <a:txBody>
+                    <a:bodyPr/>
+                    <a:lstStyle/>
+                    <a:p>
+                      <a:r>
+                        <a:rPr kumimoji="1" lang="en-US" altLang="ja-JP" dirty="0" smtClean="0"/>
+                        <a:t>4</a:t>
+                      </a:r>
+                      <a:endParaRPr kumimoji="1" lang="ja-JP" altLang="en-US" dirty="0"/>
+                    </a:p>
+                  </a:txBody>
+                  <a:tcPr>
+                    <a:lnR w="28575" cap="flat" cmpd="sng" algn="ctr">
+                      <a:solidFill>
+                        <a:schemeClr val="tx1"/>
+                      </a:solidFill>
+                      <a:prstDash val="solid"/>
+                      <a:round/>
+                      <a:headEnd type="none" w="med" len="med"/>
+                      <a:tailEnd type="none" w="med" len="med"/>
+                    </a:lnR>
+                    <a:solidFill>
+                      <a:schemeClr val="accent5">
+                        <a:lumMod val="40000"/>
+                        <a:lumOff val="60000"/>
+                      </a:schemeClr>
+                    </a:solidFill>
+                  </a:tcPr>
+                </a:tc>
+                <a:tc>
+                  <a:txBody>
+                    <a:bodyPr/>
+                    <a:lstStyle/>
+                    <a:p>
+                      <a:pPr marL="0" marR="0" indent="0" algn="l" defTabSz="914400" rtl="0" eaLnBrk="1" fontAlgn="auto" latinLnBrk="0" hangingPunct="1">
+                        <a:lnSpc>
+                          <a:spcPct val="100000"/>
+                        </a:lnSpc>
+                        <a:spcBef>
+                          <a:spcPts val="0"/>
+                        </a:spcBef>
+                        <a:spcAft>
+                          <a:spcPts val="0"/>
+                        </a:spcAft>
+                        <a:buClrTx/>
+                        <a:buSzTx/>
+                        <a:buFontTx/>
+                        <a:buNone/>
+                        <a:tabLst/>
+                        <a:defRPr/>
+                      </a:pPr>
+                      <a:r>
+                        <a:rPr kumimoji="1" lang="ja-JP" altLang="en-US" dirty="0" smtClean="0"/>
+                        <a:t>説明資料作成</a:t>
+                      </a:r>
+                      <a:endParaRPr kumimoji="1" lang="en-US" altLang="ja-JP" dirty="0" smtClean="0"/>
+                    </a:p>
+                    <a:p>
+                      <a:r>
+                        <a:rPr kumimoji="1" lang="ja-JP" altLang="en-US" dirty="0" smtClean="0"/>
+                        <a:t>書類フォーマット作成</a:t>
+                      </a:r>
+                      <a:endParaRPr kumimoji="1" lang="ja-JP" altLang="en-US" dirty="0"/>
+                    </a:p>
+                  </a:txBody>
+                  <a:tcPr>
+                    <a:lnL w="28575" cap="flat" cmpd="sng" algn="ctr">
+                      <a:solidFill>
+                        <a:schemeClr val="tx1"/>
+                      </a:solidFill>
+                      <a:prstDash val="solid"/>
+                      <a:round/>
+                      <a:headEnd type="none" w="med" len="med"/>
+                      <a:tailEnd type="none" w="med" len="med"/>
+                    </a:lnL>
+                    <a:lnR w="28575" cap="flat" cmpd="sng" algn="ctr">
+                      <a:solidFill>
+                        <a:schemeClr val="tx1"/>
+                      </a:solidFill>
+                      <a:prstDash val="solid"/>
+                      <a:round/>
+                      <a:headEnd type="none" w="med" len="med"/>
+                      <a:tailEnd type="none" w="med" len="med"/>
+                    </a:lnR>
+                    <a:noFill/>
+                  </a:tcPr>
+                </a:tc>
+              </a:tr>
+              <a:tr h="895414">
+                <a:tc>
+                  <a:txBody>
+                    <a:bodyPr/>
+                    <a:lstStyle/>
+                    <a:p>
+                      <a:r>
+                        <a:rPr kumimoji="1" lang="en-US" altLang="ja-JP" dirty="0" smtClean="0"/>
+                        <a:t>5</a:t>
+                      </a:r>
+                      <a:endParaRPr kumimoji="1" lang="ja-JP" altLang="en-US" dirty="0"/>
+                    </a:p>
+                  </a:txBody>
+                  <a:tcPr>
+                    <a:lnL w="28575" cap="flat" cmpd="sng" algn="ctr">
+                      <a:solidFill>
+                        <a:schemeClr val="tx1"/>
+                      </a:solidFill>
+                      <a:prstDash val="solid"/>
+                      <a:round/>
+                      <a:headEnd type="none" w="med" len="med"/>
+                      <a:tailEnd type="none" w="med" len="med"/>
+                    </a:lnL>
+                    <a:lnB w="28575" cap="flat" cmpd="sng" algn="ctr">
+                      <a:solidFill>
+                        <a:schemeClr val="tx1"/>
+                      </a:solidFill>
+                      <a:prstDash val="solid"/>
+                      <a:round/>
+                      <a:headEnd type="none" w="med" len="med"/>
+                      <a:tailEnd type="none" w="med" len="med"/>
+                    </a:lnB>
+                    <a:solidFill>
+                      <a:schemeClr val="accent2">
+                        <a:lumMod val="40000"/>
+                        <a:lumOff val="60000"/>
+                      </a:schemeClr>
+                    </a:solidFill>
+                  </a:tcPr>
+                </a:tc>
+                <a:tc>
+                  <a:txBody>
+                    <a:bodyPr/>
+                    <a:lstStyle/>
+                    <a:p>
+                      <a:r>
+                        <a:rPr kumimoji="1" lang="en-US" altLang="ja-JP" dirty="0" smtClean="0"/>
+                        <a:t>6</a:t>
+                      </a:r>
+                    </a:p>
+                  </a:txBody>
+                  <a:tcPr>
+                    <a:lnB w="28575" cap="flat" cmpd="sng" algn="ctr">
+                      <a:solidFill>
+                        <a:schemeClr val="tx1"/>
+                      </a:solidFill>
+                      <a:prstDash val="solid"/>
+                      <a:round/>
+                      <a:headEnd type="none" w="med" len="med"/>
+                      <a:tailEnd type="none" w="med" len="med"/>
+                    </a:lnB>
+                  </a:tcPr>
+                </a:tc>
+                <a:tc>
+                  <a:txBody>
+                    <a:bodyPr/>
+                    <a:lstStyle/>
+                    <a:p>
+                      <a:endParaRPr kumimoji="1" lang="ja-JP" altLang="en-US" dirty="0"/>
+                    </a:p>
+                  </a:txBody>
+                  <a:tcPr>
+                    <a:lnB w="28575" cap="flat" cmpd="sng" algn="ctr">
+                      <a:solidFill>
+                        <a:schemeClr val="tx1"/>
+                      </a:solidFill>
+                      <a:prstDash val="solid"/>
+                      <a:round/>
+                      <a:headEnd type="none" w="med" len="med"/>
+                      <a:tailEnd type="none" w="med" len="med"/>
+                    </a:lnB>
+                  </a:tcPr>
+                </a:tc>
+                <a:tc>
+                  <a:txBody>
+                    <a:bodyPr/>
+                    <a:lstStyle/>
+                    <a:p>
+                      <a:endParaRPr kumimoji="1" lang="ja-JP" altLang="en-US" dirty="0"/>
+                    </a:p>
+                  </a:txBody>
+                  <a:tcPr>
+                    <a:lnB w="28575" cap="flat" cmpd="sng" algn="ctr">
+                      <a:solidFill>
+                        <a:schemeClr val="tx1"/>
+                      </a:solidFill>
+                      <a:prstDash val="solid"/>
+                      <a:round/>
+                      <a:headEnd type="none" w="med" len="med"/>
+                      <a:tailEnd type="none" w="med" len="med"/>
+                    </a:lnB>
+                  </a:tcPr>
+                </a:tc>
+                <a:tc>
+                  <a:txBody>
+                    <a:bodyPr/>
+                    <a:lstStyle/>
+                    <a:p>
+                      <a:endParaRPr kumimoji="1" lang="ja-JP" altLang="en-US" dirty="0"/>
+                    </a:p>
+                  </a:txBody>
+                  <a:tcPr>
+                    <a:lnB w="28575" cap="flat" cmpd="sng" algn="ctr">
+                      <a:solidFill>
+                        <a:schemeClr val="tx1"/>
+                      </a:solidFill>
+                      <a:prstDash val="solid"/>
+                      <a:round/>
+                      <a:headEnd type="none" w="med" len="med"/>
+                      <a:tailEnd type="none" w="med" len="med"/>
+                    </a:lnB>
+                  </a:tcPr>
+                </a:tc>
+                <a:tc>
+                  <a:txBody>
+                    <a:bodyPr/>
+                    <a:lstStyle/>
+                    <a:p>
+                      <a:endParaRPr kumimoji="1" lang="ja-JP" altLang="en-US" dirty="0"/>
+                    </a:p>
+                  </a:txBody>
+                  <a:tcPr>
+                    <a:lnB w="28575" cap="flat" cmpd="sng" algn="ctr">
+                      <a:solidFill>
+                        <a:schemeClr val="tx1"/>
+                      </a:solidFill>
+                      <a:prstDash val="solid"/>
+                      <a:round/>
+                      <a:headEnd type="none" w="med" len="med"/>
+                      <a:tailEnd type="none" w="med" len="med"/>
+                    </a:lnB>
+                  </a:tcPr>
+                </a:tc>
+                <a:tc>
+                  <a:txBody>
+                    <a:bodyPr/>
+                    <a:lstStyle/>
+                    <a:p>
+                      <a:endParaRPr kumimoji="1" lang="ja-JP" altLang="en-US" dirty="0"/>
+                    </a:p>
+                  </a:txBody>
+                  <a:tcPr>
+                    <a:lnR w="28575" cap="flat" cmpd="sng" algn="ctr">
+                      <a:solidFill>
+                        <a:schemeClr val="tx1"/>
+                      </a:solidFill>
+                      <a:prstDash val="solid"/>
+                      <a:round/>
+                      <a:headEnd type="none" w="med" len="med"/>
+                      <a:tailEnd type="none" w="med" len="med"/>
+                    </a:lnR>
+                    <a:lnB w="28575" cap="flat" cmpd="sng" algn="ctr">
+                      <a:solidFill>
+                        <a:schemeClr val="tx1"/>
+                      </a:solidFill>
+                      <a:prstDash val="solid"/>
+                      <a:round/>
+                      <a:headEnd type="none" w="med" len="med"/>
+                      <a:tailEnd type="none" w="med" len="med"/>
+                    </a:lnB>
+                    <a:solidFill>
+                      <a:schemeClr val="accent5">
+                        <a:lumMod val="40000"/>
+                        <a:lumOff val="60000"/>
+                      </a:schemeClr>
+                    </a:solidFill>
+                  </a:tcPr>
+                </a:tc>
+                <a:tc>
+                  <a:txBody>
+                    <a:bodyPr/>
+                    <a:lstStyle/>
+                    <a:p>
+                      <a:endParaRPr kumimoji="1" lang="ja-JP" altLang="en-US" dirty="0"/>
+                    </a:p>
+                  </a:txBody>
+                  <a:tcPr>
+                    <a:lnL w="28575" cap="flat" cmpd="sng" algn="ctr">
+                      <a:solidFill>
+                        <a:schemeClr val="tx1"/>
+                      </a:solidFill>
+                      <a:prstDash val="solid"/>
+                      <a:round/>
+                      <a:headEnd type="none" w="med" len="med"/>
+                      <a:tailEnd type="none" w="med" len="med"/>
+                    </a:lnL>
+                    <a:lnR w="28575" cap="flat" cmpd="sng" algn="ctr">
+                      <a:solidFill>
+                        <a:schemeClr val="tx1"/>
+                      </a:solidFill>
+                      <a:prstDash val="solid"/>
+                      <a:round/>
+                      <a:headEnd type="none" w="med" len="med"/>
+                      <a:tailEnd type="none" w="med" len="med"/>
+                    </a:lnR>
+                    <a:lnB w="28575" cap="flat" cmpd="sng" algn="ctr">
+                      <a:solidFill>
+                        <a:schemeClr val="tx1"/>
+                      </a:solidFill>
+                      <a:prstDash val="solid"/>
+                      <a:round/>
+                      <a:headEnd type="none" w="med" len="med"/>
+                      <a:tailEnd type="none" w="med" len="med"/>
+                    </a:lnB>
+                    <a:noFill/>
+                  </a:tcPr>
+                </a:tc>
+              </a:tr>
+            </a:tbl>
+          </a:graphicData>
+        </a:graphic>
+      </p:graphicFrame>
+      <p:sp>
+        <p:nvSpPr>
+          <p:cNvPr id="5" name="正方形/長方形 4"/>
+          <p:cNvSpPr/>
+          <p:nvPr/>
+        </p:nvSpPr>
+        <p:spPr>
+          <a:xfrm>
+            <a:off x="4368676" y="1844824"/>
+            <a:ext cx="624548" cy="426575"/>
+          </a:xfrm>
+          <a:prstGeom prst="rect">
+            <a:avLst/>
+          </a:prstGeom>
+        </p:spPr>
+        <p:style>
+          <a:lnRef idx="1">
+            <a:schemeClr val="dk1"/>
+          </a:lnRef>
+          <a:fillRef idx="2">
+            <a:schemeClr val="dk1"/>
+          </a:fillRef>
+          <a:effectRef idx="1">
+            <a:schemeClr val="dk1"/>
+          </a:effectRef>
+          <a:fontRef idx="minor">
+            <a:schemeClr val="dk1"/>
+          </a:fontRef>
+        </p:style>
+        <p:txBody>
+          <a:bodyPr rtlCol="0" anchor="ctr"/>
+          <a:lstStyle/>
+          <a:p>
+            <a:pPr algn="ctr"/>
+            <a:r>
+              <a:rPr kumimoji="1" lang="en-US" altLang="ja-JP" dirty="0" smtClean="0">
+                <a:solidFill>
+                  <a:schemeClr val="tx1"/>
+                </a:solidFill>
+              </a:rPr>
+              <a:t>Now</a:t>
+            </a:r>
+            <a:endParaRPr kumimoji="1" lang="ja-JP" altLang="en-US" dirty="0">
+              <a:solidFill>
+                <a:schemeClr val="tx1"/>
+              </a:solidFill>
+            </a:endParaRPr>
+          </a:p>
+        </p:txBody>
+      </p:sp>
+      <p:sp>
+        <p:nvSpPr>
+          <p:cNvPr id="6" name="左右矢印 5"/>
+          <p:cNvSpPr/>
+          <p:nvPr/>
+        </p:nvSpPr>
+        <p:spPr>
+          <a:xfrm>
+            <a:off x="2928924" y="3548785"/>
+            <a:ext cx="1958625" cy="533095"/>
+          </a:xfrm>
+          <a:prstGeom prst="leftRightArrow">
+            <a:avLst>
+              <a:gd name="adj1" fmla="val 70964"/>
+              <a:gd name="adj2" fmla="val 50000"/>
+            </a:avLst>
+          </a:prstGeom>
+        </p:spPr>
+        <p:style>
+          <a:lnRef idx="2">
+            <a:schemeClr val="accent6">
+              <a:shade val="50000"/>
+            </a:schemeClr>
+          </a:lnRef>
+          <a:fillRef idx="1">
+            <a:schemeClr val="accent6"/>
+          </a:fillRef>
+          <a:effectRef idx="0">
+            <a:schemeClr val="accent6"/>
+          </a:effectRef>
+          <a:fontRef idx="minor">
+            <a:schemeClr val="lt1"/>
+          </a:fontRef>
+        </p:style>
+        <p:txBody>
+          <a:bodyPr rtlCol="0" anchor="ctr"/>
+          <a:lstStyle/>
+          <a:p>
+            <a:pPr algn="ctr"/>
+            <a:r>
+              <a:rPr kumimoji="1" lang="ja-JP" altLang="en-US" dirty="0" smtClean="0">
+                <a:solidFill>
+                  <a:schemeClr val="tx1"/>
+                </a:solidFill>
+              </a:rPr>
+              <a:t>最終</a:t>
+            </a:r>
+            <a:r>
+              <a:rPr kumimoji="1" lang="en-US" altLang="ja-JP" dirty="0" smtClean="0">
+                <a:solidFill>
+                  <a:schemeClr val="tx1"/>
+                </a:solidFill>
+              </a:rPr>
+              <a:t>Meeting</a:t>
+            </a:r>
+            <a:endParaRPr kumimoji="1" lang="ja-JP" altLang="en-US" dirty="0">
+              <a:solidFill>
+                <a:schemeClr val="tx1"/>
+              </a:solidFill>
+            </a:endParaRPr>
+          </a:p>
+        </p:txBody>
+      </p:sp>
+      <p:sp>
+        <p:nvSpPr>
+          <p:cNvPr id="7" name="正方形/長方形 6"/>
+          <p:cNvSpPr/>
+          <p:nvPr/>
+        </p:nvSpPr>
+        <p:spPr>
+          <a:xfrm>
+            <a:off x="1395944" y="4462512"/>
+            <a:ext cx="624548" cy="516156"/>
+          </a:xfrm>
+          <a:prstGeom prst="rect">
+            <a:avLst/>
+          </a:prstGeom>
+        </p:spPr>
+        <p:style>
+          <a:lnRef idx="1">
+            <a:schemeClr val="dk1"/>
+          </a:lnRef>
+          <a:fillRef idx="2">
+            <a:schemeClr val="dk1"/>
+          </a:fillRef>
+          <a:effectRef idx="1">
+            <a:schemeClr val="dk1"/>
+          </a:effectRef>
+          <a:fontRef idx="minor">
+            <a:schemeClr val="dk1"/>
+          </a:fontRef>
+        </p:style>
+        <p:txBody>
+          <a:bodyPr rtlCol="0" anchor="ctr"/>
+          <a:lstStyle/>
+          <a:p>
+            <a:pPr algn="ctr"/>
+            <a:r>
+              <a:rPr lang="ja-JP" altLang="en-US" sz="1600" dirty="0" smtClean="0">
+                <a:solidFill>
+                  <a:schemeClr val="tx1"/>
+                </a:solidFill>
+              </a:rPr>
+              <a:t>研修</a:t>
+            </a:r>
+            <a:r>
+              <a:rPr lang="ja-JP" altLang="en-US" sz="1600" dirty="0">
+                <a:solidFill>
+                  <a:schemeClr val="tx1"/>
+                </a:solidFill>
+              </a:rPr>
+              <a:t>開始</a:t>
+            </a:r>
+            <a:endParaRPr kumimoji="1" lang="ja-JP" altLang="en-US" sz="1600" dirty="0">
+              <a:solidFill>
+                <a:schemeClr val="tx1"/>
+              </a:solidFill>
+            </a:endParaRPr>
+          </a:p>
+        </p:txBody>
+      </p:sp>
+      <p:sp>
+        <p:nvSpPr>
+          <p:cNvPr id="8" name="テキスト ボックス 7"/>
+          <p:cNvSpPr txBox="1"/>
+          <p:nvPr/>
+        </p:nvSpPr>
+        <p:spPr>
+          <a:xfrm>
+            <a:off x="388875" y="5445224"/>
+            <a:ext cx="6297878" cy="1107996"/>
+          </a:xfrm>
+          <a:prstGeom prst="rect">
+            <a:avLst/>
+          </a:prstGeom>
+          <a:noFill/>
+        </p:spPr>
+        <p:txBody>
+          <a:bodyPr wrap="none" rtlCol="0">
+            <a:spAutoFit/>
+          </a:bodyPr>
+          <a:lstStyle/>
+          <a:p>
+            <a:r>
+              <a:rPr kumimoji="1" lang="ja-JP" altLang="en-US" dirty="0" smtClean="0"/>
+              <a:t>次回ミーティングまでの齋藤タスク</a:t>
+            </a:r>
+            <a:endParaRPr kumimoji="1" lang="en-US" altLang="ja-JP" dirty="0" smtClean="0"/>
+          </a:p>
+          <a:p>
+            <a:pPr marL="285750" indent="-285750">
+              <a:buFont typeface="Arial" panose="020B0604020202020204" pitchFamily="34" charset="0"/>
+              <a:buChar char="•"/>
+            </a:pPr>
+            <a:r>
+              <a:rPr lang="ja-JP" altLang="en-US" sz="1600" dirty="0" smtClean="0"/>
+              <a:t>研修内容の詳細計画</a:t>
+            </a:r>
+            <a:endParaRPr lang="en-US" altLang="ja-JP" sz="1600" dirty="0" smtClean="0"/>
+          </a:p>
+          <a:p>
+            <a:pPr marL="285750" indent="-285750">
+              <a:buFont typeface="Arial" panose="020B0604020202020204" pitchFamily="34" charset="0"/>
+              <a:buChar char="•"/>
+            </a:pPr>
+            <a:r>
+              <a:rPr lang="ja-JP" altLang="en-US" sz="1600" dirty="0" smtClean="0"/>
+              <a:t>サンプルエディタ</a:t>
+            </a:r>
+            <a:r>
+              <a:rPr lang="ja-JP" altLang="en-US" sz="1600" dirty="0"/>
+              <a:t>作成</a:t>
+            </a:r>
+            <a:endParaRPr lang="en-US" altLang="ja-JP" sz="1600" dirty="0" smtClean="0"/>
+          </a:p>
+          <a:p>
+            <a:pPr marL="285750" indent="-285750">
+              <a:buFont typeface="Arial" panose="020B0604020202020204" pitchFamily="34" charset="0"/>
+              <a:buChar char="•"/>
+            </a:pPr>
+            <a:r>
+              <a:rPr lang="ja-JP" altLang="en-US" sz="1600" dirty="0" smtClean="0"/>
+              <a:t>新人</a:t>
+            </a:r>
+            <a:r>
+              <a:rPr lang="en-US" altLang="ja-JP" sz="1600" dirty="0" smtClean="0"/>
+              <a:t>Java</a:t>
+            </a:r>
+            <a:r>
+              <a:rPr lang="ja-JP" altLang="en-US" sz="1600" dirty="0" smtClean="0"/>
+              <a:t>研修</a:t>
+            </a:r>
+            <a:r>
+              <a:rPr lang="en-US" altLang="ja-JP" sz="1600" dirty="0" smtClean="0"/>
+              <a:t>(@MSE</a:t>
+            </a:r>
+            <a:r>
+              <a:rPr lang="en-US" altLang="ja-JP" sz="1600" dirty="0"/>
+              <a:t>)</a:t>
+            </a:r>
+            <a:r>
+              <a:rPr lang="ja-JP" altLang="en-US" sz="1600" dirty="0" smtClean="0"/>
+              <a:t>の</a:t>
+            </a:r>
+            <a:r>
+              <a:rPr lang="en-US" altLang="ja-JP" sz="1600" dirty="0" smtClean="0"/>
+              <a:t>Java</a:t>
+            </a:r>
+            <a:r>
+              <a:rPr lang="ja-JP" altLang="en-US" sz="1600" dirty="0" smtClean="0"/>
+              <a:t>開発環境を確認する → </a:t>
+            </a:r>
+            <a:r>
+              <a:rPr lang="en-US" altLang="ja-JP" sz="1600" dirty="0" smtClean="0"/>
+              <a:t>Java1.8?Eclipse?</a:t>
+            </a:r>
+            <a:endParaRPr kumimoji="1" lang="ja-JP" altLang="en-US" sz="1600" dirty="0"/>
+          </a:p>
+        </p:txBody>
+      </p:sp>
+    </p:spTree>
+    <p:extLst>
+      <p:ext uri="{BB962C8B-B14F-4D97-AF65-F5344CB8AC3E}">
+        <p14:creationId xmlns:p14="http://schemas.microsoft.com/office/powerpoint/2010/main" val="3197206624"/>
+      </p:ext>
+    </p:extLst>
+  </p:cSld>
+  <p:clrMapOvr>
+    <a:masterClrMapping/>
+  </p:clrMapOvr>
+  <mc:AlternateContent xmlns:mc="http://schemas.openxmlformats.org/markup-compatibility/2006" xmlns:p14="http://schemas.microsoft.com/office/powerpoint/2010/main">
+    <mc:Choice Requires="p14">
+      <p:transition spd="slow" p14:dur="2000"/>
+    </mc:Choice>
+    <mc:Fallback xmlns="">
+      <p:transition spd="slow"/>
+    </mc:Fallback>
+  </mc:AlternateContent>
   <p:timing>
     <p:tnLst>
       <p:par>
@@ -3935,7 +6413,7 @@
       </p:grpSpPr>
       <p:sp>
         <p:nvSpPr>
-          <p:cNvPr id="2" name="タイトル 1"/>
+          <p:cNvPr id="3" name="タイトル 2"/>
           <p:cNvSpPr>
             <a:spLocks noGrp="1"/>
           </p:cNvSpPr>
@@ -3949,8 +6427,8 @@
           <a:lstStyle/>
           <a:p>
             <a:r>
-              <a:rPr lang="ja-JP" altLang="en-US" dirty="0"/>
-              <a:t>前提</a:t>
+              <a:rPr lang="ja-JP" altLang="en-US" dirty="0" smtClean="0"/>
+              <a:t>研修概要</a:t>
             </a:r>
             <a:endParaRPr kumimoji="1" lang="ja-JP" altLang="en-US" dirty="0"/>
           </a:p>
@@ -3958,7 +6436,7 @@
       </p:sp>
       <p:sp>
         <p:nvSpPr>
-          <p:cNvPr id="3" name="コンテンツ プレースホルダー 2"/>
+          <p:cNvPr id="2" name="コンテンツ プレースホルダー 1"/>
           <p:cNvSpPr>
             <a:spLocks noGrp="1"/>
           </p:cNvSpPr>
@@ -3966,217 +6444,258 @@
             <p:ph idx="1"/>
           </p:nvPr>
         </p:nvSpPr>
-        <p:spPr/>
+        <p:spPr>
+          <a:prstGeom prst="rect">
+            <a:avLst/>
+          </a:prstGeom>
+        </p:spPr>
         <p:txBody>
           <a:bodyPr>
-            <a:normAutofit lnSpcReduction="10000"/>
+            <a:normAutofit fontScale="85000" lnSpcReduction="20000"/>
           </a:bodyPr>
           <a:lstStyle/>
           <a:p>
             <a:r>
               <a:rPr lang="ja-JP" altLang="en-US" sz="2800" dirty="0" smtClean="0"/>
-              <a:t>体制（敬称略）</a:t>
+              <a:t>期間</a:t>
             </a:r>
             <a:endParaRPr lang="en-US" altLang="ja-JP" sz="2800" dirty="0" smtClean="0"/>
           </a:p>
           <a:p>
             <a:pPr lvl="1"/>
             <a:r>
-              <a:rPr lang="ja-JP" altLang="en-US" sz="2400" dirty="0" smtClean="0"/>
-              <a:t>第２</a:t>
-            </a:r>
-            <a:r>
-              <a:rPr lang="en-US" altLang="ja-JP" sz="2400" dirty="0" smtClean="0"/>
-              <a:t>G</a:t>
-            </a:r>
-            <a:r>
-              <a:rPr kumimoji="1" lang="ja-JP" altLang="en-US" sz="2400" dirty="0" smtClean="0"/>
-              <a:t>研修担当チーム</a:t>
-            </a:r>
-            <a:endParaRPr kumimoji="1" lang="en-US" altLang="ja-JP" dirty="0" smtClean="0"/>
+              <a:rPr lang="en-US" altLang="ja-JP" sz="2100" dirty="0" smtClean="0"/>
+              <a:t>6/6</a:t>
+            </a:r>
+            <a:r>
+              <a:rPr lang="ja-JP" altLang="en-US" sz="2100" dirty="0" smtClean="0"/>
+              <a:t>（月）～</a:t>
+            </a:r>
+            <a:r>
+              <a:rPr lang="en-US" altLang="ja-JP" sz="2100" dirty="0" smtClean="0"/>
+              <a:t>6/27</a:t>
+            </a:r>
+            <a:r>
+              <a:rPr lang="ja-JP" altLang="en-US" sz="2100" dirty="0" smtClean="0"/>
+              <a:t>（月）　</a:t>
+            </a:r>
+            <a:r>
+              <a:rPr lang="en-US" altLang="ja-JP" sz="2100" dirty="0" smtClean="0"/>
+              <a:t>16</a:t>
+            </a:r>
+            <a:r>
+              <a:rPr lang="ja-JP" altLang="en-US" sz="2100" dirty="0" smtClean="0"/>
+              <a:t>日間</a:t>
+            </a:r>
+            <a:r>
+              <a:rPr lang="en-US" altLang="ja-JP" sz="2000" dirty="0" smtClean="0"/>
+              <a:t/>
+            </a:r>
+            <a:br>
+              <a:rPr lang="en-US" altLang="ja-JP" sz="2000" dirty="0" smtClean="0"/>
+            </a:br>
+            <a:r>
+              <a:rPr lang="en-US" altLang="ja-JP" sz="2000" dirty="0" smtClean="0"/>
+              <a:t>※6/28</a:t>
+            </a:r>
+            <a:r>
+              <a:rPr lang="ja-JP" altLang="en-US" sz="2000" dirty="0" smtClean="0"/>
+              <a:t>（火） </a:t>
+            </a:r>
+            <a:r>
+              <a:rPr lang="en-US" altLang="ja-JP" sz="2000" dirty="0" smtClean="0"/>
+              <a:t>16:00</a:t>
+            </a:r>
+            <a:r>
+              <a:rPr lang="ja-JP" altLang="en-US" sz="2000" dirty="0" smtClean="0"/>
+              <a:t>～ 最終報告会</a:t>
+            </a:r>
+            <a:r>
+              <a:rPr lang="en-US" altLang="ja-JP" sz="2000" dirty="0"/>
+              <a:t> </a:t>
+            </a:r>
+            <a:r>
+              <a:rPr lang="en-US" altLang="ja-JP" sz="2000" dirty="0" smtClean="0"/>
+              <a:t>@MSE</a:t>
+            </a:r>
+          </a:p>
+          <a:p>
+            <a:pPr lvl="1"/>
+            <a:endParaRPr lang="en-US" altLang="ja-JP" sz="1500" dirty="0"/>
+          </a:p>
+          <a:p>
+            <a:r>
+              <a:rPr lang="ja-JP" altLang="en-US" sz="2800" dirty="0" smtClean="0"/>
+              <a:t>目的</a:t>
+            </a:r>
+            <a:endParaRPr lang="en-US" altLang="ja-JP" sz="2800" dirty="0" smtClean="0"/>
+          </a:p>
+          <a:p>
+            <a:pPr lvl="1"/>
+            <a:r>
+              <a:rPr lang="ja-JP" altLang="en-US" sz="2100" dirty="0" smtClean="0"/>
+              <a:t>ツール開発を実践的に学ぶ</a:t>
+            </a:r>
+            <a:endParaRPr lang="en-US" altLang="ja-JP" sz="2100" dirty="0"/>
+          </a:p>
+          <a:p>
+            <a:pPr lvl="1"/>
+            <a:r>
+              <a:rPr lang="ja-JP" altLang="en-US" sz="2100" dirty="0" smtClean="0"/>
+              <a:t>開発ツールの基本を学ぶ</a:t>
+            </a:r>
+            <a:endParaRPr lang="en-US" altLang="ja-JP" sz="2000" dirty="0" smtClean="0"/>
           </a:p>
           <a:p>
             <a:pPr lvl="2"/>
             <a:r>
-              <a:rPr kumimoji="1" lang="ja-JP" altLang="en-US" sz="2000" dirty="0" smtClean="0"/>
-              <a:t>技術サポート：坂本</a:t>
-            </a:r>
-            <a:r>
-              <a:rPr kumimoji="1" lang="en-US" altLang="ja-JP" sz="2000" dirty="0" smtClean="0"/>
-              <a:t>, </a:t>
-            </a:r>
-            <a:r>
-              <a:rPr kumimoji="1" lang="ja-JP" altLang="en-US" sz="2000" dirty="0" smtClean="0"/>
-              <a:t>吉田</a:t>
-            </a:r>
-            <a:r>
-              <a:rPr kumimoji="1" lang="en-US" altLang="ja-JP" sz="2000" dirty="0" smtClean="0"/>
-              <a:t>, </a:t>
-            </a:r>
-            <a:r>
-              <a:rPr kumimoji="1" lang="ja-JP" altLang="en-US" sz="2000" dirty="0" smtClean="0"/>
-              <a:t>柳澤</a:t>
-            </a:r>
-            <a:endParaRPr kumimoji="1" lang="en-US" altLang="ja-JP" sz="2000" dirty="0" smtClean="0"/>
+              <a:rPr lang="en-US" altLang="ja-JP" sz="1600" dirty="0" smtClean="0"/>
+              <a:t>Eclipse (Plugin)</a:t>
+            </a:r>
           </a:p>
           <a:p>
             <a:pPr lvl="2"/>
             <a:r>
-              <a:rPr lang="ja-JP" altLang="en-US" sz="2000" dirty="0" smtClean="0"/>
-              <a:t>全般サポート：齋藤</a:t>
-            </a:r>
-            <a:endParaRPr lang="en-US" altLang="ja-JP" sz="2000" dirty="0" smtClean="0"/>
-          </a:p>
-          <a:p>
-            <a:pPr lvl="2"/>
-            <a:r>
-              <a:rPr lang="ja-JP" altLang="en-US" sz="2000" dirty="0" smtClean="0"/>
-              <a:t>（適宜サポート：森嶋</a:t>
-            </a:r>
-            <a:r>
-              <a:rPr lang="en-US" altLang="ja-JP" sz="2000" dirty="0" smtClean="0"/>
-              <a:t>, </a:t>
-            </a:r>
-            <a:r>
-              <a:rPr lang="ja-JP" altLang="en-US" sz="2000" dirty="0" smtClean="0"/>
-              <a:t>永木</a:t>
-            </a:r>
-            <a:r>
-              <a:rPr lang="en-US" altLang="ja-JP" sz="2000" dirty="0" smtClean="0"/>
-              <a:t>, </a:t>
-            </a:r>
-            <a:r>
-              <a:rPr lang="ja-JP" altLang="en-US" sz="2000" dirty="0" smtClean="0"/>
-              <a:t>阿部）</a:t>
-            </a:r>
-            <a:endParaRPr lang="en-US" altLang="ja-JP" sz="2000" dirty="0" smtClean="0"/>
+              <a:rPr lang="en-US" altLang="ja-JP" sz="1600" dirty="0" err="1" smtClean="0"/>
+              <a:t>Git</a:t>
+            </a:r>
+            <a:r>
+              <a:rPr lang="en-US" altLang="ja-JP" sz="1600" dirty="0" smtClean="0"/>
+              <a:t>, SVN</a:t>
+            </a:r>
+            <a:endParaRPr lang="en-US" altLang="ja-JP" sz="1600" dirty="0"/>
           </a:p>
           <a:p>
             <a:pPr lvl="1"/>
-            <a:r>
-              <a:rPr lang="ja-JP" altLang="en-US" sz="2400" dirty="0" smtClean="0"/>
-              <a:t>新人（４名）</a:t>
-            </a:r>
-            <a:endParaRPr lang="en-US" altLang="ja-JP" dirty="0"/>
-          </a:p>
-          <a:p>
-            <a:pPr lvl="2"/>
-            <a:r>
-              <a:rPr lang="ja-JP" altLang="en-US" sz="2000" dirty="0" smtClean="0"/>
-              <a:t>呉屋</a:t>
-            </a:r>
-            <a:r>
-              <a:rPr lang="en-US" altLang="ja-JP" sz="2000" dirty="0" smtClean="0"/>
-              <a:t>, </a:t>
-            </a:r>
-            <a:r>
-              <a:rPr lang="ja-JP" altLang="en-US" sz="2000" dirty="0" smtClean="0"/>
-              <a:t>久米</a:t>
-            </a:r>
-            <a:r>
-              <a:rPr lang="en-US" altLang="ja-JP" sz="2000" dirty="0" smtClean="0"/>
-              <a:t>, </a:t>
-            </a:r>
-            <a:r>
-              <a:rPr lang="ja-JP" altLang="en-US" sz="2000" dirty="0" smtClean="0"/>
-              <a:t>本間</a:t>
-            </a:r>
-            <a:r>
-              <a:rPr lang="en-US" altLang="ja-JP" sz="2000" dirty="0" smtClean="0"/>
-              <a:t>, </a:t>
-            </a:r>
-            <a:r>
-              <a:rPr lang="ja-JP" altLang="en-US" sz="2000" dirty="0" smtClean="0"/>
-              <a:t>横田</a:t>
-            </a:r>
-            <a:endParaRPr lang="en-US" altLang="ja-JP" sz="2000" dirty="0" smtClean="0"/>
-          </a:p>
-          <a:p>
-            <a:pPr lvl="2"/>
+            <a:endParaRPr lang="en-US" altLang="ja-JP" sz="2100" dirty="0" smtClean="0"/>
+          </a:p>
+          <a:p>
+            <a:r>
+              <a:rPr lang="ja-JP" altLang="en-US" sz="2800" dirty="0" smtClean="0"/>
+              <a:t>内容</a:t>
+            </a:r>
+            <a:r>
+              <a:rPr lang="en-US" altLang="ja-JP" sz="2800" dirty="0"/>
+              <a:t/>
+            </a:r>
+            <a:br>
+              <a:rPr lang="en-US" altLang="ja-JP" sz="2800" dirty="0"/>
+            </a:br>
+            <a:r>
+              <a:rPr lang="ja-JP" altLang="en-US" sz="2800" dirty="0"/>
+              <a:t>① </a:t>
+            </a:r>
+            <a:r>
+              <a:rPr lang="en-US" altLang="ja-JP" sz="2800" dirty="0"/>
+              <a:t>Sirius</a:t>
+            </a:r>
+            <a:r>
+              <a:rPr lang="ja-JP" altLang="en-US" sz="2800" dirty="0"/>
+              <a:t>で作るアクティビティ図</a:t>
+            </a:r>
+            <a:r>
+              <a:rPr lang="en-US" altLang="ja-JP" sz="2800" dirty="0"/>
+              <a:t>Editor</a:t>
+            </a:r>
+            <a:br>
+              <a:rPr lang="en-US" altLang="ja-JP" sz="2800" dirty="0"/>
+            </a:br>
+            <a:r>
+              <a:rPr lang="ja-JP" altLang="en-US" sz="2800" dirty="0"/>
+              <a:t>② </a:t>
+            </a:r>
+            <a:r>
+              <a:rPr lang="en-US" altLang="ja-JP" sz="2800" dirty="0"/>
+              <a:t>JavaFX</a:t>
+            </a:r>
+            <a:r>
+              <a:rPr lang="ja-JP" altLang="en-US" sz="2800" dirty="0"/>
+              <a:t>で</a:t>
+            </a:r>
+            <a:r>
+              <a:rPr lang="ja-JP" altLang="en-US" sz="2800" dirty="0" smtClean="0"/>
+              <a:t>作る</a:t>
+            </a:r>
+            <a:r>
+              <a:rPr lang="en-US" altLang="ja-JP" sz="2800" dirty="0" smtClean="0"/>
+              <a:t>Signal Viewer</a:t>
+            </a:r>
+            <a:endParaRPr lang="en-US" altLang="ja-JP" sz="2800" dirty="0"/>
+          </a:p>
+          <a:p>
+            <a:endParaRPr lang="en-US" altLang="ja-JP" sz="2500" dirty="0" smtClean="0"/>
+          </a:p>
+          <a:p>
+            <a:r>
+              <a:rPr lang="ja-JP" altLang="en-US" sz="2800" dirty="0" smtClean="0"/>
+              <a:t>成果物</a:t>
+            </a:r>
+            <a:endParaRPr lang="en-US" altLang="ja-JP" sz="2800" dirty="0" smtClean="0"/>
+          </a:p>
+          <a:p>
+            <a:pPr lvl="1"/>
+            <a:r>
+              <a:rPr lang="ja-JP" altLang="en-US" sz="2100" dirty="0"/>
+              <a:t>調査資料</a:t>
+            </a:r>
+            <a:endParaRPr lang="en-US" altLang="ja-JP" sz="2100" dirty="0"/>
+          </a:p>
+          <a:p>
+            <a:pPr lvl="1"/>
+            <a:r>
+              <a:rPr lang="ja-JP" altLang="en-US" sz="2100" dirty="0" smtClean="0"/>
+              <a:t>設計書（</a:t>
+            </a:r>
+            <a:r>
+              <a:rPr lang="en-US" altLang="ja-JP" sz="2100" dirty="0" smtClean="0"/>
+              <a:t>Sirius</a:t>
+            </a:r>
+            <a:r>
+              <a:rPr lang="ja-JP" altLang="en-US" sz="2100" dirty="0" smtClean="0"/>
+              <a:t>チームのみ）</a:t>
+            </a:r>
+            <a:endParaRPr lang="en-US" altLang="ja-JP" sz="2100" dirty="0" smtClean="0"/>
+          </a:p>
+          <a:p>
+            <a:pPr lvl="1"/>
+            <a:r>
+              <a:rPr lang="en-US" altLang="ja-JP" sz="2100" dirty="0" smtClean="0"/>
+              <a:t>Editor/Viewer</a:t>
+            </a:r>
+            <a:r>
+              <a:rPr lang="ja-JP" altLang="en-US" sz="2100" dirty="0" smtClean="0"/>
+              <a:t>本体</a:t>
+            </a:r>
+            <a:endParaRPr lang="en-US" altLang="ja-JP" sz="2100" dirty="0" smtClean="0"/>
+          </a:p>
+          <a:p>
+            <a:pPr lvl="1"/>
+            <a:r>
+              <a:rPr lang="ja-JP" altLang="en-US" sz="2100" dirty="0" smtClean="0"/>
+              <a:t>テストケース表、テスト証跡</a:t>
+            </a:r>
+            <a:endParaRPr lang="en-US" altLang="ja-JP" sz="2100" dirty="0" smtClean="0"/>
+          </a:p>
+          <a:p>
+            <a:pPr lvl="1"/>
+            <a:r>
+              <a:rPr lang="ja-JP" altLang="en-US" sz="2100" dirty="0" smtClean="0"/>
+              <a:t>発表資料</a:t>
+            </a:r>
+            <a:endParaRPr lang="en-US" altLang="ja-JP" sz="2400" dirty="0" smtClean="0"/>
+          </a:p>
+          <a:p>
+            <a:pPr marL="457200" lvl="1" indent="0">
+              <a:buNone/>
+            </a:pPr>
             <a:endParaRPr lang="en-US" altLang="ja-JP" sz="2000" dirty="0"/>
-          </a:p>
-          <a:p>
-            <a:r>
-              <a:rPr lang="ja-JP" altLang="en-US" sz="2800" dirty="0" smtClean="0"/>
-              <a:t>配属先・・・未定</a:t>
-            </a:r>
-            <a:endParaRPr lang="en-US" altLang="ja-JP" sz="2800" dirty="0" smtClean="0"/>
-          </a:p>
-          <a:p>
-            <a:pPr lvl="1"/>
-            <a:r>
-              <a:rPr lang="ja-JP" altLang="en-US" sz="2400" dirty="0" smtClean="0"/>
-              <a:t>久米</a:t>
-            </a:r>
-            <a:r>
-              <a:rPr lang="en-US" altLang="ja-JP" sz="2400" dirty="0" smtClean="0"/>
-              <a:t>,</a:t>
-            </a:r>
-            <a:r>
-              <a:rPr lang="ja-JP" altLang="en-US" sz="2400" dirty="0"/>
-              <a:t> </a:t>
-            </a:r>
-            <a:r>
-              <a:rPr lang="ja-JP" altLang="en-US" sz="2400" dirty="0" smtClean="0"/>
-              <a:t>本間</a:t>
-            </a:r>
-            <a:r>
-              <a:rPr lang="en-US" altLang="ja-JP" sz="2400" dirty="0" smtClean="0"/>
-              <a:t>, </a:t>
-            </a:r>
-            <a:r>
-              <a:rPr lang="ja-JP" altLang="en-US" sz="2400" dirty="0" smtClean="0"/>
-              <a:t>横田</a:t>
-            </a:r>
-            <a:endParaRPr lang="en-US" altLang="ja-JP" sz="2400" dirty="0" smtClean="0"/>
-          </a:p>
-          <a:p>
-            <a:pPr lvl="2"/>
-            <a:r>
-              <a:rPr lang="en-US" altLang="ja-JP" sz="2000" dirty="0" smtClean="0"/>
-              <a:t>ZIPC TERAS</a:t>
-            </a:r>
-          </a:p>
-          <a:p>
-            <a:pPr lvl="2"/>
-            <a:r>
-              <a:rPr lang="en-US" altLang="ja-JP" sz="2000" dirty="0" smtClean="0"/>
-              <a:t>ZIPC Designer</a:t>
-            </a:r>
-          </a:p>
-          <a:p>
-            <a:pPr lvl="2"/>
-            <a:r>
-              <a:rPr lang="en-US" altLang="ja-JP" sz="2000" dirty="0" smtClean="0"/>
-              <a:t>(TERASOLUNA IDE3 ?)</a:t>
-            </a:r>
-          </a:p>
-          <a:p>
-            <a:pPr lvl="1"/>
-            <a:r>
-              <a:rPr lang="ja-JP" altLang="en-US" sz="2400" dirty="0" smtClean="0"/>
-              <a:t>呉屋</a:t>
-            </a:r>
-            <a:endParaRPr lang="en-US" altLang="ja-JP" dirty="0" smtClean="0"/>
-          </a:p>
-          <a:p>
-            <a:pPr lvl="2"/>
-            <a:r>
-              <a:rPr lang="ja-JP" altLang="en-US" sz="2000" dirty="0" smtClean="0"/>
-              <a:t>９末まで新横浜→沖縄</a:t>
-            </a:r>
-            <a:r>
-              <a:rPr lang="en-US" altLang="ja-JP" dirty="0"/>
-              <a:t>	</a:t>
-            </a:r>
-            <a:endParaRPr kumimoji="1" lang="en-US" altLang="ja-JP" dirty="0" smtClean="0"/>
           </a:p>
         </p:txBody>
       </p:sp>
     </p:spTree>
     <p:extLst>
       <p:ext uri="{BB962C8B-B14F-4D97-AF65-F5344CB8AC3E}">
-        <p14:creationId xmlns:p14="http://schemas.microsoft.com/office/powerpoint/2010/main" val="1941152194"/>
+        <p14:creationId xmlns:p14="http://schemas.microsoft.com/office/powerpoint/2010/main" val="3266042823"/>
       </p:ext>
     </p:extLst>
   </p:cSld>
@@ -4212,7 +6731,7 @@
       </p:grpSpPr>
       <p:sp>
         <p:nvSpPr>
-          <p:cNvPr id="3" name="タイトル 2"/>
+          <p:cNvPr id="2" name="タイトル 1"/>
           <p:cNvSpPr>
             <a:spLocks noGrp="1"/>
           </p:cNvSpPr>
@@ -4226,8 +6745,8 @@
           <a:lstStyle/>
           <a:p>
             <a:r>
-              <a:rPr lang="ja-JP" altLang="en-US" dirty="0" smtClean="0"/>
-              <a:t>研修概要</a:t>
+              <a:rPr kumimoji="1" lang="ja-JP" altLang="en-US" dirty="0" smtClean="0"/>
+              <a:t>研修の進め方</a:t>
             </a:r>
             <a:endParaRPr kumimoji="1" lang="ja-JP" altLang="en-US" dirty="0"/>
           </a:p>
@@ -4235,7 +6754,7 @@
       </p:sp>
       <p:sp>
         <p:nvSpPr>
-          <p:cNvPr id="2" name="コンテンツ プレースホルダー 1"/>
+          <p:cNvPr id="3" name="コンテンツ プレースホルダー 2"/>
           <p:cNvSpPr>
             <a:spLocks noGrp="1"/>
           </p:cNvSpPr>
@@ -4243,252 +6762,177 @@
             <p:ph idx="1"/>
           </p:nvPr>
         </p:nvSpPr>
-        <p:spPr>
-          <a:prstGeom prst="rect">
-            <a:avLst/>
-          </a:prstGeom>
-        </p:spPr>
+        <p:spPr/>
         <p:txBody>
           <a:bodyPr>
-            <a:normAutofit fontScale="85000" lnSpcReduction="20000"/>
+            <a:normAutofit fontScale="92500" lnSpcReduction="10000"/>
           </a:bodyPr>
           <a:lstStyle/>
           <a:p>
             <a:r>
-              <a:rPr lang="ja-JP" altLang="en-US" sz="2800" dirty="0" smtClean="0"/>
-              <a:t>期間</a:t>
-            </a:r>
-            <a:endParaRPr lang="en-US" altLang="ja-JP" sz="2800" dirty="0" smtClean="0"/>
+              <a:rPr kumimoji="1" lang="en-US" altLang="ja-JP" dirty="0" smtClean="0"/>
+              <a:t>Sirius</a:t>
+            </a:r>
+            <a:r>
+              <a:rPr kumimoji="1" lang="ja-JP" altLang="en-US" dirty="0" smtClean="0"/>
+              <a:t>チーム（吉田さん）：久米さん、呉屋さん</a:t>
+            </a:r>
+            <a:endParaRPr kumimoji="1" lang="en-US" altLang="ja-JP" dirty="0" smtClean="0"/>
+          </a:p>
+          <a:p>
+            <a:pPr lvl="2"/>
+            <a:r>
+              <a:rPr kumimoji="1" lang="ja-JP" altLang="en-US" dirty="0" smtClean="0"/>
+              <a:t>モデルベース開発</a:t>
+            </a:r>
+            <a:r>
+              <a:rPr kumimoji="1" lang="en-US" altLang="ja-JP" dirty="0" smtClean="0"/>
+              <a:t>, Eclipse Plugin</a:t>
+            </a:r>
+            <a:r>
+              <a:rPr kumimoji="1" lang="ja-JP" altLang="en-US" dirty="0" smtClean="0"/>
+              <a:t>の勉強</a:t>
+            </a:r>
+            <a:endParaRPr kumimoji="1" lang="en-US" altLang="ja-JP" dirty="0" smtClean="0"/>
           </a:p>
           <a:p>
             <a:pPr lvl="1"/>
             <a:r>
-              <a:rPr lang="en-US" altLang="ja-JP" sz="2100" dirty="0" smtClean="0"/>
-              <a:t>6/6</a:t>
-            </a:r>
-            <a:r>
-              <a:rPr lang="ja-JP" altLang="en-US" sz="2100" dirty="0" smtClean="0"/>
-              <a:t>（月）～</a:t>
-            </a:r>
-            <a:r>
-              <a:rPr lang="en-US" altLang="ja-JP" sz="2100" dirty="0" smtClean="0"/>
-              <a:t>6/27</a:t>
-            </a:r>
-            <a:r>
-              <a:rPr lang="ja-JP" altLang="en-US" sz="2100" dirty="0" smtClean="0"/>
-              <a:t>（月）　</a:t>
-            </a:r>
-            <a:r>
-              <a:rPr lang="en-US" altLang="ja-JP" sz="2100" dirty="0" smtClean="0"/>
-              <a:t>16</a:t>
-            </a:r>
-            <a:r>
-              <a:rPr lang="ja-JP" altLang="en-US" sz="2100" dirty="0" smtClean="0"/>
-              <a:t>日間</a:t>
-            </a:r>
-            <a:r>
-              <a:rPr lang="en-US" altLang="ja-JP" sz="2000" dirty="0" smtClean="0"/>
-              <a:t/>
-            </a:r>
-            <a:br>
-              <a:rPr lang="en-US" altLang="ja-JP" sz="2000" dirty="0" smtClean="0"/>
-            </a:br>
-            <a:r>
-              <a:rPr lang="en-US" altLang="ja-JP" sz="2000" dirty="0" smtClean="0"/>
-              <a:t>※6/28</a:t>
-            </a:r>
-            <a:r>
-              <a:rPr lang="ja-JP" altLang="en-US" sz="2000" dirty="0" smtClean="0"/>
-              <a:t>（火） </a:t>
-            </a:r>
-            <a:r>
-              <a:rPr lang="en-US" altLang="ja-JP" sz="2000" dirty="0" smtClean="0"/>
-              <a:t>16:00</a:t>
-            </a:r>
-            <a:r>
-              <a:rPr lang="ja-JP" altLang="en-US" sz="2000" dirty="0" smtClean="0"/>
-              <a:t>～ 最終報告会</a:t>
-            </a:r>
-            <a:r>
-              <a:rPr lang="en-US" altLang="ja-JP" sz="2000" dirty="0"/>
+              <a:rPr kumimoji="1" lang="en-US" altLang="ja-JP" dirty="0" smtClean="0"/>
+              <a:t>Sirius</a:t>
+            </a:r>
+            <a:r>
+              <a:rPr kumimoji="1" lang="ja-JP" altLang="en-US" dirty="0" smtClean="0"/>
+              <a:t>調査</a:t>
+            </a:r>
+            <a:endParaRPr kumimoji="1" lang="en-US" altLang="ja-JP" dirty="0" smtClean="0"/>
+          </a:p>
+          <a:p>
+            <a:pPr lvl="1"/>
+            <a:r>
+              <a:rPr kumimoji="1" lang="ja-JP" altLang="en-US" dirty="0" smtClean="0"/>
+              <a:t>サンプルとしてアクティビティ図</a:t>
+            </a:r>
+            <a:r>
+              <a:rPr kumimoji="1" lang="en-US" altLang="ja-JP" dirty="0" smtClean="0"/>
+              <a:t>Editor</a:t>
+            </a:r>
+            <a:r>
+              <a:rPr kumimoji="1" lang="ja-JP" altLang="en-US" dirty="0" smtClean="0"/>
+              <a:t>を作成</a:t>
+            </a:r>
+            <a:endParaRPr kumimoji="1" lang="en-US" altLang="ja-JP" dirty="0" smtClean="0"/>
+          </a:p>
+          <a:p>
+            <a:endParaRPr lang="en-US" altLang="ja-JP" dirty="0" smtClean="0"/>
+          </a:p>
+          <a:p>
+            <a:r>
+              <a:rPr lang="en-US" altLang="ja-JP" dirty="0" smtClean="0"/>
+              <a:t>JavaFX</a:t>
+            </a:r>
+            <a:r>
+              <a:rPr lang="ja-JP" altLang="en-US" dirty="0" smtClean="0"/>
+              <a:t>チーム（坂本さん）：横田さん、本間さん</a:t>
+            </a:r>
+            <a:endParaRPr lang="en-US" altLang="ja-JP" dirty="0" smtClean="0"/>
+          </a:p>
+          <a:p>
+            <a:pPr lvl="1"/>
+            <a:r>
+              <a:rPr lang="en-US" altLang="ja-JP" dirty="0" smtClean="0"/>
+              <a:t>Signal Viewer</a:t>
+            </a:r>
+          </a:p>
+          <a:p>
+            <a:pPr lvl="2"/>
+            <a:r>
+              <a:rPr lang="ja-JP" altLang="en-US" dirty="0" smtClean="0"/>
+              <a:t>スタンドアローンの</a:t>
+            </a:r>
+            <a:r>
+              <a:rPr lang="en-US" altLang="ja-JP" dirty="0" smtClean="0"/>
+              <a:t>EXE</a:t>
+            </a:r>
+          </a:p>
+          <a:p>
+            <a:pPr lvl="2"/>
+            <a:r>
+              <a:rPr lang="ja-JP" altLang="en-US" dirty="0" smtClean="0"/>
+              <a:t>入力値は様々な形式の離散値</a:t>
+            </a:r>
+            <a:endParaRPr lang="en-US" altLang="ja-JP" dirty="0" smtClean="0"/>
+          </a:p>
+          <a:p>
+            <a:pPr lvl="3"/>
+            <a:r>
+              <a:rPr lang="en-US" altLang="ja-JP" dirty="0" smtClean="0"/>
+              <a:t>0/10/20,</a:t>
+            </a:r>
+            <a:r>
+              <a:rPr lang="ja-JP" altLang="en-US" dirty="0" smtClean="0"/>
               <a:t> </a:t>
             </a:r>
             <a:r>
-              <a:rPr lang="en-US" altLang="ja-JP" sz="2000" dirty="0" smtClean="0"/>
-              <a:t>@MSE</a:t>
-            </a:r>
+              <a:rPr lang="en-US" altLang="ja-JP" dirty="0" smtClean="0"/>
+              <a:t>Low/Mid/High,  True/False</a:t>
+            </a:r>
+            <a:r>
+              <a:rPr lang="ja-JP" altLang="en-US" dirty="0" smtClean="0"/>
+              <a:t>等</a:t>
+            </a:r>
+            <a:endParaRPr lang="en-US" altLang="ja-JP" dirty="0" smtClean="0"/>
+          </a:p>
+          <a:p>
+            <a:pPr lvl="2"/>
+            <a:r>
+              <a:rPr lang="ja-JP" altLang="en-US" dirty="0"/>
+              <a:t>グラフ</a:t>
+            </a:r>
+            <a:r>
+              <a:rPr lang="ja-JP" altLang="en-US" dirty="0" smtClean="0"/>
+              <a:t>はデジタル信号のようなものを想定</a:t>
+            </a:r>
+            <a:endParaRPr lang="en-US" altLang="ja-JP" dirty="0" smtClean="0"/>
           </a:p>
           <a:p>
             <a:pPr lvl="1"/>
-            <a:endParaRPr lang="en-US" altLang="ja-JP" sz="1500" dirty="0"/>
-          </a:p>
-          <a:p>
-            <a:r>
-              <a:rPr lang="ja-JP" altLang="en-US" sz="2800" dirty="0" smtClean="0"/>
-              <a:t>目的</a:t>
-            </a:r>
-            <a:endParaRPr lang="en-US" altLang="ja-JP" sz="2800" dirty="0" smtClean="0"/>
-          </a:p>
-          <a:p>
-            <a:pPr lvl="1"/>
-            <a:r>
-              <a:rPr lang="ja-JP" altLang="en-US" sz="2100" dirty="0" smtClean="0"/>
-              <a:t>開発工程の基本的な流れを体験する</a:t>
-            </a:r>
-            <a:endParaRPr lang="en-US" altLang="ja-JP" sz="2100" dirty="0" smtClean="0"/>
+            <a:r>
+              <a:rPr lang="ja-JP" altLang="en-US" dirty="0" smtClean="0"/>
+              <a:t>（余裕が</a:t>
+            </a:r>
+            <a:r>
+              <a:rPr lang="ja-JP" altLang="en-US" dirty="0"/>
+              <a:t>あれば）</a:t>
+            </a:r>
+            <a:r>
+              <a:rPr lang="en-US" altLang="ja-JP" dirty="0" smtClean="0"/>
+              <a:t>CAN</a:t>
+            </a:r>
+            <a:r>
+              <a:rPr lang="ja-JP" altLang="en-US" dirty="0"/>
+              <a:t>関連</a:t>
+            </a:r>
+            <a:r>
+              <a:rPr lang="ja-JP" altLang="en-US" dirty="0" smtClean="0"/>
+              <a:t>アプリケーション</a:t>
+            </a:r>
+            <a:endParaRPr lang="en-US" altLang="ja-JP" dirty="0" smtClean="0"/>
           </a:p>
           <a:p>
             <a:pPr lvl="2"/>
             <a:r>
-              <a:rPr lang="ja-JP" altLang="en-US" sz="1600" dirty="0" smtClean="0"/>
-              <a:t>要件定義、設計、実装、テスト</a:t>
-            </a:r>
-            <a:endParaRPr lang="en-US" altLang="ja-JP" sz="1600" dirty="0" smtClean="0"/>
-          </a:p>
-          <a:p>
-            <a:pPr lvl="1"/>
-            <a:r>
-              <a:rPr lang="ja-JP" altLang="en-US" sz="2100" dirty="0" smtClean="0"/>
-              <a:t>開発ツールの基本を学ぶ</a:t>
-            </a:r>
-            <a:endParaRPr lang="en-US" altLang="ja-JP" sz="2000" dirty="0" smtClean="0"/>
-          </a:p>
-          <a:p>
-            <a:pPr lvl="2"/>
-            <a:r>
-              <a:rPr lang="en-US" altLang="ja-JP" sz="1600" dirty="0" smtClean="0"/>
-              <a:t>Eclipse (Plugin)</a:t>
-            </a:r>
-          </a:p>
-          <a:p>
-            <a:pPr lvl="2"/>
-            <a:r>
-              <a:rPr lang="en-US" altLang="ja-JP" sz="1600" dirty="0" err="1" smtClean="0"/>
-              <a:t>Git</a:t>
-            </a:r>
-            <a:endParaRPr lang="en-US" altLang="ja-JP" sz="1600" dirty="0"/>
-          </a:p>
-          <a:p>
-            <a:pPr lvl="1"/>
-            <a:endParaRPr lang="en-US" altLang="ja-JP" sz="2100" dirty="0" smtClean="0"/>
-          </a:p>
-          <a:p>
-            <a:r>
-              <a:rPr lang="ja-JP" altLang="en-US" sz="2800" dirty="0" smtClean="0"/>
-              <a:t>内容</a:t>
-            </a:r>
-            <a:r>
-              <a:rPr lang="en-US" altLang="ja-JP" sz="2800" dirty="0"/>
-              <a:t/>
-            </a:r>
-            <a:br>
-              <a:rPr lang="en-US" altLang="ja-JP" sz="2800" dirty="0"/>
-            </a:br>
-            <a:r>
-              <a:rPr lang="ja-JP" altLang="en-US" sz="2800" dirty="0"/>
-              <a:t>① </a:t>
-            </a:r>
-            <a:r>
-              <a:rPr lang="en-US" altLang="ja-JP" sz="2800" dirty="0"/>
-              <a:t>Sirius</a:t>
-            </a:r>
-            <a:r>
-              <a:rPr lang="ja-JP" altLang="en-US" sz="2800" dirty="0"/>
-              <a:t>で作るアクティビティ図</a:t>
-            </a:r>
-            <a:r>
-              <a:rPr lang="en-US" altLang="ja-JP" sz="2800" dirty="0"/>
-              <a:t>Editor</a:t>
-            </a:r>
-            <a:br>
-              <a:rPr lang="en-US" altLang="ja-JP" sz="2800" dirty="0"/>
-            </a:br>
-            <a:r>
-              <a:rPr lang="ja-JP" altLang="en-US" sz="2800" dirty="0"/>
-              <a:t>② </a:t>
-            </a:r>
-            <a:r>
-              <a:rPr lang="en-US" altLang="ja-JP" sz="2800" dirty="0"/>
-              <a:t>JavaFX</a:t>
-            </a:r>
-            <a:r>
-              <a:rPr lang="ja-JP" altLang="en-US" sz="2800" dirty="0"/>
-              <a:t>で作るチャート</a:t>
-            </a:r>
-            <a:r>
-              <a:rPr lang="en-US" altLang="ja-JP" sz="2800" dirty="0" smtClean="0"/>
-              <a:t>Viewer</a:t>
-            </a:r>
-            <a:endParaRPr lang="en-US" altLang="ja-JP" sz="2800" dirty="0"/>
-          </a:p>
-          <a:p>
-            <a:endParaRPr lang="en-US" altLang="ja-JP" sz="2500" dirty="0" smtClean="0"/>
-          </a:p>
-          <a:p>
-            <a:r>
-              <a:rPr lang="ja-JP" altLang="en-US" sz="2800" dirty="0" smtClean="0"/>
-              <a:t>成果物</a:t>
-            </a:r>
-            <a:endParaRPr lang="en-US" altLang="ja-JP" sz="2800" dirty="0" smtClean="0"/>
-          </a:p>
-          <a:p>
-            <a:pPr lvl="1"/>
-            <a:r>
-              <a:rPr lang="en-US" altLang="ja-JP" sz="2100" dirty="0" smtClean="0"/>
-              <a:t>Editor/Viewer</a:t>
-            </a:r>
-            <a:r>
-              <a:rPr lang="ja-JP" altLang="en-US" sz="2100" dirty="0" smtClean="0"/>
-              <a:t>本体</a:t>
-            </a:r>
-            <a:endParaRPr lang="en-US" altLang="ja-JP" sz="2100" dirty="0" smtClean="0"/>
-          </a:p>
-          <a:p>
-            <a:pPr lvl="1"/>
-            <a:r>
-              <a:rPr lang="ja-JP" altLang="en-US" sz="2100" dirty="0" smtClean="0"/>
-              <a:t>要件定義書、設計書、テストケース表、テスト証跡</a:t>
-            </a:r>
-            <a:endParaRPr lang="en-US" altLang="ja-JP" sz="2100" dirty="0" smtClean="0"/>
-          </a:p>
-          <a:p>
-            <a:pPr lvl="1"/>
-            <a:r>
-              <a:rPr lang="ja-JP" altLang="en-US" sz="2100" dirty="0" smtClean="0"/>
-              <a:t>調査資料</a:t>
-            </a:r>
-            <a:endParaRPr lang="en-US" altLang="ja-JP" sz="2100" dirty="0" smtClean="0"/>
-          </a:p>
-          <a:p>
-            <a:pPr lvl="1"/>
-            <a:r>
-              <a:rPr lang="ja-JP" altLang="en-US" sz="2100" dirty="0"/>
-              <a:t>発表</a:t>
-            </a:r>
-            <a:r>
-              <a:rPr lang="ja-JP" altLang="en-US" sz="2100" dirty="0" smtClean="0"/>
-              <a:t>資料</a:t>
-            </a:r>
-            <a:endParaRPr lang="en-US" altLang="ja-JP" sz="2100" dirty="0" smtClean="0"/>
-          </a:p>
-          <a:p>
-            <a:endParaRPr lang="en-US" altLang="ja-JP" sz="2400" dirty="0"/>
-          </a:p>
-          <a:p>
-            <a:endParaRPr lang="en-US" altLang="ja-JP" sz="2400" dirty="0" smtClean="0"/>
-          </a:p>
-          <a:p>
-            <a:pPr marL="457200" lvl="1" indent="0">
-              <a:buNone/>
-            </a:pPr>
-            <a:endParaRPr lang="en-US" altLang="ja-JP" sz="2000" dirty="0"/>
+              <a:rPr lang="ja-JP" altLang="en-US" dirty="0" smtClean="0"/>
+              <a:t>動画再生と同時に値を送信する</a:t>
+            </a:r>
+            <a:endParaRPr lang="en-US" altLang="ja-JP" dirty="0" smtClean="0"/>
           </a:p>
         </p:txBody>
       </p:sp>
     </p:spTree>
     <p:extLst>
       <p:ext uri="{BB962C8B-B14F-4D97-AF65-F5344CB8AC3E}">
-        <p14:creationId xmlns:p14="http://schemas.microsoft.com/office/powerpoint/2010/main" val="3266042823"/>
+        <p14:creationId xmlns:p14="http://schemas.microsoft.com/office/powerpoint/2010/main" val="390100218"/>
       </p:ext>
     </p:extLst>
   </p:cSld>
@@ -4538,8 +6982,28 @@
           <a:lstStyle/>
           <a:p>
             <a:r>
-              <a:rPr kumimoji="1" lang="ja-JP" altLang="en-US" dirty="0" smtClean="0"/>
-              <a:t>研修案</a:t>
+              <a:rPr lang="ja-JP" altLang="en-US" dirty="0"/>
+              <a:t>研修の進め方</a:t>
+            </a:r>
+            <a:r>
+              <a:rPr lang="ja-JP" altLang="en-US" sz="2800" dirty="0" smtClean="0"/>
+              <a:t>（</a:t>
+            </a:r>
+            <a:r>
+              <a:rPr lang="en-US" altLang="ja-JP" sz="2800" dirty="0" smtClean="0"/>
+              <a:t>JavaFX</a:t>
+            </a:r>
+            <a:r>
+              <a:rPr lang="ja-JP" altLang="en-US" sz="2800" dirty="0" smtClean="0"/>
+              <a:t>チーム：本間さん</a:t>
+            </a:r>
+            <a:r>
+              <a:rPr lang="en-US" altLang="ja-JP" sz="2800" dirty="0" smtClean="0"/>
+              <a:t>,</a:t>
+            </a:r>
+            <a:r>
+              <a:rPr lang="ja-JP" altLang="en-US" sz="2800" dirty="0" smtClean="0"/>
+              <a:t>横田さん）</a:t>
             </a:r>
             <a:endParaRPr kumimoji="1" lang="ja-JP" altLang="en-US" dirty="0"/>
           </a:p>
@@ -4558,137 +7022,132 @@
         <p:spPr/>
         <p:txBody>
           <a:bodyPr>
-            <a:normAutofit fontScale="92500" lnSpcReduction="20000"/>
+            <a:normAutofit fontScale="70000" lnSpcReduction="20000"/>
           </a:bodyPr>
           <a:lstStyle/>
           <a:p>
-            <a:pPr marL="0" indent="0">
-              <a:buNone/>
-            </a:pPr>
-            <a:r>
-              <a:rPr kumimoji="1" lang="ja-JP" altLang="en-US" dirty="0" smtClean="0"/>
-              <a:t>２チーム構成（成果物は１人１個）</a:t>
-            </a:r>
-            <a:endParaRPr kumimoji="1" lang="en-US" altLang="ja-JP" dirty="0" smtClean="0"/>
-          </a:p>
-          <a:p>
-            <a:r>
-              <a:rPr kumimoji="1" lang="en-US" altLang="ja-JP" dirty="0" smtClean="0"/>
-              <a:t>Sirius</a:t>
-            </a:r>
-            <a:r>
-              <a:rPr kumimoji="1" lang="ja-JP" altLang="en-US" dirty="0" smtClean="0"/>
-              <a:t>チーム（吉田さん）：久米、呉屋</a:t>
-            </a:r>
-            <a:endParaRPr kumimoji="1" lang="en-US" altLang="ja-JP" dirty="0" smtClean="0"/>
-          </a:p>
-          <a:p>
-            <a:pPr lvl="2"/>
-            <a:r>
-              <a:rPr kumimoji="1" lang="ja-JP" altLang="en-US" dirty="0" smtClean="0"/>
-              <a:t>モデルベース開発</a:t>
-            </a:r>
-            <a:r>
-              <a:rPr kumimoji="1" lang="en-US" altLang="ja-JP" dirty="0" smtClean="0"/>
-              <a:t>, Eclipse Plugin</a:t>
-            </a:r>
-            <a:r>
-              <a:rPr kumimoji="1" lang="ja-JP" altLang="en-US" dirty="0" smtClean="0"/>
-              <a:t>の勉強</a:t>
-            </a:r>
-            <a:endParaRPr kumimoji="1" lang="en-US" altLang="ja-JP" dirty="0" smtClean="0"/>
-          </a:p>
-          <a:p>
-            <a:pPr lvl="1"/>
-            <a:r>
-              <a:rPr kumimoji="1" lang="en-US" altLang="ja-JP" dirty="0" smtClean="0"/>
-              <a:t>Sirius</a:t>
-            </a:r>
-            <a:r>
-              <a:rPr kumimoji="1" lang="ja-JP" altLang="en-US" dirty="0" smtClean="0"/>
-              <a:t>調査</a:t>
-            </a:r>
-            <a:endParaRPr kumimoji="1" lang="en-US" altLang="ja-JP" dirty="0" smtClean="0"/>
-          </a:p>
-          <a:p>
-            <a:pPr lvl="1"/>
-            <a:r>
-              <a:rPr kumimoji="1" lang="ja-JP" altLang="en-US" dirty="0" smtClean="0"/>
-              <a:t>サンプルとしてアクティビティ図</a:t>
-            </a:r>
-            <a:r>
-              <a:rPr kumimoji="1" lang="en-US" altLang="ja-JP" dirty="0" smtClean="0"/>
-              <a:t>Editor</a:t>
-            </a:r>
-          </a:p>
-          <a:p>
-            <a:endParaRPr lang="en-US" altLang="ja-JP" dirty="0" smtClean="0"/>
-          </a:p>
-          <a:p>
             <a:r>
               <a:rPr lang="en-US" altLang="ja-JP" dirty="0" smtClean="0"/>
               <a:t>JavaFX</a:t>
             </a:r>
             <a:r>
+              <a:rPr kumimoji="1" lang="ja-JP" altLang="en-US" dirty="0" smtClean="0"/>
+              <a:t>調査と導入</a:t>
+            </a:r>
+            <a:endParaRPr kumimoji="1" lang="en-US" altLang="ja-JP" dirty="0" smtClean="0"/>
+          </a:p>
+          <a:p>
+            <a:endParaRPr lang="en-US" altLang="ja-JP" dirty="0"/>
+          </a:p>
+          <a:p>
+            <a:r>
               <a:rPr lang="ja-JP" altLang="en-US" dirty="0" smtClean="0"/>
-              <a:t>チーム（坂本さん）：横田、本間</a:t>
+              <a:t>要件の確認</a:t>
+            </a:r>
+            <a:r>
+              <a:rPr lang="ja-JP" altLang="en-US" dirty="0"/>
+              <a:t>　</a:t>
+            </a:r>
+            <a:r>
+              <a:rPr lang="ja-JP" altLang="en-US" dirty="0" smtClean="0"/>
+              <a:t>　→ 資料を読む</a:t>
             </a:r>
             <a:endParaRPr lang="en-US" altLang="ja-JP" dirty="0" smtClean="0"/>
           </a:p>
           <a:p>
             <a:pPr lvl="1"/>
             <a:r>
-              <a:rPr lang="ja-JP" altLang="en-US" dirty="0"/>
-              <a:t>波形</a:t>
-            </a:r>
+              <a:rPr kumimoji="1" lang="ja-JP" altLang="en-US" dirty="0" smtClean="0"/>
+              <a:t>入力値の形式</a:t>
+            </a:r>
+            <a:endParaRPr kumimoji="1" lang="en-US" altLang="ja-JP" dirty="0" smtClean="0"/>
+          </a:p>
+          <a:p>
+            <a:pPr lvl="1"/>
             <a:r>
               <a:rPr lang="ja-JP" altLang="en-US" dirty="0" smtClean="0"/>
-              <a:t>の</a:t>
+              <a:t>ユーザの操作手順</a:t>
+            </a:r>
+            <a:endParaRPr kumimoji="1" lang="en-US" altLang="ja-JP" dirty="0" smtClean="0"/>
+          </a:p>
+          <a:p>
+            <a:pPr lvl="1"/>
+            <a:r>
+              <a:rPr lang="en-US" altLang="ja-JP" dirty="0"/>
+              <a:t> </a:t>
             </a:r>
             <a:r>
               <a:rPr lang="en-US" altLang="ja-JP" dirty="0" smtClean="0"/>
               <a:t>Viewer</a:t>
             </a:r>
-          </a:p>
-          <a:p>
-            <a:pPr lvl="2"/>
             <a:r>
               <a:rPr lang="ja-JP" altLang="en-US" dirty="0" smtClean="0"/>
-              <a:t>スタンドアローンの</a:t>
+              <a:t>イメージ</a:t>
+            </a:r>
+            <a:endParaRPr kumimoji="1" lang="en-US" altLang="ja-JP" dirty="0" smtClean="0"/>
+          </a:p>
+          <a:p>
+            <a:endParaRPr kumimoji="1" lang="en-US" altLang="ja-JP" dirty="0" smtClean="0"/>
+          </a:p>
+          <a:p>
+            <a:r>
+              <a:rPr kumimoji="1" lang="ja-JP" altLang="en-US" dirty="0" smtClean="0"/>
+              <a:t>実装</a:t>
+            </a:r>
+            <a:r>
+              <a:rPr lang="ja-JP" altLang="en-US" dirty="0"/>
+              <a:t>（</a:t>
+            </a:r>
+            <a:r>
+              <a:rPr kumimoji="1" lang="en-US" altLang="ja-JP" dirty="0" smtClean="0"/>
+              <a:t>Viewer</a:t>
+            </a:r>
+            <a:r>
+              <a:rPr kumimoji="1" lang="ja-JP" altLang="en-US" dirty="0" smtClean="0"/>
+              <a:t>作成</a:t>
+            </a:r>
+            <a:r>
+              <a:rPr lang="ja-JP" altLang="en-US" dirty="0"/>
+              <a:t>）</a:t>
+            </a:r>
+            <a:endParaRPr lang="en-US" altLang="ja-JP" dirty="0" smtClean="0"/>
+          </a:p>
+          <a:p>
+            <a:pPr lvl="1"/>
+            <a:r>
+              <a:rPr lang="en-US" altLang="ja-JP" dirty="0"/>
+              <a:t>Importer</a:t>
+            </a:r>
+            <a:r>
+              <a:rPr lang="ja-JP" altLang="en-US" dirty="0" smtClean="0"/>
+              <a:t>側、</a:t>
             </a:r>
             <a:r>
               <a:rPr lang="en-US" altLang="ja-JP" dirty="0" smtClean="0"/>
-              <a:t>EXE</a:t>
-            </a:r>
-          </a:p>
-          <a:p>
-            <a:pPr lvl="2"/>
+              <a:t>Viewer</a:t>
+            </a:r>
             <a:r>
               <a:rPr lang="ja-JP" altLang="en-US" dirty="0" smtClean="0"/>
-              <a:t>入力値は様々な形式の離散値</a:t>
+              <a:t>側で分担</a:t>
             </a:r>
             <a:endParaRPr lang="en-US" altLang="ja-JP" dirty="0" smtClean="0"/>
           </a:p>
           <a:p>
-            <a:pPr lvl="3"/>
-            <a:r>
-              <a:rPr lang="en-US" altLang="ja-JP" dirty="0" smtClean="0"/>
-              <a:t>0/10/20</a:t>
-            </a:r>
+            <a:pPr lvl="1"/>
+            <a:endParaRPr lang="en-US" altLang="ja-JP" dirty="0" smtClean="0"/>
+          </a:p>
+          <a:p>
             <a:r>
               <a:rPr lang="ja-JP" altLang="en-US" dirty="0" smtClean="0"/>
-              <a:t>とか</a:t>
-            </a:r>
-            <a:r>
-              <a:rPr lang="en-US" altLang="ja-JP" dirty="0" smtClean="0"/>
-              <a:t>Low/Mid/High</a:t>
-            </a:r>
-          </a:p>
-          <a:p>
-            <a:pPr lvl="2"/>
+              <a:t>テスト</a:t>
+            </a:r>
+            <a:endParaRPr lang="en-US" altLang="ja-JP" dirty="0" smtClean="0"/>
+          </a:p>
+          <a:p>
+            <a:pPr lvl="1"/>
             <a:r>
               <a:rPr lang="ja-JP" altLang="en-US" dirty="0" smtClean="0"/>
-              <a:t>波形はデジタル信号のようなもの</a:t>
+              <a:t>観点洗い出し</a:t>
             </a:r>
             <a:endParaRPr lang="en-US" altLang="ja-JP" dirty="0" smtClean="0"/>
           </a:p>
@@ -4696,28 +7155,512 @@
             <a:pPr lvl="1"/>
             <a:r>
               <a:rPr lang="ja-JP" altLang="en-US" dirty="0" smtClean="0"/>
-              <a:t>（動画再生と同時に値を送信するアプリケーション</a:t>
-            </a:r>
+              <a:t>ケース作成</a:t>
+            </a:r>
+            <a:endParaRPr lang="en-US" altLang="ja-JP" dirty="0" smtClean="0"/>
+          </a:p>
+          <a:p>
+            <a:pPr lvl="1"/>
             <a:r>
               <a:rPr lang="ja-JP" altLang="en-US" dirty="0" smtClean="0"/>
-              <a:t>）</a:t>
+              <a:t>実施</a:t>
+            </a:r>
+            <a:endParaRPr lang="en-US" altLang="ja-JP" dirty="0" smtClean="0"/>
+          </a:p>
+          <a:p>
+            <a:endParaRPr lang="en-US" altLang="ja-JP" dirty="0" smtClean="0"/>
+          </a:p>
+          <a:p>
+            <a:r>
+              <a:rPr lang="ja-JP" altLang="en-US" dirty="0"/>
+              <a:t>（</a:t>
             </a:r>
             <a:r>
               <a:rPr lang="en-US" altLang="ja-JP" dirty="0" smtClean="0"/>
               <a:t>CAN</a:t>
             </a:r>
             <a:r>
+              <a:rPr lang="ja-JP" altLang="en-US" dirty="0"/>
+              <a:t>関連</a:t>
+            </a:r>
+            <a:r>
               <a:rPr lang="ja-JP" altLang="en-US" dirty="0" smtClean="0"/>
-              <a:t>関連</a:t>
-            </a:r>
+              <a:t>アプリケーション）</a:t>
+            </a:r>
+            <a:endParaRPr lang="en-US" altLang="ja-JP" dirty="0"/>
+          </a:p>
+          <a:p>
             <a:endParaRPr lang="en-US" altLang="ja-JP" dirty="0" smtClean="0"/>
+          </a:p>
+          <a:p>
+            <a:r>
+              <a:rPr lang="ja-JP" altLang="en-US" dirty="0" smtClean="0"/>
+              <a:t>成果物レビュー</a:t>
+            </a:r>
+            <a:endParaRPr lang="en-US" altLang="ja-JP" dirty="0" smtClean="0"/>
+          </a:p>
+        </p:txBody>
+      </p:sp>
+      <p:sp>
+        <p:nvSpPr>
+          <p:cNvPr id="4" name="下矢印 3"/>
+          <p:cNvSpPr/>
+          <p:nvPr/>
+        </p:nvSpPr>
+        <p:spPr>
+          <a:xfrm>
+            <a:off x="7118474" y="1407303"/>
+            <a:ext cx="484632" cy="509529"/>
+          </a:xfrm>
+          <a:prstGeom prst="downArrow">
+            <a:avLst/>
+          </a:prstGeom>
+        </p:spPr>
+        <p:style>
+          <a:lnRef idx="2">
+            <a:schemeClr val="accent1">
+              <a:shade val="50000"/>
+            </a:schemeClr>
+          </a:lnRef>
+          <a:fillRef idx="1">
+            <a:schemeClr val="accent1"/>
+          </a:fillRef>
+          <a:effectRef idx="0">
+            <a:schemeClr val="accent1"/>
+          </a:effectRef>
+          <a:fontRef idx="minor">
+            <a:schemeClr val="lt1"/>
+          </a:fontRef>
+        </p:style>
+        <p:txBody>
+          <a:bodyPr rtlCol="0" anchor="ctr"/>
+          <a:lstStyle/>
+          <a:p>
+            <a:pPr algn="ctr"/>
+            <a:endParaRPr kumimoji="1" lang="ja-JP" altLang="en-US"/>
+          </a:p>
+        </p:txBody>
+      </p:sp>
+      <p:sp>
+        <p:nvSpPr>
+          <p:cNvPr id="5" name="下矢印 4"/>
+          <p:cNvSpPr/>
+          <p:nvPr/>
+        </p:nvSpPr>
+        <p:spPr>
+          <a:xfrm>
+            <a:off x="7118474" y="2356567"/>
+            <a:ext cx="484632" cy="928417"/>
+          </a:xfrm>
+          <a:prstGeom prst="downArrow">
+            <a:avLst/>
+          </a:prstGeom>
+        </p:spPr>
+        <p:style>
+          <a:lnRef idx="2">
+            <a:schemeClr val="accent1">
+              <a:shade val="50000"/>
+            </a:schemeClr>
+          </a:lnRef>
+          <a:fillRef idx="1">
+            <a:schemeClr val="accent1"/>
+          </a:fillRef>
+          <a:effectRef idx="0">
+            <a:schemeClr val="accent1"/>
+          </a:effectRef>
+          <a:fontRef idx="minor">
+            <a:schemeClr val="lt1"/>
+          </a:fontRef>
+        </p:style>
+        <p:txBody>
+          <a:bodyPr rtlCol="0" anchor="ctr"/>
+          <a:lstStyle/>
+          <a:p>
+            <a:pPr algn="ctr"/>
+            <a:endParaRPr kumimoji="1" lang="ja-JP" altLang="en-US"/>
+          </a:p>
+        </p:txBody>
+      </p:sp>
+      <p:sp>
+        <p:nvSpPr>
+          <p:cNvPr id="7" name="下矢印 6"/>
+          <p:cNvSpPr/>
+          <p:nvPr/>
+        </p:nvSpPr>
+        <p:spPr>
+          <a:xfrm>
+            <a:off x="7118474" y="5949280"/>
+            <a:ext cx="484632" cy="293504"/>
+          </a:xfrm>
+          <a:prstGeom prst="downArrow">
+            <a:avLst/>
+          </a:prstGeom>
+        </p:spPr>
+        <p:style>
+          <a:lnRef idx="2">
+            <a:schemeClr val="accent1">
+              <a:shade val="50000"/>
+            </a:schemeClr>
+          </a:lnRef>
+          <a:fillRef idx="1">
+            <a:schemeClr val="accent1"/>
+          </a:fillRef>
+          <a:effectRef idx="0">
+            <a:schemeClr val="accent1"/>
+          </a:effectRef>
+          <a:fontRef idx="minor">
+            <a:schemeClr val="lt1"/>
+          </a:fontRef>
+        </p:style>
+        <p:txBody>
+          <a:bodyPr rtlCol="0" anchor="ctr"/>
+          <a:lstStyle/>
+          <a:p>
+            <a:pPr algn="ctr"/>
+            <a:endParaRPr kumimoji="1" lang="ja-JP" altLang="en-US"/>
+          </a:p>
+        </p:txBody>
+      </p:sp>
+      <p:sp>
+        <p:nvSpPr>
+          <p:cNvPr id="14" name="下矢印 13"/>
+          <p:cNvSpPr/>
+          <p:nvPr/>
+        </p:nvSpPr>
+        <p:spPr>
+          <a:xfrm>
+            <a:off x="7118474" y="3717032"/>
+            <a:ext cx="484632" cy="703478"/>
+          </a:xfrm>
+          <a:prstGeom prst="downArrow">
+            <a:avLst/>
+          </a:prstGeom>
+        </p:spPr>
+        <p:style>
+          <a:lnRef idx="2">
+            <a:schemeClr val="accent1">
+              <a:shade val="50000"/>
+            </a:schemeClr>
+          </a:lnRef>
+          <a:fillRef idx="1">
+            <a:schemeClr val="accent1"/>
+          </a:fillRef>
+          <a:effectRef idx="0">
+            <a:schemeClr val="accent1"/>
+          </a:effectRef>
+          <a:fontRef idx="minor">
+            <a:schemeClr val="lt1"/>
+          </a:fontRef>
+        </p:style>
+        <p:txBody>
+          <a:bodyPr rtlCol="0" anchor="ctr"/>
+          <a:lstStyle/>
+          <a:p>
+            <a:pPr algn="ctr"/>
+            <a:endParaRPr kumimoji="1" lang="ja-JP" altLang="en-US"/>
+          </a:p>
+        </p:txBody>
+      </p:sp>
+      <p:sp>
+        <p:nvSpPr>
+          <p:cNvPr id="15" name="下矢印 14"/>
+          <p:cNvSpPr/>
+          <p:nvPr/>
+        </p:nvSpPr>
+        <p:spPr>
+          <a:xfrm>
+            <a:off x="7118474" y="4894357"/>
+            <a:ext cx="484632" cy="293504"/>
+          </a:xfrm>
+          <a:prstGeom prst="downArrow">
+            <a:avLst/>
+          </a:prstGeom>
+        </p:spPr>
+        <p:style>
+          <a:lnRef idx="2">
+            <a:schemeClr val="accent1">
+              <a:shade val="50000"/>
+            </a:schemeClr>
+          </a:lnRef>
+          <a:fillRef idx="1">
+            <a:schemeClr val="accent1"/>
+          </a:fillRef>
+          <a:effectRef idx="0">
+            <a:schemeClr val="accent1"/>
+          </a:effectRef>
+          <a:fontRef idx="minor">
+            <a:schemeClr val="lt1"/>
+          </a:fontRef>
+        </p:style>
+        <p:txBody>
+          <a:bodyPr rtlCol="0" anchor="ctr"/>
+          <a:lstStyle/>
+          <a:p>
+            <a:pPr algn="ctr"/>
+            <a:endParaRPr kumimoji="1" lang="ja-JP" altLang="en-US"/>
+          </a:p>
+        </p:txBody>
+      </p:sp>
+      <p:sp>
+        <p:nvSpPr>
+          <p:cNvPr id="16" name="テキスト ボックス 15"/>
+          <p:cNvSpPr txBox="1"/>
+          <p:nvPr/>
+        </p:nvSpPr>
+        <p:spPr>
+          <a:xfrm>
+            <a:off x="7118474" y="5366682"/>
+            <a:ext cx="461665" cy="438582"/>
+          </a:xfrm>
+          <a:prstGeom prst="rect">
+            <a:avLst/>
+          </a:prstGeom>
+          <a:noFill/>
+        </p:spPr>
+        <p:txBody>
+          <a:bodyPr vert="eaVert" wrap="none" rtlCol="0">
+            <a:spAutoFit/>
+          </a:bodyPr>
+          <a:lstStyle/>
+          <a:p>
+            <a:r>
+              <a:rPr kumimoji="1" lang="ja-JP" altLang="en-US" dirty="0" smtClean="0"/>
+              <a:t>・・・</a:t>
+            </a:r>
+            <a:endParaRPr kumimoji="1" lang="ja-JP" altLang="en-US" dirty="0"/>
+          </a:p>
+        </p:txBody>
+      </p:sp>
+      <p:sp>
+        <p:nvSpPr>
+          <p:cNvPr id="9" name="正方形/長方形 8"/>
+          <p:cNvSpPr/>
+          <p:nvPr/>
+        </p:nvSpPr>
+        <p:spPr>
+          <a:xfrm>
+            <a:off x="6444208" y="3284984"/>
+            <a:ext cx="1833164" cy="426575"/>
+          </a:xfrm>
+          <a:prstGeom prst="rect">
+            <a:avLst/>
+          </a:prstGeom>
+        </p:spPr>
+        <p:style>
+          <a:lnRef idx="1">
+            <a:schemeClr val="accent5"/>
+          </a:lnRef>
+          <a:fillRef idx="2">
+            <a:schemeClr val="accent5"/>
+          </a:fillRef>
+          <a:effectRef idx="1">
+            <a:schemeClr val="accent5"/>
+          </a:effectRef>
+          <a:fontRef idx="minor">
+            <a:schemeClr val="dk1"/>
+          </a:fontRef>
+        </p:style>
+        <p:txBody>
+          <a:bodyPr rtlCol="0" anchor="ctr"/>
+          <a:lstStyle/>
+          <a:p>
+            <a:pPr algn="ctr"/>
+            <a:r>
+              <a:rPr lang="ja-JP" altLang="en-US" dirty="0"/>
+              <a:t>コード</a:t>
+            </a:r>
+            <a:r>
+              <a:rPr kumimoji="1" lang="ja-JP" altLang="en-US" dirty="0" smtClean="0"/>
+              <a:t>レビュー</a:t>
+            </a:r>
+            <a:endParaRPr kumimoji="1" lang="ja-JP" altLang="en-US" dirty="0"/>
+          </a:p>
+        </p:txBody>
+      </p:sp>
+      <p:sp>
+        <p:nvSpPr>
+          <p:cNvPr id="10" name="正方形/長方形 9"/>
+          <p:cNvSpPr/>
+          <p:nvPr/>
+        </p:nvSpPr>
+        <p:spPr>
+          <a:xfrm>
+            <a:off x="6444208" y="6242785"/>
+            <a:ext cx="1833164" cy="426575"/>
+          </a:xfrm>
+          <a:prstGeom prst="rect">
+            <a:avLst/>
+          </a:prstGeom>
+        </p:spPr>
+        <p:style>
+          <a:lnRef idx="1">
+            <a:schemeClr val="accent5"/>
+          </a:lnRef>
+          <a:fillRef idx="2">
+            <a:schemeClr val="accent5"/>
+          </a:fillRef>
+          <a:effectRef idx="1">
+            <a:schemeClr val="accent5"/>
+          </a:effectRef>
+          <a:fontRef idx="minor">
+            <a:schemeClr val="dk1"/>
+          </a:fontRef>
+        </p:style>
+        <p:txBody>
+          <a:bodyPr rtlCol="0" anchor="ctr"/>
+          <a:lstStyle/>
+          <a:p>
+            <a:pPr algn="ctr"/>
+            <a:r>
+              <a:rPr lang="ja-JP" altLang="en-US" dirty="0"/>
+              <a:t>成果物</a:t>
+            </a:r>
+            <a:r>
+              <a:rPr kumimoji="1" lang="ja-JP" altLang="en-US" dirty="0" smtClean="0"/>
+              <a:t>レビュー</a:t>
+            </a:r>
+            <a:endParaRPr kumimoji="1" lang="ja-JP" altLang="en-US" dirty="0"/>
+          </a:p>
+        </p:txBody>
+      </p:sp>
+      <p:sp>
+        <p:nvSpPr>
+          <p:cNvPr id="11" name="正方形/長方形 10"/>
+          <p:cNvSpPr/>
+          <p:nvPr/>
+        </p:nvSpPr>
+        <p:spPr>
+          <a:xfrm>
+            <a:off x="6444208" y="1916832"/>
+            <a:ext cx="1833164" cy="426575"/>
+          </a:xfrm>
+          <a:prstGeom prst="rect">
+            <a:avLst/>
+          </a:prstGeom>
+        </p:spPr>
+        <p:style>
+          <a:lnRef idx="1">
+            <a:schemeClr val="accent5"/>
+          </a:lnRef>
+          <a:fillRef idx="2">
+            <a:schemeClr val="accent5"/>
+          </a:fillRef>
+          <a:effectRef idx="1">
+            <a:schemeClr val="accent5"/>
+          </a:effectRef>
+          <a:fontRef idx="minor">
+            <a:schemeClr val="dk1"/>
+          </a:fontRef>
+        </p:style>
+        <p:txBody>
+          <a:bodyPr rtlCol="0" anchor="ctr"/>
+          <a:lstStyle/>
+          <a:p>
+            <a:pPr algn="ctr"/>
+            <a:r>
+              <a:rPr lang="ja-JP" altLang="en-US" dirty="0" smtClean="0"/>
+              <a:t>要件説明</a:t>
+            </a:r>
+            <a:endParaRPr kumimoji="1" lang="ja-JP" altLang="en-US" dirty="0"/>
+          </a:p>
+        </p:txBody>
+      </p:sp>
+      <p:sp>
+        <p:nvSpPr>
+          <p:cNvPr id="12" name="正方形/長方形 11"/>
+          <p:cNvSpPr/>
+          <p:nvPr/>
+        </p:nvSpPr>
+        <p:spPr>
+          <a:xfrm>
+            <a:off x="6444208" y="980728"/>
+            <a:ext cx="1833164" cy="426575"/>
+          </a:xfrm>
+          <a:prstGeom prst="rect">
+            <a:avLst/>
+          </a:prstGeom>
+        </p:spPr>
+        <p:style>
+          <a:lnRef idx="1">
+            <a:schemeClr val="accent5"/>
+          </a:lnRef>
+          <a:fillRef idx="2">
+            <a:schemeClr val="accent5"/>
+          </a:fillRef>
+          <a:effectRef idx="1">
+            <a:schemeClr val="accent5"/>
+          </a:effectRef>
+          <a:fontRef idx="minor">
+            <a:schemeClr val="dk1"/>
+          </a:fontRef>
+        </p:style>
+        <p:txBody>
+          <a:bodyPr rtlCol="0" anchor="ctr"/>
+          <a:lstStyle/>
+          <a:p>
+            <a:pPr algn="ctr"/>
+            <a:r>
+              <a:rPr lang="ja-JP" altLang="en-US" dirty="0"/>
+              <a:t>導入</a:t>
+            </a:r>
+            <a:r>
+              <a:rPr lang="ja-JP" altLang="en-US" dirty="0" smtClean="0"/>
+              <a:t>説明</a:t>
+            </a:r>
+            <a:endParaRPr kumimoji="1" lang="ja-JP" altLang="en-US" dirty="0"/>
+          </a:p>
+        </p:txBody>
+      </p:sp>
+      <p:sp>
+        <p:nvSpPr>
+          <p:cNvPr id="13" name="正方形/長方形 12"/>
+          <p:cNvSpPr/>
+          <p:nvPr/>
+        </p:nvSpPr>
+        <p:spPr>
+          <a:xfrm>
+            <a:off x="6444208" y="4437112"/>
+            <a:ext cx="1833164" cy="426575"/>
+          </a:xfrm>
+          <a:prstGeom prst="rect">
+            <a:avLst/>
+          </a:prstGeom>
+        </p:spPr>
+        <p:style>
+          <a:lnRef idx="1">
+            <a:schemeClr val="accent5"/>
+          </a:lnRef>
+          <a:fillRef idx="2">
+            <a:schemeClr val="accent5"/>
+          </a:fillRef>
+          <a:effectRef idx="1">
+            <a:schemeClr val="accent5"/>
+          </a:effectRef>
+          <a:fontRef idx="minor">
+            <a:schemeClr val="dk1"/>
+          </a:fontRef>
+        </p:style>
+        <p:txBody>
+          <a:bodyPr rtlCol="0" anchor="ctr"/>
+          <a:lstStyle/>
+          <a:p>
+            <a:pPr algn="ctr"/>
+            <a:r>
+              <a:rPr lang="ja-JP" altLang="en-US" dirty="0"/>
+              <a:t>テスト</a:t>
+            </a:r>
+            <a:r>
+              <a:rPr kumimoji="1" lang="ja-JP" altLang="en-US" dirty="0" smtClean="0"/>
+              <a:t>レビュー</a:t>
+            </a:r>
+            <a:endParaRPr kumimoji="1" lang="ja-JP" altLang="en-US" dirty="0"/>
           </a:p>
         </p:txBody>
       </p:sp>
     </p:spTree>
     <p:extLst>
       <p:ext uri="{BB962C8B-B14F-4D97-AF65-F5344CB8AC3E}">
-        <p14:creationId xmlns:p14="http://schemas.microsoft.com/office/powerpoint/2010/main" val="390100218"/>
+        <p14:creationId xmlns:p14="http://schemas.microsoft.com/office/powerpoint/2010/main" val="2415879176"/>
       </p:ext>
     </p:extLst>
   </p:cSld>
@@ -4753,7 +7696,7 @@
       </p:grpSpPr>
       <p:sp>
         <p:nvSpPr>
-          <p:cNvPr id="4" name="タイトル 3"/>
+          <p:cNvPr id="2" name="タイトル 1"/>
           <p:cNvSpPr>
             <a:spLocks noGrp="1"/>
           </p:cNvSpPr>
@@ -4768,7 +7711,7 @@
           <a:p>
             <a:r>
               <a:rPr kumimoji="1" lang="ja-JP" altLang="en-US" dirty="0" smtClean="0"/>
-              <a:t>研修の進め方</a:t>
+              <a:t>設計書と調査資料</a:t>
             </a:r>
             <a:endParaRPr kumimoji="1" lang="ja-JP" altLang="en-US" dirty="0"/>
           </a:p>
@@ -4776,7 +7719,7 @@
       </p:sp>
       <p:sp>
         <p:nvSpPr>
-          <p:cNvPr id="2" name="コンテンツ プレースホルダー 1"/>
+          <p:cNvPr id="3" name="コンテンツ プレースホルダー 2"/>
           <p:cNvSpPr>
             <a:spLocks noGrp="1"/>
           </p:cNvSpPr>
@@ -4784,11 +7727,7 @@
             <p:ph idx="1"/>
           </p:nvPr>
         </p:nvSpPr>
-        <p:spPr>
-          <a:prstGeom prst="rect">
-            <a:avLst/>
-          </a:prstGeom>
-        </p:spPr>
+        <p:spPr/>
         <p:txBody>
           <a:bodyPr>
             <a:normAutofit/>
@@ -4796,219 +7735,93 @@
           <a:lstStyle/>
           <a:p>
             <a:r>
-              <a:rPr lang="ja-JP" altLang="en-US" sz="2400" dirty="0" smtClean="0"/>
-              <a:t>２段階研修（基礎</a:t>
-            </a:r>
-            <a:r>
-              <a:rPr lang="en-US" altLang="ja-JP" sz="2400" dirty="0" smtClean="0"/>
-              <a:t>/</a:t>
-            </a:r>
-            <a:r>
-              <a:rPr lang="ja-JP" altLang="en-US" sz="2400" dirty="0" smtClean="0"/>
-              <a:t>応用）</a:t>
-            </a:r>
-            <a:endParaRPr lang="en-US" altLang="ja-JP" sz="2400" dirty="0" smtClean="0"/>
+              <a:rPr kumimoji="1" lang="ja-JP" altLang="en-US" dirty="0" smtClean="0"/>
+              <a:t>設計書</a:t>
+            </a:r>
+            <a:endParaRPr kumimoji="1" lang="en-US" altLang="ja-JP" dirty="0" smtClean="0"/>
           </a:p>
           <a:p>
             <a:pPr lvl="1"/>
             <a:r>
-              <a:rPr lang="ja-JP" altLang="en-US" sz="2000" dirty="0" smtClean="0"/>
-              <a:t>基礎研修：基本となる</a:t>
-            </a:r>
-            <a:r>
-              <a:rPr lang="en-US" altLang="ja-JP" sz="2000" dirty="0" smtClean="0"/>
-              <a:t>Editor/Viewer</a:t>
-            </a:r>
-            <a:r>
-              <a:rPr lang="ja-JP" altLang="en-US" sz="2000" dirty="0" smtClean="0"/>
-              <a:t>作成</a:t>
-            </a:r>
-            <a:endParaRPr lang="en-US" altLang="ja-JP" sz="2000" dirty="0" smtClean="0"/>
+              <a:rPr lang="ja-JP" altLang="en-US" dirty="0" smtClean="0"/>
+              <a:t>基本設計</a:t>
+            </a:r>
+            <a:endParaRPr lang="en-US" altLang="ja-JP" dirty="0" smtClean="0"/>
           </a:p>
           <a:p>
             <a:pPr lvl="1"/>
             <a:r>
-              <a:rPr lang="ja-JP" altLang="en-US" sz="2000" dirty="0" smtClean="0"/>
-              <a:t>応用研修：各個人にテーマを与え、基本</a:t>
-            </a:r>
-            <a:r>
-              <a:rPr lang="en-US" altLang="ja-JP" sz="2000" dirty="0"/>
-              <a:t>Editor/Viewer</a:t>
-            </a:r>
-            <a:r>
-              <a:rPr lang="ja-JP" altLang="en-US" sz="2000" dirty="0" smtClean="0"/>
-              <a:t>改良</a:t>
-            </a:r>
-            <a:endParaRPr lang="en-US" altLang="ja-JP" sz="2000" dirty="0" smtClean="0"/>
-          </a:p>
-          <a:p>
-            <a:endParaRPr lang="en-US" altLang="ja-JP" sz="2400" dirty="0" smtClean="0"/>
-          </a:p>
-          <a:p>
-            <a:r>
-              <a:rPr lang="ja-JP" altLang="en-US" sz="2400" dirty="0" smtClean="0"/>
-              <a:t>各成果物</a:t>
-            </a:r>
-            <a:r>
-              <a:rPr lang="ja-JP" altLang="en-US" sz="2400" dirty="0"/>
-              <a:t>に</a:t>
-            </a:r>
-            <a:r>
-              <a:rPr lang="ja-JP" altLang="en-US" sz="2400" dirty="0" smtClean="0"/>
-              <a:t>対し、レビューを行う</a:t>
-            </a:r>
-            <a:endParaRPr lang="en-US" altLang="ja-JP" sz="2400" dirty="0" smtClean="0"/>
+              <a:rPr lang="ja-JP" altLang="en-US" dirty="0"/>
+              <a:t>外部</a:t>
+            </a:r>
+            <a:r>
+              <a:rPr lang="ja-JP" altLang="en-US" dirty="0" smtClean="0"/>
+              <a:t>設計</a:t>
+            </a:r>
+            <a:endParaRPr lang="en-US" altLang="ja-JP" dirty="0" smtClean="0"/>
           </a:p>
           <a:p>
             <a:pPr lvl="1"/>
             <a:r>
-              <a:rPr lang="ja-JP" altLang="en-US" sz="2000" dirty="0" smtClean="0"/>
-              <a:t>要件定義書</a:t>
-            </a:r>
-            <a:endParaRPr lang="en-US" altLang="ja-JP" sz="2000" dirty="0" smtClean="0"/>
+              <a:rPr lang="ja-JP" altLang="en-US" dirty="0" smtClean="0"/>
+              <a:t>（処理設計）</a:t>
+            </a:r>
+            <a:endParaRPr lang="en-US" altLang="ja-JP" dirty="0" smtClean="0"/>
+          </a:p>
+          <a:p>
+            <a:endParaRPr lang="en-US" altLang="ja-JP" dirty="0" smtClean="0"/>
+          </a:p>
+          <a:p>
+            <a:r>
+              <a:rPr lang="ja-JP" altLang="en-US" dirty="0" smtClean="0"/>
+              <a:t>調査資料</a:t>
+            </a:r>
+            <a:endParaRPr lang="en-US" altLang="ja-JP" dirty="0" smtClean="0"/>
           </a:p>
           <a:p>
             <a:pPr lvl="1"/>
             <a:r>
-              <a:rPr lang="ja-JP" altLang="en-US" sz="2000" dirty="0" smtClean="0"/>
-              <a:t>設計書</a:t>
-            </a:r>
-            <a:endParaRPr lang="en-US" altLang="ja-JP" sz="2000" dirty="0" smtClean="0"/>
+              <a:rPr lang="en-US" altLang="ja-JP" dirty="0" smtClean="0"/>
+              <a:t>Sirius</a:t>
+            </a:r>
+            <a:r>
+              <a:rPr lang="ja-JP" altLang="en-US" dirty="0" smtClean="0"/>
+              <a:t>の操作手順</a:t>
+            </a:r>
+            <a:endParaRPr lang="en-US" altLang="ja-JP" dirty="0" smtClean="0"/>
           </a:p>
           <a:p>
             <a:pPr lvl="1"/>
             <a:r>
-              <a:rPr lang="ja-JP" altLang="en-US" sz="2000" dirty="0" smtClean="0"/>
-              <a:t>コード</a:t>
-            </a:r>
-            <a:endParaRPr lang="en-US" altLang="ja-JP" sz="2000" dirty="0" smtClean="0"/>
+              <a:rPr kumimoji="1" lang="en-US" altLang="ja-JP" dirty="0" smtClean="0"/>
+              <a:t>Sirius</a:t>
+            </a:r>
+            <a:r>
+              <a:rPr kumimoji="1" lang="ja-JP" altLang="en-US" dirty="0" smtClean="0"/>
+              <a:t>で用意されていないノードの形を使う場合のコーディング</a:t>
+            </a:r>
+            <a:endParaRPr kumimoji="1" lang="en-US" altLang="ja-JP" dirty="0" smtClean="0"/>
           </a:p>
           <a:p>
             <a:pPr lvl="1"/>
             <a:r>
-              <a:rPr lang="ja-JP" altLang="en-US" sz="2000" dirty="0" smtClean="0"/>
-              <a:t>テスト（テストケース、実施結果）</a:t>
-            </a:r>
-            <a:endParaRPr lang="en-US" altLang="ja-JP" sz="2000" dirty="0" smtClean="0"/>
-          </a:p>
-          <a:p>
-            <a:pPr lvl="1"/>
-            <a:r>
-              <a:rPr lang="ja-JP" altLang="en-US" sz="2000" dirty="0" smtClean="0"/>
-              <a:t>発表資料</a:t>
-            </a:r>
-            <a:endParaRPr lang="en-US" altLang="ja-JP" sz="2000" dirty="0" smtClean="0"/>
-          </a:p>
-          <a:p>
-            <a:pPr lvl="1"/>
-            <a:endParaRPr lang="en-US" altLang="ja-JP" sz="2000" dirty="0" smtClean="0"/>
-          </a:p>
-          <a:p>
-            <a:r>
-              <a:rPr lang="en-US" altLang="ja-JP" sz="2400" dirty="0"/>
-              <a:t>1</a:t>
-            </a:r>
-            <a:r>
-              <a:rPr lang="ja-JP" altLang="en-US" sz="2400" dirty="0"/>
-              <a:t>日の</a:t>
-            </a:r>
-            <a:r>
-              <a:rPr lang="ja-JP" altLang="en-US" sz="2400" dirty="0" smtClean="0"/>
-              <a:t>スケジュール</a:t>
-            </a:r>
-            <a:r>
-              <a:rPr lang="ja-JP" altLang="en-US" sz="2400" dirty="0"/>
-              <a:t>（</a:t>
-            </a:r>
-            <a:r>
-              <a:rPr lang="en-US" altLang="ja-JP" sz="2000" dirty="0" smtClean="0"/>
-              <a:t>10:00</a:t>
-            </a:r>
-            <a:r>
-              <a:rPr lang="ja-JP" altLang="en-US" sz="2000" dirty="0" smtClean="0"/>
-              <a:t>～</a:t>
-            </a:r>
-            <a:r>
-              <a:rPr lang="en-US" altLang="ja-JP" sz="2000" dirty="0" smtClean="0"/>
-              <a:t>19:00</a:t>
-            </a:r>
-            <a:r>
-              <a:rPr lang="ja-JP" altLang="en-US" sz="2000" dirty="0" smtClean="0"/>
-              <a:t>）</a:t>
-            </a:r>
-            <a:endParaRPr lang="en-US" altLang="ja-JP" sz="1600" dirty="0"/>
-          </a:p>
-          <a:p>
-            <a:pPr lvl="1"/>
-            <a:r>
-              <a:rPr lang="en-US" altLang="ja-JP" sz="2000" dirty="0"/>
-              <a:t>18:00</a:t>
-            </a:r>
-            <a:r>
-              <a:rPr lang="ja-JP" altLang="en-US" sz="2000" dirty="0"/>
-              <a:t>～</a:t>
-            </a:r>
-            <a:r>
-              <a:rPr lang="en-US" altLang="ja-JP" sz="2000" dirty="0"/>
-              <a:t>18:30 </a:t>
-            </a:r>
-            <a:r>
-              <a:rPr lang="ja-JP" altLang="en-US" sz="2000" dirty="0"/>
-              <a:t>夕会</a:t>
-            </a:r>
-            <a:endParaRPr lang="en-US" altLang="ja-JP" sz="2000" dirty="0"/>
-          </a:p>
-          <a:p>
-            <a:pPr lvl="2"/>
-            <a:r>
-              <a:rPr lang="en-US" altLang="ja-JP" sz="1600" dirty="0" smtClean="0"/>
-              <a:t>1</a:t>
-            </a:r>
-            <a:r>
-              <a:rPr lang="ja-JP" altLang="en-US" sz="1600" dirty="0"/>
-              <a:t>日の成果</a:t>
-            </a:r>
-            <a:r>
-              <a:rPr lang="ja-JP" altLang="en-US" sz="1600" dirty="0" smtClean="0"/>
-              <a:t>報告、困ったことがないか、等</a:t>
-            </a:r>
-            <a:endParaRPr lang="en-US" altLang="ja-JP" sz="1600" dirty="0"/>
-          </a:p>
-          <a:p>
-            <a:pPr lvl="1"/>
-            <a:r>
-              <a:rPr lang="en-US" altLang="ja-JP" sz="2000" dirty="0"/>
-              <a:t>18:30</a:t>
-            </a:r>
-            <a:r>
-              <a:rPr lang="ja-JP" altLang="en-US" sz="2000" dirty="0" smtClean="0"/>
-              <a:t>～ 日報</a:t>
-            </a:r>
-            <a:r>
-              <a:rPr lang="ja-JP" altLang="en-US" sz="2000" dirty="0"/>
-              <a:t>作成　</a:t>
-            </a:r>
-            <a:endParaRPr lang="en-US" altLang="ja-JP" sz="2000" dirty="0"/>
+              <a:rPr kumimoji="1" lang="ja-JP" altLang="en-US" dirty="0" smtClean="0"/>
+              <a:t>（チュートリアル日本語化）</a:t>
+            </a:r>
+            <a:endParaRPr kumimoji="1" lang="ja-JP" altLang="en-US" dirty="0"/>
           </a:p>
         </p:txBody>
       </p:sp>
     </p:spTree>
     <p:extLst>
       <p:ext uri="{BB962C8B-B14F-4D97-AF65-F5344CB8AC3E}">
-        <p14:creationId xmlns:p14="http://schemas.microsoft.com/office/powerpoint/2010/main" val="3197206624"/>
+        <p14:creationId xmlns:p14="http://schemas.microsoft.com/office/powerpoint/2010/main" val="2715854297"/>
       </p:ext>
     </p:extLst>
   </p:cSld>
   <p:clrMapOvr>
     <a:masterClrMapping/>
   </p:clrMapOvr>
-  <p:timing>
-    <p:tnLst>
-      <p:par>
-        <p:cTn id="1" dur="indefinite" restart="never" nodeType="tmRoot"/>
-      </p:par>
-    </p:tnLst>
-  </p:timing>
 </p:sld>
 </file>
 
@@ -5046,7 +7859,15 @@
           <a:p>
             <a:r>
               <a:rPr kumimoji="1" lang="ja-JP" altLang="en-US" dirty="0" smtClean="0"/>
-              <a:t>研修中の予定</a:t>
+              <a:t>研修中の予定（</a:t>
+            </a:r>
+            <a:r>
+              <a:rPr kumimoji="1" lang="en-US" altLang="ja-JP" dirty="0" smtClean="0"/>
+              <a:t>JavaFX</a:t>
+            </a:r>
+            <a:r>
+              <a:rPr kumimoji="1" lang="ja-JP" altLang="en-US" dirty="0" smtClean="0"/>
+              <a:t>）</a:t>
             </a:r>
             <a:endParaRPr kumimoji="1" lang="ja-JP" altLang="en-US" dirty="0"/>
           </a:p>
@@ -5061,14 +7882,14 @@
           <p:nvPr>
             <p:extLst>
               <p:ext uri="{D42A27DB-BD31-4B8C-83A1-F6EECF244321}">
-                <p14:modId xmlns:p14="http://schemas.microsoft.com/office/powerpoint/2010/main" val="2883252172"/>
+                <p14:modId xmlns:p14="http://schemas.microsoft.com/office/powerpoint/2010/main" val="2874135007"/>
               </p:ext>
             </p:extLst>
           </p:nvPr>
         </p:nvGraphicFramePr>
         <p:xfrm>
           <a:off x="179511" y="908721"/>
-          <a:ext cx="8568955" cy="4824655"/>
+          <a:ext cx="8568955" cy="4768183"/>
         </p:xfrm>
         <a:graphic>
           <a:graphicData uri="http://schemas.openxmlformats.org/drawingml/2006/table">
@@ -5638,23 +8459,23 @@
                     <a:p>
                       <a:r>
                         <a:rPr kumimoji="1" lang="ja-JP" altLang="en-US" sz="1600" dirty="0" smtClean="0"/>
-                        <a:t>レビュー</a:t>
+                        <a:t>　・目的</a:t>
                       </a:r>
                       <a:endParaRPr kumimoji="1" lang="en-US" altLang="ja-JP" sz="1600" dirty="0" smtClean="0"/>
                     </a:p>
                     <a:p>
                       <a:r>
-                        <a:rPr kumimoji="1" lang="ja-JP" altLang="en-US" dirty="0" smtClean="0"/>
-                        <a:t>　・基本エディタ</a:t>
+                        <a:rPr kumimoji="1" lang="ja-JP" altLang="en-US" sz="1600" dirty="0" smtClean="0"/>
+                        <a:t>　・要件定義</a:t>
                       </a:r>
-                      <a:endParaRPr kumimoji="1" lang="en-US" altLang="ja-JP" dirty="0" smtClean="0"/>
-                    </a:p>
-                    <a:p>
                       <a:r>
-                        <a:rPr kumimoji="1" lang="ja-JP" altLang="en-US" dirty="0" smtClean="0"/>
-                        <a:t>　・要件定義書</a:t>
+                        <a:rPr kumimoji="1" lang="en-US" altLang="ja-JP" sz="1600" dirty="0" smtClean="0"/>
+                        <a:t/>
                       </a:r>
-                      <a:endParaRPr kumimoji="1" lang="en-US" altLang="ja-JP" dirty="0" smtClean="0"/>
+                      <a:br>
+                        <a:rPr kumimoji="1" lang="en-US" altLang="ja-JP" sz="1600" dirty="0" smtClean="0"/>
+                      </a:br>
+                      <a:endParaRPr kumimoji="1" lang="en-US" altLang="ja-JP" sz="1600" dirty="0" smtClean="0"/>
                     </a:p>
                   </a:txBody>
                   <a:tcPr>
@@ -5827,25 +8648,7 @@
                     <a:p>
                       <a:r>
                         <a:rPr kumimoji="1" lang="ja-JP" altLang="en-US" sz="1600" dirty="0" smtClean="0"/>
-                        <a:t>レビュー</a:t>
-                      </a:r>
-                      <a:endParaRPr kumimoji="1" lang="en-US" altLang="ja-JP" sz="1600" dirty="0" smtClean="0"/>
-                    </a:p>
-                    <a:p>
-                      <a:r>
-                        <a:rPr kumimoji="1" lang="ja-JP" altLang="en-US" sz="1600" dirty="0" smtClean="0"/>
-                        <a:t>　・設計書</a:t>
-                      </a:r>
-                      <a:r>
-                        <a:rPr kumimoji="1" lang="en-US" altLang="ja-JP" sz="1600" dirty="0" smtClean="0"/>
-                        <a:t/>
-                      </a:r>
-                      <a:br>
-                        <a:rPr kumimoji="1" lang="en-US" altLang="ja-JP" sz="1600" dirty="0" smtClean="0"/>
-                      </a:br>
-                      <a:r>
-                        <a:rPr kumimoji="1" lang="ja-JP" altLang="en-US" sz="1600" dirty="0" smtClean="0"/>
-                        <a:t>　・コード</a:t>
+                        <a:t>コードレビュー</a:t>
                       </a:r>
                       <a:endParaRPr kumimoji="1" lang="en-US" altLang="ja-JP" sz="1600" dirty="0" smtClean="0"/>
                     </a:p>
@@ -6028,7 +8831,7 @@
                       </a:pPr>
                       <a:r>
                         <a:rPr kumimoji="1" lang="ja-JP" altLang="en-US" sz="1600" dirty="0" smtClean="0"/>
-                        <a:t>レビュー</a:t>
+                        <a:t>コードレビュー</a:t>
                       </a:r>
                       <a:endParaRPr kumimoji="1" lang="en-US" altLang="ja-JP" sz="1600" dirty="0" smtClean="0"/>
                     </a:p>
@@ -6052,7 +8855,15 @@
                       </a:pPr>
                       <a:r>
                         <a:rPr kumimoji="1" lang="ja-JP" altLang="en-US" sz="1600" dirty="0" smtClean="0"/>
-                        <a:t>　・コード</a:t>
+                        <a:t>テストケース</a:t>
+                      </a:r>
+                      <a:r>
+                        <a:rPr kumimoji="1" lang="en-US" altLang="ja-JP" sz="1600" dirty="0" smtClean="0"/>
+                        <a:t>/</a:t>
+                      </a:r>
+                      <a:r>
+                        <a:rPr kumimoji="1" lang="ja-JP" altLang="en-US" sz="1600" dirty="0" smtClean="0"/>
+                        <a:t>証跡レビュー</a:t>
                       </a:r>
                       <a:endParaRPr kumimoji="1" lang="en-US" altLang="ja-JP" sz="1600" dirty="0" smtClean="0"/>
                     </a:p>
@@ -6076,36 +8887,8 @@
                       </a:pPr>
                       <a:r>
                         <a:rPr kumimoji="1" lang="ja-JP" altLang="en-US" sz="1600" dirty="0" smtClean="0"/>
-                        <a:t>　・テストケース</a:t>
+                        <a:t>発表練習</a:t>
                       </a:r>
-                      <a:r>
-                        <a:rPr kumimoji="1" lang="en-US" altLang="ja-JP" sz="1600" dirty="0" smtClean="0"/>
-                        <a:t>/</a:t>
-                      </a:r>
-                      <a:r>
-                        <a:rPr kumimoji="1" lang="ja-JP" altLang="en-US" sz="1600" dirty="0" smtClean="0"/>
-                        <a:t>証跡</a:t>
-                      </a:r>
-                      <a:endParaRPr kumimoji="1" lang="en-US" altLang="ja-JP" sz="1600" dirty="0" smtClean="0"/>
-                    </a:p>
-                    <a:p>
-                      <a:pPr marL="0" marR="0" indent="0" algn="l" defTabSz="914400" rtl="0" eaLnBrk="1" fontAlgn="auto" latinLnBrk="0" hangingPunct="1">
-                        <a:lnSpc>
-                          <a:spcPct val="100000"/>
-                        </a:lnSpc>
-                        <a:spcBef>
-                          <a:spcPts val="0"/>
-                        </a:spcBef>
-                        <a:spcAft>
-                          <a:spcPts val="0"/>
-                        </a:spcAft>
-                        <a:buClrTx/>
-                        <a:buSzTx/>
-                        <a:buFontTx/>
-                        <a:buNone/>
-                        <a:tabLst/>
-                        <a:defRPr/>
-                      </a:pPr>
                       <a:endParaRPr kumimoji="1" lang="ja-JP" altLang="en-US" sz="1600" dirty="0"/>
                     </a:p>
                   </a:txBody>
@@ -6669,8 +9452,8 @@
         </p:nvSpPr>
         <p:spPr>
           <a:xfrm>
-            <a:off x="1809772" y="1639235"/>
-            <a:ext cx="4465020" cy="709551"/>
+            <a:off x="1850936" y="1593565"/>
+            <a:ext cx="4393376" cy="364112"/>
           </a:xfrm>
           <a:prstGeom prst="leftRightArrow">
             <a:avLst>
@@ -6700,7 +9483,7 @@
             <a:pPr algn="ctr"/>
             <a:r>
               <a:rPr lang="ja-JP" altLang="en-US" sz="1400" dirty="0" smtClean="0"/>
-              <a:t>説明・調査・準備</a:t>
+              <a:t>調査</a:t>
             </a:r>
             <a:endParaRPr lang="en-US" altLang="ja-JP" sz="1400" dirty="0" smtClean="0"/>
           </a:p>
@@ -6708,14 +9491,14 @@
       </p:sp>
       <p:sp>
         <p:nvSpPr>
-          <p:cNvPr id="19" name="左右矢印 18"/>
+          <p:cNvPr id="20" name="左右矢印 19"/>
           <p:cNvSpPr/>
           <p:nvPr/>
         </p:nvSpPr>
         <p:spPr>
           <a:xfrm>
-            <a:off x="692354" y="2780928"/>
-            <a:ext cx="2223462" cy="364112"/>
+            <a:off x="725096" y="2811408"/>
+            <a:ext cx="5519216" cy="364112"/>
           </a:xfrm>
           <a:prstGeom prst="leftRightArrow">
             <a:avLst>
@@ -6749,7 +9532,7 @@
                   <a:schemeClr val="tx1"/>
                 </a:solidFill>
               </a:rPr>
-              <a:t>設計</a:t>
+              <a:t>実装</a:t>
             </a:r>
             <a:endParaRPr kumimoji="1" lang="en-US" altLang="ja-JP" sz="1400" dirty="0" smtClean="0">
               <a:solidFill>
@@ -6761,14 +9544,14 @@
       </p:sp>
       <p:sp>
         <p:nvSpPr>
-          <p:cNvPr id="20" name="左右矢印 19"/>
+          <p:cNvPr id="21" name="左右矢印 20"/>
           <p:cNvSpPr/>
           <p:nvPr/>
         </p:nvSpPr>
         <p:spPr>
           <a:xfrm>
-            <a:off x="1853268" y="3140968"/>
-            <a:ext cx="4446924" cy="364112"/>
+            <a:off x="683568" y="3886448"/>
+            <a:ext cx="1106017" cy="364112"/>
           </a:xfrm>
           <a:prstGeom prst="leftRightArrow">
             <a:avLst>
@@ -6814,14 +9597,14 @@
       </p:sp>
       <p:sp>
         <p:nvSpPr>
-          <p:cNvPr id="21" name="左右矢印 20"/>
+          <p:cNvPr id="22" name="左右矢印 21"/>
           <p:cNvSpPr/>
           <p:nvPr/>
         </p:nvSpPr>
         <p:spPr>
           <a:xfrm>
-            <a:off x="755576" y="3886448"/>
-            <a:ext cx="2155315" cy="364112"/>
+            <a:off x="1835696" y="3856976"/>
+            <a:ext cx="2165149" cy="364112"/>
           </a:xfrm>
           <a:prstGeom prst="leftRightArrow">
             <a:avLst>
@@ -6855,123 +9638,9 @@
                   <a:schemeClr val="tx1"/>
                 </a:solidFill>
               </a:rPr>
-              <a:t>実装</a:t>
+              <a:t>テスト</a:t>
             </a:r>
             <a:endParaRPr kumimoji="1" lang="en-US" altLang="ja-JP" sz="1400" dirty="0" smtClean="0">
-              <a:solidFill>
-                <a:schemeClr val="tx1"/>
-              </a:solidFill>
-            </a:endParaRPr>
-          </a:p>
-        </p:txBody>
-      </p:sp>
-      <p:sp>
-        <p:nvSpPr>
-          <p:cNvPr id="22" name="左右矢印 21"/>
-          <p:cNvSpPr/>
-          <p:nvPr/>
-        </p:nvSpPr>
-        <p:spPr>
-          <a:xfrm>
-            <a:off x="1835695" y="4246488"/>
-            <a:ext cx="3237333" cy="364112"/>
-          </a:xfrm>
-          <a:prstGeom prst="leftRightArrow">
-            <a:avLst>
-              <a:gd name="adj1" fmla="val 70964"/>
-              <a:gd name="adj2" fmla="val 45962"/>
-            </a:avLst>
-          </a:prstGeom>
-        </p:spPr>
-        <p:style>
-          <a:lnRef idx="1">
-            <a:schemeClr val="accent6"/>
-          </a:lnRef>
-          <a:fillRef idx="2">
-            <a:schemeClr val="accent6"/>
-          </a:fillRef>
-          <a:effectRef idx="1">
-            <a:schemeClr val="accent6"/>
-          </a:effectRef>
-          <a:fontRef idx="minor">
-            <a:schemeClr val="dk1"/>
-          </a:fontRef>
-        </p:style>
-        <p:txBody>
-          <a:bodyPr rtlCol="0" anchor="ctr"/>
-          <a:lstStyle/>
-          <a:p>
-            <a:pPr algn="ctr"/>
-            <a:r>
-              <a:rPr lang="ja-JP" altLang="en-US" sz="1400" dirty="0">
-                <a:solidFill>
-                  <a:schemeClr val="tx1"/>
-                </a:solidFill>
-              </a:rPr>
-              <a:t>テスト</a:t>
-            </a:r>
-            <a:endParaRPr kumimoji="1" lang="en-US" altLang="ja-JP" sz="1400" dirty="0" smtClean="0">
-              <a:solidFill>
-                <a:schemeClr val="tx1"/>
-              </a:solidFill>
-            </a:endParaRPr>
-          </a:p>
-        </p:txBody>
-      </p:sp>
-      <p:sp>
-        <p:nvSpPr>
-          <p:cNvPr id="24" name="左右矢印 23"/>
-          <p:cNvSpPr/>
-          <p:nvPr/>
-        </p:nvSpPr>
-        <p:spPr>
-          <a:xfrm>
-            <a:off x="4120302" y="3886448"/>
-            <a:ext cx="2154490" cy="400523"/>
-          </a:xfrm>
-          <a:prstGeom prst="leftRightArrow">
-            <a:avLst>
-              <a:gd name="adj1" fmla="val 70964"/>
-              <a:gd name="adj2" fmla="val 36433"/>
-            </a:avLst>
-          </a:prstGeom>
-        </p:spPr>
-        <p:style>
-          <a:lnRef idx="1">
-            <a:schemeClr val="dk1"/>
-          </a:lnRef>
-          <a:fillRef idx="2">
-            <a:schemeClr val="dk1"/>
-          </a:fillRef>
-          <a:effectRef idx="1">
-            <a:schemeClr val="dk1"/>
-          </a:effectRef>
-          <a:fontRef idx="minor">
-            <a:schemeClr val="dk1"/>
-          </a:fontRef>
-        </p:style>
-        <p:txBody>
-          <a:bodyPr rtlCol="0" anchor="ctr"/>
-          <a:lstStyle/>
-          <a:p>
-            <a:pPr algn="ctr"/>
-            <a:r>
-              <a:rPr lang="ja-JP" altLang="en-US" sz="1400" dirty="0" smtClean="0">
-                <a:solidFill>
-                  <a:schemeClr val="tx1"/>
-                </a:solidFill>
-              </a:rPr>
-              <a:t>発表資料</a:t>
-            </a:r>
-            <a:r>
-              <a:rPr lang="ja-JP" altLang="en-US" sz="1400" dirty="0">
-                <a:solidFill>
-                  <a:schemeClr val="tx1"/>
-                </a:solidFill>
-              </a:rPr>
-              <a:t>作成</a:t>
-            </a:r>
-            <a:endParaRPr lang="en-US" altLang="ja-JP" sz="1400" dirty="0" smtClean="0">
               <a:solidFill>
                 <a:schemeClr val="tx1"/>
               </a:solidFill>
@@ -7094,16 +9763,191 @@
           </a:p>
         </p:txBody>
       </p:sp>
+      <p:sp>
+        <p:nvSpPr>
+          <p:cNvPr id="17" name="左右矢印 16"/>
+          <p:cNvSpPr/>
+          <p:nvPr/>
+        </p:nvSpPr>
+        <p:spPr>
+          <a:xfrm>
+            <a:off x="1835695" y="1996585"/>
+            <a:ext cx="2152660" cy="361054"/>
+          </a:xfrm>
+          <a:prstGeom prst="leftRightArrow">
+            <a:avLst>
+              <a:gd name="adj1" fmla="val 70964"/>
+              <a:gd name="adj2" fmla="val 45962"/>
+            </a:avLst>
+          </a:prstGeom>
+        </p:spPr>
+        <p:style>
+          <a:lnRef idx="1">
+            <a:schemeClr val="accent6"/>
+          </a:lnRef>
+          <a:fillRef idx="2">
+            <a:schemeClr val="accent6"/>
+          </a:fillRef>
+          <a:effectRef idx="1">
+            <a:schemeClr val="accent6"/>
+          </a:effectRef>
+          <a:fontRef idx="minor">
+            <a:schemeClr val="dk1"/>
+          </a:fontRef>
+        </p:style>
+        <p:txBody>
+          <a:bodyPr rtlCol="0" anchor="ctr"/>
+          <a:lstStyle/>
+          <a:p>
+            <a:pPr algn="ctr"/>
+            <a:r>
+              <a:rPr lang="ja-JP" altLang="en-US" sz="1400" dirty="0" smtClean="0">
+                <a:solidFill>
+                  <a:schemeClr val="tx1"/>
+                </a:solidFill>
+              </a:rPr>
+              <a:t>要件確認</a:t>
+            </a:r>
+            <a:endParaRPr kumimoji="1" lang="en-US" altLang="ja-JP" sz="1400" dirty="0" smtClean="0">
+              <a:solidFill>
+                <a:schemeClr val="tx1"/>
+              </a:solidFill>
+            </a:endParaRPr>
+          </a:p>
+        </p:txBody>
+      </p:sp>
+      <p:sp>
+        <p:nvSpPr>
+          <p:cNvPr id="27" name="左右矢印 26"/>
+          <p:cNvSpPr/>
+          <p:nvPr/>
+        </p:nvSpPr>
+        <p:spPr>
+          <a:xfrm>
+            <a:off x="4092592" y="3858738"/>
+            <a:ext cx="2154490" cy="400523"/>
+          </a:xfrm>
+          <a:prstGeom prst="leftRightArrow">
+            <a:avLst>
+              <a:gd name="adj1" fmla="val 70964"/>
+              <a:gd name="adj2" fmla="val 36433"/>
+            </a:avLst>
+          </a:prstGeom>
+        </p:spPr>
+        <p:style>
+          <a:lnRef idx="1">
+            <a:schemeClr val="dk1"/>
+          </a:lnRef>
+          <a:fillRef idx="2">
+            <a:schemeClr val="dk1"/>
+          </a:fillRef>
+          <a:effectRef idx="1">
+            <a:schemeClr val="dk1"/>
+          </a:effectRef>
+          <a:fontRef idx="minor">
+            <a:schemeClr val="dk1"/>
+          </a:fontRef>
+        </p:style>
+        <p:txBody>
+          <a:bodyPr rtlCol="0" anchor="ctr"/>
+          <a:lstStyle/>
+          <a:p>
+            <a:pPr algn="ctr"/>
+            <a:r>
+              <a:rPr lang="ja-JP" altLang="en-US" sz="1400" dirty="0" smtClean="0">
+                <a:solidFill>
+                  <a:schemeClr val="tx1"/>
+                </a:solidFill>
+              </a:rPr>
+              <a:t>発表資料</a:t>
+            </a:r>
+            <a:r>
+              <a:rPr lang="ja-JP" altLang="en-US" sz="1400" dirty="0">
+                <a:solidFill>
+                  <a:schemeClr val="tx1"/>
+                </a:solidFill>
+              </a:rPr>
+              <a:t>作成</a:t>
+            </a:r>
+            <a:endParaRPr lang="en-US" altLang="ja-JP" sz="1400" dirty="0" smtClean="0">
+              <a:solidFill>
+                <a:schemeClr val="tx1"/>
+              </a:solidFill>
+            </a:endParaRPr>
+          </a:p>
+        </p:txBody>
+      </p:sp>
+      <p:sp>
+        <p:nvSpPr>
+          <p:cNvPr id="19" name="左右矢印 18"/>
+          <p:cNvSpPr/>
+          <p:nvPr/>
+        </p:nvSpPr>
+        <p:spPr>
+          <a:xfrm>
+            <a:off x="4100288" y="2013796"/>
+            <a:ext cx="2127896" cy="364112"/>
+          </a:xfrm>
+          <a:prstGeom prst="leftRightArrow">
+            <a:avLst>
+              <a:gd name="adj1" fmla="val 70964"/>
+              <a:gd name="adj2" fmla="val 45962"/>
+            </a:avLst>
+          </a:prstGeom>
+        </p:spPr>
+        <p:style>
+          <a:lnRef idx="1">
+            <a:schemeClr val="accent6"/>
+          </a:lnRef>
+          <a:fillRef idx="2">
+            <a:schemeClr val="accent6"/>
+          </a:fillRef>
+          <a:effectRef idx="1">
+            <a:schemeClr val="accent6"/>
+          </a:effectRef>
+          <a:fontRef idx="minor">
+            <a:schemeClr val="dk1"/>
+          </a:fontRef>
+        </p:style>
+        <p:txBody>
+          <a:bodyPr rtlCol="0" anchor="ctr"/>
+          <a:lstStyle/>
+          <a:p>
+            <a:pPr algn="ctr"/>
+            <a:r>
+              <a:rPr lang="ja-JP" altLang="en-US" sz="1400" dirty="0">
+                <a:solidFill>
+                  <a:schemeClr val="tx1"/>
+                </a:solidFill>
+              </a:rPr>
+              <a:t>実装</a:t>
+            </a:r>
+            <a:endParaRPr kumimoji="1" lang="en-US" altLang="ja-JP" sz="1400" dirty="0" smtClean="0">
+              <a:solidFill>
+                <a:schemeClr val="tx1"/>
+              </a:solidFill>
+            </a:endParaRPr>
+          </a:p>
+        </p:txBody>
+      </p:sp>
     </p:spTree>
     <p:extLst>
       <p:ext uri="{BB962C8B-B14F-4D97-AF65-F5344CB8AC3E}">
-        <p14:creationId xmlns:p14="http://schemas.microsoft.com/office/powerpoint/2010/main" val="3385751074"/>
+        <p14:creationId xmlns:p14="http://schemas.microsoft.com/office/powerpoint/2010/main" val="4123003164"/>
       </p:ext>
     </p:extLst>
   </p:cSld>
   <p:clrMapOvr>
     <a:masterClrMapping/>
   </p:clrMapOvr>
+  <mc:AlternateContent xmlns:mc="http://schemas.openxmlformats.org/markup-compatibility/2006" xmlns:p14="http://schemas.microsoft.com/office/powerpoint/2010/main">
+    <mc:Choice Requires="p14">
+      <p:transition spd="slow" p14:dur="2000"/>
+    </mc:Choice>
+    <mc:Fallback xmlns="">
+      <p:transition spd="slow"/>
+    </mc:Fallback>
+  </mc:AlternateContent>
   <p:timing>
     <p:tnLst>
       <p:par>
@@ -7133,6 +9977,741 @@
       </p:grpSpPr>
       <p:sp>
         <p:nvSpPr>
+          <p:cNvPr id="2" name="タイトル 1"/>
+          <p:cNvSpPr>
+            <a:spLocks noGrp="1"/>
+          </p:cNvSpPr>
+          <p:nvPr>
+            <p:ph type="title"/>
+          </p:nvPr>
+        </p:nvSpPr>
+        <p:spPr/>
+        <p:txBody>
+          <a:bodyPr/>
+          <a:lstStyle/>
+          <a:p>
+            <a:r>
+              <a:rPr lang="ja-JP" altLang="en-US" dirty="0"/>
+              <a:t>研修の進め方</a:t>
+            </a:r>
+            <a:r>
+              <a:rPr lang="ja-JP" altLang="en-US" sz="2800" dirty="0" smtClean="0"/>
+              <a:t>（</a:t>
+            </a:r>
+            <a:r>
+              <a:rPr lang="en-US" altLang="ja-JP" sz="2800" dirty="0" smtClean="0"/>
+              <a:t>Sirius</a:t>
+            </a:r>
+            <a:r>
+              <a:rPr lang="ja-JP" altLang="en-US" sz="2800" dirty="0" smtClean="0"/>
+              <a:t>チーム：久米さん</a:t>
+            </a:r>
+            <a:r>
+              <a:rPr lang="en-US" altLang="ja-JP" sz="2800" dirty="0" smtClean="0"/>
+              <a:t>,</a:t>
+            </a:r>
+            <a:r>
+              <a:rPr lang="ja-JP" altLang="en-US" sz="2800" dirty="0" smtClean="0"/>
+              <a:t>呉屋さん）</a:t>
+            </a:r>
+            <a:endParaRPr kumimoji="1" lang="ja-JP" altLang="en-US" dirty="0"/>
+          </a:p>
+        </p:txBody>
+      </p:sp>
+      <p:sp>
+        <p:nvSpPr>
+          <p:cNvPr id="3" name="コンテンツ プレースホルダー 2"/>
+          <p:cNvSpPr>
+            <a:spLocks noGrp="1"/>
+          </p:cNvSpPr>
+          <p:nvPr>
+            <p:ph idx="1"/>
+          </p:nvPr>
+        </p:nvSpPr>
+        <p:spPr/>
+        <p:txBody>
+          <a:bodyPr>
+            <a:normAutofit fontScale="55000" lnSpcReduction="20000"/>
+          </a:bodyPr>
+          <a:lstStyle/>
+          <a:p>
+            <a:r>
+              <a:rPr lang="en-US" altLang="ja-JP" dirty="0" smtClean="0"/>
+              <a:t>Sirius</a:t>
+            </a:r>
+            <a:r>
+              <a:rPr lang="ja-JP" altLang="en-US" dirty="0" smtClean="0"/>
+              <a:t>調査</a:t>
+            </a:r>
+            <a:r>
+              <a:rPr kumimoji="1" lang="ja-JP" altLang="en-US" dirty="0" smtClean="0"/>
+              <a:t>と導入</a:t>
+            </a:r>
+            <a:endParaRPr kumimoji="1" lang="en-US" altLang="ja-JP" dirty="0" smtClean="0"/>
+          </a:p>
+          <a:p>
+            <a:pPr lvl="1"/>
+            <a:r>
+              <a:rPr lang="ja-JP" altLang="en-US" dirty="0" smtClean="0"/>
+              <a:t>アクティビティ図の勉強</a:t>
+            </a:r>
+            <a:endParaRPr lang="en-US" altLang="ja-JP" dirty="0" smtClean="0"/>
+          </a:p>
+          <a:p>
+            <a:pPr lvl="1"/>
+            <a:r>
+              <a:rPr lang="en-US" altLang="ja-JP" dirty="0" smtClean="0"/>
+              <a:t>Sirius</a:t>
+            </a:r>
+            <a:r>
+              <a:rPr lang="ja-JP" altLang="en-US" dirty="0" smtClean="0"/>
+              <a:t>調査</a:t>
+            </a:r>
+            <a:endParaRPr lang="en-US" altLang="ja-JP" dirty="0" smtClean="0"/>
+          </a:p>
+          <a:p>
+            <a:pPr lvl="1"/>
+            <a:r>
+              <a:rPr lang="ja-JP" altLang="en-US" dirty="0" smtClean="0"/>
+              <a:t>調査資料まとめ</a:t>
+            </a:r>
+            <a:endParaRPr lang="en-US" altLang="ja-JP" dirty="0" smtClean="0"/>
+          </a:p>
+          <a:p>
+            <a:pPr marL="0" indent="0">
+              <a:buNone/>
+            </a:pPr>
+            <a:endParaRPr lang="en-US" altLang="ja-JP" dirty="0" smtClean="0"/>
+          </a:p>
+          <a:p>
+            <a:r>
+              <a:rPr lang="ja-JP" altLang="en-US" dirty="0" smtClean="0"/>
+              <a:t>要件の確認</a:t>
+            </a:r>
+            <a:endParaRPr lang="en-US" altLang="ja-JP" dirty="0" smtClean="0"/>
+          </a:p>
+          <a:p>
+            <a:endParaRPr kumimoji="1" lang="en-US" altLang="ja-JP" dirty="0" smtClean="0"/>
+          </a:p>
+          <a:p>
+            <a:r>
+              <a:rPr kumimoji="1" lang="ja-JP" altLang="en-US" dirty="0" smtClean="0"/>
+              <a:t>設計</a:t>
+            </a:r>
+            <a:endParaRPr kumimoji="1" lang="en-US" altLang="ja-JP" dirty="0" smtClean="0"/>
+          </a:p>
+          <a:p>
+            <a:pPr lvl="1"/>
+            <a:r>
+              <a:rPr lang="ja-JP" altLang="en-US" dirty="0"/>
+              <a:t>基本</a:t>
+            </a:r>
+            <a:r>
+              <a:rPr lang="ja-JP" altLang="en-US" dirty="0" smtClean="0"/>
+              <a:t>設計書</a:t>
+            </a:r>
+            <a:endParaRPr lang="en-US" altLang="ja-JP" dirty="0" smtClean="0"/>
+          </a:p>
+          <a:p>
+            <a:pPr lvl="1"/>
+            <a:r>
+              <a:rPr kumimoji="1" lang="ja-JP" altLang="en-US" dirty="0"/>
+              <a:t>外部</a:t>
+            </a:r>
+            <a:r>
+              <a:rPr kumimoji="1" lang="ja-JP" altLang="en-US" dirty="0" smtClean="0"/>
+              <a:t>設計書</a:t>
+            </a:r>
+            <a:endParaRPr kumimoji="1" lang="en-US" altLang="ja-JP" dirty="0" smtClean="0"/>
+          </a:p>
+          <a:p>
+            <a:pPr lvl="1"/>
+            <a:r>
+              <a:rPr lang="ja-JP" altLang="en-US" dirty="0" smtClean="0"/>
+              <a:t>（処理設計書）</a:t>
+            </a:r>
+            <a:endParaRPr kumimoji="1" lang="en-US" altLang="ja-JP" dirty="0" smtClean="0"/>
+          </a:p>
+          <a:p>
+            <a:endParaRPr kumimoji="1" lang="en-US" altLang="ja-JP" dirty="0" smtClean="0"/>
+          </a:p>
+          <a:p>
+            <a:r>
+              <a:rPr kumimoji="1" lang="ja-JP" altLang="en-US" dirty="0" smtClean="0"/>
+              <a:t>実装</a:t>
+            </a:r>
+            <a:r>
+              <a:rPr lang="ja-JP" altLang="en-US" dirty="0"/>
+              <a:t>（</a:t>
+            </a:r>
+            <a:r>
+              <a:rPr kumimoji="1" lang="ja-JP" altLang="en-US" dirty="0" smtClean="0"/>
+              <a:t>エディタ作成）</a:t>
+            </a:r>
+            <a:endParaRPr lang="en-US" altLang="ja-JP" dirty="0" smtClean="0"/>
+          </a:p>
+          <a:p>
+            <a:pPr lvl="1"/>
+            <a:r>
+              <a:rPr lang="ja-JP" altLang="en-US" dirty="0" smtClean="0"/>
+              <a:t>処理側、モデル側に分かれて作業を行う</a:t>
+            </a:r>
+            <a:endParaRPr lang="en-US" altLang="ja-JP" dirty="0" smtClean="0"/>
+          </a:p>
+          <a:p>
+            <a:endParaRPr lang="en-US" altLang="ja-JP" dirty="0" smtClean="0"/>
+          </a:p>
+          <a:p>
+            <a:r>
+              <a:rPr lang="ja-JP" altLang="en-US" dirty="0" smtClean="0"/>
+              <a:t>テスト</a:t>
+            </a:r>
+            <a:endParaRPr lang="en-US" altLang="ja-JP" dirty="0" smtClean="0"/>
+          </a:p>
+          <a:p>
+            <a:pPr lvl="1"/>
+            <a:r>
+              <a:rPr lang="ja-JP" altLang="en-US" dirty="0" smtClean="0"/>
+              <a:t>観点洗い出し　（時間がなければ省略して齋藤が作成）</a:t>
+            </a:r>
+            <a:endParaRPr lang="en-US" altLang="ja-JP" dirty="0" smtClean="0"/>
+          </a:p>
+          <a:p>
+            <a:pPr lvl="1"/>
+            <a:r>
+              <a:rPr lang="ja-JP" altLang="en-US" dirty="0" smtClean="0"/>
+              <a:t>ケース作成　（同上）</a:t>
+            </a:r>
+            <a:endParaRPr lang="en-US" altLang="ja-JP" dirty="0" smtClean="0"/>
+          </a:p>
+          <a:p>
+            <a:pPr lvl="1"/>
+            <a:r>
+              <a:rPr lang="ja-JP" altLang="en-US" dirty="0" smtClean="0"/>
+              <a:t>実施</a:t>
+            </a:r>
+            <a:endParaRPr lang="en-US" altLang="ja-JP" dirty="0" smtClean="0"/>
+          </a:p>
+          <a:p>
+            <a:pPr lvl="1"/>
+            <a:endParaRPr lang="en-US" altLang="ja-JP" dirty="0"/>
+          </a:p>
+          <a:p>
+            <a:r>
+              <a:rPr lang="ja-JP" altLang="en-US" dirty="0" smtClean="0"/>
+              <a:t>成果物レビュー</a:t>
+            </a:r>
+            <a:endParaRPr lang="en-US" altLang="ja-JP" dirty="0" smtClean="0"/>
+          </a:p>
+        </p:txBody>
+      </p:sp>
+      <p:sp>
+        <p:nvSpPr>
+          <p:cNvPr id="10" name="下矢印 9"/>
+          <p:cNvSpPr/>
+          <p:nvPr/>
+        </p:nvSpPr>
+        <p:spPr>
+          <a:xfrm>
+            <a:off x="7118474" y="1407303"/>
+            <a:ext cx="484632" cy="509529"/>
+          </a:xfrm>
+          <a:prstGeom prst="downArrow">
+            <a:avLst/>
+          </a:prstGeom>
+        </p:spPr>
+        <p:style>
+          <a:lnRef idx="2">
+            <a:schemeClr val="accent1">
+              <a:shade val="50000"/>
+            </a:schemeClr>
+          </a:lnRef>
+          <a:fillRef idx="1">
+            <a:schemeClr val="accent1"/>
+          </a:fillRef>
+          <a:effectRef idx="0">
+            <a:schemeClr val="accent1"/>
+          </a:effectRef>
+          <a:fontRef idx="minor">
+            <a:schemeClr val="lt1"/>
+          </a:fontRef>
+        </p:style>
+        <p:txBody>
+          <a:bodyPr rtlCol="0" anchor="ctr"/>
+          <a:lstStyle/>
+          <a:p>
+            <a:pPr algn="ctr"/>
+            <a:endParaRPr kumimoji="1" lang="ja-JP" altLang="en-US"/>
+          </a:p>
+        </p:txBody>
+      </p:sp>
+      <p:sp>
+        <p:nvSpPr>
+          <p:cNvPr id="11" name="下矢印 10"/>
+          <p:cNvSpPr/>
+          <p:nvPr/>
+        </p:nvSpPr>
+        <p:spPr>
+          <a:xfrm>
+            <a:off x="7118474" y="2356567"/>
+            <a:ext cx="484632" cy="558191"/>
+          </a:xfrm>
+          <a:prstGeom prst="downArrow">
+            <a:avLst/>
+          </a:prstGeom>
+        </p:spPr>
+        <p:style>
+          <a:lnRef idx="2">
+            <a:schemeClr val="accent1">
+              <a:shade val="50000"/>
+            </a:schemeClr>
+          </a:lnRef>
+          <a:fillRef idx="1">
+            <a:schemeClr val="accent1"/>
+          </a:fillRef>
+          <a:effectRef idx="0">
+            <a:schemeClr val="accent1"/>
+          </a:effectRef>
+          <a:fontRef idx="minor">
+            <a:schemeClr val="lt1"/>
+          </a:fontRef>
+        </p:style>
+        <p:txBody>
+          <a:bodyPr rtlCol="0" anchor="ctr"/>
+          <a:lstStyle/>
+          <a:p>
+            <a:pPr algn="ctr"/>
+            <a:endParaRPr kumimoji="1" lang="ja-JP" altLang="en-US"/>
+          </a:p>
+        </p:txBody>
+      </p:sp>
+      <p:sp>
+        <p:nvSpPr>
+          <p:cNvPr id="12" name="下矢印 11"/>
+          <p:cNvSpPr/>
+          <p:nvPr/>
+        </p:nvSpPr>
+        <p:spPr>
+          <a:xfrm>
+            <a:off x="7118474" y="3341333"/>
+            <a:ext cx="484632" cy="447707"/>
+          </a:xfrm>
+          <a:prstGeom prst="downArrow">
+            <a:avLst/>
+          </a:prstGeom>
+        </p:spPr>
+        <p:style>
+          <a:lnRef idx="2">
+            <a:schemeClr val="accent1">
+              <a:shade val="50000"/>
+            </a:schemeClr>
+          </a:lnRef>
+          <a:fillRef idx="1">
+            <a:schemeClr val="accent1"/>
+          </a:fillRef>
+          <a:effectRef idx="0">
+            <a:schemeClr val="accent1"/>
+          </a:effectRef>
+          <a:fontRef idx="minor">
+            <a:schemeClr val="lt1"/>
+          </a:fontRef>
+        </p:style>
+        <p:txBody>
+          <a:bodyPr rtlCol="0" anchor="ctr"/>
+          <a:lstStyle/>
+          <a:p>
+            <a:pPr algn="ctr"/>
+            <a:endParaRPr kumimoji="1" lang="ja-JP" altLang="en-US"/>
+          </a:p>
+        </p:txBody>
+      </p:sp>
+      <p:sp>
+        <p:nvSpPr>
+          <p:cNvPr id="13" name="下矢印 12"/>
+          <p:cNvSpPr/>
+          <p:nvPr/>
+        </p:nvSpPr>
+        <p:spPr>
+          <a:xfrm>
+            <a:off x="7118474" y="5369694"/>
+            <a:ext cx="484632" cy="723602"/>
+          </a:xfrm>
+          <a:prstGeom prst="downArrow">
+            <a:avLst/>
+          </a:prstGeom>
+        </p:spPr>
+        <p:style>
+          <a:lnRef idx="2">
+            <a:schemeClr val="accent1">
+              <a:shade val="50000"/>
+            </a:schemeClr>
+          </a:lnRef>
+          <a:fillRef idx="1">
+            <a:schemeClr val="accent1"/>
+          </a:fillRef>
+          <a:effectRef idx="0">
+            <a:schemeClr val="accent1"/>
+          </a:effectRef>
+          <a:fontRef idx="minor">
+            <a:schemeClr val="lt1"/>
+          </a:fontRef>
+        </p:style>
+        <p:txBody>
+          <a:bodyPr rtlCol="0" anchor="ctr"/>
+          <a:lstStyle/>
+          <a:p>
+            <a:pPr algn="ctr"/>
+            <a:endParaRPr kumimoji="1" lang="ja-JP" altLang="en-US"/>
+          </a:p>
+        </p:txBody>
+      </p:sp>
+      <p:sp>
+        <p:nvSpPr>
+          <p:cNvPr id="5" name="正方形/長方形 4"/>
+          <p:cNvSpPr/>
+          <p:nvPr/>
+        </p:nvSpPr>
+        <p:spPr>
+          <a:xfrm>
+            <a:off x="6444208" y="2914758"/>
+            <a:ext cx="1833164" cy="426575"/>
+          </a:xfrm>
+          <a:prstGeom prst="rect">
+            <a:avLst/>
+          </a:prstGeom>
+        </p:spPr>
+        <p:style>
+          <a:lnRef idx="1">
+            <a:schemeClr val="accent5"/>
+          </a:lnRef>
+          <a:fillRef idx="2">
+            <a:schemeClr val="accent5"/>
+          </a:fillRef>
+          <a:effectRef idx="1">
+            <a:schemeClr val="accent5"/>
+          </a:effectRef>
+          <a:fontRef idx="minor">
+            <a:schemeClr val="dk1"/>
+          </a:fontRef>
+        </p:style>
+        <p:txBody>
+          <a:bodyPr rtlCol="0" anchor="ctr"/>
+          <a:lstStyle/>
+          <a:p>
+            <a:pPr algn="ctr"/>
+            <a:r>
+              <a:rPr kumimoji="1" lang="ja-JP" altLang="en-US" dirty="0" smtClean="0"/>
+              <a:t>設計レビュー</a:t>
+            </a:r>
+            <a:endParaRPr kumimoji="1" lang="ja-JP" altLang="en-US" dirty="0"/>
+          </a:p>
+        </p:txBody>
+      </p:sp>
+      <p:sp>
+        <p:nvSpPr>
+          <p:cNvPr id="6" name="正方形/長方形 5"/>
+          <p:cNvSpPr/>
+          <p:nvPr/>
+        </p:nvSpPr>
+        <p:spPr>
+          <a:xfrm>
+            <a:off x="6444208" y="3789040"/>
+            <a:ext cx="1833164" cy="426575"/>
+          </a:xfrm>
+          <a:prstGeom prst="rect">
+            <a:avLst/>
+          </a:prstGeom>
+        </p:spPr>
+        <p:style>
+          <a:lnRef idx="1">
+            <a:schemeClr val="accent5"/>
+          </a:lnRef>
+          <a:fillRef idx="2">
+            <a:schemeClr val="accent5"/>
+          </a:fillRef>
+          <a:effectRef idx="1">
+            <a:schemeClr val="accent5"/>
+          </a:effectRef>
+          <a:fontRef idx="minor">
+            <a:schemeClr val="dk1"/>
+          </a:fontRef>
+        </p:style>
+        <p:txBody>
+          <a:bodyPr rtlCol="0" anchor="ctr"/>
+          <a:lstStyle/>
+          <a:p>
+            <a:pPr algn="ctr"/>
+            <a:r>
+              <a:rPr lang="ja-JP" altLang="en-US" dirty="0"/>
+              <a:t>コード</a:t>
+            </a:r>
+            <a:r>
+              <a:rPr kumimoji="1" lang="ja-JP" altLang="en-US" dirty="0" smtClean="0"/>
+              <a:t>レビュー</a:t>
+            </a:r>
+            <a:endParaRPr kumimoji="1" lang="ja-JP" altLang="en-US" dirty="0"/>
+          </a:p>
+        </p:txBody>
+      </p:sp>
+      <p:sp>
+        <p:nvSpPr>
+          <p:cNvPr id="7" name="正方形/長方形 6"/>
+          <p:cNvSpPr/>
+          <p:nvPr/>
+        </p:nvSpPr>
+        <p:spPr>
+          <a:xfrm>
+            <a:off x="6444208" y="6093296"/>
+            <a:ext cx="1833164" cy="426575"/>
+          </a:xfrm>
+          <a:prstGeom prst="rect">
+            <a:avLst/>
+          </a:prstGeom>
+        </p:spPr>
+        <p:style>
+          <a:lnRef idx="1">
+            <a:schemeClr val="accent5"/>
+          </a:lnRef>
+          <a:fillRef idx="2">
+            <a:schemeClr val="accent5"/>
+          </a:fillRef>
+          <a:effectRef idx="1">
+            <a:schemeClr val="accent5"/>
+          </a:effectRef>
+          <a:fontRef idx="minor">
+            <a:schemeClr val="dk1"/>
+          </a:fontRef>
+        </p:style>
+        <p:txBody>
+          <a:bodyPr rtlCol="0" anchor="ctr"/>
+          <a:lstStyle/>
+          <a:p>
+            <a:pPr algn="ctr"/>
+            <a:r>
+              <a:rPr lang="ja-JP" altLang="en-US" dirty="0"/>
+              <a:t>成果物</a:t>
+            </a:r>
+            <a:r>
+              <a:rPr kumimoji="1" lang="ja-JP" altLang="en-US" dirty="0" smtClean="0"/>
+              <a:t>レビュー</a:t>
+            </a:r>
+            <a:endParaRPr kumimoji="1" lang="ja-JP" altLang="en-US" dirty="0"/>
+          </a:p>
+        </p:txBody>
+      </p:sp>
+      <p:sp>
+        <p:nvSpPr>
+          <p:cNvPr id="8" name="正方形/長方形 7"/>
+          <p:cNvSpPr/>
+          <p:nvPr/>
+        </p:nvSpPr>
+        <p:spPr>
+          <a:xfrm>
+            <a:off x="6444208" y="1916832"/>
+            <a:ext cx="1833164" cy="426575"/>
+          </a:xfrm>
+          <a:prstGeom prst="rect">
+            <a:avLst/>
+          </a:prstGeom>
+        </p:spPr>
+        <p:style>
+          <a:lnRef idx="1">
+            <a:schemeClr val="accent5"/>
+          </a:lnRef>
+          <a:fillRef idx="2">
+            <a:schemeClr val="accent5"/>
+          </a:fillRef>
+          <a:effectRef idx="1">
+            <a:schemeClr val="accent5"/>
+          </a:effectRef>
+          <a:fontRef idx="minor">
+            <a:schemeClr val="dk1"/>
+          </a:fontRef>
+        </p:style>
+        <p:txBody>
+          <a:bodyPr rtlCol="0" anchor="ctr"/>
+          <a:lstStyle/>
+          <a:p>
+            <a:pPr algn="ctr"/>
+            <a:r>
+              <a:rPr lang="ja-JP" altLang="en-US" dirty="0" smtClean="0"/>
+              <a:t>要件説明</a:t>
+            </a:r>
+            <a:endParaRPr kumimoji="1" lang="ja-JP" altLang="en-US" dirty="0"/>
+          </a:p>
+        </p:txBody>
+      </p:sp>
+      <p:sp>
+        <p:nvSpPr>
+          <p:cNvPr id="9" name="正方形/長方形 8"/>
+          <p:cNvSpPr/>
+          <p:nvPr/>
+        </p:nvSpPr>
+        <p:spPr>
+          <a:xfrm>
+            <a:off x="6444208" y="980728"/>
+            <a:ext cx="1833164" cy="426575"/>
+          </a:xfrm>
+          <a:prstGeom prst="rect">
+            <a:avLst/>
+          </a:prstGeom>
+        </p:spPr>
+        <p:style>
+          <a:lnRef idx="1">
+            <a:schemeClr val="accent5"/>
+          </a:lnRef>
+          <a:fillRef idx="2">
+            <a:schemeClr val="accent5"/>
+          </a:fillRef>
+          <a:effectRef idx="1">
+            <a:schemeClr val="accent5"/>
+          </a:effectRef>
+          <a:fontRef idx="minor">
+            <a:schemeClr val="dk1"/>
+          </a:fontRef>
+        </p:style>
+        <p:txBody>
+          <a:bodyPr rtlCol="0" anchor="ctr"/>
+          <a:lstStyle/>
+          <a:p>
+            <a:pPr algn="ctr"/>
+            <a:r>
+              <a:rPr lang="ja-JP" altLang="en-US" dirty="0"/>
+              <a:t>導入</a:t>
+            </a:r>
+            <a:r>
+              <a:rPr lang="ja-JP" altLang="en-US" dirty="0" smtClean="0"/>
+              <a:t>説明</a:t>
+            </a:r>
+            <a:endParaRPr kumimoji="1" lang="ja-JP" altLang="en-US" dirty="0"/>
+          </a:p>
+        </p:txBody>
+      </p:sp>
+      <p:sp>
+        <p:nvSpPr>
+          <p:cNvPr id="14" name="正方形/長方形 13"/>
+          <p:cNvSpPr/>
+          <p:nvPr/>
+        </p:nvSpPr>
+        <p:spPr>
+          <a:xfrm>
+            <a:off x="6444208" y="4943119"/>
+            <a:ext cx="1833164" cy="426575"/>
+          </a:xfrm>
+          <a:prstGeom prst="rect">
+            <a:avLst/>
+          </a:prstGeom>
+        </p:spPr>
+        <p:style>
+          <a:lnRef idx="1">
+            <a:schemeClr val="accent5"/>
+          </a:lnRef>
+          <a:fillRef idx="2">
+            <a:schemeClr val="accent5"/>
+          </a:fillRef>
+          <a:effectRef idx="1">
+            <a:schemeClr val="accent5"/>
+          </a:effectRef>
+          <a:fontRef idx="minor">
+            <a:schemeClr val="dk1"/>
+          </a:fontRef>
+        </p:style>
+        <p:txBody>
+          <a:bodyPr rtlCol="0" anchor="ctr"/>
+          <a:lstStyle/>
+          <a:p>
+            <a:pPr algn="ctr"/>
+            <a:r>
+              <a:rPr lang="ja-JP" altLang="en-US" dirty="0"/>
+              <a:t>テスト</a:t>
+            </a:r>
+            <a:r>
+              <a:rPr kumimoji="1" lang="ja-JP" altLang="en-US" dirty="0" smtClean="0"/>
+              <a:t>レビュー</a:t>
+            </a:r>
+            <a:endParaRPr kumimoji="1" lang="ja-JP" altLang="en-US" dirty="0"/>
+          </a:p>
+        </p:txBody>
+      </p:sp>
+      <p:sp>
+        <p:nvSpPr>
+          <p:cNvPr id="15" name="下矢印 14"/>
+          <p:cNvSpPr/>
+          <p:nvPr/>
+        </p:nvSpPr>
+        <p:spPr>
+          <a:xfrm>
+            <a:off x="7118474" y="4239641"/>
+            <a:ext cx="484632" cy="703478"/>
+          </a:xfrm>
+          <a:prstGeom prst="downArrow">
+            <a:avLst/>
+          </a:prstGeom>
+        </p:spPr>
+        <p:style>
+          <a:lnRef idx="2">
+            <a:schemeClr val="accent1">
+              <a:shade val="50000"/>
+            </a:schemeClr>
+          </a:lnRef>
+          <a:fillRef idx="1">
+            <a:schemeClr val="accent1"/>
+          </a:fillRef>
+          <a:effectRef idx="0">
+            <a:schemeClr val="accent1"/>
+          </a:effectRef>
+          <a:fontRef idx="minor">
+            <a:schemeClr val="lt1"/>
+          </a:fontRef>
+        </p:style>
+        <p:txBody>
+          <a:bodyPr rtlCol="0" anchor="ctr"/>
+          <a:lstStyle/>
+          <a:p>
+            <a:pPr algn="ctr"/>
+            <a:endParaRPr kumimoji="1" lang="ja-JP" altLang="en-US"/>
+          </a:p>
+        </p:txBody>
+      </p:sp>
+    </p:spTree>
+    <p:extLst>
+      <p:ext uri="{BB962C8B-B14F-4D97-AF65-F5344CB8AC3E}">
+        <p14:creationId xmlns:p14="http://schemas.microsoft.com/office/powerpoint/2010/main" val="3447422890"/>
+      </p:ext>
+    </p:extLst>
+  </p:cSld>
+  <p:clrMapOvr>
+    <a:masterClrMapping/>
+  </p:clrMapOvr>
+  <p:timing>
+    <p:tnLst>
+      <p:par>
+        <p:cTn id="1" dur="indefinite" restart="never" nodeType="tmRoot"/>
+      </p:par>
+    </p:tnLst>
+  </p:timing>
+</p:sld>
+</file>
+
+<file path=ppt/slides/slide8.xml><?xml version="1.0" encoding="utf-8"?>
+<p:sld xmlns:a="http://schemas.openxmlformats.org/drawingml/2006/main" xmlns:r="http://schemas.openxmlformats.org/officeDocument/2006/relationships" xmlns:p="http://schemas.openxmlformats.org/presentationml/2006/main">
+  <p:cSld>
+    <p:spTree>
+      <p:nvGrpSpPr>
+        <p:cNvPr id="1" name=""/>
+        <p:cNvGrpSpPr/>
+        <p:nvPr/>
+      </p:nvGrpSpPr>
+      <p:grpSpPr>
+        <a:xfrm>
+          <a:off x="0" y="0"/>
+          <a:ext cx="0" cy="0"/>
+          <a:chOff x="0" y="0"/>
+          <a:chExt cx="0" cy="0"/>
+        </a:xfrm>
+      </p:grpSpPr>
+      <p:sp>
+        <p:nvSpPr>
           <p:cNvPr id="3" name="タイトル 2"/>
           <p:cNvSpPr>
             <a:spLocks noGrp="1"/>
@@ -7148,7 +10727,11 @@
           <a:p>
             <a:r>
               <a:rPr kumimoji="1" lang="ja-JP" altLang="en-US" dirty="0" smtClean="0"/>
-              <a:t>研修開始までの予定</a:t>
+              <a:t>研修中の予定</a:t>
+            </a:r>
+            <a:r>
+              <a:rPr kumimoji="1" lang="en-US" altLang="ja-JP" dirty="0" smtClean="0"/>
+              <a:t>(Sirius)</a:t>
             </a:r>
             <a:endParaRPr kumimoji="1" lang="ja-JP" altLang="en-US" dirty="0"/>
           </a:p>
@@ -7163,14 +10746,14 @@
           <p:nvPr>
             <p:extLst>
               <p:ext uri="{D42A27DB-BD31-4B8C-83A1-F6EECF244321}">
-                <p14:modId xmlns:p14="http://schemas.microsoft.com/office/powerpoint/2010/main" val="2926908319"/>
+                <p14:modId xmlns:p14="http://schemas.microsoft.com/office/powerpoint/2010/main" val="80380874"/>
               </p:ext>
             </p:extLst>
           </p:nvPr>
         </p:nvGraphicFramePr>
         <p:xfrm>
-          <a:off x="611560" y="1052736"/>
-          <a:ext cx="8136903" cy="3966402"/>
+          <a:off x="179511" y="908721"/>
+          <a:ext cx="8568955" cy="4768183"/>
         </p:xfrm>
         <a:graphic>
           <a:graphicData uri="http://schemas.openxmlformats.org/drawingml/2006/table">
@@ -7179,16 +10762,16 @@
                 <a:tableStyleId>{5940675A-B579-460E-94D1-54222C63F5DA}</a:tableStyleId>
               </a:tblPr>
               <a:tblGrid>
-                <a:gridCol w="740654"/>
-                <a:gridCol w="740654"/>
-                <a:gridCol w="740654"/>
-                <a:gridCol w="740654"/>
-                <a:gridCol w="740654"/>
-                <a:gridCol w="740654"/>
-                <a:gridCol w="740654"/>
-                <a:gridCol w="2952325"/>
+                <a:gridCol w="504057"/>
+                <a:gridCol w="1123325"/>
+                <a:gridCol w="1123325"/>
+                <a:gridCol w="1123325"/>
+                <a:gridCol w="1123325"/>
+                <a:gridCol w="1123325"/>
+                <a:gridCol w="476657"/>
+                <a:gridCol w="1971616"/>
               </a:tblGrid>
-              <a:tr h="360040">
+              <a:tr h="437601">
                 <a:tc>
                   <a:txBody>
                     <a:bodyPr/>
@@ -7503,7 +11086,7 @@
                   </a:tcPr>
                 </a:tc>
               </a:tr>
-              <a:tr h="895414">
+              <a:tr h="1071288">
                 <a:tc>
                   <a:txBody>
                     <a:bodyPr/>
@@ -7511,7 +11094,7 @@
                     <a:p>
                       <a:r>
                         <a:rPr kumimoji="1" lang="en-US" altLang="ja-JP" dirty="0" smtClean="0"/>
-                        <a:t>5/15</a:t>
+                        <a:t>6/5</a:t>
                       </a:r>
                       <a:endParaRPr kumimoji="1" lang="ja-JP" altLang="en-US" dirty="0"/>
                     </a:p>
@@ -7550,9 +11133,15 @@
                     <a:p>
                       <a:r>
                         <a:rPr kumimoji="1" lang="en-US" altLang="ja-JP" dirty="0" smtClean="0"/>
-                        <a:t>16</a:t>
+                        <a:t>6</a:t>
                       </a:r>
-                      <a:endParaRPr kumimoji="1" lang="ja-JP" altLang="en-US" dirty="0"/>
+                      <a:br>
+                        <a:rPr kumimoji="1" lang="en-US" altLang="ja-JP" dirty="0" smtClean="0"/>
+                      </a:br>
+                      <a:endParaRPr kumimoji="1" lang="en-US" altLang="ja-JP" dirty="0" smtClean="0"/>
+                    </a:p>
+                    <a:p>
+                      <a:endParaRPr kumimoji="1" lang="en-US" altLang="ja-JP" sz="1600" dirty="0" smtClean="0"/>
                     </a:p>
                   </a:txBody>
                   <a:tcPr>
@@ -7574,7 +11163,11 @@
                     <a:p>
                       <a:r>
                         <a:rPr kumimoji="1" lang="en-US" altLang="ja-JP" dirty="0" smtClean="0"/>
-                        <a:t>17</a:t>
+                        <a:t>7</a:t>
+                      </a:r>
+                      <a:r>
+                        <a:rPr kumimoji="1" lang="ja-JP" altLang="en-US" dirty="0" smtClean="0"/>
+                        <a:t>　</a:t>
                       </a:r>
                       <a:endParaRPr kumimoji="1" lang="ja-JP" altLang="en-US" dirty="0"/>
                     </a:p>
@@ -7598,7 +11191,7 @@
                     <a:p>
                       <a:r>
                         <a:rPr kumimoji="1" lang="en-US" altLang="ja-JP" dirty="0" smtClean="0"/>
-                        <a:t>18</a:t>
+                        <a:t>8</a:t>
                       </a:r>
                       <a:endParaRPr kumimoji="1" lang="ja-JP" altLang="en-US" dirty="0"/>
                     </a:p>
@@ -7622,8 +11215,11 @@
                     <a:p>
                       <a:r>
                         <a:rPr kumimoji="1" lang="en-US" altLang="ja-JP" dirty="0" smtClean="0"/>
-                        <a:t>19</a:t>
+                        <a:t>9</a:t>
                       </a:r>
+                      <a:br>
+                        <a:rPr kumimoji="1" lang="en-US" altLang="ja-JP" dirty="0" smtClean="0"/>
+                      </a:br>
                       <a:endParaRPr kumimoji="1" lang="ja-JP" altLang="en-US" dirty="0"/>
                     </a:p>
                   </a:txBody>
@@ -7646,7 +11242,7 @@
                     <a:p>
                       <a:r>
                         <a:rPr kumimoji="1" lang="en-US" altLang="ja-JP" dirty="0" smtClean="0"/>
-                        <a:t>20</a:t>
+                        <a:t>10</a:t>
                       </a:r>
                       <a:endParaRPr kumimoji="1" lang="ja-JP" altLang="en-US" dirty="0"/>
                     </a:p>
@@ -7670,7 +11266,7 @@
                     <a:p>
                       <a:r>
                         <a:rPr kumimoji="1" lang="en-US" altLang="ja-JP" dirty="0" smtClean="0"/>
-                        <a:t>21</a:t>
+                        <a:t>11</a:t>
                       </a:r>
                       <a:endParaRPr kumimoji="1" lang="ja-JP" altLang="en-US" dirty="0"/>
                     </a:p>
@@ -7708,17 +11304,52 @@
                     <a:lstStyle/>
                     <a:p>
                       <a:r>
-                        <a:rPr kumimoji="1" lang="ja-JP" altLang="en-US" dirty="0" smtClean="0"/>
-                        <a:t>全体計画</a:t>
+                        <a:rPr kumimoji="1" lang="ja-JP" altLang="en-US" sz="1600" dirty="0" smtClean="0"/>
+                        <a:t>設計書サンプル作成</a:t>
                       </a:r>
-                      <a:endParaRPr kumimoji="1" lang="en-US" altLang="ja-JP" dirty="0" smtClean="0"/>
+                      <a:endParaRPr kumimoji="1" lang="en-US" altLang="ja-JP" sz="1600" dirty="0" smtClean="0"/>
                     </a:p>
                     <a:p>
                       <a:r>
-                        <a:rPr kumimoji="1" lang="ja-JP" altLang="en-US" dirty="0" smtClean="0"/>
-                        <a:t>研修内容決定</a:t>
+                        <a:rPr kumimoji="1" lang="ja-JP" altLang="en-US" sz="1600" dirty="0" smtClean="0"/>
+                        <a:t>導入説明</a:t>
                       </a:r>
-                      <a:endParaRPr kumimoji="1" lang="en-US" altLang="ja-JP" dirty="0" smtClean="0"/>
+                      <a:endParaRPr kumimoji="1" lang="en-US" altLang="ja-JP" sz="1600" dirty="0" smtClean="0"/>
+                    </a:p>
+                    <a:p>
+                      <a:pPr marL="0" marR="0" indent="0" algn="l" defTabSz="914400" rtl="0" eaLnBrk="1" fontAlgn="auto" latinLnBrk="0" hangingPunct="1">
+                        <a:lnSpc>
+                          <a:spcPct val="100000"/>
+                        </a:lnSpc>
+                        <a:spcBef>
+                          <a:spcPts val="0"/>
+                        </a:spcBef>
+                        <a:spcAft>
+                          <a:spcPts val="0"/>
+                        </a:spcAft>
+                        <a:buClrTx/>
+                        <a:buSzTx/>
+                        <a:buFontTx/>
+                        <a:buNone/>
+                        <a:tabLst/>
+                        <a:defRPr/>
+                      </a:pPr>
+                      <a:r>
+                        <a:rPr kumimoji="1" lang="ja-JP" altLang="en-US" sz="1600" dirty="0" smtClean="0"/>
+                        <a:t>要件説明</a:t>
+                      </a:r>
+                      <a:r>
+                        <a:rPr kumimoji="1" lang="en-US" altLang="ja-JP" sz="1600" dirty="0" smtClean="0"/>
+                        <a:t/>
+                      </a:r>
+                      <a:br>
+                        <a:rPr kumimoji="1" lang="en-US" altLang="ja-JP" sz="1600" dirty="0" smtClean="0"/>
+                      </a:br>
+                      <a:r>
+                        <a:rPr kumimoji="1" lang="ja-JP" altLang="en-US" sz="1600" dirty="0" smtClean="0"/>
+                        <a:t>設計レビュー</a:t>
+                      </a:r>
+                      <a:endParaRPr kumimoji="1" lang="en-US" altLang="ja-JP" sz="1600" dirty="0" smtClean="0"/>
                     </a:p>
                   </a:txBody>
                   <a:tcPr>
@@ -7753,7 +11384,249 @@
                   </a:tcPr>
                 </a:tc>
               </a:tr>
-              <a:tr h="895414">
+              <a:tr h="1094003">
+                <a:tc>
+                  <a:txBody>
+                    <a:bodyPr/>
+                    <a:lstStyle/>
+                    <a:p>
+                      <a:r>
+                        <a:rPr kumimoji="1" lang="en-US" altLang="ja-JP" dirty="0" smtClean="0"/>
+                        <a:t>12</a:t>
+                      </a:r>
+                      <a:endParaRPr kumimoji="1" lang="ja-JP" altLang="en-US" dirty="0"/>
+                    </a:p>
+                  </a:txBody>
+                  <a:tcPr>
+                    <a:lnL w="28575" cap="flat" cmpd="sng" algn="ctr">
+                      <a:solidFill>
+                        <a:schemeClr val="tx1"/>
+                      </a:solidFill>
+                      <a:prstDash val="solid"/>
+                      <a:round/>
+                      <a:headEnd type="none" w="med" len="med"/>
+                      <a:tailEnd type="none" w="med" len="med"/>
+                    </a:lnL>
+                    <a:solidFill>
+                      <a:schemeClr val="accent2">
+                        <a:lumMod val="40000"/>
+                        <a:lumOff val="60000"/>
+                      </a:schemeClr>
+                    </a:solidFill>
+                  </a:tcPr>
+                </a:tc>
+                <a:tc>
+                  <a:txBody>
+                    <a:bodyPr/>
+                    <a:lstStyle/>
+                    <a:p>
+                      <a:r>
+                        <a:rPr kumimoji="1" lang="en-US" altLang="ja-JP" dirty="0" smtClean="0"/>
+                        <a:t>13</a:t>
+                      </a:r>
+                      <a:endParaRPr kumimoji="1" lang="ja-JP" altLang="en-US" dirty="0"/>
+                    </a:p>
+                  </a:txBody>
+                  <a:tcPr/>
+                </a:tc>
+                <a:tc>
+                  <a:txBody>
+                    <a:bodyPr/>
+                    <a:lstStyle/>
+                    <a:p>
+                      <a:r>
+                        <a:rPr kumimoji="1" lang="en-US" altLang="ja-JP" dirty="0" smtClean="0"/>
+                        <a:t>14</a:t>
+                      </a:r>
+                      <a:endParaRPr kumimoji="1" lang="ja-JP" altLang="en-US" dirty="0"/>
+                    </a:p>
+                  </a:txBody>
+                  <a:tcPr/>
+                </a:tc>
+                <a:tc>
+                  <a:txBody>
+                    <a:bodyPr/>
+                    <a:lstStyle/>
+                    <a:p>
+                      <a:r>
+                        <a:rPr kumimoji="1" lang="en-US" altLang="ja-JP" dirty="0" smtClean="0"/>
+                        <a:t>15</a:t>
+                      </a:r>
+                      <a:endParaRPr kumimoji="1" lang="ja-JP" altLang="en-US" dirty="0"/>
+                    </a:p>
+                  </a:txBody>
+                  <a:tcPr/>
+                </a:tc>
+                <a:tc>
+                  <a:txBody>
+                    <a:bodyPr/>
+                    <a:lstStyle/>
+                    <a:p>
+                      <a:r>
+                        <a:rPr kumimoji="1" lang="en-US" altLang="ja-JP" dirty="0" smtClean="0"/>
+                        <a:t>16</a:t>
+                      </a:r>
+                      <a:endParaRPr kumimoji="1" lang="ja-JP" altLang="en-US" dirty="0"/>
+                    </a:p>
+                  </a:txBody>
+                  <a:tcPr/>
+                </a:tc>
+                <a:tc>
+                  <a:txBody>
+                    <a:bodyPr/>
+                    <a:lstStyle/>
+                    <a:p>
+                      <a:r>
+                        <a:rPr kumimoji="1" lang="en-US" altLang="ja-JP" dirty="0" smtClean="0"/>
+                        <a:t>17</a:t>
+                      </a:r>
+                      <a:endParaRPr kumimoji="1" lang="ja-JP" altLang="en-US" dirty="0"/>
+                    </a:p>
+                  </a:txBody>
+                  <a:tcPr/>
+                </a:tc>
+                <a:tc>
+                  <a:txBody>
+                    <a:bodyPr/>
+                    <a:lstStyle/>
+                    <a:p>
+                      <a:r>
+                        <a:rPr kumimoji="1" lang="en-US" altLang="ja-JP" dirty="0" smtClean="0"/>
+                        <a:t>18</a:t>
+                      </a:r>
+                      <a:endParaRPr kumimoji="1" lang="ja-JP" altLang="en-US" dirty="0"/>
+                    </a:p>
+                  </a:txBody>
+                  <a:tcPr>
+                    <a:lnR w="28575" cap="flat" cmpd="sng" algn="ctr">
+                      <a:solidFill>
+                        <a:schemeClr val="tx1"/>
+                      </a:solidFill>
+                      <a:prstDash val="solid"/>
+                      <a:round/>
+                      <a:headEnd type="none" w="med" len="med"/>
+                      <a:tailEnd type="none" w="med" len="med"/>
+                    </a:lnR>
+                    <a:solidFill>
+                      <a:schemeClr val="accent5">
+                        <a:lumMod val="40000"/>
+                        <a:lumOff val="60000"/>
+                      </a:schemeClr>
+                    </a:solidFill>
+                  </a:tcPr>
+                </a:tc>
+                <a:tc>
+                  <a:txBody>
+                    <a:bodyPr/>
+                    <a:lstStyle/>
+                    <a:p>
+                      <a:r>
+                        <a:rPr kumimoji="1" lang="ja-JP" altLang="en-US" sz="1600" dirty="0" smtClean="0"/>
+                        <a:t>要件説明</a:t>
+                      </a:r>
+                      <a:endParaRPr kumimoji="1" lang="en-US" altLang="ja-JP" sz="1600" dirty="0" smtClean="0"/>
+                    </a:p>
+                    <a:p>
+                      <a:r>
+                        <a:rPr kumimoji="1" lang="ja-JP" altLang="en-US" sz="1600" dirty="0" smtClean="0"/>
+                        <a:t>設計レビュー</a:t>
+                      </a:r>
+                      <a:r>
+                        <a:rPr kumimoji="1" lang="en-US" altLang="ja-JP" sz="1600" dirty="0" smtClean="0"/>
+                        <a:t/>
+                      </a:r>
+                      <a:br>
+                        <a:rPr kumimoji="1" lang="en-US" altLang="ja-JP" sz="1600" dirty="0" smtClean="0"/>
+                      </a:br>
+                      <a:r>
+                        <a:rPr kumimoji="1" lang="ja-JP" altLang="en-US" sz="1600" dirty="0" smtClean="0"/>
+                        <a:t>コードレビュー</a:t>
+                      </a:r>
+                      <a:endParaRPr kumimoji="1" lang="en-US" altLang="ja-JP" sz="1600" dirty="0" smtClean="0"/>
+                    </a:p>
+                  </a:txBody>
+                  <a:tcPr>
+                    <a:lnL w="28575" cap="flat" cmpd="sng" algn="ctr">
+                      <a:solidFill>
+                        <a:schemeClr val="tx1"/>
+                      </a:solidFill>
+                      <a:prstDash val="solid"/>
+                      <a:round/>
+                      <a:headEnd type="none" w="med" len="med"/>
+                      <a:tailEnd type="none" w="med" len="med"/>
+                    </a:lnL>
+                    <a:lnR w="28575" cap="flat" cmpd="sng" algn="ctr">
+                      <a:solidFill>
+                        <a:schemeClr val="tx1"/>
+                      </a:solidFill>
+                      <a:prstDash val="solid"/>
+                      <a:round/>
+                      <a:headEnd type="none" w="med" len="med"/>
+                      <a:tailEnd type="none" w="med" len="med"/>
+                    </a:lnR>
+                    <a:noFill/>
+                  </a:tcPr>
+                </a:tc>
+              </a:tr>
+              <a:tr h="1094003">
+                <a:tc>
+                  <a:txBody>
+                    <a:bodyPr/>
+                    <a:lstStyle/>
+                    <a:p>
+                      <a:r>
+                        <a:rPr kumimoji="1" lang="en-US" altLang="ja-JP" dirty="0" smtClean="0"/>
+                        <a:t>19</a:t>
+                      </a:r>
+                      <a:endParaRPr kumimoji="1" lang="ja-JP" altLang="en-US" dirty="0"/>
+                    </a:p>
+                  </a:txBody>
+                  <a:tcPr>
+                    <a:lnL w="28575" cap="flat" cmpd="sng" algn="ctr">
+                      <a:solidFill>
+                        <a:schemeClr val="tx1"/>
+                      </a:solidFill>
+                      <a:prstDash val="solid"/>
+                      <a:round/>
+                      <a:headEnd type="none" w="med" len="med"/>
+                      <a:tailEnd type="none" w="med" len="med"/>
+                    </a:lnL>
+                    <a:solidFill>
+                      <a:schemeClr val="accent2">
+                        <a:lumMod val="40000"/>
+                        <a:lumOff val="60000"/>
+                      </a:schemeClr>
+                    </a:solidFill>
+                  </a:tcPr>
+                </a:tc>
+                <a:tc>
+                  <a:txBody>
+                    <a:bodyPr/>
+                    <a:lstStyle/>
+                    <a:p>
+                      <a:r>
+                        <a:rPr kumimoji="1" lang="en-US" altLang="ja-JP" dirty="0" smtClean="0"/>
+                        <a:t>20</a:t>
+                      </a:r>
+                      <a:endParaRPr kumimoji="1" lang="ja-JP" altLang="en-US" dirty="0"/>
+                    </a:p>
+                  </a:txBody>
+                  <a:tcPr/>
+                </a:tc>
+                <a:tc>
+                  <a:txBody>
+                    <a:bodyPr/>
+                    <a:lstStyle/>
+                    <a:p>
+                      <a:r>
+                        <a:rPr kumimoji="1" lang="en-US" altLang="ja-JP" dirty="0" smtClean="0"/>
+                        <a:t>21</a:t>
+                      </a:r>
+                      <a:endParaRPr kumimoji="1" lang="ja-JP" altLang="en-US" dirty="0"/>
+                    </a:p>
+                  </a:txBody>
+                  <a:tcPr/>
+                </a:tc>
                 <a:tc>
                   <a:txBody>
                     <a:bodyPr/>
@@ -7766,23 +11639,7 @@
                       <a:endParaRPr kumimoji="1" lang="ja-JP" altLang="en-US" dirty="0"/>
                     </a:p>
                   </a:txBody>
-                  <a:tcPr>
-                    <a:lnL w="28575" cap="flat" cmpd="sng" algn="ctr">
-                      <a:solidFill>
-                        <a:schemeClr val="tx1"/>
-                      </a:solidFill>
-                      <a:prstDash val="solid"/>
-                      <a:round/>
-                      <a:headEnd type="none" w="med" len="med"/>
-                      <a:tailEnd type="none" w="med" len="med"/>
-                    </a:lnL>
-                    <a:solidFill>
-                      <a:schemeClr val="accent2">
-                        <a:lumMod val="40000"/>
-                        <a:lumOff val="60000"/>
-                      </a:schemeClr>
-                    </a:solidFill>
-                  </a:tcPr>
+                  <a:tcPr/>
                 </a:tc>
                 <a:tc>
                   <a:txBody>
@@ -7824,249 +11681,6 @@
                       <a:endParaRPr kumimoji="1" lang="ja-JP" altLang="en-US" dirty="0"/>
                     </a:p>
                   </a:txBody>
-                  <a:tcPr/>
-                </a:tc>
-                <a:tc>
-                  <a:txBody>
-                    <a:bodyPr/>
-                    <a:lstStyle/>
-                    <a:p>
-                      <a:r>
-                        <a:rPr kumimoji="1" lang="en-US" altLang="ja-JP" dirty="0" smtClean="0"/>
-                        <a:t>26</a:t>
-                      </a:r>
-                      <a:endParaRPr kumimoji="1" lang="ja-JP" altLang="en-US" dirty="0"/>
-                    </a:p>
-                  </a:txBody>
-                  <a:tcPr/>
-                </a:tc>
-                <a:tc>
-                  <a:txBody>
-                    <a:bodyPr/>
-                    <a:lstStyle/>
-                    <a:p>
-                      <a:r>
-                        <a:rPr kumimoji="1" lang="en-US" altLang="ja-JP" dirty="0" smtClean="0"/>
-                        <a:t>27</a:t>
-                      </a:r>
-                      <a:endParaRPr kumimoji="1" lang="ja-JP" altLang="en-US" dirty="0"/>
-                    </a:p>
-                  </a:txBody>
-                  <a:tcPr/>
-                </a:tc>
-                <a:tc>
-                  <a:txBody>
-                    <a:bodyPr/>
-                    <a:lstStyle/>
-                    <a:p>
-                      <a:r>
-                        <a:rPr kumimoji="1" lang="en-US" altLang="ja-JP" dirty="0" smtClean="0"/>
-                        <a:t>28</a:t>
-                      </a:r>
-                      <a:endParaRPr kumimoji="1" lang="ja-JP" altLang="en-US" dirty="0"/>
-                    </a:p>
-                  </a:txBody>
-                  <a:tcPr>
-                    <a:lnR w="28575" cap="flat" cmpd="sng" algn="ctr">
-                      <a:solidFill>
-                        <a:schemeClr val="tx1"/>
-                      </a:solidFill>
-                      <a:prstDash val="solid"/>
-                      <a:round/>
-                      <a:headEnd type="none" w="med" len="med"/>
-                      <a:tailEnd type="none" w="med" len="med"/>
-                    </a:lnR>
-                    <a:solidFill>
-                      <a:schemeClr val="accent5">
-                        <a:lumMod val="40000"/>
-                        <a:lumOff val="60000"/>
-                      </a:schemeClr>
-                    </a:solidFill>
-                  </a:tcPr>
-                </a:tc>
-                <a:tc>
-                  <a:txBody>
-                    <a:bodyPr/>
-                    <a:lstStyle/>
-                    <a:p>
-                      <a:r>
-                        <a:rPr kumimoji="1" lang="ja-JP" altLang="en-US" dirty="0" smtClean="0"/>
-                        <a:t>詳細計画</a:t>
-                      </a:r>
-                      <a:endParaRPr kumimoji="1" lang="en-US" altLang="ja-JP" dirty="0" smtClean="0"/>
-                    </a:p>
-                    <a:p>
-                      <a:pPr marL="0" marR="0" indent="0" algn="l" defTabSz="914400" rtl="0" eaLnBrk="1" fontAlgn="auto" latinLnBrk="0" hangingPunct="1">
-                        <a:lnSpc>
-                          <a:spcPct val="100000"/>
-                        </a:lnSpc>
-                        <a:spcBef>
-                          <a:spcPts val="0"/>
-                        </a:spcBef>
-                        <a:spcAft>
-                          <a:spcPts val="0"/>
-                        </a:spcAft>
-                        <a:buClrTx/>
-                        <a:buSzTx/>
-                        <a:buFontTx/>
-                        <a:buNone/>
-                        <a:tabLst/>
-                        <a:defRPr/>
-                      </a:pPr>
-                      <a:r>
-                        <a:rPr kumimoji="1" lang="en-US" altLang="ja-JP" dirty="0" smtClean="0"/>
-                        <a:t>Sirius</a:t>
-                      </a:r>
-                      <a:r>
-                        <a:rPr kumimoji="1" lang="ja-JP" altLang="en-US" dirty="0" smtClean="0"/>
-                        <a:t>調査</a:t>
-                      </a:r>
-                      <a:endParaRPr kumimoji="1" lang="en-US" altLang="ja-JP" dirty="0" smtClean="0"/>
-                    </a:p>
-                    <a:p>
-                      <a:r>
-                        <a:rPr kumimoji="1" lang="ja-JP" altLang="en-US" dirty="0" smtClean="0"/>
-                        <a:t>サンプルエディタ作成</a:t>
-                      </a:r>
-                      <a:endParaRPr kumimoji="1" lang="en-US" altLang="ja-JP" dirty="0" smtClean="0"/>
-                    </a:p>
-                  </a:txBody>
-                  <a:tcPr>
-                    <a:lnL w="28575" cap="flat" cmpd="sng" algn="ctr">
-                      <a:solidFill>
-                        <a:schemeClr val="tx1"/>
-                      </a:solidFill>
-                      <a:prstDash val="solid"/>
-                      <a:round/>
-                      <a:headEnd type="none" w="med" len="med"/>
-                      <a:tailEnd type="none" w="med" len="med"/>
-                    </a:lnL>
-                    <a:lnR w="28575" cap="flat" cmpd="sng" algn="ctr">
-                      <a:solidFill>
-                        <a:schemeClr val="tx1"/>
-                      </a:solidFill>
-                      <a:prstDash val="solid"/>
-                      <a:round/>
-                      <a:headEnd type="none" w="med" len="med"/>
-                      <a:tailEnd type="none" w="med" len="med"/>
-                    </a:lnR>
-                    <a:noFill/>
-                  </a:tcPr>
-                </a:tc>
-              </a:tr>
-              <a:tr h="895414">
-                <a:tc>
-                  <a:txBody>
-                    <a:bodyPr/>
-                    <a:lstStyle/>
-                    <a:p>
-                      <a:r>
-                        <a:rPr kumimoji="1" lang="en-US" altLang="ja-JP" dirty="0" smtClean="0"/>
-                        <a:t>29</a:t>
-                      </a:r>
-                      <a:endParaRPr kumimoji="1" lang="ja-JP" altLang="en-US" dirty="0"/>
-                    </a:p>
-                  </a:txBody>
-                  <a:tcPr>
-                    <a:lnL w="28575" cap="flat" cmpd="sng" algn="ctr">
-                      <a:solidFill>
-                        <a:schemeClr val="tx1"/>
-                      </a:solidFill>
-                      <a:prstDash val="solid"/>
-                      <a:round/>
-                      <a:headEnd type="none" w="med" len="med"/>
-                      <a:tailEnd type="none" w="med" len="med"/>
-                    </a:lnL>
-                    <a:solidFill>
-                      <a:schemeClr val="accent2">
-                        <a:lumMod val="40000"/>
-                        <a:lumOff val="60000"/>
-                      </a:schemeClr>
-                    </a:solidFill>
-                  </a:tcPr>
-                </a:tc>
-                <a:tc>
-                  <a:txBody>
-                    <a:bodyPr/>
-                    <a:lstStyle/>
-                    <a:p>
-                      <a:r>
-                        <a:rPr kumimoji="1" lang="en-US" altLang="ja-JP" dirty="0" smtClean="0"/>
-                        <a:t>30</a:t>
-                      </a:r>
-                      <a:endParaRPr kumimoji="1" lang="ja-JP" altLang="en-US" dirty="0"/>
-                    </a:p>
-                  </a:txBody>
-                  <a:tcPr/>
-                </a:tc>
-                <a:tc>
-                  <a:txBody>
-                    <a:bodyPr/>
-                    <a:lstStyle/>
-                    <a:p>
-                      <a:r>
-                        <a:rPr kumimoji="1" lang="en-US" altLang="ja-JP" dirty="0" smtClean="0"/>
-                        <a:t>31</a:t>
-                      </a:r>
-                      <a:endParaRPr kumimoji="1" lang="ja-JP" altLang="en-US" dirty="0"/>
-                    </a:p>
-                  </a:txBody>
-                  <a:tcPr/>
-                </a:tc>
-                <a:tc>
-                  <a:txBody>
-                    <a:bodyPr/>
-                    <a:lstStyle/>
-                    <a:p>
-                      <a:r>
-                        <a:rPr kumimoji="1" lang="en-US" altLang="ja-JP" dirty="0" smtClean="0"/>
-                        <a:t>6/1</a:t>
-                      </a:r>
-                      <a:endParaRPr kumimoji="1" lang="ja-JP" altLang="en-US" dirty="0"/>
-                    </a:p>
-                  </a:txBody>
-                  <a:tcPr/>
-                </a:tc>
-                <a:tc>
-                  <a:txBody>
-                    <a:bodyPr/>
-                    <a:lstStyle/>
-                    <a:p>
-                      <a:r>
-                        <a:rPr kumimoji="1" lang="en-US" altLang="ja-JP" dirty="0" smtClean="0"/>
-                        <a:t>2</a:t>
-                      </a:r>
-                      <a:endParaRPr kumimoji="1" lang="ja-JP" altLang="en-US" dirty="0"/>
-                    </a:p>
-                  </a:txBody>
-                  <a:tcPr/>
-                </a:tc>
-                <a:tc>
-                  <a:txBody>
-                    <a:bodyPr/>
-                    <a:lstStyle/>
-                    <a:p>
-                      <a:r>
-                        <a:rPr kumimoji="1" lang="en-US" altLang="ja-JP" dirty="0" smtClean="0"/>
-                        <a:t>3</a:t>
-                      </a:r>
-                      <a:endParaRPr kumimoji="1" lang="ja-JP" altLang="en-US" dirty="0"/>
-                    </a:p>
-                  </a:txBody>
-                  <a:tcPr/>
-                </a:tc>
-                <a:tc>
-                  <a:txBody>
-                    <a:bodyPr/>
-                    <a:lstStyle/>
-                    <a:p>
-                      <a:r>
-                        <a:rPr kumimoji="1" lang="en-US" altLang="ja-JP" dirty="0" smtClean="0"/>
-                        <a:t>4</a:t>
-                      </a:r>
-                      <a:endParaRPr kumimoji="1" lang="ja-JP" altLang="en-US" dirty="0"/>
-                    </a:p>
-                  </a:txBody>
                   <a:tcPr>
                     <a:lnR w="28575" cap="flat" cmpd="sng" algn="ctr">
                       <a:solidFill>
@@ -8108,17 +11722,65 @@
                         <a:defRPr/>
                       </a:pPr>
                       <a:r>
-                        <a:rPr kumimoji="1" lang="ja-JP" altLang="en-US" dirty="0" smtClean="0"/>
-                        <a:t>説明資料作成</a:t>
+                        <a:rPr kumimoji="1" lang="ja-JP" altLang="en-US" sz="1600" dirty="0" smtClean="0"/>
+                        <a:t>コードレビュー</a:t>
                       </a:r>
-                      <a:endParaRPr kumimoji="1" lang="en-US" altLang="ja-JP" dirty="0" smtClean="0"/>
+                      <a:endParaRPr kumimoji="1" lang="en-US" altLang="ja-JP" sz="1600" dirty="0" smtClean="0"/>
                     </a:p>
                     <a:p>
+                      <a:pPr marL="0" marR="0" indent="0" algn="l" defTabSz="914400" rtl="0" eaLnBrk="1" fontAlgn="auto" latinLnBrk="0" hangingPunct="1">
+                        <a:lnSpc>
+                          <a:spcPct val="100000"/>
+                        </a:lnSpc>
+                        <a:spcBef>
+                          <a:spcPts val="0"/>
+                        </a:spcBef>
+                        <a:spcAft>
+                          <a:spcPts val="0"/>
+                        </a:spcAft>
+                        <a:buClrTx/>
+                        <a:buSzTx/>
+                        <a:buFontTx/>
+                        <a:buNone/>
+                        <a:tabLst/>
+                        <a:defRPr/>
+                      </a:pPr>
                       <a:r>
-                        <a:rPr kumimoji="1" lang="ja-JP" altLang="en-US" dirty="0" smtClean="0"/>
-                        <a:t>書類フォーマット作成</a:t>
+                        <a:rPr kumimoji="1" lang="ja-JP" altLang="en-US" sz="1600" dirty="0" smtClean="0"/>
+                        <a:t>テストケース</a:t>
                       </a:r>
-                      <a:endParaRPr kumimoji="1" lang="ja-JP" altLang="en-US" dirty="0"/>
+                      <a:r>
+                        <a:rPr kumimoji="1" lang="en-US" altLang="ja-JP" sz="1600" dirty="0" smtClean="0"/>
+                        <a:t>/</a:t>
+                      </a:r>
+                      <a:r>
+                        <a:rPr kumimoji="1" lang="ja-JP" altLang="en-US" sz="1600" dirty="0" smtClean="0"/>
+                        <a:t>証跡レビュー</a:t>
+                      </a:r>
+                      <a:endParaRPr kumimoji="1" lang="en-US" altLang="ja-JP" sz="1600" dirty="0" smtClean="0"/>
+                    </a:p>
+                    <a:p>
+                      <a:pPr marL="0" marR="0" indent="0" algn="l" defTabSz="914400" rtl="0" eaLnBrk="1" fontAlgn="auto" latinLnBrk="0" hangingPunct="1">
+                        <a:lnSpc>
+                          <a:spcPct val="100000"/>
+                        </a:lnSpc>
+                        <a:spcBef>
+                          <a:spcPts val="0"/>
+                        </a:spcBef>
+                        <a:spcAft>
+                          <a:spcPts val="0"/>
+                        </a:spcAft>
+                        <a:buClrTx/>
+                        <a:buSzTx/>
+                        <a:buFontTx/>
+                        <a:buNone/>
+                        <a:tabLst/>
+                        <a:defRPr/>
+                      </a:pPr>
+                      <a:r>
+                        <a:rPr kumimoji="1" lang="ja-JP" altLang="en-US" sz="1600" dirty="0" smtClean="0"/>
+                        <a:t>発表練習</a:t>
+                      </a:r>
                     </a:p>
                   </a:txBody>
                   <a:tcPr>
@@ -8144,7 +11806,7 @@
                   </a:tcPr>
                 </a:tc>
               </a:tr>
-              <a:tr h="895414">
+              <a:tr h="1071288">
                 <a:tc>
                   <a:txBody>
                     <a:bodyPr/>
@@ -8152,7 +11814,7 @@
                     <a:p>
                       <a:r>
                         <a:rPr kumimoji="1" lang="en-US" altLang="ja-JP" dirty="0" smtClean="0"/>
-                        <a:t>5</a:t>
+                        <a:t>26</a:t>
                       </a:r>
                       <a:endParaRPr kumimoji="1" lang="ja-JP" altLang="en-US" dirty="0"/>
                     </a:p>
@@ -8191,7 +11853,7 @@
                     <a:p>
                       <a:r>
                         <a:rPr kumimoji="1" lang="en-US" altLang="ja-JP" dirty="0" smtClean="0"/>
-                        <a:t>6</a:t>
+                        <a:t>27</a:t>
                       </a:r>
                     </a:p>
                   </a:txBody>
@@ -8212,6 +11874,10 @@
                     <a:bodyPr/>
                     <a:lstStyle/>
                     <a:p>
+                      <a:r>
+                        <a:rPr kumimoji="1" lang="en-US" altLang="ja-JP" dirty="0" smtClean="0"/>
+                        <a:t>28</a:t>
+                      </a:r>
                       <a:endParaRPr kumimoji="1" lang="ja-JP" altLang="en-US" dirty="0"/>
                     </a:p>
                   </a:txBody>
@@ -8232,6 +11898,10 @@
                     <a:bodyPr/>
                     <a:lstStyle/>
                     <a:p>
+                      <a:r>
+                        <a:rPr kumimoji="1" lang="en-US" altLang="ja-JP" dirty="0" smtClean="0"/>
+                        <a:t>29</a:t>
+                      </a:r>
                       <a:endParaRPr kumimoji="1" lang="ja-JP" altLang="en-US" dirty="0"/>
                     </a:p>
                   </a:txBody>
@@ -8252,6 +11922,10 @@
                     <a:bodyPr/>
                     <a:lstStyle/>
                     <a:p>
+                      <a:r>
+                        <a:rPr kumimoji="1" lang="en-US" altLang="ja-JP" dirty="0" smtClean="0"/>
+                        <a:t>30</a:t>
+                      </a:r>
                       <a:endParaRPr kumimoji="1" lang="ja-JP" altLang="en-US" dirty="0"/>
                     </a:p>
                   </a:txBody>
@@ -8272,6 +11946,10 @@
                     <a:bodyPr/>
                     <a:lstStyle/>
                     <a:p>
+                      <a:r>
+                        <a:rPr kumimoji="1" lang="en-US" altLang="ja-JP" dirty="0" smtClean="0"/>
+                        <a:t>7/1</a:t>
+                      </a:r>
                       <a:endParaRPr kumimoji="1" lang="ja-JP" altLang="en-US" dirty="0"/>
                     </a:p>
                   </a:txBody>
@@ -8368,14 +12046,255 @@
       </p:graphicFrame>
       <p:sp>
         <p:nvSpPr>
-          <p:cNvPr id="5" name="正方形/長方形 4"/>
+          <p:cNvPr id="8" name="正方形/長方形 7"/>
           <p:cNvSpPr/>
           <p:nvPr/>
         </p:nvSpPr>
         <p:spPr>
           <a:xfrm>
-            <a:off x="4368676" y="1844824"/>
-            <a:ext cx="624548" cy="426575"/>
+            <a:off x="1814108" y="4678536"/>
+            <a:ext cx="1106424" cy="1029714"/>
+          </a:xfrm>
+          <a:prstGeom prst="rect">
+            <a:avLst/>
+          </a:prstGeom>
+          <a:noFill/>
+          <a:ln w="57150">
+            <a:solidFill>
+              <a:srgbClr val="FF0000"/>
+            </a:solidFill>
+          </a:ln>
+        </p:spPr>
+        <p:style>
+          <a:lnRef idx="2">
+            <a:schemeClr val="accent1">
+              <a:shade val="50000"/>
+            </a:schemeClr>
+          </a:lnRef>
+          <a:fillRef idx="1">
+            <a:schemeClr val="accent1"/>
+          </a:fillRef>
+          <a:effectRef idx="0">
+            <a:schemeClr val="accent1"/>
+          </a:effectRef>
+          <a:fontRef idx="minor">
+            <a:schemeClr val="lt1"/>
+          </a:fontRef>
+        </p:style>
+        <p:txBody>
+          <a:bodyPr rtlCol="0" anchor="ctr"/>
+          <a:lstStyle/>
+          <a:p>
+            <a:pPr algn="ctr"/>
+            <a:endParaRPr kumimoji="1" lang="ja-JP" altLang="en-US"/>
+          </a:p>
+        </p:txBody>
+      </p:sp>
+      <p:sp>
+        <p:nvSpPr>
+          <p:cNvPr id="6" name="左右矢印 5"/>
+          <p:cNvSpPr/>
+          <p:nvPr/>
+        </p:nvSpPr>
+        <p:spPr>
+          <a:xfrm>
+            <a:off x="1885332" y="5025210"/>
+            <a:ext cx="3237332" cy="586405"/>
+          </a:xfrm>
+          <a:prstGeom prst="leftRightArrow">
+            <a:avLst>
+              <a:gd name="adj1" fmla="val 70964"/>
+              <a:gd name="adj2" fmla="val 50000"/>
+            </a:avLst>
+          </a:prstGeom>
+        </p:spPr>
+        <p:style>
+          <a:lnRef idx="0">
+            <a:schemeClr val="accent2"/>
+          </a:lnRef>
+          <a:fillRef idx="3">
+            <a:schemeClr val="accent2"/>
+          </a:fillRef>
+          <a:effectRef idx="3">
+            <a:schemeClr val="accent2"/>
+          </a:effectRef>
+          <a:fontRef idx="minor">
+            <a:schemeClr val="lt1"/>
+          </a:fontRef>
+        </p:style>
+        <p:txBody>
+          <a:bodyPr rtlCol="0" anchor="ctr"/>
+          <a:lstStyle/>
+          <a:p>
+            <a:pPr algn="ctr"/>
+            <a:r>
+              <a:rPr kumimoji="1" lang="ja-JP" altLang="en-US" b="1" spc="50" dirty="0" smtClean="0">
+                <a:ln w="13500">
+                  <a:solidFill>
+                    <a:schemeClr val="accent1">
+                      <a:shade val="2500"/>
+                      <a:alpha val="6500"/>
+                    </a:schemeClr>
+                  </a:solidFill>
+                  <a:prstDash val="solid"/>
+                </a:ln>
+                <a:solidFill>
+                  <a:schemeClr val="accent1">
+                    <a:tint val="3000"/>
+                    <a:alpha val="95000"/>
+                  </a:schemeClr>
+                </a:solidFill>
+                <a:effectLst>
+                  <a:innerShdw blurRad="50900" dist="38500" dir="13500000">
+                    <a:srgbClr val="000000">
+                      <a:alpha val="60000"/>
+                    </a:srgbClr>
+                  </a:innerShdw>
+                </a:effectLst>
+              </a:rPr>
+              <a:t>最終</a:t>
+            </a:r>
+            <a:r>
+              <a:rPr lang="ja-JP" altLang="en-US" b="1" spc="50" dirty="0">
+                <a:ln w="13500">
+                  <a:solidFill>
+                    <a:schemeClr val="accent1">
+                      <a:shade val="2500"/>
+                      <a:alpha val="6500"/>
+                    </a:schemeClr>
+                  </a:solidFill>
+                  <a:prstDash val="solid"/>
+                </a:ln>
+                <a:solidFill>
+                  <a:schemeClr val="accent1">
+                    <a:tint val="3000"/>
+                    <a:alpha val="95000"/>
+                  </a:schemeClr>
+                </a:solidFill>
+                <a:effectLst>
+                  <a:innerShdw blurRad="50900" dist="38500" dir="13500000">
+                    <a:srgbClr val="000000">
+                      <a:alpha val="60000"/>
+                    </a:srgbClr>
+                  </a:innerShdw>
+                </a:effectLst>
+              </a:rPr>
+              <a:t>報告会</a:t>
+            </a:r>
+            <a:endParaRPr kumimoji="1" lang="ja-JP" altLang="en-US" b="1" spc="50" dirty="0">
+              <a:ln w="13500">
+                <a:solidFill>
+                  <a:schemeClr val="accent1">
+                    <a:shade val="2500"/>
+                    <a:alpha val="6500"/>
+                  </a:schemeClr>
+                </a:solidFill>
+                <a:prstDash val="solid"/>
+              </a:ln>
+              <a:solidFill>
+                <a:schemeClr val="accent1">
+                  <a:tint val="3000"/>
+                  <a:alpha val="95000"/>
+                </a:schemeClr>
+              </a:solidFill>
+              <a:effectLst>
+                <a:innerShdw blurRad="50900" dist="38500" dir="13500000">
+                  <a:srgbClr val="000000">
+                    <a:alpha val="60000"/>
+                  </a:srgbClr>
+                </a:innerShdw>
+              </a:effectLst>
+            </a:endParaRPr>
+          </a:p>
+        </p:txBody>
+      </p:sp>
+      <p:sp>
+        <p:nvSpPr>
+          <p:cNvPr id="9" name="テキスト ボックス 8"/>
+          <p:cNvSpPr txBox="1"/>
+          <p:nvPr/>
+        </p:nvSpPr>
+        <p:spPr>
+          <a:xfrm>
+            <a:off x="1457537" y="6020504"/>
+            <a:ext cx="1818319" cy="369332"/>
+          </a:xfrm>
+          <a:prstGeom prst="rect">
+            <a:avLst/>
+          </a:prstGeom>
+          <a:noFill/>
+        </p:spPr>
+        <p:txBody>
+          <a:bodyPr wrap="none" rtlCol="0">
+            <a:spAutoFit/>
+          </a:bodyPr>
+          <a:lstStyle/>
+          <a:p>
+            <a:r>
+              <a:rPr kumimoji="1" lang="ja-JP" altLang="en-US" b="1" dirty="0" smtClean="0">
+                <a:solidFill>
+                  <a:srgbClr val="FF0000"/>
+                </a:solidFill>
+              </a:rPr>
+              <a:t>キャッツ発表日</a:t>
+            </a:r>
+            <a:endParaRPr kumimoji="1" lang="ja-JP" altLang="en-US" b="1" dirty="0">
+              <a:solidFill>
+                <a:srgbClr val="FF0000"/>
+              </a:solidFill>
+            </a:endParaRPr>
+          </a:p>
+        </p:txBody>
+      </p:sp>
+      <p:cxnSp>
+        <p:nvCxnSpPr>
+          <p:cNvPr id="11" name="直線矢印コネクタ 10"/>
+          <p:cNvCxnSpPr>
+            <a:stCxn id="9" idx="0"/>
+            <a:endCxn id="8" idx="2"/>
+          </p:cNvCxnSpPr>
+          <p:nvPr/>
+        </p:nvCxnSpPr>
+        <p:spPr>
+          <a:xfrm flipV="1">
+            <a:off x="2366697" y="5708250"/>
+            <a:ext cx="623" cy="312254"/>
+          </a:xfrm>
+          <a:prstGeom prst="straightConnector1">
+            <a:avLst/>
+          </a:prstGeom>
+          <a:ln w="38100">
+            <a:solidFill>
+              <a:srgbClr val="FF0000"/>
+            </a:solidFill>
+            <a:tailEnd type="arrow"/>
+          </a:ln>
+        </p:spPr>
+        <p:style>
+          <a:lnRef idx="1">
+            <a:schemeClr val="accent1"/>
+          </a:lnRef>
+          <a:fillRef idx="0">
+            <a:schemeClr val="accent1"/>
+          </a:fillRef>
+          <a:effectRef idx="0">
+            <a:schemeClr val="accent1"/>
+          </a:effectRef>
+          <a:fontRef idx="minor">
+            <a:schemeClr val="tx1"/>
+          </a:fontRef>
+        </p:style>
+      </p:cxnSp>
+      <p:sp>
+        <p:nvSpPr>
+          <p:cNvPr id="14" name="正方形/長方形 13"/>
+          <p:cNvSpPr/>
+          <p:nvPr/>
+        </p:nvSpPr>
+        <p:spPr>
+          <a:xfrm>
+            <a:off x="755576" y="1641500"/>
+            <a:ext cx="831273" cy="264869"/>
           </a:xfrm>
           <a:prstGeom prst="rect">
             <a:avLst/>
@@ -8401,14 +12320,14 @@
           <a:p>
             <a:pPr algn="ctr"/>
             <a:r>
-              <a:rPr kumimoji="1" lang="en-US" altLang="ja-JP" dirty="0" smtClean="0">
+              <a:rPr kumimoji="1" lang="ja-JP" altLang="en-US" sz="1200" dirty="0" smtClean="0">
                 <a:solidFill>
                   <a:schemeClr val="tx1"/>
                 </a:solidFill>
               </a:rPr>
-              <a:t>Now</a:t>
-            </a:r>
-            <a:endParaRPr kumimoji="1" lang="ja-JP" altLang="en-US" dirty="0">
+              <a:t>研修開始</a:t>
+            </a:r>
+            <a:endParaRPr kumimoji="1" lang="ja-JP" altLang="en-US" sz="1200" dirty="0">
               <a:solidFill>
                 <a:schemeClr val="tx1"/>
               </a:solidFill>
@@ -8418,36 +12337,83 @@
       </p:sp>
       <p:sp>
         <p:nvSpPr>
-          <p:cNvPr id="6" name="左右矢印 5"/>
+          <p:cNvPr id="15" name="左右矢印 14"/>
           <p:cNvSpPr/>
           <p:nvPr/>
         </p:nvSpPr>
         <p:spPr>
           <a:xfrm>
-            <a:off x="2928924" y="3548785"/>
-            <a:ext cx="1958625" cy="533095"/>
+            <a:off x="714423" y="1942958"/>
+            <a:ext cx="2175267" cy="400523"/>
           </a:xfrm>
           <a:prstGeom prst="leftRightArrow">
             <a:avLst>
               <a:gd name="adj1" fmla="val 70964"/>
-              <a:gd name="adj2" fmla="val 50000"/>
+              <a:gd name="adj2" fmla="val 30312"/>
             </a:avLst>
           </a:prstGeom>
         </p:spPr>
         <p:style>
-          <a:lnRef idx="2">
-            <a:schemeClr val="accent6">
-              <a:shade val="50000"/>
-            </a:schemeClr>
+          <a:lnRef idx="1">
+            <a:schemeClr val="accent3"/>
           </a:lnRef>
-          <a:fillRef idx="1">
+          <a:fillRef idx="2">
+            <a:schemeClr val="accent3"/>
+          </a:fillRef>
+          <a:effectRef idx="1">
+            <a:schemeClr val="accent3"/>
+          </a:effectRef>
+          <a:fontRef idx="minor">
+            <a:schemeClr val="dk1"/>
+          </a:fontRef>
+        </p:style>
+        <p:txBody>
+          <a:bodyPr rtlCol="0" anchor="ctr"/>
+          <a:lstStyle/>
+          <a:p>
+            <a:pPr algn="ctr"/>
+            <a:r>
+              <a:rPr lang="en-US" altLang="ja-JP" sz="1400" dirty="0" smtClean="0"/>
+              <a:t>Sirius</a:t>
+            </a:r>
+            <a:r>
+              <a:rPr lang="ja-JP" altLang="en-US" sz="1400" dirty="0" smtClean="0"/>
+              <a:t>チュートリアル</a:t>
+            </a:r>
+            <a:endParaRPr lang="en-US" altLang="ja-JP" sz="1400" dirty="0" smtClean="0"/>
+          </a:p>
+        </p:txBody>
+      </p:sp>
+      <p:sp>
+        <p:nvSpPr>
+          <p:cNvPr id="20" name="左右矢印 19"/>
+          <p:cNvSpPr/>
+          <p:nvPr/>
+        </p:nvSpPr>
+        <p:spPr>
+          <a:xfrm>
+            <a:off x="2987333" y="2778891"/>
+            <a:ext cx="3267865" cy="364112"/>
+          </a:xfrm>
+          <a:prstGeom prst="leftRightArrow">
+            <a:avLst>
+              <a:gd name="adj1" fmla="val 70964"/>
+              <a:gd name="adj2" fmla="val 45962"/>
+            </a:avLst>
+          </a:prstGeom>
+        </p:spPr>
+        <p:style>
+          <a:lnRef idx="1">
+            <a:schemeClr val="accent6"/>
+          </a:lnRef>
+          <a:fillRef idx="2">
             <a:schemeClr val="accent6"/>
           </a:fillRef>
-          <a:effectRef idx="0">
+          <a:effectRef idx="1">
             <a:schemeClr val="accent6"/>
           </a:effectRef>
           <a:fontRef idx="minor">
-            <a:schemeClr val="lt1"/>
+            <a:schemeClr val="dk1"/>
           </a:fontRef>
         </p:style>
         <p:txBody>
@@ -8456,22 +12422,67 @@
           <a:p>
             <a:pPr algn="ctr"/>
             <a:r>
-              <a:rPr kumimoji="1" lang="ja-JP" altLang="en-US" dirty="0" smtClean="0">
+              <a:rPr lang="ja-JP" altLang="en-US" sz="1400" dirty="0">
                 <a:solidFill>
                   <a:schemeClr val="tx1"/>
                 </a:solidFill>
               </a:rPr>
-              <a:t>最終</a:t>
-            </a:r>
-            <a:r>
-              <a:rPr kumimoji="1" lang="en-US" altLang="ja-JP" dirty="0" smtClean="0">
+              <a:t>実装</a:t>
+            </a:r>
+            <a:endParaRPr kumimoji="1" lang="en-US" altLang="ja-JP" sz="1400" dirty="0" smtClean="0">
+              <a:solidFill>
+                <a:schemeClr val="tx1"/>
+              </a:solidFill>
+            </a:endParaRPr>
+          </a:p>
+        </p:txBody>
+      </p:sp>
+      <p:sp>
+        <p:nvSpPr>
+          <p:cNvPr id="21" name="左右矢印 20"/>
+          <p:cNvSpPr/>
+          <p:nvPr/>
+        </p:nvSpPr>
+        <p:spPr>
+          <a:xfrm>
+            <a:off x="707945" y="3886448"/>
+            <a:ext cx="1106017" cy="364112"/>
+          </a:xfrm>
+          <a:prstGeom prst="leftRightArrow">
+            <a:avLst>
+              <a:gd name="adj1" fmla="val 70964"/>
+              <a:gd name="adj2" fmla="val 45962"/>
+            </a:avLst>
+          </a:prstGeom>
+        </p:spPr>
+        <p:style>
+          <a:lnRef idx="1">
+            <a:schemeClr val="accent6"/>
+          </a:lnRef>
+          <a:fillRef idx="2">
+            <a:schemeClr val="accent6"/>
+          </a:fillRef>
+          <a:effectRef idx="1">
+            <a:schemeClr val="accent6"/>
+          </a:effectRef>
+          <a:fontRef idx="minor">
+            <a:schemeClr val="dk1"/>
+          </a:fontRef>
+        </p:style>
+        <p:txBody>
+          <a:bodyPr rtlCol="0" anchor="ctr"/>
+          <a:lstStyle/>
+          <a:p>
+            <a:pPr algn="ctr"/>
+            <a:r>
+              <a:rPr lang="ja-JP" altLang="en-US" sz="1400" dirty="0">
                 <a:solidFill>
                   <a:schemeClr val="tx1"/>
                 </a:solidFill>
               </a:rPr>
-              <a:t>Meeting</a:t>
-            </a:r>
-            <a:endParaRPr kumimoji="1" lang="ja-JP" altLang="en-US" dirty="0">
+              <a:t>実装</a:t>
+            </a:r>
+            <a:endParaRPr kumimoji="1" lang="en-US" altLang="ja-JP" sz="1400" dirty="0" smtClean="0">
               <a:solidFill>
                 <a:schemeClr val="tx1"/>
               </a:solidFill>
@@ -8481,17 +12492,73 @@
       </p:sp>
       <p:sp>
         <p:nvSpPr>
-          <p:cNvPr id="7" name="正方形/長方形 6"/>
+          <p:cNvPr id="22" name="左右矢印 21"/>
           <p:cNvSpPr/>
           <p:nvPr/>
         </p:nvSpPr>
         <p:spPr>
           <a:xfrm>
-            <a:off x="1395944" y="4462512"/>
-            <a:ext cx="624548" cy="516156"/>
+            <a:off x="1835696" y="3875562"/>
+            <a:ext cx="2211142" cy="364112"/>
           </a:xfrm>
-          <a:prstGeom prst="rect">
-            <a:avLst/>
+          <a:prstGeom prst="leftRightArrow">
+            <a:avLst>
+              <a:gd name="adj1" fmla="val 70964"/>
+              <a:gd name="adj2" fmla="val 45962"/>
+            </a:avLst>
+          </a:prstGeom>
+        </p:spPr>
+        <p:style>
+          <a:lnRef idx="1">
+            <a:schemeClr val="accent6"/>
+          </a:lnRef>
+          <a:fillRef idx="2">
+            <a:schemeClr val="accent6"/>
+          </a:fillRef>
+          <a:effectRef idx="1">
+            <a:schemeClr val="accent6"/>
+          </a:effectRef>
+          <a:fontRef idx="minor">
+            <a:schemeClr val="dk1"/>
+          </a:fontRef>
+        </p:style>
+        <p:txBody>
+          <a:bodyPr rtlCol="0" anchor="ctr"/>
+          <a:lstStyle/>
+          <a:p>
+            <a:pPr algn="ctr"/>
+            <a:r>
+              <a:rPr lang="ja-JP" altLang="en-US" sz="1400" dirty="0">
+                <a:solidFill>
+                  <a:schemeClr val="tx1"/>
+                </a:solidFill>
+              </a:rPr>
+              <a:t>テスト</a:t>
+            </a:r>
+            <a:endParaRPr kumimoji="1" lang="en-US" altLang="ja-JP" sz="1400" dirty="0" smtClean="0">
+              <a:solidFill>
+                <a:schemeClr val="tx1"/>
+              </a:solidFill>
+            </a:endParaRPr>
+          </a:p>
+        </p:txBody>
+      </p:sp>
+      <p:sp>
+        <p:nvSpPr>
+          <p:cNvPr id="24" name="左右矢印 23"/>
+          <p:cNvSpPr/>
+          <p:nvPr/>
+        </p:nvSpPr>
+        <p:spPr>
+          <a:xfrm>
+            <a:off x="4092592" y="3858738"/>
+            <a:ext cx="2154490" cy="400523"/>
+          </a:xfrm>
+          <a:prstGeom prst="leftRightArrow">
+            <a:avLst>
+              <a:gd name="adj1" fmla="val 70964"/>
+              <a:gd name="adj2" fmla="val 36433"/>
+            </a:avLst>
           </a:prstGeom>
         </p:spPr>
         <p:style>
@@ -8514,22 +12581,22 @@
           <a:p>
             <a:pPr algn="ctr"/>
             <a:r>
-              <a:rPr lang="ja-JP" altLang="en-US" sz="1600" dirty="0" smtClean="0">
+              <a:rPr lang="ja-JP" altLang="en-US" sz="1400" dirty="0" smtClean="0">
                 <a:solidFill>
                   <a:schemeClr val="tx1"/>
                 </a:solidFill>
               </a:rPr>
-              <a:t>研修</a:t>
-            </a:r>
-            <a:r>
-              <a:rPr lang="ja-JP" altLang="en-US" sz="1600" dirty="0">
+              <a:t>発表資料</a:t>
+            </a:r>
+            <a:r>
+              <a:rPr lang="ja-JP" altLang="en-US" sz="1400" dirty="0">
                 <a:solidFill>
                   <a:schemeClr val="tx1"/>
                 </a:solidFill>
               </a:rPr>
-              <a:t>開始</a:t>
-            </a:r>
-            <a:endParaRPr kumimoji="1" lang="ja-JP" altLang="en-US" sz="1600" dirty="0">
+              <a:t>作成</a:t>
+            </a:r>
+            <a:endParaRPr lang="en-US" altLang="ja-JP" sz="1400" dirty="0" smtClean="0">
               <a:solidFill>
                 <a:schemeClr val="tx1"/>
               </a:solidFill>
@@ -8539,107 +12606,587 @@
       </p:sp>
       <p:sp>
         <p:nvSpPr>
-          <p:cNvPr id="8" name="テキスト ボックス 7"/>
-          <p:cNvSpPr txBox="1"/>
+          <p:cNvPr id="25" name="左右矢印 24"/>
+          <p:cNvSpPr/>
           <p:nvPr/>
         </p:nvSpPr>
         <p:spPr>
           <a:xfrm>
-            <a:off x="388875" y="5445224"/>
-            <a:ext cx="6297878" cy="1107996"/>
+            <a:off x="658167" y="5000476"/>
+            <a:ext cx="1152127" cy="645047"/>
           </a:xfrm>
-          <a:prstGeom prst="rect">
-            <a:avLst/>
+          <a:prstGeom prst="leftRightArrow">
+            <a:avLst>
+              <a:gd name="adj1" fmla="val 70964"/>
+              <a:gd name="adj2" fmla="val 25604"/>
+            </a:avLst>
           </a:prstGeom>
-          <a:noFill/>
         </p:spPr>
-        <p:txBody>
-          <a:bodyPr wrap="none" rtlCol="0">
-            <a:spAutoFit/>
-          </a:bodyPr>
+        <p:style>
+          <a:lnRef idx="1">
+            <a:schemeClr val="dk1"/>
+          </a:lnRef>
+          <a:fillRef idx="2">
+            <a:schemeClr val="dk1"/>
+          </a:fillRef>
+          <a:effectRef idx="1">
+            <a:schemeClr val="dk1"/>
+          </a:effectRef>
+          <a:fontRef idx="minor">
+            <a:schemeClr val="dk1"/>
+          </a:fontRef>
+        </p:style>
+        <p:txBody>
+          <a:bodyPr rtlCol="0" anchor="ctr"/>
           <a:lstStyle/>
           <a:p>
-            <a:r>
-              <a:rPr kumimoji="1" lang="ja-JP" altLang="en-US" dirty="0" smtClean="0"/>
-              <a:t>次回ミーティングまでの齋藤タスク</a:t>
-            </a:r>
-            <a:endParaRPr kumimoji="1" lang="en-US" altLang="ja-JP" dirty="0" smtClean="0"/>
-          </a:p>
-          <a:p>
-            <a:pPr marL="285750" indent="-285750">
-              <a:buFont typeface="Arial" panose="020B0604020202020204" pitchFamily="34" charset="0"/>
-              <a:buChar char="•"/>
-            </a:pPr>
-            <a:r>
-              <a:rPr lang="ja-JP" altLang="en-US" sz="1600" dirty="0" smtClean="0"/>
-              <a:t>研修内容の詳細計画</a:t>
-            </a:r>
-            <a:endParaRPr lang="en-US" altLang="ja-JP" sz="1600" dirty="0" smtClean="0"/>
-          </a:p>
-          <a:p>
-            <a:pPr marL="285750" indent="-285750">
-              <a:buFont typeface="Arial" panose="020B0604020202020204" pitchFamily="34" charset="0"/>
-              <a:buChar char="•"/>
-            </a:pPr>
-            <a:r>
-              <a:rPr lang="ja-JP" altLang="en-US" sz="1600" dirty="0" smtClean="0"/>
-              <a:t>サンプルエディタ</a:t>
-            </a:r>
-            <a:r>
-              <a:rPr lang="ja-JP" altLang="en-US" sz="1600" dirty="0"/>
+            <a:pPr algn="ctr"/>
+            <a:r>
+              <a:rPr lang="ja-JP" altLang="en-US" sz="1400" dirty="0" smtClean="0">
+                <a:solidFill>
+                  <a:schemeClr val="tx1"/>
+                </a:solidFill>
+              </a:rPr>
+              <a:t>発表資料</a:t>
+            </a:r>
+            <a:r>
+              <a:rPr lang="ja-JP" altLang="en-US" sz="1400" dirty="0">
+                <a:solidFill>
+                  <a:schemeClr val="tx1"/>
+                </a:solidFill>
+              </a:rPr>
               <a:t>作成</a:t>
             </a:r>
-            <a:endParaRPr lang="en-US" altLang="ja-JP" sz="1600" dirty="0" smtClean="0"/>
-          </a:p>
-          <a:p>
-            <a:pPr marL="285750" indent="-285750">
-              <a:buFont typeface="Arial" panose="020B0604020202020204" pitchFamily="34" charset="0"/>
-              <a:buChar char="•"/>
-            </a:pPr>
-            <a:r>
-              <a:rPr lang="ja-JP" altLang="en-US" sz="1600" dirty="0" smtClean="0"/>
-              <a:t>新人</a:t>
-            </a:r>
-            <a:r>
-              <a:rPr lang="en-US" altLang="ja-JP" sz="1600" dirty="0" smtClean="0"/>
-              <a:t>Java</a:t>
-            </a:r>
-            <a:r>
-              <a:rPr lang="ja-JP" altLang="en-US" sz="1600" dirty="0" smtClean="0"/>
-              <a:t>研修</a:t>
-            </a:r>
-            <a:r>
-              <a:rPr lang="en-US" altLang="ja-JP" sz="1600" dirty="0" smtClean="0"/>
-              <a:t>(@MSE</a:t>
-            </a:r>
-            <a:r>
-              <a:rPr lang="en-US" altLang="ja-JP" sz="1600" dirty="0"/>
-              <a:t>)</a:t>
-            </a:r>
-            <a:r>
-              <a:rPr lang="ja-JP" altLang="en-US" sz="1600" dirty="0" smtClean="0"/>
-              <a:t>の</a:t>
-            </a:r>
-            <a:r>
-              <a:rPr lang="en-US" altLang="ja-JP" sz="1600" dirty="0" smtClean="0"/>
-              <a:t>Java</a:t>
-            </a:r>
-            <a:r>
-              <a:rPr lang="ja-JP" altLang="en-US" sz="1600" dirty="0" smtClean="0"/>
-              <a:t>開発環境を確認する → </a:t>
-            </a:r>
-            <a:r>
-              <a:rPr lang="en-US" altLang="ja-JP" sz="1600" dirty="0" smtClean="0"/>
-              <a:t>Java1.8?Eclipse?</a:t>
-            </a:r>
-            <a:endParaRPr kumimoji="1" lang="ja-JP" altLang="en-US" sz="1600" dirty="0"/>
+            <a:endParaRPr lang="en-US" altLang="ja-JP" sz="1400" dirty="0" smtClean="0">
+              <a:solidFill>
+                <a:schemeClr val="tx1"/>
+              </a:solidFill>
+            </a:endParaRPr>
+          </a:p>
+        </p:txBody>
+      </p:sp>
+      <p:sp>
+        <p:nvSpPr>
+          <p:cNvPr id="26" name="角丸四角形吹き出し 25"/>
+          <p:cNvSpPr/>
+          <p:nvPr/>
+        </p:nvSpPr>
+        <p:spPr>
+          <a:xfrm>
+            <a:off x="5724128" y="4949077"/>
+            <a:ext cx="1832248" cy="947164"/>
+          </a:xfrm>
+          <a:prstGeom prst="wedgeRoundRectCallout">
+            <a:avLst>
+              <a:gd name="adj1" fmla="val -49497"/>
+              <a:gd name="adj2" fmla="val -99430"/>
+              <a:gd name="adj3" fmla="val 16667"/>
+            </a:avLst>
+          </a:prstGeom>
+        </p:spPr>
+        <p:style>
+          <a:lnRef idx="1">
+            <a:schemeClr val="accent2"/>
+          </a:lnRef>
+          <a:fillRef idx="2">
+            <a:schemeClr val="accent2"/>
+          </a:fillRef>
+          <a:effectRef idx="1">
+            <a:schemeClr val="accent2"/>
+          </a:effectRef>
+          <a:fontRef idx="minor">
+            <a:schemeClr val="dk1"/>
+          </a:fontRef>
+        </p:style>
+        <p:txBody>
+          <a:bodyPr rtlCol="0" anchor="ctr"/>
+          <a:lstStyle/>
+          <a:p>
+            <a:pPr algn="ctr"/>
+            <a:r>
+              <a:rPr lang="ja-JP" altLang="en-US" dirty="0" smtClean="0"/>
+              <a:t>研修の振り返り</a:t>
+            </a:r>
+            <a:endParaRPr lang="en-US" altLang="ja-JP" dirty="0" smtClean="0"/>
+          </a:p>
+          <a:p>
+            <a:pPr algn="ctr"/>
+            <a:r>
+              <a:rPr lang="ja-JP" altLang="en-US" dirty="0" smtClean="0"/>
+              <a:t>発表練習</a:t>
+            </a:r>
+            <a:endParaRPr lang="en-US" altLang="ja-JP" dirty="0" smtClean="0"/>
+          </a:p>
+        </p:txBody>
+      </p:sp>
+      <p:sp>
+        <p:nvSpPr>
+          <p:cNvPr id="17" name="左右矢印 16"/>
+          <p:cNvSpPr/>
+          <p:nvPr/>
+        </p:nvSpPr>
+        <p:spPr>
+          <a:xfrm>
+            <a:off x="2967555" y="1956021"/>
+            <a:ext cx="3302157" cy="364112"/>
+          </a:xfrm>
+          <a:prstGeom prst="leftRightArrow">
+            <a:avLst>
+              <a:gd name="adj1" fmla="val 70964"/>
+              <a:gd name="adj2" fmla="val 30312"/>
+            </a:avLst>
+          </a:prstGeom>
+        </p:spPr>
+        <p:style>
+          <a:lnRef idx="1">
+            <a:schemeClr val="accent6"/>
+          </a:lnRef>
+          <a:fillRef idx="2">
+            <a:schemeClr val="accent6"/>
+          </a:fillRef>
+          <a:effectRef idx="1">
+            <a:schemeClr val="accent6"/>
+          </a:effectRef>
+          <a:fontRef idx="minor">
+            <a:schemeClr val="dk1"/>
+          </a:fontRef>
+        </p:style>
+        <p:txBody>
+          <a:bodyPr rtlCol="0" anchor="ctr"/>
+          <a:lstStyle/>
+          <a:p>
+            <a:pPr algn="ctr"/>
+            <a:r>
+              <a:rPr lang="ja-JP" altLang="en-US" sz="1400" dirty="0" smtClean="0"/>
+              <a:t>要件確認・設計・調査資料</a:t>
+            </a:r>
+            <a:r>
+              <a:rPr lang="ja-JP" altLang="en-US" sz="1400" dirty="0"/>
+              <a:t>作成</a:t>
+            </a:r>
+            <a:endParaRPr lang="en-US" altLang="ja-JP" sz="1400" dirty="0" smtClean="0"/>
+          </a:p>
+        </p:txBody>
+      </p:sp>
+      <p:sp>
+        <p:nvSpPr>
+          <p:cNvPr id="23" name="左右矢印 22"/>
+          <p:cNvSpPr/>
+          <p:nvPr/>
+        </p:nvSpPr>
+        <p:spPr>
+          <a:xfrm>
+            <a:off x="714423" y="2642450"/>
+            <a:ext cx="2188330" cy="858558"/>
+          </a:xfrm>
+          <a:prstGeom prst="leftRightArrow">
+            <a:avLst>
+              <a:gd name="adj1" fmla="val 70964"/>
+              <a:gd name="adj2" fmla="val 30312"/>
+            </a:avLst>
+          </a:prstGeom>
+        </p:spPr>
+        <p:style>
+          <a:lnRef idx="1">
+            <a:schemeClr val="accent6"/>
+          </a:lnRef>
+          <a:fillRef idx="2">
+            <a:schemeClr val="accent6"/>
+          </a:fillRef>
+          <a:effectRef idx="1">
+            <a:schemeClr val="accent6"/>
+          </a:effectRef>
+          <a:fontRef idx="minor">
+            <a:schemeClr val="dk1"/>
+          </a:fontRef>
+        </p:style>
+        <p:txBody>
+          <a:bodyPr rtlCol="0" anchor="ctr"/>
+          <a:lstStyle/>
+          <a:p>
+            <a:pPr algn="ctr"/>
+            <a:r>
+              <a:rPr lang="ja-JP" altLang="en-US" sz="1400" dirty="0" smtClean="0"/>
+              <a:t>要件確認・設計</a:t>
+            </a:r>
+            <a:endParaRPr lang="en-US" altLang="ja-JP" sz="1400" dirty="0" smtClean="0"/>
+          </a:p>
+          <a:p>
+            <a:pPr algn="ctr"/>
+            <a:r>
+              <a:rPr lang="ja-JP" altLang="en-US" sz="1400" dirty="0" smtClean="0"/>
+              <a:t>・</a:t>
+            </a:r>
+            <a:r>
+              <a:rPr lang="ja-JP" altLang="en-US" sz="1400" dirty="0"/>
+              <a:t>調査資料</a:t>
+            </a:r>
+            <a:r>
+              <a:rPr lang="ja-JP" altLang="en-US" sz="1400" dirty="0" smtClean="0"/>
+              <a:t>作成</a:t>
+            </a:r>
+            <a:endParaRPr lang="en-US" altLang="ja-JP" sz="1400" dirty="0"/>
           </a:p>
         </p:txBody>
       </p:sp>
     </p:spTree>
     <p:extLst>
       <p:ext uri="{BB962C8B-B14F-4D97-AF65-F5344CB8AC3E}">
-        <p14:creationId xmlns:p14="http://schemas.microsoft.com/office/powerpoint/2010/main" val="3197206624"/>
+        <p14:creationId xmlns:p14="http://schemas.microsoft.com/office/powerpoint/2010/main" val="2377134266"/>
+      </p:ext>
+    </p:extLst>
+  </p:cSld>
+  <p:clrMapOvr>
+    <a:masterClrMapping/>
+  </p:clrMapOvr>
+  <p:timing>
+    <p:tnLst>
+      <p:par>
+        <p:cTn id="1" dur="indefinite" restart="never" nodeType="tmRoot"/>
+      </p:par>
+    </p:tnLst>
+  </p:timing>
+</p:sld>
+</file>
+
+<file path=ppt/slides/slide9.xml><?xml version="1.0" encoding="utf-8"?>
+<p:sld xmlns:a="http://schemas.openxmlformats.org/drawingml/2006/main" xmlns:r="http://schemas.openxmlformats.org/officeDocument/2006/relationships" xmlns:p="http://schemas.openxmlformats.org/presentationml/2006/main">
+  <p:cSld>
+    <p:spTree>
+      <p:nvGrpSpPr>
+        <p:cNvPr id="1" name=""/>
+        <p:cNvGrpSpPr/>
+        <p:nvPr/>
+      </p:nvGrpSpPr>
+      <p:grpSpPr>
+        <a:xfrm>
+          <a:off x="0" y="0"/>
+          <a:ext cx="0" cy="0"/>
+          <a:chOff x="0" y="0"/>
+          <a:chExt cx="0" cy="0"/>
+        </a:xfrm>
+      </p:grpSpPr>
+      <p:sp>
+        <p:nvSpPr>
+          <p:cNvPr id="2" name="タイトル 1"/>
+          <p:cNvSpPr>
+            <a:spLocks noGrp="1"/>
+          </p:cNvSpPr>
+          <p:nvPr>
+            <p:ph type="title"/>
+          </p:nvPr>
+        </p:nvSpPr>
+        <p:spPr/>
+        <p:txBody>
+          <a:bodyPr/>
+          <a:lstStyle/>
+          <a:p>
+            <a:r>
+              <a:rPr kumimoji="1" lang="ja-JP" altLang="en-US" dirty="0" smtClean="0"/>
+              <a:t>研修１日目</a:t>
+            </a:r>
+            <a:endParaRPr kumimoji="1" lang="ja-JP" altLang="en-US" dirty="0"/>
+          </a:p>
+        </p:txBody>
+      </p:sp>
+      <p:sp>
+        <p:nvSpPr>
+          <p:cNvPr id="3" name="コンテンツ プレースホルダー 2"/>
+          <p:cNvSpPr>
+            <a:spLocks noGrp="1"/>
+          </p:cNvSpPr>
+          <p:nvPr>
+            <p:ph idx="1"/>
+          </p:nvPr>
+        </p:nvSpPr>
+        <p:spPr/>
+        <p:txBody>
+          <a:bodyPr>
+            <a:normAutofit fontScale="77500" lnSpcReduction="20000"/>
+          </a:bodyPr>
+          <a:lstStyle/>
+          <a:p>
+            <a:r>
+              <a:rPr lang="en-US" altLang="ja-JP" dirty="0" smtClean="0"/>
+              <a:t>10:00</a:t>
+            </a:r>
+            <a:r>
+              <a:rPr lang="ja-JP" altLang="en-US" dirty="0" smtClean="0"/>
+              <a:t>～</a:t>
+            </a:r>
+            <a:r>
+              <a:rPr lang="en-US" altLang="ja-JP" dirty="0" smtClean="0"/>
+              <a:t>11:00</a:t>
+            </a:r>
+            <a:r>
+              <a:rPr lang="ja-JP" altLang="en-US" dirty="0" smtClean="0"/>
+              <a:t>　各自作業</a:t>
+            </a:r>
+            <a:endParaRPr lang="en-US" altLang="ja-JP" dirty="0" smtClean="0"/>
+          </a:p>
+          <a:p>
+            <a:r>
+              <a:rPr lang="en-US" altLang="ja-JP" dirty="0" smtClean="0"/>
+              <a:t>11:00</a:t>
+            </a:r>
+            <a:r>
+              <a:rPr lang="ja-JP" altLang="en-US" dirty="0" smtClean="0"/>
+              <a:t>～</a:t>
+            </a:r>
+            <a:r>
+              <a:rPr lang="en-US" altLang="ja-JP" dirty="0" smtClean="0"/>
+              <a:t>12:00</a:t>
+            </a:r>
+            <a:r>
+              <a:rPr lang="ja-JP" altLang="en-US" dirty="0" smtClean="0"/>
+              <a:t>　全体説明（齋藤）</a:t>
+            </a:r>
+            <a:endParaRPr lang="en-US" altLang="ja-JP" dirty="0" smtClean="0"/>
+          </a:p>
+          <a:p>
+            <a:pPr lvl="1"/>
+            <a:r>
+              <a:rPr lang="ja-JP" altLang="en-US" dirty="0" smtClean="0"/>
+              <a:t>１日のスケジュール</a:t>
+            </a:r>
+            <a:endParaRPr lang="en-US" altLang="ja-JP" dirty="0" smtClean="0"/>
+          </a:p>
+          <a:p>
+            <a:pPr lvl="1"/>
+            <a:r>
+              <a:rPr kumimoji="1" lang="ja-JP" altLang="en-US" dirty="0" smtClean="0"/>
+              <a:t>研修にあたっての心構え</a:t>
+            </a:r>
+            <a:endParaRPr kumimoji="1" lang="en-US" altLang="ja-JP" dirty="0" smtClean="0"/>
+          </a:p>
+          <a:p>
+            <a:pPr lvl="1"/>
+            <a:r>
+              <a:rPr lang="ja-JP" altLang="en-US" dirty="0" smtClean="0"/>
+              <a:t>（これまでの研修について振り返り、報告会の内容など聞き取り調査）</a:t>
+            </a:r>
+            <a:endParaRPr kumimoji="1" lang="en-US" altLang="ja-JP" dirty="0" smtClean="0"/>
+          </a:p>
+          <a:p>
+            <a:r>
+              <a:rPr kumimoji="1" lang="en-US" altLang="ja-JP" dirty="0" smtClean="0"/>
+              <a:t>13:00</a:t>
+            </a:r>
+            <a:r>
+              <a:rPr kumimoji="1" lang="ja-JP" altLang="en-US" dirty="0" smtClean="0"/>
+              <a:t>～</a:t>
+            </a:r>
+            <a:r>
+              <a:rPr kumimoji="1" lang="en-US" altLang="ja-JP" dirty="0" smtClean="0"/>
+              <a:t>15:00</a:t>
+            </a:r>
+            <a:r>
+              <a:rPr kumimoji="1" lang="ja-JP" altLang="en-US" dirty="0" smtClean="0"/>
+              <a:t>　</a:t>
+            </a:r>
+            <a:r>
+              <a:rPr lang="ja-JP" altLang="en-US" dirty="0" smtClean="0"/>
+              <a:t>キックオフ</a:t>
+            </a:r>
+            <a:r>
+              <a:rPr lang="ja-JP" altLang="en-US" dirty="0"/>
+              <a:t>会議</a:t>
+            </a:r>
+            <a:endParaRPr kumimoji="1" lang="en-US" altLang="ja-JP" dirty="0" smtClean="0"/>
+          </a:p>
+          <a:p>
+            <a:pPr lvl="1"/>
+            <a:r>
+              <a:rPr lang="ja-JP" altLang="en-US" dirty="0" smtClean="0"/>
+              <a:t>新人から調査報告</a:t>
+            </a:r>
+            <a:endParaRPr lang="en-US" altLang="ja-JP" dirty="0" smtClean="0"/>
+          </a:p>
+          <a:p>
+            <a:pPr lvl="2"/>
+            <a:r>
+              <a:rPr lang="ja-JP" altLang="en-US" dirty="0" smtClean="0"/>
+              <a:t>研修</a:t>
+            </a:r>
+            <a:r>
+              <a:rPr lang="ja-JP" altLang="en-US" dirty="0"/>
+              <a:t>開始</a:t>
+            </a:r>
+            <a:r>
+              <a:rPr lang="ja-JP" altLang="en-US" dirty="0" smtClean="0"/>
+              <a:t>までに調査できた内容を報告してもらう</a:t>
+            </a:r>
+            <a:r>
+              <a:rPr lang="en-US" altLang="ja-JP" dirty="0"/>
+              <a:t/>
+            </a:r>
+            <a:br>
+              <a:rPr lang="en-US" altLang="ja-JP" dirty="0"/>
+            </a:br>
+            <a:r>
+              <a:rPr lang="ja-JP" altLang="en-US" dirty="0" smtClean="0"/>
+              <a:t>（</a:t>
+            </a:r>
+            <a:r>
+              <a:rPr lang="en-US" altLang="ja-JP" dirty="0" smtClean="0"/>
+              <a:t>Eclipse Plugin, EMF, Sirius, JavaFX</a:t>
+            </a:r>
+            <a:r>
+              <a:rPr lang="ja-JP" altLang="en-US" dirty="0" smtClean="0"/>
+              <a:t>）</a:t>
+            </a:r>
+            <a:endParaRPr lang="en-US" altLang="ja-JP" dirty="0" smtClean="0"/>
+          </a:p>
+          <a:p>
+            <a:pPr lvl="2"/>
+            <a:r>
+              <a:rPr lang="ja-JP" altLang="en-US" dirty="0" smtClean="0"/>
+              <a:t>先輩方から補足</a:t>
+            </a:r>
+            <a:endParaRPr lang="en-US" altLang="ja-JP" dirty="0" smtClean="0"/>
+          </a:p>
+          <a:p>
+            <a:pPr lvl="1"/>
+            <a:r>
+              <a:rPr lang="en-US" altLang="ja-JP" dirty="0" smtClean="0"/>
+              <a:t>JavaFX</a:t>
+            </a:r>
+            <a:r>
+              <a:rPr lang="ja-JP" altLang="en-US" dirty="0" smtClean="0"/>
+              <a:t>チームの説明（坂本さん）</a:t>
+            </a:r>
+            <a:endParaRPr lang="en-US" altLang="ja-JP" dirty="0" smtClean="0"/>
+          </a:p>
+          <a:p>
+            <a:pPr lvl="1"/>
+            <a:r>
+              <a:rPr kumimoji="1" lang="en-US" altLang="ja-JP" dirty="0" smtClean="0"/>
+              <a:t>Sirius</a:t>
+            </a:r>
+            <a:r>
+              <a:rPr kumimoji="1" lang="ja-JP" altLang="en-US" dirty="0" smtClean="0"/>
+              <a:t>チームの説明（吉田さん）</a:t>
+            </a:r>
+            <a:endParaRPr kumimoji="1" lang="en-US" altLang="ja-JP" dirty="0" smtClean="0"/>
+          </a:p>
+          <a:p>
+            <a:r>
+              <a:rPr lang="en-US" altLang="ja-JP" dirty="0" smtClean="0"/>
+              <a:t>15:00</a:t>
+            </a:r>
+            <a:r>
+              <a:rPr lang="ja-JP" altLang="en-US" dirty="0" smtClean="0"/>
+              <a:t>～</a:t>
+            </a:r>
+            <a:r>
+              <a:rPr lang="en-US" altLang="ja-JP" dirty="0" smtClean="0"/>
+              <a:t>18:00</a:t>
+            </a:r>
+            <a:r>
+              <a:rPr lang="ja-JP" altLang="en-US" dirty="0" smtClean="0"/>
+              <a:t>　各自作業</a:t>
+            </a:r>
+            <a:endParaRPr lang="en-US" altLang="ja-JP" dirty="0" smtClean="0"/>
+          </a:p>
+          <a:p>
+            <a:r>
+              <a:rPr kumimoji="1" lang="en-US" altLang="ja-JP" dirty="0" smtClean="0"/>
+              <a:t>18:00</a:t>
+            </a:r>
+            <a:r>
+              <a:rPr kumimoji="1" lang="ja-JP" altLang="en-US" dirty="0" smtClean="0"/>
+              <a:t>～</a:t>
+            </a:r>
+            <a:r>
+              <a:rPr kumimoji="1" lang="en-US" altLang="ja-JP" dirty="0" smtClean="0"/>
+              <a:t>18:30</a:t>
+            </a:r>
+            <a:r>
+              <a:rPr kumimoji="1" lang="ja-JP" altLang="en-US" dirty="0" smtClean="0"/>
+              <a:t>　</a:t>
+            </a:r>
+            <a:r>
+              <a:rPr lang="ja-JP" altLang="en-US" dirty="0" smtClean="0"/>
+              <a:t>日報作成　</a:t>
+            </a:r>
+            <a:r>
+              <a:rPr lang="en-US" altLang="ja-JP" dirty="0" smtClean="0">
+                <a:solidFill>
+                  <a:srgbClr val="0070C0"/>
+                </a:solidFill>
+              </a:rPr>
+              <a:t>※</a:t>
+            </a:r>
+            <a:r>
+              <a:rPr lang="ja-JP" altLang="en-US" dirty="0" smtClean="0">
+                <a:solidFill>
+                  <a:srgbClr val="0070C0"/>
+                </a:solidFill>
+              </a:rPr>
+              <a:t>夕会開始</a:t>
+            </a:r>
+            <a:r>
+              <a:rPr lang="ja-JP" altLang="en-US" dirty="0">
+                <a:solidFill>
+                  <a:srgbClr val="0070C0"/>
+                </a:solidFill>
+              </a:rPr>
+              <a:t>まで</a:t>
+            </a:r>
+            <a:r>
+              <a:rPr lang="ja-JP" altLang="en-US" dirty="0" smtClean="0">
+                <a:solidFill>
+                  <a:srgbClr val="0070C0"/>
+                </a:solidFill>
+              </a:rPr>
+              <a:t>に送信</a:t>
+            </a:r>
+            <a:r>
+              <a:rPr kumimoji="1" lang="ja-JP" altLang="en-US" dirty="0" smtClean="0"/>
+              <a:t>　</a:t>
+            </a:r>
+            <a:endParaRPr kumimoji="1" lang="en-US" altLang="ja-JP" dirty="0" smtClean="0"/>
+          </a:p>
+          <a:p>
+            <a:r>
+              <a:rPr lang="en-US" altLang="ja-JP" dirty="0" smtClean="0"/>
+              <a:t>18:30</a:t>
+            </a:r>
+            <a:r>
+              <a:rPr lang="ja-JP" altLang="en-US" dirty="0" smtClean="0"/>
+              <a:t>～</a:t>
+            </a:r>
+            <a:r>
+              <a:rPr lang="en-US" altLang="ja-JP" dirty="0" smtClean="0"/>
+              <a:t>19:00</a:t>
+            </a:r>
+            <a:r>
+              <a:rPr lang="ja-JP" altLang="en-US" dirty="0" smtClean="0"/>
+              <a:t>　</a:t>
+            </a:r>
+            <a:r>
+              <a:rPr lang="ja-JP" altLang="en-US" dirty="0" smtClean="0"/>
+              <a:t>夕会</a:t>
+            </a:r>
+            <a:endParaRPr lang="en-US" altLang="ja-JP" dirty="0" smtClean="0"/>
+          </a:p>
+          <a:p>
+            <a:r>
+              <a:rPr kumimoji="1" lang="en-US" altLang="ja-JP" dirty="0" smtClean="0"/>
+              <a:t>19:00</a:t>
+            </a:r>
+            <a:r>
+              <a:rPr kumimoji="1" lang="ja-JP" altLang="en-US" smtClean="0"/>
+              <a:t>　退社</a:t>
+            </a:r>
+            <a:endParaRPr kumimoji="1" lang="ja-JP" altLang="en-US" dirty="0"/>
+          </a:p>
+        </p:txBody>
+      </p:sp>
+    </p:spTree>
+    <p:extLst>
+      <p:ext uri="{BB962C8B-B14F-4D97-AF65-F5344CB8AC3E}">
+        <p14:creationId xmlns:p14="http://schemas.microsoft.com/office/powerpoint/2010/main" val="2658701038"/>
       </p:ext>
     </p:extLst>
   </p:cSld>
